--- a/BUS243_NLP/lecture_notes/Lecture5.pptx
+++ b/BUS243_NLP/lecture_notes/Lecture5.pptx
@@ -5,7 +5,7 @@
     <p:sldMasterId id="2147483775" r:id="rId1"/>
   </p:sldMasterIdLst>
   <p:notesMasterIdLst>
-    <p:notesMasterId r:id="rId24"/>
+    <p:notesMasterId r:id="rId50"/>
   </p:notesMasterIdLst>
   <p:sldIdLst>
     <p:sldId id="256" r:id="rId2"/>
@@ -30,6 +30,32 @@
     <p:sldId id="320" r:id="rId21"/>
     <p:sldId id="321" r:id="rId22"/>
     <p:sldId id="322" r:id="rId23"/>
+    <p:sldId id="323" r:id="rId24"/>
+    <p:sldId id="324" r:id="rId25"/>
+    <p:sldId id="325" r:id="rId26"/>
+    <p:sldId id="326" r:id="rId27"/>
+    <p:sldId id="327" r:id="rId28"/>
+    <p:sldId id="328" r:id="rId29"/>
+    <p:sldId id="329" r:id="rId30"/>
+    <p:sldId id="330" r:id="rId31"/>
+    <p:sldId id="331" r:id="rId32"/>
+    <p:sldId id="332" r:id="rId33"/>
+    <p:sldId id="333" r:id="rId34"/>
+    <p:sldId id="334" r:id="rId35"/>
+    <p:sldId id="335" r:id="rId36"/>
+    <p:sldId id="336" r:id="rId37"/>
+    <p:sldId id="337" r:id="rId38"/>
+    <p:sldId id="338" r:id="rId39"/>
+    <p:sldId id="339" r:id="rId40"/>
+    <p:sldId id="340" r:id="rId41"/>
+    <p:sldId id="341" r:id="rId42"/>
+    <p:sldId id="342" r:id="rId43"/>
+    <p:sldId id="343" r:id="rId44"/>
+    <p:sldId id="344" r:id="rId45"/>
+    <p:sldId id="345" r:id="rId46"/>
+    <p:sldId id="346" r:id="rId47"/>
+    <p:sldId id="347" r:id="rId48"/>
+    <p:sldId id="348" r:id="rId49"/>
   </p:sldIdLst>
   <p:sldSz cx="12192000" cy="6858000"/>
   <p:notesSz cx="6858000" cy="9144000"/>
@@ -218,7 +244,7 @@
           <a:p>
             <a:fld id="{6C062D5C-E428-DA43-AA54-C279CF805B17}" type="datetimeFigureOut">
               <a:rPr lang="en-US" smtClean="0"/>
-              <a:t>4/14/23</a:t>
+              <a:t>4/15/23</a:t>
             </a:fld>
             <a:endParaRPr lang="en-US"/>
           </a:p>
@@ -634,7 +660,7 @@
             <a:fld id="{3F9AFA87-1417-4992-ABD9-27C3BC8CC883}" type="datetimeFigureOut">
               <a:rPr lang="en-US" smtClean="0"/>
               <a:pPr algn="r"/>
-              <a:t>4/14/23</a:t>
+              <a:t>4/15/23</a:t>
             </a:fld>
             <a:endParaRPr lang="en-US" dirty="0"/>
           </a:p>
@@ -833,7 +859,7 @@
           <a:p>
             <a:fld id="{3F9AFA87-1417-4992-ABD9-27C3BC8CC883}" type="datetimeFigureOut">
               <a:rPr lang="en-US" smtClean="0"/>
-              <a:t>4/14/23</a:t>
+              <a:t>4/15/23</a:t>
             </a:fld>
             <a:endParaRPr lang="en-US"/>
           </a:p>
@@ -1041,7 +1067,7 @@
           <a:p>
             <a:fld id="{3F9AFA87-1417-4992-ABD9-27C3BC8CC883}" type="datetimeFigureOut">
               <a:rPr lang="en-US" smtClean="0"/>
-              <a:t>4/14/23</a:t>
+              <a:t>4/15/23</a:t>
             </a:fld>
             <a:endParaRPr lang="en-US"/>
           </a:p>
@@ -1239,7 +1265,7 @@
           <a:p>
             <a:fld id="{3F9AFA87-1417-4992-ABD9-27C3BC8CC883}" type="datetimeFigureOut">
               <a:rPr lang="en-US" smtClean="0"/>
-              <a:t>4/14/23</a:t>
+              <a:t>4/15/23</a:t>
             </a:fld>
             <a:endParaRPr lang="en-US"/>
           </a:p>
@@ -1514,7 +1540,7 @@
           <a:p>
             <a:fld id="{3F9AFA87-1417-4992-ABD9-27C3BC8CC883}" type="datetimeFigureOut">
               <a:rPr lang="en-US" smtClean="0"/>
-              <a:t>4/14/23</a:t>
+              <a:t>4/15/23</a:t>
             </a:fld>
             <a:endParaRPr lang="en-US"/>
           </a:p>
@@ -1779,7 +1805,7 @@
           <a:p>
             <a:fld id="{3F9AFA87-1417-4992-ABD9-27C3BC8CC883}" type="datetimeFigureOut">
               <a:rPr lang="en-US" smtClean="0"/>
-              <a:t>4/14/23</a:t>
+              <a:t>4/15/23</a:t>
             </a:fld>
             <a:endParaRPr lang="en-US" dirty="0"/>
           </a:p>
@@ -2193,7 +2219,7 @@
             <a:fld id="{3F9AFA87-1417-4992-ABD9-27C3BC8CC883}" type="datetimeFigureOut">
               <a:rPr lang="en-US" smtClean="0"/>
               <a:pPr algn="r"/>
-              <a:t>4/14/23</a:t>
+              <a:t>4/15/23</a:t>
             </a:fld>
             <a:endParaRPr lang="en-US" dirty="0"/>
           </a:p>
@@ -2335,7 +2361,7 @@
           <a:p>
             <a:fld id="{3F9AFA87-1417-4992-ABD9-27C3BC8CC883}" type="datetimeFigureOut">
               <a:rPr lang="en-US" smtClean="0"/>
-              <a:t>4/14/23</a:t>
+              <a:t>4/15/23</a:t>
             </a:fld>
             <a:endParaRPr lang="en-US"/>
           </a:p>
@@ -2448,7 +2474,7 @@
           <a:p>
             <a:fld id="{3F9AFA87-1417-4992-ABD9-27C3BC8CC883}" type="datetimeFigureOut">
               <a:rPr lang="en-US" smtClean="0"/>
-              <a:t>4/14/23</a:t>
+              <a:t>4/15/23</a:t>
             </a:fld>
             <a:endParaRPr lang="en-US"/>
           </a:p>
@@ -2759,7 +2785,7 @@
           <a:p>
             <a:fld id="{3F9AFA87-1417-4992-ABD9-27C3BC8CC883}" type="datetimeFigureOut">
               <a:rPr lang="en-US" smtClean="0"/>
-              <a:t>4/14/23</a:t>
+              <a:t>4/15/23</a:t>
             </a:fld>
             <a:endParaRPr lang="en-US"/>
           </a:p>
@@ -3047,7 +3073,7 @@
           <a:p>
             <a:fld id="{3F9AFA87-1417-4992-ABD9-27C3BC8CC883}" type="datetimeFigureOut">
               <a:rPr lang="en-US" smtClean="0"/>
-              <a:t>4/14/23</a:t>
+              <a:t>4/15/23</a:t>
             </a:fld>
             <a:endParaRPr lang="en-US"/>
           </a:p>
@@ -3290,7 +3316,7 @@
             <a:fld id="{3F9AFA87-1417-4992-ABD9-27C3BC8CC883}" type="datetimeFigureOut">
               <a:rPr lang="en-US" smtClean="0"/>
               <a:pPr algn="r"/>
-              <a:t>4/14/23</a:t>
+              <a:t>4/15/23</a:t>
             </a:fld>
             <a:endParaRPr lang="en-US" dirty="0"/>
           </a:p>
@@ -5908,12 +5934,52 @@
         </p:nvSpPr>
         <p:spPr/>
         <p:txBody>
-          <a:bodyPr/>
+          <a:bodyPr>
+            <a:normAutofit fontScale="77500" lnSpcReduction="20000"/>
+          </a:bodyPr>
           <a:lstStyle/>
           <a:p>
+            <a:pPr>
+              <a:lnSpc>
+                <a:spcPct val="200000"/>
+              </a:lnSpc>
+            </a:pPr>
             <a:r>
               <a:rPr lang="en-US" dirty="0"/>
               <a:t>A lot of the things we learn in school growing up have much in common with traditional computer programs</a:t>
+            </a:r>
+          </a:p>
+          <a:p>
+            <a:pPr lvl="1">
+              <a:lnSpc>
+                <a:spcPct val="200000"/>
+              </a:lnSpc>
+            </a:pPr>
+            <a:r>
+              <a:rPr lang="en-US" dirty="0"/>
+              <a:t>learn how to multiply numbers, solve equations, and take derivatives by internalizing a set of instructions</a:t>
+            </a:r>
+          </a:p>
+          <a:p>
+            <a:pPr>
+              <a:lnSpc>
+                <a:spcPct val="200000"/>
+              </a:lnSpc>
+            </a:pPr>
+            <a:r>
+              <a:rPr lang="en-US" dirty="0"/>
+              <a:t>But the things we learn at an extremely early age, the things we find most natural, are learned by example, not by formula</a:t>
+            </a:r>
+          </a:p>
+          <a:p>
+            <a:pPr lvl="1">
+              <a:lnSpc>
+                <a:spcPct val="200000"/>
+              </a:lnSpc>
+            </a:pPr>
+            <a:r>
+              <a:rPr lang="en-US" dirty="0"/>
+              <a:t>How did you recognize a zero, dog, …?</a:t>
             </a:r>
           </a:p>
         </p:txBody>
@@ -5922,6 +5988,1664 @@
     <p:extLst>
       <p:ext uri="{BB962C8B-B14F-4D97-AF65-F5344CB8AC3E}">
         <p14:creationId xmlns:p14="http://schemas.microsoft.com/office/powerpoint/2010/main" val="485350859"/>
+      </p:ext>
+    </p:extLst>
+  </p:cSld>
+  <p:clrMapOvr>
+    <a:masterClrMapping/>
+  </p:clrMapOvr>
+</p:sld>
+</file>
+
+<file path=ppt/slides/slide23.xml><?xml version="1.0" encoding="utf-8"?>
+<p:sld xmlns:a="http://schemas.openxmlformats.org/drawingml/2006/main" xmlns:r="http://schemas.openxmlformats.org/officeDocument/2006/relationships" xmlns:p="http://schemas.openxmlformats.org/presentationml/2006/main">
+  <p:cSld>
+    <p:spTree>
+      <p:nvGrpSpPr>
+        <p:cNvPr id="1" name=""/>
+        <p:cNvGrpSpPr/>
+        <p:nvPr/>
+      </p:nvGrpSpPr>
+      <p:grpSpPr>
+        <a:xfrm>
+          <a:off x="0" y="0"/>
+          <a:ext cx="0" cy="0"/>
+          <a:chOff x="0" y="0"/>
+          <a:chExt cx="0" cy="0"/>
+        </a:xfrm>
+      </p:grpSpPr>
+      <p:sp>
+        <p:nvSpPr>
+          <p:cNvPr id="2" name="Title 1">
+            <a:extLst>
+              <a:ext uri="{FF2B5EF4-FFF2-40B4-BE49-F238E27FC236}">
+                <a16:creationId xmlns:a16="http://schemas.microsoft.com/office/drawing/2014/main" id="{F6427A8B-1E1C-D11C-FF95-BAB04780C0E0}"/>
+              </a:ext>
+            </a:extLst>
+          </p:cNvPr>
+          <p:cNvSpPr>
+            <a:spLocks noGrp="1"/>
+          </p:cNvSpPr>
+          <p:nvPr>
+            <p:ph type="title"/>
+          </p:nvPr>
+        </p:nvSpPr>
+        <p:spPr/>
+        <p:txBody>
+          <a:bodyPr/>
+          <a:lstStyle/>
+          <a:p>
+            <a:r>
+              <a:rPr lang="en-US" b="1" dirty="0"/>
+              <a:t>Learning process</a:t>
+            </a:r>
+          </a:p>
+        </p:txBody>
+      </p:sp>
+      <p:sp>
+        <p:nvSpPr>
+          <p:cNvPr id="3" name="Content Placeholder 2">
+            <a:extLst>
+              <a:ext uri="{FF2B5EF4-FFF2-40B4-BE49-F238E27FC236}">
+                <a16:creationId xmlns:a16="http://schemas.microsoft.com/office/drawing/2014/main" id="{D433970A-7EB5-1B71-F7C1-6D8E1962A840}"/>
+              </a:ext>
+            </a:extLst>
+          </p:cNvPr>
+          <p:cNvSpPr>
+            <a:spLocks noGrp="1"/>
+          </p:cNvSpPr>
+          <p:nvPr>
+            <p:ph idx="1"/>
+          </p:nvPr>
+        </p:nvSpPr>
+        <p:spPr/>
+        <p:txBody>
+          <a:bodyPr/>
+          <a:lstStyle/>
+          <a:p>
+            <a:r>
+              <a:rPr lang="en-US" dirty="0"/>
+              <a:t>When we were born, our brains provided us with a model that described how we would be able to see the world</a:t>
+            </a:r>
+          </a:p>
+          <a:p>
+            <a:r>
+              <a:rPr lang="en-US" dirty="0"/>
+              <a:t>As we grew up, that model would take in our sensory inputs and make a guess about what we were experiencing. </a:t>
+            </a:r>
+          </a:p>
+          <a:p>
+            <a:pPr lvl="1"/>
+            <a:r>
+              <a:rPr lang="en-US" dirty="0"/>
+              <a:t>If that guess was confirmed by our parents, our model would be reinforced. </a:t>
+            </a:r>
+          </a:p>
+          <a:p>
+            <a:pPr lvl="1"/>
+            <a:r>
+              <a:rPr lang="en-US" dirty="0"/>
+              <a:t>If our parents said we were wrong, we’d modify our model to incorporate this new information. </a:t>
+            </a:r>
+          </a:p>
+          <a:p>
+            <a:r>
+              <a:rPr lang="en-US" dirty="0"/>
+              <a:t>Over our lifetime, our model becomes more and more accurate as we assimilate more and more examples</a:t>
+            </a:r>
+          </a:p>
+        </p:txBody>
+      </p:sp>
+    </p:spTree>
+    <p:extLst>
+      <p:ext uri="{BB962C8B-B14F-4D97-AF65-F5344CB8AC3E}">
+        <p14:creationId xmlns:p14="http://schemas.microsoft.com/office/powerpoint/2010/main" val="645920045"/>
+      </p:ext>
+    </p:extLst>
+  </p:cSld>
+  <p:clrMapOvr>
+    <a:masterClrMapping/>
+  </p:clrMapOvr>
+</p:sld>
+</file>
+
+<file path=ppt/slides/slide24.xml><?xml version="1.0" encoding="utf-8"?>
+<p:sld xmlns:a="http://schemas.openxmlformats.org/drawingml/2006/main" xmlns:r="http://schemas.openxmlformats.org/officeDocument/2006/relationships" xmlns:p="http://schemas.openxmlformats.org/presentationml/2006/main">
+  <p:cSld>
+    <p:spTree>
+      <p:nvGrpSpPr>
+        <p:cNvPr id="1" name=""/>
+        <p:cNvGrpSpPr/>
+        <p:nvPr/>
+      </p:nvGrpSpPr>
+      <p:grpSpPr>
+        <a:xfrm>
+          <a:off x="0" y="0"/>
+          <a:ext cx="0" cy="0"/>
+          <a:chOff x="0" y="0"/>
+          <a:chExt cx="0" cy="0"/>
+        </a:xfrm>
+      </p:grpSpPr>
+      <p:sp>
+        <p:nvSpPr>
+          <p:cNvPr id="2" name="Title 1">
+            <a:extLst>
+              <a:ext uri="{FF2B5EF4-FFF2-40B4-BE49-F238E27FC236}">
+                <a16:creationId xmlns:a16="http://schemas.microsoft.com/office/drawing/2014/main" id="{CC267019-15AD-0791-4FDA-1BD04F979AE7}"/>
+              </a:ext>
+            </a:extLst>
+          </p:cNvPr>
+          <p:cNvSpPr>
+            <a:spLocks noGrp="1"/>
+          </p:cNvSpPr>
+          <p:nvPr>
+            <p:ph type="title"/>
+          </p:nvPr>
+        </p:nvSpPr>
+        <p:spPr/>
+        <p:txBody>
+          <a:bodyPr/>
+          <a:lstStyle/>
+          <a:p>
+            <a:r>
+              <a:rPr lang="en-US" b="1" dirty="0"/>
+              <a:t>continue</a:t>
+            </a:r>
+          </a:p>
+        </p:txBody>
+      </p:sp>
+      <p:sp>
+        <p:nvSpPr>
+          <p:cNvPr id="3" name="Content Placeholder 2">
+            <a:extLst>
+              <a:ext uri="{FF2B5EF4-FFF2-40B4-BE49-F238E27FC236}">
+                <a16:creationId xmlns:a16="http://schemas.microsoft.com/office/drawing/2014/main" id="{ECA42CCE-2B9F-FE1B-3B14-56BE1636DC5A}"/>
+              </a:ext>
+            </a:extLst>
+          </p:cNvPr>
+          <p:cNvSpPr>
+            <a:spLocks noGrp="1"/>
+          </p:cNvSpPr>
+          <p:nvPr>
+            <p:ph idx="1"/>
+          </p:nvPr>
+        </p:nvSpPr>
+        <p:spPr/>
+        <p:txBody>
+          <a:bodyPr>
+            <a:normAutofit fontScale="70000" lnSpcReduction="20000"/>
+          </a:bodyPr>
+          <a:lstStyle/>
+          <a:p>
+            <a:pPr>
+              <a:lnSpc>
+                <a:spcPct val="200000"/>
+              </a:lnSpc>
+            </a:pPr>
+            <a:r>
+              <a:rPr lang="en-US" dirty="0"/>
+              <a:t>Deep learning is a subset of a more general field of AI called machine learning, which is predicated on this idea of learning from example</a:t>
+            </a:r>
+          </a:p>
+          <a:p>
+            <a:pPr>
+              <a:lnSpc>
+                <a:spcPct val="200000"/>
+              </a:lnSpc>
+            </a:pPr>
+            <a:r>
+              <a:rPr lang="en-US" dirty="0"/>
+              <a:t>In machine learning, instead of having rules</a:t>
+            </a:r>
+          </a:p>
+          <a:p>
+            <a:pPr lvl="1">
+              <a:lnSpc>
+                <a:spcPct val="200000"/>
+              </a:lnSpc>
+            </a:pPr>
+            <a:r>
+              <a:rPr lang="en-US" dirty="0"/>
+              <a:t>we give it a model with which it can evaluate examples, </a:t>
+            </a:r>
+          </a:p>
+          <a:p>
+            <a:pPr lvl="1">
+              <a:lnSpc>
+                <a:spcPct val="200000"/>
+              </a:lnSpc>
+            </a:pPr>
+            <a:r>
+              <a:rPr lang="en-US" dirty="0"/>
+              <a:t>and a small set of instructions to modify the model when it makes a mistake</a:t>
+            </a:r>
+          </a:p>
+          <a:p>
+            <a:pPr>
+              <a:lnSpc>
+                <a:spcPct val="200000"/>
+              </a:lnSpc>
+            </a:pPr>
+            <a:r>
+              <a:rPr lang="en-US" dirty="0"/>
+              <a:t>We expect that, over time, a well-suited model would be able to solve the problem extremely accurately</a:t>
+            </a:r>
+          </a:p>
+        </p:txBody>
+      </p:sp>
+    </p:spTree>
+    <p:extLst>
+      <p:ext uri="{BB962C8B-B14F-4D97-AF65-F5344CB8AC3E}">
+        <p14:creationId xmlns:p14="http://schemas.microsoft.com/office/powerpoint/2010/main" val="3449012721"/>
+      </p:ext>
+    </p:extLst>
+  </p:cSld>
+  <p:clrMapOvr>
+    <a:masterClrMapping/>
+  </p:clrMapOvr>
+</p:sld>
+</file>
+
+<file path=ppt/slides/slide25.xml><?xml version="1.0" encoding="utf-8"?>
+<p:sld xmlns:a="http://schemas.openxmlformats.org/drawingml/2006/main" xmlns:r="http://schemas.openxmlformats.org/officeDocument/2006/relationships" xmlns:p="http://schemas.openxmlformats.org/presentationml/2006/main">
+  <p:cSld>
+    <p:spTree>
+      <p:nvGrpSpPr>
+        <p:cNvPr id="1" name=""/>
+        <p:cNvGrpSpPr/>
+        <p:nvPr/>
+      </p:nvGrpSpPr>
+      <p:grpSpPr>
+        <a:xfrm>
+          <a:off x="0" y="0"/>
+          <a:ext cx="0" cy="0"/>
+          <a:chOff x="0" y="0"/>
+          <a:chExt cx="0" cy="0"/>
+        </a:xfrm>
+      </p:grpSpPr>
+      <p:sp>
+        <p:nvSpPr>
+          <p:cNvPr id="2" name="Title 1">
+            <a:extLst>
+              <a:ext uri="{FF2B5EF4-FFF2-40B4-BE49-F238E27FC236}">
+                <a16:creationId xmlns:a16="http://schemas.microsoft.com/office/drawing/2014/main" id="{5B289BA5-481B-C4FF-6EF0-636FB584499D}"/>
+              </a:ext>
+            </a:extLst>
+          </p:cNvPr>
+          <p:cNvSpPr>
+            <a:spLocks noGrp="1"/>
+          </p:cNvSpPr>
+          <p:nvPr>
+            <p:ph type="title"/>
+          </p:nvPr>
+        </p:nvSpPr>
+        <p:spPr/>
+        <p:txBody>
+          <a:bodyPr/>
+          <a:lstStyle/>
+          <a:p>
+            <a:r>
+              <a:rPr lang="en-US" b="1" dirty="0"/>
+              <a:t>Little math</a:t>
+            </a:r>
+          </a:p>
+        </p:txBody>
+      </p:sp>
+      <mc:AlternateContent xmlns:mc="http://schemas.openxmlformats.org/markup-compatibility/2006">
+        <mc:Choice xmlns:a14="http://schemas.microsoft.com/office/drawing/2010/main" Requires="a14">
+          <p:sp>
+            <p:nvSpPr>
+              <p:cNvPr id="3" name="Content Placeholder 2">
+                <a:extLst>
+                  <a:ext uri="{FF2B5EF4-FFF2-40B4-BE49-F238E27FC236}">
+                    <a16:creationId xmlns:a16="http://schemas.microsoft.com/office/drawing/2014/main" id="{26624376-52F9-7AC9-A7B9-2289B7AB16AD}"/>
+                  </a:ext>
+                </a:extLst>
+              </p:cNvPr>
+              <p:cNvSpPr>
+                <a:spLocks noGrp="1"/>
+              </p:cNvSpPr>
+              <p:nvPr>
+                <p:ph idx="1"/>
+              </p:nvPr>
+            </p:nvSpPr>
+            <p:spPr/>
+            <p:txBody>
+              <a:bodyPr/>
+              <a:lstStyle/>
+              <a:p>
+                <a:r>
+                  <a:rPr lang="en-US" dirty="0"/>
+                  <a:t>Let’s define our model as </a:t>
+                </a:r>
+                <a14:m>
+                  <m:oMath xmlns:m="http://schemas.openxmlformats.org/officeDocument/2006/math">
+                    <m:r>
+                      <a:rPr lang="en-US" b="0" i="1" smtClean="0">
+                        <a:latin typeface="Cambria Math" panose="02040503050406030204" pitchFamily="18" charset="0"/>
+                      </a:rPr>
+                      <m:t>h</m:t>
+                    </m:r>
+                    <m:d>
+                      <m:dPr>
+                        <m:ctrlPr>
+                          <a:rPr lang="en-US" b="0" i="1" smtClean="0">
+                            <a:latin typeface="Cambria Math" panose="02040503050406030204" pitchFamily="18" charset="0"/>
+                          </a:rPr>
+                        </m:ctrlPr>
+                      </m:dPr>
+                      <m:e>
+                        <m:r>
+                          <a:rPr lang="en-US" b="1" i="1" smtClean="0">
+                            <a:latin typeface="Cambria Math" panose="02040503050406030204" pitchFamily="18" charset="0"/>
+                          </a:rPr>
+                          <m:t>𝒙</m:t>
+                        </m:r>
+                        <m:r>
+                          <a:rPr lang="en-US" b="0" i="1" smtClean="0">
+                            <a:latin typeface="Cambria Math" panose="02040503050406030204" pitchFamily="18" charset="0"/>
+                          </a:rPr>
+                          <m:t>,</m:t>
+                        </m:r>
+                        <m:r>
+                          <a:rPr lang="en-US" b="0" i="1" smtClean="0">
+                            <a:latin typeface="Cambria Math" panose="02040503050406030204" pitchFamily="18" charset="0"/>
+                          </a:rPr>
+                          <m:t>𝜃</m:t>
+                        </m:r>
+                      </m:e>
+                    </m:d>
+                  </m:oMath>
+                </a14:m>
+                <a:endParaRPr lang="en-US" dirty="0"/>
+              </a:p>
+              <a:p>
+                <a:pPr lvl="1"/>
+                <a14:m>
+                  <m:oMath xmlns:m="http://schemas.openxmlformats.org/officeDocument/2006/math">
+                    <m:r>
+                      <a:rPr lang="en-US" b="1" i="1" smtClean="0">
+                        <a:latin typeface="Cambria Math" panose="02040503050406030204" pitchFamily="18" charset="0"/>
+                      </a:rPr>
+                      <m:t>𝒙</m:t>
+                    </m:r>
+                  </m:oMath>
+                </a14:m>
+                <a:r>
+                  <a:rPr lang="en-US" dirty="0"/>
+                  <a:t>: input vector</a:t>
+                </a:r>
+              </a:p>
+              <a:p>
+                <a:pPr lvl="2"/>
+                <a:r>
+                  <a:rPr lang="en-US" dirty="0"/>
+                  <a:t>If it were a grayscale image, express it like:</a:t>
+                </a:r>
+              </a:p>
+              <a:p>
+                <a:pPr lvl="1"/>
+                <a:r>
+                  <a:rPr lang="en-US" dirty="0"/>
+                  <a:t>The input </a:t>
+                </a:r>
+                <a14:m>
+                  <m:oMath xmlns:m="http://schemas.openxmlformats.org/officeDocument/2006/math">
+                    <m:r>
+                      <a:rPr lang="en-US" b="0" i="1" smtClean="0">
+                        <a:latin typeface="Cambria Math" panose="02040503050406030204" pitchFamily="18" charset="0"/>
+                      </a:rPr>
+                      <m:t>𝜃</m:t>
+                    </m:r>
+                  </m:oMath>
+                </a14:m>
+                <a:r>
+                  <a:rPr lang="en-US" dirty="0"/>
+                  <a:t> is a vector of the params</a:t>
+                </a:r>
+              </a:p>
+              <a:p>
+                <a:r>
+                  <a:rPr lang="en-US" dirty="0"/>
+                  <a:t>Machine learning program tries to</a:t>
+                </a:r>
+              </a:p>
+              <a:p>
+                <a:pPr marL="0" indent="0">
+                  <a:buNone/>
+                </a:pPr>
+                <a:r>
+                  <a:rPr lang="en-US" dirty="0"/>
+                  <a:t>   perfect the values of these params </a:t>
+                </a:r>
+              </a:p>
+              <a:p>
+                <a:pPr marL="0" indent="0">
+                  <a:buNone/>
+                </a:pPr>
+                <a:r>
+                  <a:rPr lang="en-US" dirty="0"/>
+                  <a:t>   as it is exposed to more and more</a:t>
+                </a:r>
+              </a:p>
+              <a:p>
+                <a:pPr marL="0" indent="0">
+                  <a:buNone/>
+                </a:pPr>
+                <a:r>
+                  <a:rPr lang="en-US" dirty="0"/>
+                  <a:t>   examples</a:t>
+                </a:r>
+              </a:p>
+            </p:txBody>
+          </p:sp>
+        </mc:Choice>
+        <mc:Fallback>
+          <p:sp>
+            <p:nvSpPr>
+              <p:cNvPr id="3" name="Content Placeholder 2">
+                <a:extLst>
+                  <a:ext uri="{FF2B5EF4-FFF2-40B4-BE49-F238E27FC236}">
+                    <a16:creationId xmlns:a16="http://schemas.microsoft.com/office/drawing/2014/main" id="{26624376-52F9-7AC9-A7B9-2289B7AB16AD}"/>
+                  </a:ext>
+                </a:extLst>
+              </p:cNvPr>
+              <p:cNvSpPr>
+                <a:spLocks noGrp="1" noRot="1" noChangeAspect="1" noMove="1" noResize="1" noEditPoints="1" noAdjustHandles="1" noChangeArrowheads="1" noChangeShapeType="1" noTextEdit="1"/>
+              </p:cNvSpPr>
+              <p:nvPr>
+                <p:ph idx="1"/>
+              </p:nvPr>
+            </p:nvSpPr>
+            <p:spPr>
+              <a:blipFill>
+                <a:blip r:embed="rId2"/>
+                <a:stretch>
+                  <a:fillRect l="-1086" t="-2326"/>
+                </a:stretch>
+              </a:blipFill>
+            </p:spPr>
+            <p:txBody>
+              <a:bodyPr/>
+              <a:lstStyle/>
+              <a:p>
+                <a:r>
+                  <a:rPr lang="en-US">
+                    <a:noFill/>
+                  </a:rPr>
+                  <a:t> </a:t>
+                </a:r>
+              </a:p>
+            </p:txBody>
+          </p:sp>
+        </mc:Fallback>
+      </mc:AlternateContent>
+      <p:pic>
+        <p:nvPicPr>
+          <p:cNvPr id="1026" name="Picture 2" descr=" ">
+            <a:extLst>
+              <a:ext uri="{FF2B5EF4-FFF2-40B4-BE49-F238E27FC236}">
+                <a16:creationId xmlns:a16="http://schemas.microsoft.com/office/drawing/2014/main" id="{67728C7B-153C-9F51-7BA3-20C9F8E81830}"/>
+              </a:ext>
+            </a:extLst>
+          </p:cNvPr>
+          <p:cNvPicPr>
+            <a:picLocks noChangeAspect="1" noChangeArrowheads="1"/>
+          </p:cNvPicPr>
+          <p:nvPr/>
+        </p:nvPicPr>
+        <p:blipFill>
+          <a:blip r:embed="rId3">
+            <a:extLst>
+              <a:ext uri="{28A0092B-C50C-407E-A947-70E740481C1C}">
+                <a14:useLocalDpi xmlns:a14="http://schemas.microsoft.com/office/drawing/2010/main" val="0"/>
+              </a:ext>
+            </a:extLst>
+          </a:blip>
+          <a:srcRect/>
+          <a:stretch>
+            <a:fillRect/>
+          </a:stretch>
+        </p:blipFill>
+        <p:spPr bwMode="auto">
+          <a:xfrm>
+            <a:off x="6909847" y="456505"/>
+            <a:ext cx="4590853" cy="5944990"/>
+          </a:xfrm>
+          <a:prstGeom prst="rect">
+            <a:avLst/>
+          </a:prstGeom>
+          <a:noFill/>
+          <a:extLst>
+            <a:ext uri="{909E8E84-426E-40DD-AFC4-6F175D3DCCD1}">
+              <a14:hiddenFill xmlns:a14="http://schemas.microsoft.com/office/drawing/2010/main">
+                <a:solidFill>
+                  <a:srgbClr val="FFFFFF"/>
+                </a:solidFill>
+              </a14:hiddenFill>
+            </a:ext>
+          </a:extLst>
+        </p:spPr>
+      </p:pic>
+    </p:spTree>
+    <p:extLst>
+      <p:ext uri="{BB962C8B-B14F-4D97-AF65-F5344CB8AC3E}">
+        <p14:creationId xmlns:p14="http://schemas.microsoft.com/office/powerpoint/2010/main" val="1153960051"/>
+      </p:ext>
+    </p:extLst>
+  </p:cSld>
+  <p:clrMapOvr>
+    <a:masterClrMapping/>
+  </p:clrMapOvr>
+</p:sld>
+</file>
+
+<file path=ppt/slides/slide26.xml><?xml version="1.0" encoding="utf-8"?>
+<p:sld xmlns:a="http://schemas.openxmlformats.org/drawingml/2006/main" xmlns:r="http://schemas.openxmlformats.org/officeDocument/2006/relationships" xmlns:p="http://schemas.openxmlformats.org/presentationml/2006/main">
+  <p:cSld>
+    <p:spTree>
+      <p:nvGrpSpPr>
+        <p:cNvPr id="1" name=""/>
+        <p:cNvGrpSpPr/>
+        <p:nvPr/>
+      </p:nvGrpSpPr>
+      <p:grpSpPr>
+        <a:xfrm>
+          <a:off x="0" y="0"/>
+          <a:ext cx="0" cy="0"/>
+          <a:chOff x="0" y="0"/>
+          <a:chExt cx="0" cy="0"/>
+        </a:xfrm>
+      </p:grpSpPr>
+      <p:sp>
+        <p:nvSpPr>
+          <p:cNvPr id="2" name="Title 1">
+            <a:extLst>
+              <a:ext uri="{FF2B5EF4-FFF2-40B4-BE49-F238E27FC236}">
+                <a16:creationId xmlns:a16="http://schemas.microsoft.com/office/drawing/2014/main" id="{B9EC5DEF-4C3A-E379-73E4-F1EEA1EE2727}"/>
+              </a:ext>
+            </a:extLst>
+          </p:cNvPr>
+          <p:cNvSpPr>
+            <a:spLocks noGrp="1"/>
+          </p:cNvSpPr>
+          <p:nvPr>
+            <p:ph type="title"/>
+          </p:nvPr>
+        </p:nvSpPr>
+        <p:spPr/>
+        <p:txBody>
+          <a:bodyPr/>
+          <a:lstStyle/>
+          <a:p>
+            <a:r>
+              <a:rPr lang="en-US" b="1" dirty="0"/>
+              <a:t>Quick example: predict exam performance</a:t>
+            </a:r>
+          </a:p>
+        </p:txBody>
+      </p:sp>
+      <mc:AlternateContent xmlns:mc="http://schemas.openxmlformats.org/markup-compatibility/2006">
+        <mc:Choice xmlns:a14="http://schemas.microsoft.com/office/drawing/2010/main" Requires="a14">
+          <p:sp>
+            <p:nvSpPr>
+              <p:cNvPr id="3" name="Content Placeholder 2">
+                <a:extLst>
+                  <a:ext uri="{FF2B5EF4-FFF2-40B4-BE49-F238E27FC236}">
+                    <a16:creationId xmlns:a16="http://schemas.microsoft.com/office/drawing/2014/main" id="{771E700F-2F3C-D58E-B0A8-B717F5B157CE}"/>
+                  </a:ext>
+                </a:extLst>
+              </p:cNvPr>
+              <p:cNvSpPr>
+                <a:spLocks noGrp="1"/>
+              </p:cNvSpPr>
+              <p:nvPr>
+                <p:ph idx="1"/>
+              </p:nvPr>
+            </p:nvSpPr>
+            <p:spPr/>
+            <p:txBody>
+              <a:bodyPr/>
+              <a:lstStyle/>
+              <a:p>
+                <a14:m>
+                  <m:oMath xmlns:m="http://schemas.openxmlformats.org/officeDocument/2006/math">
+                    <m:r>
+                      <a:rPr lang="en-US" b="1" i="1" smtClean="0">
+                        <a:latin typeface="Cambria Math" panose="02040503050406030204" pitchFamily="18" charset="0"/>
+                      </a:rPr>
+                      <m:t>𝒙</m:t>
+                    </m:r>
+                    <m:r>
+                      <a:rPr lang="en-US" b="0" i="1" smtClean="0">
+                        <a:latin typeface="Cambria Math" panose="02040503050406030204" pitchFamily="18" charset="0"/>
+                      </a:rPr>
+                      <m:t>=</m:t>
+                    </m:r>
+                    <m:sSup>
+                      <m:sSupPr>
+                        <m:ctrlPr>
+                          <a:rPr lang="en-US" b="0" i="1" smtClean="0">
+                            <a:latin typeface="Cambria Math" panose="02040503050406030204" pitchFamily="18" charset="0"/>
+                          </a:rPr>
+                        </m:ctrlPr>
+                      </m:sSupPr>
+                      <m:e>
+                        <m:d>
+                          <m:dPr>
+                            <m:begChr m:val="["/>
+                            <m:endChr m:val="]"/>
+                            <m:ctrlPr>
+                              <a:rPr lang="en-US" b="0" i="1" smtClean="0">
+                                <a:latin typeface="Cambria Math" panose="02040503050406030204" pitchFamily="18" charset="0"/>
+                              </a:rPr>
+                            </m:ctrlPr>
+                          </m:dPr>
+                          <m:e>
+                            <m:sSub>
+                              <m:sSubPr>
+                                <m:ctrlPr>
+                                  <a:rPr lang="en-US" b="0" i="1" smtClean="0">
+                                    <a:latin typeface="Cambria Math" panose="02040503050406030204" pitchFamily="18" charset="0"/>
+                                  </a:rPr>
+                                </m:ctrlPr>
+                              </m:sSubPr>
+                              <m:e>
+                                <m:r>
+                                  <a:rPr lang="en-US" b="0" i="1" smtClean="0">
+                                    <a:latin typeface="Cambria Math" panose="02040503050406030204" pitchFamily="18" charset="0"/>
+                                  </a:rPr>
+                                  <m:t>𝑥</m:t>
+                                </m:r>
+                              </m:e>
+                              <m:sub>
+                                <m:r>
+                                  <a:rPr lang="en-US" b="0" i="1" smtClean="0">
+                                    <a:latin typeface="Cambria Math" panose="02040503050406030204" pitchFamily="18" charset="0"/>
+                                  </a:rPr>
+                                  <m:t>1</m:t>
+                                </m:r>
+                              </m:sub>
+                            </m:sSub>
+                            <m:r>
+                              <a:rPr lang="en-US" b="0" i="1" smtClean="0">
+                                <a:latin typeface="Cambria Math" panose="02040503050406030204" pitchFamily="18" charset="0"/>
+                              </a:rPr>
+                              <m:t>  </m:t>
+                            </m:r>
+                            <m:sSub>
+                              <m:sSubPr>
+                                <m:ctrlPr>
+                                  <a:rPr lang="en-US" b="0" i="1" smtClean="0">
+                                    <a:latin typeface="Cambria Math" panose="02040503050406030204" pitchFamily="18" charset="0"/>
+                                  </a:rPr>
+                                </m:ctrlPr>
+                              </m:sSubPr>
+                              <m:e>
+                                <m:r>
+                                  <a:rPr lang="en-US" b="0" i="1" smtClean="0">
+                                    <a:latin typeface="Cambria Math" panose="02040503050406030204" pitchFamily="18" charset="0"/>
+                                  </a:rPr>
+                                  <m:t>𝑥</m:t>
+                                </m:r>
+                              </m:e>
+                              <m:sub>
+                                <m:r>
+                                  <a:rPr lang="en-US" b="0" i="1" smtClean="0">
+                                    <a:latin typeface="Cambria Math" panose="02040503050406030204" pitchFamily="18" charset="0"/>
+                                  </a:rPr>
+                                  <m:t>2</m:t>
+                                </m:r>
+                              </m:sub>
+                            </m:sSub>
+                          </m:e>
+                        </m:d>
+                      </m:e>
+                      <m:sup>
+                        <m:r>
+                          <a:rPr lang="en-US" b="0" i="1" smtClean="0">
+                            <a:latin typeface="Cambria Math" panose="02040503050406030204" pitchFamily="18" charset="0"/>
+                          </a:rPr>
+                          <m:t>𝑇</m:t>
+                        </m:r>
+                      </m:sup>
+                    </m:sSup>
+                  </m:oMath>
+                </a14:m>
+                <a:r>
+                  <a:rPr lang="en-US" dirty="0"/>
+                  <a:t> where </a:t>
+                </a:r>
+                <a14:m>
+                  <m:oMath xmlns:m="http://schemas.openxmlformats.org/officeDocument/2006/math">
+                    <m:sSub>
+                      <m:sSubPr>
+                        <m:ctrlPr>
+                          <a:rPr lang="en-US" i="1">
+                            <a:latin typeface="Cambria Math" panose="02040503050406030204" pitchFamily="18" charset="0"/>
+                          </a:rPr>
+                        </m:ctrlPr>
+                      </m:sSubPr>
+                      <m:e>
+                        <m:r>
+                          <a:rPr lang="en-US" i="1">
+                            <a:latin typeface="Cambria Math" panose="02040503050406030204" pitchFamily="18" charset="0"/>
+                          </a:rPr>
+                          <m:t>𝑥</m:t>
+                        </m:r>
+                      </m:e>
+                      <m:sub>
+                        <m:r>
+                          <a:rPr lang="en-US" i="1">
+                            <a:latin typeface="Cambria Math" panose="02040503050406030204" pitchFamily="18" charset="0"/>
+                          </a:rPr>
+                          <m:t>1</m:t>
+                        </m:r>
+                      </m:sub>
+                    </m:sSub>
+                  </m:oMath>
+                </a14:m>
+                <a:r>
+                  <a:rPr lang="en-US" dirty="0"/>
+                  <a:t> is hours of sleep and </a:t>
+                </a:r>
+                <a14:m>
+                  <m:oMath xmlns:m="http://schemas.openxmlformats.org/officeDocument/2006/math">
+                    <m:sSub>
+                      <m:sSubPr>
+                        <m:ctrlPr>
+                          <a:rPr lang="en-US" i="1" smtClean="0">
+                            <a:latin typeface="Cambria Math" panose="02040503050406030204" pitchFamily="18" charset="0"/>
+                          </a:rPr>
+                        </m:ctrlPr>
+                      </m:sSubPr>
+                      <m:e>
+                        <m:r>
+                          <a:rPr lang="en-US" i="1">
+                            <a:latin typeface="Cambria Math" panose="02040503050406030204" pitchFamily="18" charset="0"/>
+                          </a:rPr>
+                          <m:t>𝑥</m:t>
+                        </m:r>
+                      </m:e>
+                      <m:sub>
+                        <m:r>
+                          <a:rPr lang="en-US" b="0" i="1" smtClean="0">
+                            <a:latin typeface="Cambria Math" panose="02040503050406030204" pitchFamily="18" charset="0"/>
+                          </a:rPr>
+                          <m:t>2</m:t>
+                        </m:r>
+                      </m:sub>
+                    </m:sSub>
+                  </m:oMath>
+                </a14:m>
+                <a:r>
+                  <a:rPr lang="en-US" dirty="0"/>
+                  <a:t> is hours of studying</a:t>
+                </a:r>
+              </a:p>
+              <a:p>
+                <a:r>
+                  <a:rPr lang="en-US" dirty="0"/>
+                  <a:t>Want to know whether we perform above or below the class average</a:t>
+                </a:r>
+              </a:p>
+              <a:p>
+                <a:r>
+                  <a:rPr lang="en-US" dirty="0"/>
+                  <a:t>Our goal might be to learn a model </a:t>
+                </a:r>
+                <a14:m>
+                  <m:oMath xmlns:m="http://schemas.openxmlformats.org/officeDocument/2006/math">
+                    <m:r>
+                      <a:rPr lang="en-US" b="0" i="1" smtClean="0">
+                        <a:latin typeface="Cambria Math" panose="02040503050406030204" pitchFamily="18" charset="0"/>
+                      </a:rPr>
+                      <m:t>h</m:t>
+                    </m:r>
+                    <m:r>
+                      <a:rPr lang="en-US" b="0" i="1" smtClean="0">
+                        <a:latin typeface="Cambria Math" panose="02040503050406030204" pitchFamily="18" charset="0"/>
+                      </a:rPr>
+                      <m:t>(</m:t>
+                    </m:r>
+                    <m:r>
+                      <a:rPr lang="en-US" b="1" i="1" smtClean="0">
+                        <a:latin typeface="Cambria Math" panose="02040503050406030204" pitchFamily="18" charset="0"/>
+                      </a:rPr>
+                      <m:t>𝒙</m:t>
+                    </m:r>
+                    <m:r>
+                      <a:rPr lang="en-US" b="0" i="1" smtClean="0">
+                        <a:latin typeface="Cambria Math" panose="02040503050406030204" pitchFamily="18" charset="0"/>
+                      </a:rPr>
+                      <m:t>,</m:t>
+                    </m:r>
+                    <m:r>
+                      <a:rPr lang="en-US" b="0" i="1" smtClean="0">
+                        <a:latin typeface="Cambria Math" panose="02040503050406030204" pitchFamily="18" charset="0"/>
+                      </a:rPr>
+                      <m:t>𝜃</m:t>
+                    </m:r>
+                    <m:r>
+                      <a:rPr lang="en-US" b="0" i="1" smtClean="0">
+                        <a:latin typeface="Cambria Math" panose="02040503050406030204" pitchFamily="18" charset="0"/>
+                      </a:rPr>
+                      <m:t>)</m:t>
+                    </m:r>
+                  </m:oMath>
+                </a14:m>
+                <a:r>
+                  <a:rPr lang="en-US" dirty="0"/>
+                  <a:t> with </a:t>
+                </a:r>
+                <a14:m>
+                  <m:oMath xmlns:m="http://schemas.openxmlformats.org/officeDocument/2006/math">
+                    <m:r>
+                      <a:rPr lang="en-US" b="0" i="1" smtClean="0">
+                        <a:latin typeface="Cambria Math" panose="02040503050406030204" pitchFamily="18" charset="0"/>
+                      </a:rPr>
+                      <m:t>𝜃</m:t>
+                    </m:r>
+                    <m:r>
+                      <a:rPr lang="en-US" b="0" i="1" smtClean="0">
+                        <a:latin typeface="Cambria Math" panose="02040503050406030204" pitchFamily="18" charset="0"/>
+                      </a:rPr>
+                      <m:t>=</m:t>
+                    </m:r>
+                    <m:sSup>
+                      <m:sSupPr>
+                        <m:ctrlPr>
+                          <a:rPr lang="en-US" b="0" i="1" smtClean="0">
+                            <a:latin typeface="Cambria Math" panose="02040503050406030204" pitchFamily="18" charset="0"/>
+                          </a:rPr>
+                        </m:ctrlPr>
+                      </m:sSupPr>
+                      <m:e>
+                        <m:d>
+                          <m:dPr>
+                            <m:begChr m:val="["/>
+                            <m:endChr m:val="]"/>
+                            <m:ctrlPr>
+                              <a:rPr lang="en-US" b="0" i="1" smtClean="0">
+                                <a:latin typeface="Cambria Math" panose="02040503050406030204" pitchFamily="18" charset="0"/>
+                              </a:rPr>
+                            </m:ctrlPr>
+                          </m:dPr>
+                          <m:e>
+                            <m:sSub>
+                              <m:sSubPr>
+                                <m:ctrlPr>
+                                  <a:rPr lang="en-US" b="0" i="1" smtClean="0">
+                                    <a:latin typeface="Cambria Math" panose="02040503050406030204" pitchFamily="18" charset="0"/>
+                                  </a:rPr>
+                                </m:ctrlPr>
+                              </m:sSubPr>
+                              <m:e>
+                                <m:r>
+                                  <a:rPr lang="en-US" b="0" i="1" smtClean="0">
+                                    <a:latin typeface="Cambria Math" panose="02040503050406030204" pitchFamily="18" charset="0"/>
+                                  </a:rPr>
+                                  <m:t>𝜃</m:t>
+                                </m:r>
+                              </m:e>
+                              <m:sub>
+                                <m:r>
+                                  <a:rPr lang="en-US" b="0" i="1" smtClean="0">
+                                    <a:latin typeface="Cambria Math" panose="02040503050406030204" pitchFamily="18" charset="0"/>
+                                  </a:rPr>
+                                  <m:t>0</m:t>
+                                </m:r>
+                              </m:sub>
+                            </m:sSub>
+                            <m:r>
+                              <a:rPr lang="en-US" b="0" i="1" smtClean="0">
+                                <a:latin typeface="Cambria Math" panose="02040503050406030204" pitchFamily="18" charset="0"/>
+                              </a:rPr>
+                              <m:t>,</m:t>
+                            </m:r>
+                            <m:sSub>
+                              <m:sSubPr>
+                                <m:ctrlPr>
+                                  <a:rPr lang="en-US" b="0" i="1" smtClean="0">
+                                    <a:latin typeface="Cambria Math" panose="02040503050406030204" pitchFamily="18" charset="0"/>
+                                  </a:rPr>
+                                </m:ctrlPr>
+                              </m:sSubPr>
+                              <m:e>
+                                <m:r>
+                                  <a:rPr lang="en-US" b="0" i="1" smtClean="0">
+                                    <a:latin typeface="Cambria Math" panose="02040503050406030204" pitchFamily="18" charset="0"/>
+                                  </a:rPr>
+                                  <m:t>𝜃</m:t>
+                                </m:r>
+                              </m:e>
+                              <m:sub>
+                                <m:r>
+                                  <a:rPr lang="en-US" b="0" i="1" smtClean="0">
+                                    <a:latin typeface="Cambria Math" panose="02040503050406030204" pitchFamily="18" charset="0"/>
+                                  </a:rPr>
+                                  <m:t>1</m:t>
+                                </m:r>
+                              </m:sub>
+                            </m:sSub>
+                            <m:r>
+                              <a:rPr lang="en-US" b="0" i="1" smtClean="0">
+                                <a:latin typeface="Cambria Math" panose="02040503050406030204" pitchFamily="18" charset="0"/>
+                              </a:rPr>
+                              <m:t>,</m:t>
+                            </m:r>
+                            <m:sSub>
+                              <m:sSubPr>
+                                <m:ctrlPr>
+                                  <a:rPr lang="en-US" b="0" i="1" smtClean="0">
+                                    <a:latin typeface="Cambria Math" panose="02040503050406030204" pitchFamily="18" charset="0"/>
+                                  </a:rPr>
+                                </m:ctrlPr>
+                              </m:sSubPr>
+                              <m:e>
+                                <m:r>
+                                  <a:rPr lang="en-US" b="0" i="1" smtClean="0">
+                                    <a:latin typeface="Cambria Math" panose="02040503050406030204" pitchFamily="18" charset="0"/>
+                                  </a:rPr>
+                                  <m:t>𝜃</m:t>
+                                </m:r>
+                              </m:e>
+                              <m:sub>
+                                <m:r>
+                                  <a:rPr lang="en-US" b="0" i="1" smtClean="0">
+                                    <a:latin typeface="Cambria Math" panose="02040503050406030204" pitchFamily="18" charset="0"/>
+                                  </a:rPr>
+                                  <m:t>2</m:t>
+                                </m:r>
+                              </m:sub>
+                            </m:sSub>
+                          </m:e>
+                        </m:d>
+                      </m:e>
+                      <m:sup>
+                        <m:r>
+                          <a:rPr lang="en-US" b="0" i="1" smtClean="0">
+                            <a:latin typeface="Cambria Math" panose="02040503050406030204" pitchFamily="18" charset="0"/>
+                          </a:rPr>
+                          <m:t>𝑇</m:t>
+                        </m:r>
+                      </m:sup>
+                    </m:sSup>
+                  </m:oMath>
+                </a14:m>
+                <a:endParaRPr lang="en-US" dirty="0"/>
+              </a:p>
+            </p:txBody>
+          </p:sp>
+        </mc:Choice>
+        <mc:Fallback>
+          <p:sp>
+            <p:nvSpPr>
+              <p:cNvPr id="3" name="Content Placeholder 2">
+                <a:extLst>
+                  <a:ext uri="{FF2B5EF4-FFF2-40B4-BE49-F238E27FC236}">
+                    <a16:creationId xmlns:a16="http://schemas.microsoft.com/office/drawing/2014/main" id="{771E700F-2F3C-D58E-B0A8-B717F5B157CE}"/>
+                  </a:ext>
+                </a:extLst>
+              </p:cNvPr>
+              <p:cNvSpPr>
+                <a:spLocks noGrp="1" noRot="1" noChangeAspect="1" noMove="1" noResize="1" noEditPoints="1" noAdjustHandles="1" noChangeArrowheads="1" noChangeShapeType="1" noTextEdit="1"/>
+              </p:cNvSpPr>
+              <p:nvPr>
+                <p:ph idx="1"/>
+              </p:nvPr>
+            </p:nvSpPr>
+            <p:spPr>
+              <a:blipFill>
+                <a:blip r:embed="rId2"/>
+                <a:stretch>
+                  <a:fillRect l="-1086" t="-2326"/>
+                </a:stretch>
+              </a:blipFill>
+            </p:spPr>
+            <p:txBody>
+              <a:bodyPr/>
+              <a:lstStyle/>
+              <a:p>
+                <a:r>
+                  <a:rPr lang="en-US">
+                    <a:noFill/>
+                  </a:rPr>
+                  <a:t> </a:t>
+                </a:r>
+              </a:p>
+            </p:txBody>
+          </p:sp>
+        </mc:Fallback>
+      </mc:AlternateContent>
+      <p:pic>
+        <p:nvPicPr>
+          <p:cNvPr id="5" name="Picture 4" descr="A picture containing text, clock&#10;&#10;Description automatically generated">
+            <a:extLst>
+              <a:ext uri="{FF2B5EF4-FFF2-40B4-BE49-F238E27FC236}">
+                <a16:creationId xmlns:a16="http://schemas.microsoft.com/office/drawing/2014/main" id="{D733E9B1-1F55-DC76-ED69-274CCAF89C61}"/>
+              </a:ext>
+            </a:extLst>
+          </p:cNvPr>
+          <p:cNvPicPr>
+            <a:picLocks noChangeAspect="1"/>
+          </p:cNvPicPr>
+          <p:nvPr/>
+        </p:nvPicPr>
+        <p:blipFill>
+          <a:blip r:embed="rId3"/>
+          <a:stretch>
+            <a:fillRect/>
+          </a:stretch>
+        </p:blipFill>
+        <p:spPr>
+          <a:xfrm>
+            <a:off x="2117300" y="3446463"/>
+            <a:ext cx="7429500" cy="2730500"/>
+          </a:xfrm>
+          <a:prstGeom prst="rect">
+            <a:avLst/>
+          </a:prstGeom>
+        </p:spPr>
+      </p:pic>
+    </p:spTree>
+    <p:extLst>
+      <p:ext uri="{BB962C8B-B14F-4D97-AF65-F5344CB8AC3E}">
+        <p14:creationId xmlns:p14="http://schemas.microsoft.com/office/powerpoint/2010/main" val="1629567971"/>
+      </p:ext>
+    </p:extLst>
+  </p:cSld>
+  <p:clrMapOvr>
+    <a:masterClrMapping/>
+  </p:clrMapOvr>
+</p:sld>
+</file>
+
+<file path=ppt/slides/slide27.xml><?xml version="1.0" encoding="utf-8"?>
+<p:sld xmlns:a="http://schemas.openxmlformats.org/drawingml/2006/main" xmlns:r="http://schemas.openxmlformats.org/officeDocument/2006/relationships" xmlns:p="http://schemas.openxmlformats.org/presentationml/2006/main">
+  <p:cSld>
+    <p:spTree>
+      <p:nvGrpSpPr>
+        <p:cNvPr id="1" name=""/>
+        <p:cNvGrpSpPr/>
+        <p:nvPr/>
+      </p:nvGrpSpPr>
+      <p:grpSpPr>
+        <a:xfrm>
+          <a:off x="0" y="0"/>
+          <a:ext cx="0" cy="0"/>
+          <a:chOff x="0" y="0"/>
+          <a:chExt cx="0" cy="0"/>
+        </a:xfrm>
+      </p:grpSpPr>
+      <p:sp>
+        <p:nvSpPr>
+          <p:cNvPr id="2" name="Title 1">
+            <a:extLst>
+              <a:ext uri="{FF2B5EF4-FFF2-40B4-BE49-F238E27FC236}">
+                <a16:creationId xmlns:a16="http://schemas.microsoft.com/office/drawing/2014/main" id="{B9EC5DEF-4C3A-E379-73E4-F1EEA1EE2727}"/>
+              </a:ext>
+            </a:extLst>
+          </p:cNvPr>
+          <p:cNvSpPr>
+            <a:spLocks noGrp="1"/>
+          </p:cNvSpPr>
+          <p:nvPr>
+            <p:ph type="title"/>
+          </p:nvPr>
+        </p:nvSpPr>
+        <p:spPr/>
+        <p:txBody>
+          <a:bodyPr/>
+          <a:lstStyle/>
+          <a:p>
+            <a:r>
+              <a:rPr lang="en-US" b="1" dirty="0"/>
+              <a:t>continue</a:t>
+            </a:r>
+          </a:p>
+        </p:txBody>
+      </p:sp>
+      <mc:AlternateContent xmlns:mc="http://schemas.openxmlformats.org/markup-compatibility/2006">
+        <mc:Choice xmlns:a14="http://schemas.microsoft.com/office/drawing/2010/main" Requires="a14">
+          <p:sp>
+            <p:nvSpPr>
+              <p:cNvPr id="3" name="Content Placeholder 2">
+                <a:extLst>
+                  <a:ext uri="{FF2B5EF4-FFF2-40B4-BE49-F238E27FC236}">
+                    <a16:creationId xmlns:a16="http://schemas.microsoft.com/office/drawing/2014/main" id="{771E700F-2F3C-D58E-B0A8-B717F5B157CE}"/>
+                  </a:ext>
+                </a:extLst>
+              </p:cNvPr>
+              <p:cNvSpPr>
+                <a:spLocks noGrp="1"/>
+              </p:cNvSpPr>
+              <p:nvPr>
+                <p:ph idx="1"/>
+              </p:nvPr>
+            </p:nvSpPr>
+            <p:spPr/>
+            <p:txBody>
+              <a:bodyPr/>
+              <a:lstStyle/>
+              <a:p>
+                <a:endParaRPr lang="en-US" b="1" i="1" dirty="0">
+                  <a:latin typeface="Cambria Math" panose="02040503050406030204" pitchFamily="18" charset="0"/>
+                </a:endParaRPr>
+              </a:p>
+              <a:p>
+                <a:endParaRPr lang="en-US" b="1" i="1" dirty="0">
+                  <a:latin typeface="Cambria Math" panose="02040503050406030204" pitchFamily="18" charset="0"/>
+                </a:endParaRPr>
+              </a:p>
+              <a:p>
+                <a:endParaRPr lang="en-US" b="1" i="1" dirty="0">
+                  <a:latin typeface="Cambria Math" panose="02040503050406030204" pitchFamily="18" charset="0"/>
+                </a:endParaRPr>
+              </a:p>
+              <a:p>
+                <a:endParaRPr lang="en-US" b="1" i="1" dirty="0">
+                  <a:latin typeface="Cambria Math" panose="02040503050406030204" pitchFamily="18" charset="0"/>
+                </a:endParaRPr>
+              </a:p>
+              <a:p>
+                <a:endParaRPr lang="en-US" dirty="0"/>
+              </a:p>
+              <a:p>
+                <a:r>
+                  <a:rPr lang="en-US" dirty="0"/>
+                  <a:t>Want to learn </a:t>
+                </a:r>
+                <a14:m>
+                  <m:oMath xmlns:m="http://schemas.openxmlformats.org/officeDocument/2006/math">
+                    <m:r>
+                      <a:rPr lang="en-US" b="0" i="1" smtClean="0">
+                        <a:latin typeface="Cambria Math" panose="02040503050406030204" pitchFamily="18" charset="0"/>
+                      </a:rPr>
+                      <m:t>𝜃</m:t>
+                    </m:r>
+                  </m:oMath>
+                </a14:m>
+                <a:r>
+                  <a:rPr lang="en-US" dirty="0"/>
+                  <a:t> such that the model makes the right predictions</a:t>
+                </a:r>
+              </a:p>
+              <a:p>
+                <a:r>
+                  <a:rPr lang="en-US" dirty="0"/>
+                  <a:t>This is called a linear </a:t>
+                </a:r>
+                <a:r>
+                  <a:rPr lang="en-US" i="1" dirty="0"/>
+                  <a:t>perceptron</a:t>
+                </a:r>
+              </a:p>
+            </p:txBody>
+          </p:sp>
+        </mc:Choice>
+        <mc:Fallback>
+          <p:sp>
+            <p:nvSpPr>
+              <p:cNvPr id="3" name="Content Placeholder 2">
+                <a:extLst>
+                  <a:ext uri="{FF2B5EF4-FFF2-40B4-BE49-F238E27FC236}">
+                    <a16:creationId xmlns:a16="http://schemas.microsoft.com/office/drawing/2014/main" id="{771E700F-2F3C-D58E-B0A8-B717F5B157CE}"/>
+                  </a:ext>
+                </a:extLst>
+              </p:cNvPr>
+              <p:cNvSpPr>
+                <a:spLocks noGrp="1" noRot="1" noChangeAspect="1" noMove="1" noResize="1" noEditPoints="1" noAdjustHandles="1" noChangeArrowheads="1" noChangeShapeType="1" noTextEdit="1"/>
+              </p:cNvSpPr>
+              <p:nvPr>
+                <p:ph idx="1"/>
+              </p:nvPr>
+            </p:nvSpPr>
+            <p:spPr>
+              <a:blipFill>
+                <a:blip r:embed="rId2"/>
+                <a:stretch>
+                  <a:fillRect l="-1086"/>
+                </a:stretch>
+              </a:blipFill>
+            </p:spPr>
+            <p:txBody>
+              <a:bodyPr/>
+              <a:lstStyle/>
+              <a:p>
+                <a:r>
+                  <a:rPr lang="en-US">
+                    <a:noFill/>
+                  </a:rPr>
+                  <a:t> </a:t>
+                </a:r>
+              </a:p>
+            </p:txBody>
+          </p:sp>
+        </mc:Fallback>
+      </mc:AlternateContent>
+      <p:pic>
+        <p:nvPicPr>
+          <p:cNvPr id="5" name="Picture 4" descr="A picture containing text, clock&#10;&#10;Description automatically generated">
+            <a:extLst>
+              <a:ext uri="{FF2B5EF4-FFF2-40B4-BE49-F238E27FC236}">
+                <a16:creationId xmlns:a16="http://schemas.microsoft.com/office/drawing/2014/main" id="{D733E9B1-1F55-DC76-ED69-274CCAF89C61}"/>
+              </a:ext>
+            </a:extLst>
+          </p:cNvPr>
+          <p:cNvPicPr>
+            <a:picLocks noChangeAspect="1"/>
+          </p:cNvPicPr>
+          <p:nvPr/>
+        </p:nvPicPr>
+        <p:blipFill>
+          <a:blip r:embed="rId3"/>
+          <a:stretch>
+            <a:fillRect/>
+          </a:stretch>
+        </p:blipFill>
+        <p:spPr>
+          <a:xfrm>
+            <a:off x="2227028" y="1270794"/>
+            <a:ext cx="7429500" cy="2730500"/>
+          </a:xfrm>
+          <a:prstGeom prst="rect">
+            <a:avLst/>
+          </a:prstGeom>
+        </p:spPr>
+      </p:pic>
+    </p:spTree>
+    <p:extLst>
+      <p:ext uri="{BB962C8B-B14F-4D97-AF65-F5344CB8AC3E}">
+        <p14:creationId xmlns:p14="http://schemas.microsoft.com/office/powerpoint/2010/main" val="145409502"/>
+      </p:ext>
+    </p:extLst>
+  </p:cSld>
+  <p:clrMapOvr>
+    <a:masterClrMapping/>
+  </p:clrMapOvr>
+</p:sld>
+</file>
+
+<file path=ppt/slides/slide28.xml><?xml version="1.0" encoding="utf-8"?>
+<p:sld xmlns:a="http://schemas.openxmlformats.org/drawingml/2006/main" xmlns:r="http://schemas.openxmlformats.org/officeDocument/2006/relationships" xmlns:p="http://schemas.openxmlformats.org/presentationml/2006/main">
+  <p:cSld>
+    <p:spTree>
+      <p:nvGrpSpPr>
+        <p:cNvPr id="1" name=""/>
+        <p:cNvGrpSpPr/>
+        <p:nvPr/>
+      </p:nvGrpSpPr>
+      <p:grpSpPr>
+        <a:xfrm>
+          <a:off x="0" y="0"/>
+          <a:ext cx="0" cy="0"/>
+          <a:chOff x="0" y="0"/>
+          <a:chExt cx="0" cy="0"/>
+        </a:xfrm>
+      </p:grpSpPr>
+      <p:sp>
+        <p:nvSpPr>
+          <p:cNvPr id="2" name="Title 1">
+            <a:extLst>
+              <a:ext uri="{FF2B5EF4-FFF2-40B4-BE49-F238E27FC236}">
+                <a16:creationId xmlns:a16="http://schemas.microsoft.com/office/drawing/2014/main" id="{88A8682D-4846-813C-7E24-1E8C0C072DE0}"/>
+              </a:ext>
+            </a:extLst>
+          </p:cNvPr>
+          <p:cNvSpPr>
+            <a:spLocks noGrp="1"/>
+          </p:cNvSpPr>
+          <p:nvPr>
+            <p:ph type="title"/>
+          </p:nvPr>
+        </p:nvSpPr>
+        <p:spPr/>
+        <p:txBody>
+          <a:bodyPr>
+            <a:normAutofit/>
+          </a:bodyPr>
+          <a:lstStyle/>
+          <a:p>
+            <a:r>
+              <a:rPr lang="en-US" sz="2800" dirty="0"/>
+              <a:t>Sample data for our exam predictor algorithm and a potential classifier</a:t>
+            </a:r>
+          </a:p>
+        </p:txBody>
+      </p:sp>
+      <p:pic>
+        <p:nvPicPr>
+          <p:cNvPr id="2050" name="Picture 2" descr=" ">
+            <a:extLst>
+              <a:ext uri="{FF2B5EF4-FFF2-40B4-BE49-F238E27FC236}">
+                <a16:creationId xmlns:a16="http://schemas.microsoft.com/office/drawing/2014/main" id="{BC4A1494-AA91-0937-699E-4B855CE217C2}"/>
+              </a:ext>
+            </a:extLst>
+          </p:cNvPr>
+          <p:cNvPicPr>
+            <a:picLocks noGrp="1" noChangeAspect="1" noChangeArrowheads="1"/>
+          </p:cNvPicPr>
+          <p:nvPr>
+            <p:ph idx="1"/>
+          </p:nvPr>
+        </p:nvPicPr>
+        <p:blipFill>
+          <a:blip r:embed="rId2">
+            <a:extLst>
+              <a:ext uri="{28A0092B-C50C-407E-A947-70E740481C1C}">
+                <a14:useLocalDpi xmlns:a14="http://schemas.microsoft.com/office/drawing/2010/main" val="0"/>
+              </a:ext>
+            </a:extLst>
+          </a:blip>
+          <a:srcRect/>
+          <a:stretch>
+            <a:fillRect/>
+          </a:stretch>
+        </p:blipFill>
+        <p:spPr bwMode="auto">
+          <a:xfrm>
+            <a:off x="951665" y="2068919"/>
+            <a:ext cx="3651758" cy="3670679"/>
+          </a:xfrm>
+          <a:prstGeom prst="rect">
+            <a:avLst/>
+          </a:prstGeom>
+          <a:noFill/>
+          <a:extLst>
+            <a:ext uri="{909E8E84-426E-40DD-AFC4-6F175D3DCCD1}">
+              <a14:hiddenFill xmlns:a14="http://schemas.microsoft.com/office/drawing/2010/main">
+                <a:solidFill>
+                  <a:srgbClr val="FFFFFF"/>
+                </a:solidFill>
+              </a14:hiddenFill>
+            </a:ext>
+          </a:extLst>
+        </p:spPr>
+      </p:pic>
+      <mc:AlternateContent xmlns:mc="http://schemas.openxmlformats.org/markup-compatibility/2006">
+        <mc:Choice xmlns:a14="http://schemas.microsoft.com/office/drawing/2010/main" Requires="a14">
+          <p:sp>
+            <p:nvSpPr>
+              <p:cNvPr id="5" name="TextBox 4">
+                <a:extLst>
+                  <a:ext uri="{FF2B5EF4-FFF2-40B4-BE49-F238E27FC236}">
+                    <a16:creationId xmlns:a16="http://schemas.microsoft.com/office/drawing/2014/main" id="{CCD24264-0675-7FEA-5FA4-C6299EEF3E69}"/>
+                  </a:ext>
+                </a:extLst>
+              </p:cNvPr>
+              <p:cNvSpPr txBox="1"/>
+              <p:nvPr/>
+            </p:nvSpPr>
+            <p:spPr>
+              <a:xfrm>
+                <a:off x="5064551" y="2153181"/>
+                <a:ext cx="6094428" cy="830997"/>
+              </a:xfrm>
+              <a:prstGeom prst="rect">
+                <a:avLst/>
+              </a:prstGeom>
+              <a:noFill/>
+            </p:spPr>
+            <p:txBody>
+              <a:bodyPr wrap="square">
+                <a:spAutoFit/>
+              </a:bodyPr>
+              <a:lstStyle/>
+              <a:p>
+                <a:r>
+                  <a:rPr lang="en-US" sz="2400" dirty="0"/>
+                  <a:t>Suppose the following </a:t>
+                </a:r>
+                <a14:m>
+                  <m:oMath xmlns:m="http://schemas.openxmlformats.org/officeDocument/2006/math">
+                    <m:r>
+                      <a:rPr lang="en-US" sz="2400" b="0" i="1" smtClean="0">
+                        <a:latin typeface="Cambria Math" panose="02040503050406030204" pitchFamily="18" charset="0"/>
+                      </a:rPr>
+                      <m:t>𝜃</m:t>
+                    </m:r>
+                  </m:oMath>
+                </a14:m>
+                <a:r>
+                  <a:rPr lang="en-US" sz="2400" dirty="0"/>
+                  <a:t> the model makes the correct prediction on every data point:</a:t>
+                </a:r>
+              </a:p>
+            </p:txBody>
+          </p:sp>
+        </mc:Choice>
+        <mc:Fallback>
+          <p:sp>
+            <p:nvSpPr>
+              <p:cNvPr id="5" name="TextBox 4">
+                <a:extLst>
+                  <a:ext uri="{FF2B5EF4-FFF2-40B4-BE49-F238E27FC236}">
+                    <a16:creationId xmlns:a16="http://schemas.microsoft.com/office/drawing/2014/main" id="{CCD24264-0675-7FEA-5FA4-C6299EEF3E69}"/>
+                  </a:ext>
+                </a:extLst>
+              </p:cNvPr>
+              <p:cNvSpPr txBox="1">
+                <a:spLocks noRot="1" noChangeAspect="1" noMove="1" noResize="1" noEditPoints="1" noAdjustHandles="1" noChangeArrowheads="1" noChangeShapeType="1" noTextEdit="1"/>
+              </p:cNvSpPr>
+              <p:nvPr/>
+            </p:nvSpPr>
+            <p:spPr>
+              <a:xfrm>
+                <a:off x="5064551" y="2153181"/>
+                <a:ext cx="6094428" cy="830997"/>
+              </a:xfrm>
+              <a:prstGeom prst="rect">
+                <a:avLst/>
+              </a:prstGeom>
+              <a:blipFill>
+                <a:blip r:embed="rId3"/>
+                <a:stretch>
+                  <a:fillRect l="-1455" t="-4478" b="-13433"/>
+                </a:stretch>
+              </a:blipFill>
+            </p:spPr>
+            <p:txBody>
+              <a:bodyPr/>
+              <a:lstStyle/>
+              <a:p>
+                <a:r>
+                  <a:rPr lang="en-US">
+                    <a:noFill/>
+                  </a:rPr>
+                  <a:t> </a:t>
+                </a:r>
+              </a:p>
+            </p:txBody>
+          </p:sp>
+        </mc:Fallback>
+      </mc:AlternateContent>
+      <p:pic>
+        <p:nvPicPr>
+          <p:cNvPr id="7" name="Picture 6" descr="A picture containing diagram&#10;&#10;Description automatically generated">
+            <a:extLst>
+              <a:ext uri="{FF2B5EF4-FFF2-40B4-BE49-F238E27FC236}">
+                <a16:creationId xmlns:a16="http://schemas.microsoft.com/office/drawing/2014/main" id="{5DF2F1F4-F25E-F7A7-0468-39206404DFE6}"/>
+              </a:ext>
+            </a:extLst>
+          </p:cNvPr>
+          <p:cNvPicPr>
+            <a:picLocks noChangeAspect="1"/>
+          </p:cNvPicPr>
+          <p:nvPr/>
+        </p:nvPicPr>
+        <p:blipFill>
+          <a:blip r:embed="rId4"/>
+          <a:stretch>
+            <a:fillRect/>
+          </a:stretch>
+        </p:blipFill>
+        <p:spPr>
+          <a:xfrm>
+            <a:off x="5159980" y="3045188"/>
+            <a:ext cx="5544955" cy="1325562"/>
+          </a:xfrm>
+          <a:prstGeom prst="rect">
+            <a:avLst/>
+          </a:prstGeom>
+        </p:spPr>
+      </p:pic>
+      <p:sp>
+        <p:nvSpPr>
+          <p:cNvPr id="9" name="TextBox 8">
+            <a:extLst>
+              <a:ext uri="{FF2B5EF4-FFF2-40B4-BE49-F238E27FC236}">
+                <a16:creationId xmlns:a16="http://schemas.microsoft.com/office/drawing/2014/main" id="{477CB685-2CAD-48C1-0FE0-907D402E2DCE}"/>
+              </a:ext>
+            </a:extLst>
+          </p:cNvPr>
+          <p:cNvSpPr txBox="1"/>
+          <p:nvPr/>
+        </p:nvSpPr>
+        <p:spPr>
+          <a:xfrm>
+            <a:off x="5064551" y="4616426"/>
+            <a:ext cx="6094428" cy="461665"/>
+          </a:xfrm>
+          <a:prstGeom prst="rect">
+            <a:avLst/>
+          </a:prstGeom>
+          <a:noFill/>
+        </p:spPr>
+        <p:txBody>
+          <a:bodyPr wrap="square">
+            <a:spAutoFit/>
+          </a:bodyPr>
+          <a:lstStyle/>
+          <a:p>
+            <a:r>
+              <a:rPr lang="en-US" sz="2400" dirty="0"/>
+              <a:t>Note that this model classifies perfectly</a:t>
+            </a:r>
+          </a:p>
+        </p:txBody>
+      </p:sp>
+    </p:spTree>
+    <p:extLst>
+      <p:ext uri="{BB962C8B-B14F-4D97-AF65-F5344CB8AC3E}">
+        <p14:creationId xmlns:p14="http://schemas.microsoft.com/office/powerpoint/2010/main" val="1232541133"/>
+      </p:ext>
+    </p:extLst>
+  </p:cSld>
+  <p:clrMapOvr>
+    <a:masterClrMapping/>
+  </p:clrMapOvr>
+</p:sld>
+</file>
+
+<file path=ppt/slides/slide29.xml><?xml version="1.0" encoding="utf-8"?>
+<p:sld xmlns:a="http://schemas.openxmlformats.org/drawingml/2006/main" xmlns:r="http://schemas.openxmlformats.org/officeDocument/2006/relationships" xmlns:p="http://schemas.openxmlformats.org/presentationml/2006/main">
+  <p:cSld>
+    <p:spTree>
+      <p:nvGrpSpPr>
+        <p:cNvPr id="1" name=""/>
+        <p:cNvGrpSpPr/>
+        <p:nvPr/>
+      </p:nvGrpSpPr>
+      <p:grpSpPr>
+        <a:xfrm>
+          <a:off x="0" y="0"/>
+          <a:ext cx="0" cy="0"/>
+          <a:chOff x="0" y="0"/>
+          <a:chExt cx="0" cy="0"/>
+        </a:xfrm>
+      </p:grpSpPr>
+      <p:sp>
+        <p:nvSpPr>
+          <p:cNvPr id="2" name="Title 1">
+            <a:extLst>
+              <a:ext uri="{FF2B5EF4-FFF2-40B4-BE49-F238E27FC236}">
+                <a16:creationId xmlns:a16="http://schemas.microsoft.com/office/drawing/2014/main" id="{9747586C-FFA4-A268-4FF3-20B269B5310A}"/>
+              </a:ext>
+            </a:extLst>
+          </p:cNvPr>
+          <p:cNvSpPr>
+            <a:spLocks noGrp="1"/>
+          </p:cNvSpPr>
+          <p:nvPr>
+            <p:ph type="title"/>
+          </p:nvPr>
+        </p:nvSpPr>
+        <p:spPr/>
+        <p:txBody>
+          <a:bodyPr/>
+          <a:lstStyle/>
+          <a:p>
+            <a:r>
+              <a:rPr lang="en-US" dirty="0"/>
+              <a:t>Limitations?</a:t>
+            </a:r>
+          </a:p>
+        </p:txBody>
+      </p:sp>
+      <p:sp>
+        <p:nvSpPr>
+          <p:cNvPr id="3" name="Content Placeholder 2">
+            <a:extLst>
+              <a:ext uri="{FF2B5EF4-FFF2-40B4-BE49-F238E27FC236}">
+                <a16:creationId xmlns:a16="http://schemas.microsoft.com/office/drawing/2014/main" id="{3907001E-E0DD-71D5-4DCD-DFF3BA019B31}"/>
+              </a:ext>
+            </a:extLst>
+          </p:cNvPr>
+          <p:cNvSpPr>
+            <a:spLocks noGrp="1"/>
+          </p:cNvSpPr>
+          <p:nvPr>
+            <p:ph idx="1"/>
+          </p:nvPr>
+        </p:nvSpPr>
+        <p:spPr/>
+        <p:txBody>
+          <a:bodyPr/>
+          <a:lstStyle/>
+          <a:p>
+            <a:r>
+              <a:rPr lang="en-US" dirty="0"/>
+              <a:t>How do we come up with an optimal value for the parameter vector in the first place?</a:t>
+            </a:r>
+          </a:p>
+          <a:p>
+            <a:pPr lvl="1"/>
+            <a:r>
+              <a:rPr lang="en-US" dirty="0"/>
+              <a:t>Called </a:t>
+            </a:r>
+            <a:r>
+              <a:rPr lang="en-US" b="1" dirty="0"/>
+              <a:t>optimization</a:t>
+            </a:r>
+          </a:p>
+          <a:p>
+            <a:pPr lvl="1"/>
+            <a:r>
+              <a:rPr lang="en-US" dirty="0"/>
+              <a:t>An optimizer aims to maximize the performance of a machine learning model by iteratively tweaking its parameters until the error is minimized</a:t>
+            </a:r>
+          </a:p>
+          <a:p>
+            <a:pPr lvl="2"/>
+            <a:r>
+              <a:rPr lang="en-US" dirty="0"/>
+              <a:t>Gradient descent, SGD, …</a:t>
+            </a:r>
+          </a:p>
+          <a:p>
+            <a:r>
+              <a:rPr lang="en-US" dirty="0"/>
+              <a:t>What if the data looks ugly?</a:t>
+            </a:r>
+          </a:p>
+        </p:txBody>
+      </p:sp>
+    </p:spTree>
+    <p:extLst>
+      <p:ext uri="{BB962C8B-B14F-4D97-AF65-F5344CB8AC3E}">
+        <p14:creationId xmlns:p14="http://schemas.microsoft.com/office/powerpoint/2010/main" val="301923955"/>
       </p:ext>
     </p:extLst>
   </p:cSld>
@@ -6092,6 +7816,2057 @@
 </p:sld>
 </file>
 
+<file path=ppt/slides/slide30.xml><?xml version="1.0" encoding="utf-8"?>
+<p:sld xmlns:a="http://schemas.openxmlformats.org/drawingml/2006/main" xmlns:r="http://schemas.openxmlformats.org/officeDocument/2006/relationships" xmlns:p="http://schemas.openxmlformats.org/presentationml/2006/main">
+  <p:cSld>
+    <p:spTree>
+      <p:nvGrpSpPr>
+        <p:cNvPr id="1" name=""/>
+        <p:cNvGrpSpPr/>
+        <p:nvPr/>
+      </p:nvGrpSpPr>
+      <p:grpSpPr>
+        <a:xfrm>
+          <a:off x="0" y="0"/>
+          <a:ext cx="0" cy="0"/>
+          <a:chOff x="0" y="0"/>
+          <a:chExt cx="0" cy="0"/>
+        </a:xfrm>
+      </p:grpSpPr>
+      <p:sp>
+        <p:nvSpPr>
+          <p:cNvPr id="2" name="Title 1">
+            <a:extLst>
+              <a:ext uri="{FF2B5EF4-FFF2-40B4-BE49-F238E27FC236}">
+                <a16:creationId xmlns:a16="http://schemas.microsoft.com/office/drawing/2014/main" id="{6B21C3B8-45AD-F488-E6B4-8C1C0B6D1140}"/>
+              </a:ext>
+            </a:extLst>
+          </p:cNvPr>
+          <p:cNvSpPr>
+            <a:spLocks noGrp="1"/>
+          </p:cNvSpPr>
+          <p:nvPr>
+            <p:ph type="title"/>
+          </p:nvPr>
+        </p:nvSpPr>
+        <p:spPr/>
+        <p:txBody>
+          <a:bodyPr/>
+          <a:lstStyle/>
+          <a:p>
+            <a:r>
+              <a:rPr lang="en-US" b="1" dirty="0"/>
+              <a:t>Linear is just a linear</a:t>
+            </a:r>
+          </a:p>
+        </p:txBody>
+      </p:sp>
+      <p:sp>
+        <p:nvSpPr>
+          <p:cNvPr id="3" name="Content Placeholder 2">
+            <a:extLst>
+              <a:ext uri="{FF2B5EF4-FFF2-40B4-BE49-F238E27FC236}">
+                <a16:creationId xmlns:a16="http://schemas.microsoft.com/office/drawing/2014/main" id="{539E6E0C-3A98-3EE6-A531-5DAA3C3F7694}"/>
+              </a:ext>
+            </a:extLst>
+          </p:cNvPr>
+          <p:cNvSpPr>
+            <a:spLocks noGrp="1"/>
+          </p:cNvSpPr>
+          <p:nvPr>
+            <p:ph idx="1"/>
+          </p:nvPr>
+        </p:nvSpPr>
+        <p:spPr/>
+        <p:txBody>
+          <a:bodyPr/>
+          <a:lstStyle/>
+          <a:p>
+            <a:endParaRPr lang="en-US" dirty="0"/>
+          </a:p>
+          <a:p>
+            <a:endParaRPr lang="en-US" dirty="0"/>
+          </a:p>
+          <a:p>
+            <a:endParaRPr lang="en-US" dirty="0"/>
+          </a:p>
+          <a:p>
+            <a:endParaRPr lang="en-US" dirty="0"/>
+          </a:p>
+          <a:p>
+            <a:endParaRPr lang="en-US" dirty="0"/>
+          </a:p>
+          <a:p>
+            <a:endParaRPr lang="en-US" dirty="0"/>
+          </a:p>
+          <a:p>
+            <a:r>
+              <a:rPr lang="en-US" dirty="0"/>
+              <a:t>To accommodate this complexity, try to build models that resemble the structures utilized by our brains – deep learning</a:t>
+            </a:r>
+          </a:p>
+        </p:txBody>
+      </p:sp>
+      <p:pic>
+        <p:nvPicPr>
+          <p:cNvPr id="3076" name="Picture 4" descr=" ">
+            <a:extLst>
+              <a:ext uri="{FF2B5EF4-FFF2-40B4-BE49-F238E27FC236}">
+                <a16:creationId xmlns:a16="http://schemas.microsoft.com/office/drawing/2014/main" id="{FCBB1C24-7ACA-03DD-C139-305AF22E9630}"/>
+              </a:ext>
+            </a:extLst>
+          </p:cNvPr>
+          <p:cNvPicPr>
+            <a:picLocks noChangeAspect="1" noChangeArrowheads="1"/>
+          </p:cNvPicPr>
+          <p:nvPr/>
+        </p:nvPicPr>
+        <p:blipFill>
+          <a:blip r:embed="rId2">
+            <a:extLst>
+              <a:ext uri="{28A0092B-C50C-407E-A947-70E740481C1C}">
+                <a14:useLocalDpi xmlns:a14="http://schemas.microsoft.com/office/drawing/2010/main" val="0"/>
+              </a:ext>
+            </a:extLst>
+          </a:blip>
+          <a:srcRect/>
+          <a:stretch>
+            <a:fillRect/>
+          </a:stretch>
+        </p:blipFill>
+        <p:spPr bwMode="auto">
+          <a:xfrm>
+            <a:off x="2286000" y="2139950"/>
+            <a:ext cx="7620000" cy="2578100"/>
+          </a:xfrm>
+          <a:prstGeom prst="rect">
+            <a:avLst/>
+          </a:prstGeom>
+          <a:noFill/>
+          <a:extLst>
+            <a:ext uri="{909E8E84-426E-40DD-AFC4-6F175D3DCCD1}">
+              <a14:hiddenFill xmlns:a14="http://schemas.microsoft.com/office/drawing/2010/main">
+                <a:solidFill>
+                  <a:srgbClr val="FFFFFF"/>
+                </a:solidFill>
+              </a14:hiddenFill>
+            </a:ext>
+          </a:extLst>
+        </p:spPr>
+      </p:pic>
+    </p:spTree>
+    <p:extLst>
+      <p:ext uri="{BB962C8B-B14F-4D97-AF65-F5344CB8AC3E}">
+        <p14:creationId xmlns:p14="http://schemas.microsoft.com/office/powerpoint/2010/main" val="2553356166"/>
+      </p:ext>
+    </p:extLst>
+  </p:cSld>
+  <p:clrMapOvr>
+    <a:masterClrMapping/>
+  </p:clrMapOvr>
+</p:sld>
+</file>
+
+<file path=ppt/slides/slide31.xml><?xml version="1.0" encoding="utf-8"?>
+<p:sld xmlns:a="http://schemas.openxmlformats.org/drawingml/2006/main" xmlns:r="http://schemas.openxmlformats.org/officeDocument/2006/relationships" xmlns:p="http://schemas.openxmlformats.org/presentationml/2006/main">
+  <p:cSld>
+    <p:spTree>
+      <p:nvGrpSpPr>
+        <p:cNvPr id="1" name=""/>
+        <p:cNvGrpSpPr/>
+        <p:nvPr/>
+      </p:nvGrpSpPr>
+      <p:grpSpPr>
+        <a:xfrm>
+          <a:off x="0" y="0"/>
+          <a:ext cx="0" cy="0"/>
+          <a:chOff x="0" y="0"/>
+          <a:chExt cx="0" cy="0"/>
+        </a:xfrm>
+      </p:grpSpPr>
+      <p:sp>
+        <p:nvSpPr>
+          <p:cNvPr id="2" name="Title 1">
+            <a:extLst>
+              <a:ext uri="{FF2B5EF4-FFF2-40B4-BE49-F238E27FC236}">
+                <a16:creationId xmlns:a16="http://schemas.microsoft.com/office/drawing/2014/main" id="{85833F72-9C42-B712-093F-6384B98CF879}"/>
+              </a:ext>
+            </a:extLst>
+          </p:cNvPr>
+          <p:cNvSpPr>
+            <a:spLocks noGrp="1"/>
+          </p:cNvSpPr>
+          <p:nvPr>
+            <p:ph type="title"/>
+          </p:nvPr>
+        </p:nvSpPr>
+        <p:spPr/>
+        <p:txBody>
+          <a:bodyPr/>
+          <a:lstStyle/>
+          <a:p>
+            <a:r>
+              <a:rPr lang="en-US" b="1" dirty="0"/>
+              <a:t>The Neuron</a:t>
+            </a:r>
+          </a:p>
+        </p:txBody>
+      </p:sp>
+      <p:sp>
+        <p:nvSpPr>
+          <p:cNvPr id="3" name="Content Placeholder 2">
+            <a:extLst>
+              <a:ext uri="{FF2B5EF4-FFF2-40B4-BE49-F238E27FC236}">
+                <a16:creationId xmlns:a16="http://schemas.microsoft.com/office/drawing/2014/main" id="{384092F6-BEAE-9F2B-D5E7-7C163BA133C4}"/>
+              </a:ext>
+            </a:extLst>
+          </p:cNvPr>
+          <p:cNvSpPr>
+            <a:spLocks noGrp="1"/>
+          </p:cNvSpPr>
+          <p:nvPr>
+            <p:ph idx="1"/>
+          </p:nvPr>
+        </p:nvSpPr>
+        <p:spPr/>
+        <p:txBody>
+          <a:bodyPr/>
+          <a:lstStyle/>
+          <a:p>
+            <a:r>
+              <a:rPr lang="en-US" dirty="0"/>
+              <a:t>Still believe that the names are terrible</a:t>
+            </a:r>
+          </a:p>
+          <a:p>
+            <a:pPr lvl="1"/>
+            <a:r>
+              <a:rPr lang="en-US" dirty="0"/>
+              <a:t>Neural net, neuron, …</a:t>
+            </a:r>
+          </a:p>
+        </p:txBody>
+      </p:sp>
+      <p:pic>
+        <p:nvPicPr>
+          <p:cNvPr id="4100" name="Picture 4" descr=" ">
+            <a:extLst>
+              <a:ext uri="{FF2B5EF4-FFF2-40B4-BE49-F238E27FC236}">
+                <a16:creationId xmlns:a16="http://schemas.microsoft.com/office/drawing/2014/main" id="{77F5459D-4176-E784-6D39-503FF46C6A4F}"/>
+              </a:ext>
+            </a:extLst>
+          </p:cNvPr>
+          <p:cNvPicPr>
+            <a:picLocks noChangeAspect="1" noChangeArrowheads="1"/>
+          </p:cNvPicPr>
+          <p:nvPr/>
+        </p:nvPicPr>
+        <p:blipFill>
+          <a:blip r:embed="rId2">
+            <a:extLst>
+              <a:ext uri="{28A0092B-C50C-407E-A947-70E740481C1C}">
+                <a14:useLocalDpi xmlns:a14="http://schemas.microsoft.com/office/drawing/2010/main" val="0"/>
+              </a:ext>
+            </a:extLst>
+          </a:blip>
+          <a:srcRect/>
+          <a:stretch>
+            <a:fillRect/>
+          </a:stretch>
+        </p:blipFill>
+        <p:spPr bwMode="auto">
+          <a:xfrm>
+            <a:off x="2828544" y="2855732"/>
+            <a:ext cx="6199632" cy="3068818"/>
+          </a:xfrm>
+          <a:prstGeom prst="rect">
+            <a:avLst/>
+          </a:prstGeom>
+          <a:noFill/>
+          <a:extLst>
+            <a:ext uri="{909E8E84-426E-40DD-AFC4-6F175D3DCCD1}">
+              <a14:hiddenFill xmlns:a14="http://schemas.microsoft.com/office/drawing/2010/main">
+                <a:solidFill>
+                  <a:srgbClr val="FFFFFF"/>
+                </a:solidFill>
+              </a14:hiddenFill>
+            </a:ext>
+          </a:extLst>
+        </p:spPr>
+      </p:pic>
+    </p:spTree>
+    <p:extLst>
+      <p:ext uri="{BB962C8B-B14F-4D97-AF65-F5344CB8AC3E}">
+        <p14:creationId xmlns:p14="http://schemas.microsoft.com/office/powerpoint/2010/main" val="1998319647"/>
+      </p:ext>
+    </p:extLst>
+  </p:cSld>
+  <p:clrMapOvr>
+    <a:masterClrMapping/>
+  </p:clrMapOvr>
+</p:sld>
+</file>
+
+<file path=ppt/slides/slide32.xml><?xml version="1.0" encoding="utf-8"?>
+<p:sld xmlns:a="http://schemas.openxmlformats.org/drawingml/2006/main" xmlns:r="http://schemas.openxmlformats.org/officeDocument/2006/relationships" xmlns:p="http://schemas.openxmlformats.org/presentationml/2006/main">
+  <p:cSld>
+    <p:spTree>
+      <p:nvGrpSpPr>
+        <p:cNvPr id="1" name=""/>
+        <p:cNvGrpSpPr/>
+        <p:nvPr/>
+      </p:nvGrpSpPr>
+      <p:grpSpPr>
+        <a:xfrm>
+          <a:off x="0" y="0"/>
+          <a:ext cx="0" cy="0"/>
+          <a:chOff x="0" y="0"/>
+          <a:chExt cx="0" cy="0"/>
+        </a:xfrm>
+      </p:grpSpPr>
+      <p:sp>
+        <p:nvSpPr>
+          <p:cNvPr id="2" name="Title 1">
+            <a:extLst>
+              <a:ext uri="{FF2B5EF4-FFF2-40B4-BE49-F238E27FC236}">
+                <a16:creationId xmlns:a16="http://schemas.microsoft.com/office/drawing/2014/main" id="{954A4CED-7507-A2AA-39A8-F0D654DE3858}"/>
+              </a:ext>
+            </a:extLst>
+          </p:cNvPr>
+          <p:cNvSpPr>
+            <a:spLocks noGrp="1"/>
+          </p:cNvSpPr>
+          <p:nvPr>
+            <p:ph type="title"/>
+          </p:nvPr>
+        </p:nvSpPr>
+        <p:spPr/>
+        <p:txBody>
+          <a:bodyPr/>
+          <a:lstStyle/>
+          <a:p>
+            <a:r>
+              <a:rPr lang="en-US" b="1" dirty="0"/>
+              <a:t>Terminology associated with neuron</a:t>
+            </a:r>
+          </a:p>
+        </p:txBody>
+      </p:sp>
+      <mc:AlternateContent xmlns:mc="http://schemas.openxmlformats.org/markup-compatibility/2006">
+        <mc:Choice xmlns:a14="http://schemas.microsoft.com/office/drawing/2010/main" Requires="a14">
+          <p:sp>
+            <p:nvSpPr>
+              <p:cNvPr id="3" name="Content Placeholder 2">
+                <a:extLst>
+                  <a:ext uri="{FF2B5EF4-FFF2-40B4-BE49-F238E27FC236}">
+                    <a16:creationId xmlns:a16="http://schemas.microsoft.com/office/drawing/2014/main" id="{5FD92AD4-0C2F-50AE-A536-4EE853B8A265}"/>
+                  </a:ext>
+                </a:extLst>
+              </p:cNvPr>
+              <p:cNvSpPr>
+                <a:spLocks noGrp="1"/>
+              </p:cNvSpPr>
+              <p:nvPr>
+                <p:ph idx="1"/>
+              </p:nvPr>
+            </p:nvSpPr>
+            <p:spPr/>
+            <p:txBody>
+              <a:bodyPr/>
+              <a:lstStyle/>
+              <a:p>
+                <a:r>
+                  <a:rPr lang="en-US" dirty="0"/>
+                  <a:t>Translate the idea into more usable form</a:t>
+                </a:r>
+              </a:p>
+              <a:p>
+                <a:r>
+                  <a:rPr lang="en-US" dirty="0"/>
+                  <a:t>Our artificial neuron takes in some number of inputs, </a:t>
+                </a:r>
+                <a14:m>
+                  <m:oMath xmlns:m="http://schemas.openxmlformats.org/officeDocument/2006/math">
+                    <m:sSub>
+                      <m:sSubPr>
+                        <m:ctrlPr>
+                          <a:rPr lang="en-US" b="0" i="1" smtClean="0">
+                            <a:latin typeface="Cambria Math" panose="02040503050406030204" pitchFamily="18" charset="0"/>
+                          </a:rPr>
+                        </m:ctrlPr>
+                      </m:sSubPr>
+                      <m:e>
+                        <m:r>
+                          <a:rPr lang="en-US" b="0" i="1" smtClean="0">
+                            <a:latin typeface="Cambria Math" panose="02040503050406030204" pitchFamily="18" charset="0"/>
+                          </a:rPr>
+                          <m:t>𝑥</m:t>
+                        </m:r>
+                      </m:e>
+                      <m:sub>
+                        <m:r>
+                          <a:rPr lang="en-US" b="0" i="1" smtClean="0">
+                            <a:latin typeface="Cambria Math" panose="02040503050406030204" pitchFamily="18" charset="0"/>
+                          </a:rPr>
+                          <m:t>1</m:t>
+                        </m:r>
+                      </m:sub>
+                    </m:sSub>
+                    <m:r>
+                      <a:rPr lang="en-US" b="0" i="1" smtClean="0">
+                        <a:latin typeface="Cambria Math" panose="02040503050406030204" pitchFamily="18" charset="0"/>
+                      </a:rPr>
+                      <m:t>,</m:t>
+                    </m:r>
+                    <m:sSub>
+                      <m:sSubPr>
+                        <m:ctrlPr>
+                          <a:rPr lang="en-US" b="0" i="1" smtClean="0">
+                            <a:latin typeface="Cambria Math" panose="02040503050406030204" pitchFamily="18" charset="0"/>
+                          </a:rPr>
+                        </m:ctrlPr>
+                      </m:sSubPr>
+                      <m:e>
+                        <m:r>
+                          <a:rPr lang="en-US" b="0" i="1" smtClean="0">
+                            <a:latin typeface="Cambria Math" panose="02040503050406030204" pitchFamily="18" charset="0"/>
+                          </a:rPr>
+                          <m:t>𝑥</m:t>
+                        </m:r>
+                      </m:e>
+                      <m:sub>
+                        <m:r>
+                          <a:rPr lang="en-US" b="0" i="1" smtClean="0">
+                            <a:latin typeface="Cambria Math" panose="02040503050406030204" pitchFamily="18" charset="0"/>
+                          </a:rPr>
+                          <m:t>2</m:t>
+                        </m:r>
+                      </m:sub>
+                    </m:sSub>
+                    <m:r>
+                      <a:rPr lang="en-US" b="0" i="1" smtClean="0">
+                        <a:latin typeface="Cambria Math" panose="02040503050406030204" pitchFamily="18" charset="0"/>
+                      </a:rPr>
+                      <m:t>,…,</m:t>
+                    </m:r>
+                    <m:sSub>
+                      <m:sSubPr>
+                        <m:ctrlPr>
+                          <a:rPr lang="en-US" b="0" i="1" smtClean="0">
+                            <a:latin typeface="Cambria Math" panose="02040503050406030204" pitchFamily="18" charset="0"/>
+                          </a:rPr>
+                        </m:ctrlPr>
+                      </m:sSubPr>
+                      <m:e>
+                        <m:r>
+                          <a:rPr lang="en-US" b="0" i="1" smtClean="0">
+                            <a:latin typeface="Cambria Math" panose="02040503050406030204" pitchFamily="18" charset="0"/>
+                          </a:rPr>
+                          <m:t>𝑥</m:t>
+                        </m:r>
+                      </m:e>
+                      <m:sub>
+                        <m:r>
+                          <a:rPr lang="en-US" b="0" i="1" smtClean="0">
+                            <a:latin typeface="Cambria Math" panose="02040503050406030204" pitchFamily="18" charset="0"/>
+                          </a:rPr>
+                          <m:t>𝑛</m:t>
+                        </m:r>
+                      </m:sub>
+                    </m:sSub>
+                  </m:oMath>
+                </a14:m>
+                <a:r>
+                  <a:rPr lang="en-US" dirty="0"/>
+                  <a:t>,each of which is multiplied by a specific weight, </a:t>
+                </a:r>
+                <a14:m>
+                  <m:oMath xmlns:m="http://schemas.openxmlformats.org/officeDocument/2006/math">
+                    <m:sSub>
+                      <m:sSubPr>
+                        <m:ctrlPr>
+                          <a:rPr lang="en-US" b="0" i="1" smtClean="0">
+                            <a:latin typeface="Cambria Math" panose="02040503050406030204" pitchFamily="18" charset="0"/>
+                          </a:rPr>
+                        </m:ctrlPr>
+                      </m:sSubPr>
+                      <m:e>
+                        <m:r>
+                          <a:rPr lang="en-US" b="0" i="1" smtClean="0">
+                            <a:latin typeface="Cambria Math" panose="02040503050406030204" pitchFamily="18" charset="0"/>
+                          </a:rPr>
+                          <m:t>𝑤</m:t>
+                        </m:r>
+                      </m:e>
+                      <m:sub>
+                        <m:r>
+                          <a:rPr lang="en-US" b="0" i="1" smtClean="0">
+                            <a:latin typeface="Cambria Math" panose="02040503050406030204" pitchFamily="18" charset="0"/>
+                          </a:rPr>
+                          <m:t>1</m:t>
+                        </m:r>
+                      </m:sub>
+                    </m:sSub>
+                    <m:r>
+                      <a:rPr lang="en-US" b="0" i="1" smtClean="0">
+                        <a:latin typeface="Cambria Math" panose="02040503050406030204" pitchFamily="18" charset="0"/>
+                      </a:rPr>
+                      <m:t>,</m:t>
+                    </m:r>
+                    <m:sSub>
+                      <m:sSubPr>
+                        <m:ctrlPr>
+                          <a:rPr lang="en-US" b="0" i="1" smtClean="0">
+                            <a:latin typeface="Cambria Math" panose="02040503050406030204" pitchFamily="18" charset="0"/>
+                          </a:rPr>
+                        </m:ctrlPr>
+                      </m:sSubPr>
+                      <m:e>
+                        <m:r>
+                          <a:rPr lang="en-US" b="0" i="1" smtClean="0">
+                            <a:latin typeface="Cambria Math" panose="02040503050406030204" pitchFamily="18" charset="0"/>
+                          </a:rPr>
+                          <m:t>𝑤</m:t>
+                        </m:r>
+                      </m:e>
+                      <m:sub>
+                        <m:r>
+                          <a:rPr lang="en-US" b="0" i="1" smtClean="0">
+                            <a:latin typeface="Cambria Math" panose="02040503050406030204" pitchFamily="18" charset="0"/>
+                          </a:rPr>
+                          <m:t>2</m:t>
+                        </m:r>
+                      </m:sub>
+                    </m:sSub>
+                    <m:r>
+                      <a:rPr lang="en-US" b="0" i="1" smtClean="0">
+                        <a:latin typeface="Cambria Math" panose="02040503050406030204" pitchFamily="18" charset="0"/>
+                      </a:rPr>
+                      <m:t>,…,</m:t>
+                    </m:r>
+                    <m:sSub>
+                      <m:sSubPr>
+                        <m:ctrlPr>
+                          <a:rPr lang="en-US" b="0" i="1" smtClean="0">
+                            <a:latin typeface="Cambria Math" panose="02040503050406030204" pitchFamily="18" charset="0"/>
+                          </a:rPr>
+                        </m:ctrlPr>
+                      </m:sSubPr>
+                      <m:e>
+                        <m:r>
+                          <a:rPr lang="en-US" b="0" i="1" smtClean="0">
+                            <a:latin typeface="Cambria Math" panose="02040503050406030204" pitchFamily="18" charset="0"/>
+                          </a:rPr>
+                          <m:t>𝑤</m:t>
+                        </m:r>
+                      </m:e>
+                      <m:sub>
+                        <m:r>
+                          <a:rPr lang="en-US" b="0" i="1" smtClean="0">
+                            <a:latin typeface="Cambria Math" panose="02040503050406030204" pitchFamily="18" charset="0"/>
+                          </a:rPr>
+                          <m:t>𝑛</m:t>
+                        </m:r>
+                      </m:sub>
+                    </m:sSub>
+                  </m:oMath>
+                </a14:m>
+                <a:endParaRPr lang="en-US" dirty="0"/>
+              </a:p>
+              <a:p>
+                <a:r>
+                  <a:rPr lang="en-US" dirty="0"/>
+                  <a:t>These weighed inputs are summed to produce the </a:t>
+                </a:r>
+                <a:r>
+                  <a:rPr lang="en-US" i="1" dirty="0"/>
+                  <a:t>logit</a:t>
+                </a:r>
+                <a:r>
+                  <a:rPr lang="en-US" dirty="0"/>
+                  <a:t> of the neuron, </a:t>
+                </a:r>
+                <a14:m>
+                  <m:oMath xmlns:m="http://schemas.openxmlformats.org/officeDocument/2006/math">
+                    <m:r>
+                      <a:rPr lang="en-US" b="0" i="1" smtClean="0">
+                        <a:latin typeface="Cambria Math" panose="02040503050406030204" pitchFamily="18" charset="0"/>
+                      </a:rPr>
+                      <m:t>𝑧</m:t>
+                    </m:r>
+                    <m:r>
+                      <a:rPr lang="en-US" b="0" i="1" smtClean="0">
+                        <a:latin typeface="Cambria Math" panose="02040503050406030204" pitchFamily="18" charset="0"/>
+                      </a:rPr>
+                      <m:t>=</m:t>
+                    </m:r>
+                    <m:nary>
+                      <m:naryPr>
+                        <m:chr m:val="∑"/>
+                        <m:supHide m:val="on"/>
+                        <m:ctrlPr>
+                          <a:rPr lang="en-US" b="0" i="1" smtClean="0">
+                            <a:latin typeface="Cambria Math" panose="02040503050406030204" pitchFamily="18" charset="0"/>
+                          </a:rPr>
+                        </m:ctrlPr>
+                      </m:naryPr>
+                      <m:sub>
+                        <m:r>
+                          <a:rPr lang="en-US" b="0" i="1" smtClean="0">
+                            <a:latin typeface="Cambria Math" panose="02040503050406030204" pitchFamily="18" charset="0"/>
+                          </a:rPr>
+                          <m:t>𝑖</m:t>
+                        </m:r>
+                      </m:sub>
+                      <m:sup/>
+                      <m:e>
+                        <m:sSub>
+                          <m:sSubPr>
+                            <m:ctrlPr>
+                              <a:rPr lang="en-US" b="0" i="1" smtClean="0">
+                                <a:latin typeface="Cambria Math" panose="02040503050406030204" pitchFamily="18" charset="0"/>
+                              </a:rPr>
+                            </m:ctrlPr>
+                          </m:sSubPr>
+                          <m:e>
+                            <m:r>
+                              <a:rPr lang="en-US" b="0" i="1" smtClean="0">
+                                <a:latin typeface="Cambria Math" panose="02040503050406030204" pitchFamily="18" charset="0"/>
+                              </a:rPr>
+                              <m:t>𝑤</m:t>
+                            </m:r>
+                          </m:e>
+                          <m:sub>
+                            <m:r>
+                              <a:rPr lang="en-US" b="0" i="1" smtClean="0">
+                                <a:latin typeface="Cambria Math" panose="02040503050406030204" pitchFamily="18" charset="0"/>
+                              </a:rPr>
+                              <m:t>𝑖</m:t>
+                            </m:r>
+                          </m:sub>
+                        </m:sSub>
+                        <m:sSub>
+                          <m:sSubPr>
+                            <m:ctrlPr>
+                              <a:rPr lang="en-US" b="0" i="1" smtClean="0">
+                                <a:latin typeface="Cambria Math" panose="02040503050406030204" pitchFamily="18" charset="0"/>
+                              </a:rPr>
+                            </m:ctrlPr>
+                          </m:sSubPr>
+                          <m:e>
+                            <m:r>
+                              <a:rPr lang="en-US" b="0" i="1" smtClean="0">
+                                <a:latin typeface="Cambria Math" panose="02040503050406030204" pitchFamily="18" charset="0"/>
+                              </a:rPr>
+                              <m:t>𝑥</m:t>
+                            </m:r>
+                          </m:e>
+                          <m:sub>
+                            <m:r>
+                              <a:rPr lang="en-US" b="0" i="1" smtClean="0">
+                                <a:latin typeface="Cambria Math" panose="02040503050406030204" pitchFamily="18" charset="0"/>
+                              </a:rPr>
+                              <m:t>𝑖</m:t>
+                            </m:r>
+                          </m:sub>
+                        </m:sSub>
+                      </m:e>
+                    </m:nary>
+                    <m:r>
+                      <a:rPr lang="en-US" b="0" i="1" smtClean="0">
+                        <a:latin typeface="Cambria Math" panose="02040503050406030204" pitchFamily="18" charset="0"/>
+                      </a:rPr>
+                      <m:t>+(</m:t>
+                    </m:r>
+                    <m:r>
+                      <a:rPr lang="en-US" b="0" i="1" smtClean="0">
+                        <a:latin typeface="Cambria Math" panose="02040503050406030204" pitchFamily="18" charset="0"/>
+                      </a:rPr>
+                      <m:t>𝑏𝑖𝑎𝑠</m:t>
+                    </m:r>
+                    <m:r>
+                      <a:rPr lang="en-US" b="0" i="1" smtClean="0">
+                        <a:latin typeface="Cambria Math" panose="02040503050406030204" pitchFamily="18" charset="0"/>
+                      </a:rPr>
+                      <m:t>)</m:t>
+                    </m:r>
+                  </m:oMath>
+                </a14:m>
+                <a:endParaRPr lang="en-US" dirty="0"/>
+              </a:p>
+              <a:p>
+                <a:pPr lvl="1"/>
+                <a:r>
+                  <a:rPr lang="en-US" dirty="0"/>
+                  <a:t>A bias is just a constant</a:t>
+                </a:r>
+              </a:p>
+              <a:p>
+                <a:r>
+                  <a:rPr lang="en-US" dirty="0"/>
+                  <a:t>The logit is then passed through a function </a:t>
+                </a:r>
+                <a14:m>
+                  <m:oMath xmlns:m="http://schemas.openxmlformats.org/officeDocument/2006/math">
+                    <m:r>
+                      <a:rPr lang="en-US" b="0" i="1" smtClean="0">
+                        <a:latin typeface="Cambria Math" panose="02040503050406030204" pitchFamily="18" charset="0"/>
+                      </a:rPr>
+                      <m:t>𝑓</m:t>
+                    </m:r>
+                  </m:oMath>
+                </a14:m>
+                <a:r>
+                  <a:rPr lang="en-US" dirty="0"/>
+                  <a:t> to produce the output </a:t>
+                </a:r>
+                <a14:m>
+                  <m:oMath xmlns:m="http://schemas.openxmlformats.org/officeDocument/2006/math">
+                    <m:r>
+                      <a:rPr lang="en-US" b="0" i="1" smtClean="0">
+                        <a:latin typeface="Cambria Math" panose="02040503050406030204" pitchFamily="18" charset="0"/>
+                      </a:rPr>
+                      <m:t>𝑦</m:t>
+                    </m:r>
+                    <m:r>
+                      <a:rPr lang="en-US" b="0" i="1" smtClean="0">
+                        <a:latin typeface="Cambria Math" panose="02040503050406030204" pitchFamily="18" charset="0"/>
+                      </a:rPr>
+                      <m:t>=</m:t>
+                    </m:r>
+                    <m:r>
+                      <a:rPr lang="en-US" b="0" i="1" smtClean="0">
+                        <a:latin typeface="Cambria Math" panose="02040503050406030204" pitchFamily="18" charset="0"/>
+                      </a:rPr>
+                      <m:t>𝑓</m:t>
+                    </m:r>
+                    <m:r>
+                      <a:rPr lang="en-US" b="0" i="1" smtClean="0">
+                        <a:latin typeface="Cambria Math" panose="02040503050406030204" pitchFamily="18" charset="0"/>
+                      </a:rPr>
+                      <m:t>(</m:t>
+                    </m:r>
+                    <m:r>
+                      <a:rPr lang="en-US" b="0" i="1" smtClean="0">
+                        <a:latin typeface="Cambria Math" panose="02040503050406030204" pitchFamily="18" charset="0"/>
+                      </a:rPr>
+                      <m:t>𝑧</m:t>
+                    </m:r>
+                    <m:r>
+                      <a:rPr lang="en-US" b="0" i="1" smtClean="0">
+                        <a:latin typeface="Cambria Math" panose="02040503050406030204" pitchFamily="18" charset="0"/>
+                      </a:rPr>
+                      <m:t>)</m:t>
+                    </m:r>
+                  </m:oMath>
+                </a14:m>
+                <a:r>
+                  <a:rPr lang="en-US" dirty="0"/>
+                  <a:t> </a:t>
+                </a:r>
+              </a:p>
+            </p:txBody>
+          </p:sp>
+        </mc:Choice>
+        <mc:Fallback>
+          <p:sp>
+            <p:nvSpPr>
+              <p:cNvPr id="3" name="Content Placeholder 2">
+                <a:extLst>
+                  <a:ext uri="{FF2B5EF4-FFF2-40B4-BE49-F238E27FC236}">
+                    <a16:creationId xmlns:a16="http://schemas.microsoft.com/office/drawing/2014/main" id="{5FD92AD4-0C2F-50AE-A536-4EE853B8A265}"/>
+                  </a:ext>
+                </a:extLst>
+              </p:cNvPr>
+              <p:cNvSpPr>
+                <a:spLocks noGrp="1" noRot="1" noChangeAspect="1" noMove="1" noResize="1" noEditPoints="1" noAdjustHandles="1" noChangeArrowheads="1" noChangeShapeType="1" noTextEdit="1"/>
+              </p:cNvSpPr>
+              <p:nvPr>
+                <p:ph idx="1"/>
+              </p:nvPr>
+            </p:nvSpPr>
+            <p:spPr>
+              <a:blipFill>
+                <a:blip r:embed="rId2"/>
+                <a:stretch>
+                  <a:fillRect l="-1086" t="-2326"/>
+                </a:stretch>
+              </a:blipFill>
+            </p:spPr>
+            <p:txBody>
+              <a:bodyPr/>
+              <a:lstStyle/>
+              <a:p>
+                <a:r>
+                  <a:rPr lang="en-US">
+                    <a:noFill/>
+                  </a:rPr>
+                  <a:t> </a:t>
+                </a:r>
+              </a:p>
+            </p:txBody>
+          </p:sp>
+        </mc:Fallback>
+      </mc:AlternateContent>
+    </p:spTree>
+    <p:extLst>
+      <p:ext uri="{BB962C8B-B14F-4D97-AF65-F5344CB8AC3E}">
+        <p14:creationId xmlns:p14="http://schemas.microsoft.com/office/powerpoint/2010/main" val="1927785920"/>
+      </p:ext>
+    </p:extLst>
+  </p:cSld>
+  <p:clrMapOvr>
+    <a:masterClrMapping/>
+  </p:clrMapOvr>
+</p:sld>
+</file>
+
+<file path=ppt/slides/slide33.xml><?xml version="1.0" encoding="utf-8"?>
+<p:sld xmlns:a="http://schemas.openxmlformats.org/drawingml/2006/main" xmlns:r="http://schemas.openxmlformats.org/officeDocument/2006/relationships" xmlns:p="http://schemas.openxmlformats.org/presentationml/2006/main">
+  <p:cSld>
+    <p:spTree>
+      <p:nvGrpSpPr>
+        <p:cNvPr id="1" name=""/>
+        <p:cNvGrpSpPr/>
+        <p:nvPr/>
+      </p:nvGrpSpPr>
+      <p:grpSpPr>
+        <a:xfrm>
+          <a:off x="0" y="0"/>
+          <a:ext cx="0" cy="0"/>
+          <a:chOff x="0" y="0"/>
+          <a:chExt cx="0" cy="0"/>
+        </a:xfrm>
+      </p:grpSpPr>
+      <p:sp>
+        <p:nvSpPr>
+          <p:cNvPr id="2" name="Title 1">
+            <a:extLst>
+              <a:ext uri="{FF2B5EF4-FFF2-40B4-BE49-F238E27FC236}">
+                <a16:creationId xmlns:a16="http://schemas.microsoft.com/office/drawing/2014/main" id="{FB3B7A37-205A-49BA-FE4B-59A1273649FA}"/>
+              </a:ext>
+            </a:extLst>
+          </p:cNvPr>
+          <p:cNvSpPr>
+            <a:spLocks noGrp="1"/>
+          </p:cNvSpPr>
+          <p:nvPr>
+            <p:ph type="title"/>
+          </p:nvPr>
+        </p:nvSpPr>
+        <p:spPr/>
+        <p:txBody>
+          <a:bodyPr/>
+          <a:lstStyle/>
+          <a:p>
+            <a:r>
+              <a:rPr lang="en-US" b="1" dirty="0"/>
+              <a:t>Schematic for a neuron in a neural net</a:t>
+            </a:r>
+          </a:p>
+        </p:txBody>
+      </p:sp>
+      <p:pic>
+        <p:nvPicPr>
+          <p:cNvPr id="6146" name="Picture 2" descr=" ">
+            <a:extLst>
+              <a:ext uri="{FF2B5EF4-FFF2-40B4-BE49-F238E27FC236}">
+                <a16:creationId xmlns:a16="http://schemas.microsoft.com/office/drawing/2014/main" id="{87AF9504-C235-ED54-D30C-9F9EF291BEF6}"/>
+              </a:ext>
+            </a:extLst>
+          </p:cNvPr>
+          <p:cNvPicPr>
+            <a:picLocks noGrp="1" noChangeAspect="1" noChangeArrowheads="1"/>
+          </p:cNvPicPr>
+          <p:nvPr>
+            <p:ph idx="1"/>
+          </p:nvPr>
+        </p:nvPicPr>
+        <p:blipFill>
+          <a:blip r:embed="rId2">
+            <a:extLst>
+              <a:ext uri="{28A0092B-C50C-407E-A947-70E740481C1C}">
+                <a14:useLocalDpi xmlns:a14="http://schemas.microsoft.com/office/drawing/2010/main" val="0"/>
+              </a:ext>
+            </a:extLst>
+          </a:blip>
+          <a:srcRect/>
+          <a:stretch>
+            <a:fillRect/>
+          </a:stretch>
+        </p:blipFill>
+        <p:spPr bwMode="auto">
+          <a:xfrm>
+            <a:off x="1932030" y="2353056"/>
+            <a:ext cx="8327940" cy="3296476"/>
+          </a:xfrm>
+          <a:prstGeom prst="rect">
+            <a:avLst/>
+          </a:prstGeom>
+          <a:noFill/>
+          <a:extLst>
+            <a:ext uri="{909E8E84-426E-40DD-AFC4-6F175D3DCCD1}">
+              <a14:hiddenFill xmlns:a14="http://schemas.microsoft.com/office/drawing/2010/main">
+                <a:solidFill>
+                  <a:srgbClr val="FFFFFF"/>
+                </a:solidFill>
+              </a14:hiddenFill>
+            </a:ext>
+          </a:extLst>
+        </p:spPr>
+      </p:pic>
+    </p:spTree>
+    <p:extLst>
+      <p:ext uri="{BB962C8B-B14F-4D97-AF65-F5344CB8AC3E}">
+        <p14:creationId xmlns:p14="http://schemas.microsoft.com/office/powerpoint/2010/main" val="996227287"/>
+      </p:ext>
+    </p:extLst>
+  </p:cSld>
+  <p:clrMapOvr>
+    <a:masterClrMapping/>
+  </p:clrMapOvr>
+</p:sld>
+</file>
+
+<file path=ppt/slides/slide34.xml><?xml version="1.0" encoding="utf-8"?>
+<p:sld xmlns:a="http://schemas.openxmlformats.org/drawingml/2006/main" xmlns:r="http://schemas.openxmlformats.org/officeDocument/2006/relationships" xmlns:p="http://schemas.openxmlformats.org/presentationml/2006/main">
+  <p:cSld>
+    <p:spTree>
+      <p:nvGrpSpPr>
+        <p:cNvPr id="1" name=""/>
+        <p:cNvGrpSpPr/>
+        <p:nvPr/>
+      </p:nvGrpSpPr>
+      <p:grpSpPr>
+        <a:xfrm>
+          <a:off x="0" y="0"/>
+          <a:ext cx="0" cy="0"/>
+          <a:chOff x="0" y="0"/>
+          <a:chExt cx="0" cy="0"/>
+        </a:xfrm>
+      </p:grpSpPr>
+      <p:sp>
+        <p:nvSpPr>
+          <p:cNvPr id="2" name="Title 1">
+            <a:extLst>
+              <a:ext uri="{FF2B5EF4-FFF2-40B4-BE49-F238E27FC236}">
+                <a16:creationId xmlns:a16="http://schemas.microsoft.com/office/drawing/2014/main" id="{8682538A-F93A-D665-9666-AAC4BC76AF3E}"/>
+              </a:ext>
+            </a:extLst>
+          </p:cNvPr>
+          <p:cNvSpPr>
+            <a:spLocks noGrp="1"/>
+          </p:cNvSpPr>
+          <p:nvPr>
+            <p:ph type="title"/>
+          </p:nvPr>
+        </p:nvSpPr>
+        <p:spPr/>
+        <p:txBody>
+          <a:bodyPr/>
+          <a:lstStyle/>
+          <a:p>
+            <a:r>
+              <a:rPr lang="en-US" b="1" dirty="0"/>
+              <a:t>Formulation</a:t>
+            </a:r>
+          </a:p>
+        </p:txBody>
+      </p:sp>
+      <mc:AlternateContent xmlns:mc="http://schemas.openxmlformats.org/markup-compatibility/2006">
+        <mc:Choice xmlns:a14="http://schemas.microsoft.com/office/drawing/2010/main" Requires="a14">
+          <p:sp>
+            <p:nvSpPr>
+              <p:cNvPr id="3" name="Content Placeholder 2">
+                <a:extLst>
+                  <a:ext uri="{FF2B5EF4-FFF2-40B4-BE49-F238E27FC236}">
+                    <a16:creationId xmlns:a16="http://schemas.microsoft.com/office/drawing/2014/main" id="{30A37622-652C-92AD-3513-89D9CC639B67}"/>
+                  </a:ext>
+                </a:extLst>
+              </p:cNvPr>
+              <p:cNvSpPr>
+                <a:spLocks noGrp="1"/>
+              </p:cNvSpPr>
+              <p:nvPr>
+                <p:ph idx="1"/>
+              </p:nvPr>
+            </p:nvSpPr>
+            <p:spPr/>
+            <p:txBody>
+              <a:bodyPr>
+                <a:normAutofit lnSpcReduction="10000"/>
+              </a:bodyPr>
+              <a:lstStyle/>
+              <a:p>
+                <a:pPr>
+                  <a:lnSpc>
+                    <a:spcPct val="150000"/>
+                  </a:lnSpc>
+                </a:pPr>
+                <a:r>
+                  <a:rPr lang="en-US" dirty="0"/>
+                  <a:t>Express its functionality in vector form</a:t>
+                </a:r>
+              </a:p>
+              <a:p>
+                <a:pPr lvl="1">
+                  <a:lnSpc>
+                    <a:spcPct val="150000"/>
+                  </a:lnSpc>
+                </a:pPr>
+                <a:r>
+                  <a:rPr lang="en-US" dirty="0"/>
+                  <a:t>Input </a:t>
+                </a:r>
+                <a14:m>
+                  <m:oMath xmlns:m="http://schemas.openxmlformats.org/officeDocument/2006/math">
+                    <m:r>
+                      <a:rPr lang="en-US" b="1" i="1" smtClean="0">
+                        <a:latin typeface="Cambria Math" panose="02040503050406030204" pitchFamily="18" charset="0"/>
+                      </a:rPr>
+                      <m:t>𝒙</m:t>
+                    </m:r>
+                    <m:r>
+                      <a:rPr lang="en-US" b="0" i="1" smtClean="0">
+                        <a:latin typeface="Cambria Math" panose="02040503050406030204" pitchFamily="18" charset="0"/>
+                      </a:rPr>
+                      <m:t>=[</m:t>
+                    </m:r>
+                    <m:sSub>
+                      <m:sSubPr>
+                        <m:ctrlPr>
+                          <a:rPr lang="en-US" b="0" i="1" smtClean="0">
+                            <a:latin typeface="Cambria Math" panose="02040503050406030204" pitchFamily="18" charset="0"/>
+                          </a:rPr>
+                        </m:ctrlPr>
+                      </m:sSubPr>
+                      <m:e>
+                        <m:r>
+                          <a:rPr lang="en-US" b="0" i="1" smtClean="0">
+                            <a:latin typeface="Cambria Math" panose="02040503050406030204" pitchFamily="18" charset="0"/>
+                          </a:rPr>
+                          <m:t>𝑥</m:t>
+                        </m:r>
+                      </m:e>
+                      <m:sub>
+                        <m:r>
+                          <a:rPr lang="en-US" b="0" i="1" smtClean="0">
+                            <a:latin typeface="Cambria Math" panose="02040503050406030204" pitchFamily="18" charset="0"/>
+                          </a:rPr>
+                          <m:t>1</m:t>
+                        </m:r>
+                      </m:sub>
+                    </m:sSub>
+                    <m:r>
+                      <a:rPr lang="en-US" b="0" i="1" smtClean="0">
+                        <a:latin typeface="Cambria Math" panose="02040503050406030204" pitchFamily="18" charset="0"/>
+                      </a:rPr>
+                      <m:t>,</m:t>
+                    </m:r>
+                    <m:sSub>
+                      <m:sSubPr>
+                        <m:ctrlPr>
+                          <a:rPr lang="en-US" b="0" i="1" smtClean="0">
+                            <a:latin typeface="Cambria Math" panose="02040503050406030204" pitchFamily="18" charset="0"/>
+                          </a:rPr>
+                        </m:ctrlPr>
+                      </m:sSubPr>
+                      <m:e>
+                        <m:r>
+                          <a:rPr lang="en-US" b="0" i="1" smtClean="0">
+                            <a:latin typeface="Cambria Math" panose="02040503050406030204" pitchFamily="18" charset="0"/>
+                          </a:rPr>
+                          <m:t>𝑥</m:t>
+                        </m:r>
+                      </m:e>
+                      <m:sub>
+                        <m:r>
+                          <a:rPr lang="en-US" b="0" i="1" smtClean="0">
+                            <a:latin typeface="Cambria Math" panose="02040503050406030204" pitchFamily="18" charset="0"/>
+                          </a:rPr>
+                          <m:t>2</m:t>
+                        </m:r>
+                      </m:sub>
+                    </m:sSub>
+                    <m:r>
+                      <a:rPr lang="en-US" b="0" i="1" smtClean="0">
+                        <a:latin typeface="Cambria Math" panose="02040503050406030204" pitchFamily="18" charset="0"/>
+                      </a:rPr>
+                      <m:t>,…,</m:t>
+                    </m:r>
+                    <m:sSub>
+                      <m:sSubPr>
+                        <m:ctrlPr>
+                          <a:rPr lang="en-US" b="0" i="1" smtClean="0">
+                            <a:latin typeface="Cambria Math" panose="02040503050406030204" pitchFamily="18" charset="0"/>
+                          </a:rPr>
+                        </m:ctrlPr>
+                      </m:sSubPr>
+                      <m:e>
+                        <m:r>
+                          <a:rPr lang="en-US" b="0" i="1" smtClean="0">
+                            <a:latin typeface="Cambria Math" panose="02040503050406030204" pitchFamily="18" charset="0"/>
+                          </a:rPr>
+                          <m:t>𝑥</m:t>
+                        </m:r>
+                      </m:e>
+                      <m:sub>
+                        <m:r>
+                          <a:rPr lang="en-US" b="0" i="1" smtClean="0">
+                            <a:latin typeface="Cambria Math" panose="02040503050406030204" pitchFamily="18" charset="0"/>
+                          </a:rPr>
+                          <m:t>𝑛</m:t>
+                        </m:r>
+                      </m:sub>
+                    </m:sSub>
+                    <m:r>
+                      <a:rPr lang="en-US" b="0" i="1" smtClean="0">
+                        <a:latin typeface="Cambria Math" panose="02040503050406030204" pitchFamily="18" charset="0"/>
+                      </a:rPr>
+                      <m:t>]</m:t>
+                    </m:r>
+                  </m:oMath>
+                </a14:m>
+                <a:r>
+                  <a:rPr lang="en-US" dirty="0"/>
+                  <a:t> </a:t>
+                </a:r>
+              </a:p>
+              <a:p>
+                <a:pPr lvl="1">
+                  <a:lnSpc>
+                    <a:spcPct val="150000"/>
+                  </a:lnSpc>
+                </a:pPr>
+                <a:r>
+                  <a:rPr lang="en-US" dirty="0"/>
+                  <a:t>Weights of the neuron </a:t>
+                </a:r>
+                <a14:m>
+                  <m:oMath xmlns:m="http://schemas.openxmlformats.org/officeDocument/2006/math">
+                    <m:r>
+                      <a:rPr lang="en-US" b="1" i="0" smtClean="0">
+                        <a:latin typeface="Cambria Math" panose="02040503050406030204" pitchFamily="18" charset="0"/>
+                      </a:rPr>
+                      <m:t>𝐰</m:t>
+                    </m:r>
+                    <m:r>
+                      <a:rPr lang="en-US" b="0" i="1" smtClean="0">
+                        <a:latin typeface="Cambria Math" panose="02040503050406030204" pitchFamily="18" charset="0"/>
+                      </a:rPr>
+                      <m:t>=[</m:t>
+                    </m:r>
+                    <m:sSub>
+                      <m:sSubPr>
+                        <m:ctrlPr>
+                          <a:rPr lang="en-US" b="0" i="1" smtClean="0">
+                            <a:latin typeface="Cambria Math" panose="02040503050406030204" pitchFamily="18" charset="0"/>
+                          </a:rPr>
+                        </m:ctrlPr>
+                      </m:sSubPr>
+                      <m:e>
+                        <m:r>
+                          <a:rPr lang="en-US" b="0" i="1" smtClean="0">
+                            <a:latin typeface="Cambria Math" panose="02040503050406030204" pitchFamily="18" charset="0"/>
+                          </a:rPr>
+                          <m:t>𝑤</m:t>
+                        </m:r>
+                      </m:e>
+                      <m:sub>
+                        <m:r>
+                          <a:rPr lang="en-US" b="0" i="1" smtClean="0">
+                            <a:latin typeface="Cambria Math" panose="02040503050406030204" pitchFamily="18" charset="0"/>
+                          </a:rPr>
+                          <m:t>1</m:t>
+                        </m:r>
+                      </m:sub>
+                    </m:sSub>
+                    <m:r>
+                      <a:rPr lang="en-US" b="0" i="1" smtClean="0">
+                        <a:latin typeface="Cambria Math" panose="02040503050406030204" pitchFamily="18" charset="0"/>
+                      </a:rPr>
+                      <m:t>,</m:t>
+                    </m:r>
+                    <m:sSub>
+                      <m:sSubPr>
+                        <m:ctrlPr>
+                          <a:rPr lang="en-US" b="0" i="1" smtClean="0">
+                            <a:latin typeface="Cambria Math" panose="02040503050406030204" pitchFamily="18" charset="0"/>
+                          </a:rPr>
+                        </m:ctrlPr>
+                      </m:sSubPr>
+                      <m:e>
+                        <m:r>
+                          <a:rPr lang="en-US" b="0" i="1" smtClean="0">
+                            <a:latin typeface="Cambria Math" panose="02040503050406030204" pitchFamily="18" charset="0"/>
+                          </a:rPr>
+                          <m:t>𝑤</m:t>
+                        </m:r>
+                      </m:e>
+                      <m:sub>
+                        <m:r>
+                          <a:rPr lang="en-US" b="0" i="1" smtClean="0">
+                            <a:latin typeface="Cambria Math" panose="02040503050406030204" pitchFamily="18" charset="0"/>
+                          </a:rPr>
+                          <m:t>2</m:t>
+                        </m:r>
+                      </m:sub>
+                    </m:sSub>
+                    <m:r>
+                      <a:rPr lang="en-US" b="0" i="1" smtClean="0">
+                        <a:latin typeface="Cambria Math" panose="02040503050406030204" pitchFamily="18" charset="0"/>
+                      </a:rPr>
+                      <m:t>,…,</m:t>
+                    </m:r>
+                    <m:sSub>
+                      <m:sSubPr>
+                        <m:ctrlPr>
+                          <a:rPr lang="en-US" b="0" i="1" smtClean="0">
+                            <a:latin typeface="Cambria Math" panose="02040503050406030204" pitchFamily="18" charset="0"/>
+                          </a:rPr>
+                        </m:ctrlPr>
+                      </m:sSubPr>
+                      <m:e>
+                        <m:r>
+                          <a:rPr lang="en-US" b="0" i="1" smtClean="0">
+                            <a:latin typeface="Cambria Math" panose="02040503050406030204" pitchFamily="18" charset="0"/>
+                          </a:rPr>
+                          <m:t>𝑤</m:t>
+                        </m:r>
+                      </m:e>
+                      <m:sub>
+                        <m:r>
+                          <a:rPr lang="en-US" b="0" i="1" smtClean="0">
+                            <a:latin typeface="Cambria Math" panose="02040503050406030204" pitchFamily="18" charset="0"/>
+                          </a:rPr>
+                          <m:t>𝑛</m:t>
+                        </m:r>
+                      </m:sub>
+                    </m:sSub>
+                    <m:r>
+                      <a:rPr lang="en-US" b="0" i="1" smtClean="0">
+                        <a:latin typeface="Cambria Math" panose="02040503050406030204" pitchFamily="18" charset="0"/>
+                      </a:rPr>
+                      <m:t>]</m:t>
+                    </m:r>
+                  </m:oMath>
+                </a14:m>
+                <a:endParaRPr lang="en-US" dirty="0"/>
+              </a:p>
+              <a:p>
+                <a:pPr lvl="1">
+                  <a:lnSpc>
+                    <a:spcPct val="150000"/>
+                  </a:lnSpc>
+                </a:pPr>
+                <a:r>
+                  <a:rPr lang="en-US" dirty="0"/>
+                  <a:t>The output of the neuron </a:t>
+                </a:r>
+                <a14:m>
+                  <m:oMath xmlns:m="http://schemas.openxmlformats.org/officeDocument/2006/math">
+                    <m:r>
+                      <a:rPr lang="en-US" b="0" i="1" smtClean="0">
+                        <a:latin typeface="Cambria Math" panose="02040503050406030204" pitchFamily="18" charset="0"/>
+                      </a:rPr>
+                      <m:t>𝑦</m:t>
+                    </m:r>
+                    <m:r>
+                      <a:rPr lang="en-US" b="0" i="1" smtClean="0">
+                        <a:latin typeface="Cambria Math" panose="02040503050406030204" pitchFamily="18" charset="0"/>
+                      </a:rPr>
+                      <m:t>=</m:t>
+                    </m:r>
+                    <m:r>
+                      <a:rPr lang="en-US" b="0" i="1" smtClean="0">
+                        <a:latin typeface="Cambria Math" panose="02040503050406030204" pitchFamily="18" charset="0"/>
+                      </a:rPr>
+                      <m:t>𝑓</m:t>
+                    </m:r>
+                    <m:r>
+                      <a:rPr lang="en-US" b="0" i="1" smtClean="0">
+                        <a:latin typeface="Cambria Math" panose="02040503050406030204" pitchFamily="18" charset="0"/>
+                      </a:rPr>
+                      <m:t>(</m:t>
+                    </m:r>
+                    <m:r>
+                      <a:rPr lang="en-US" b="1" i="1" smtClean="0">
+                        <a:latin typeface="Cambria Math" panose="02040503050406030204" pitchFamily="18" charset="0"/>
+                      </a:rPr>
+                      <m:t>𝒙</m:t>
+                    </m:r>
+                    <m:r>
+                      <a:rPr lang="en-US" b="0" i="1" smtClean="0">
+                        <a:latin typeface="Cambria Math" panose="02040503050406030204" pitchFamily="18" charset="0"/>
+                      </a:rPr>
+                      <m:t>⋅</m:t>
+                    </m:r>
+                    <m:r>
+                      <a:rPr lang="en-US" b="1" i="1" smtClean="0">
+                        <a:latin typeface="Cambria Math" panose="02040503050406030204" pitchFamily="18" charset="0"/>
+                      </a:rPr>
+                      <m:t>𝒘</m:t>
+                    </m:r>
+                    <m:r>
+                      <a:rPr lang="en-US" b="0" i="1" smtClean="0">
+                        <a:latin typeface="Cambria Math" panose="02040503050406030204" pitchFamily="18" charset="0"/>
+                      </a:rPr>
+                      <m:t>+</m:t>
+                    </m:r>
+                    <m:r>
+                      <a:rPr lang="en-US" b="0" i="1" smtClean="0">
+                        <a:latin typeface="Cambria Math" panose="02040503050406030204" pitchFamily="18" charset="0"/>
+                      </a:rPr>
+                      <m:t>𝑏</m:t>
+                    </m:r>
+                    <m:r>
+                      <a:rPr lang="en-US" b="0" i="1" smtClean="0">
+                        <a:latin typeface="Cambria Math" panose="02040503050406030204" pitchFamily="18" charset="0"/>
+                      </a:rPr>
+                      <m:t>)</m:t>
+                    </m:r>
+                  </m:oMath>
+                </a14:m>
+                <a:r>
+                  <a:rPr lang="en-US" dirty="0"/>
+                  <a:t>, where b is the bias term</a:t>
+                </a:r>
+              </a:p>
+              <a:p>
+                <a:pPr>
+                  <a:lnSpc>
+                    <a:spcPct val="150000"/>
+                  </a:lnSpc>
+                </a:pPr>
+                <a:r>
+                  <a:rPr lang="en-US" dirty="0"/>
+                  <a:t>While this seems like a trivial reformulation, thinking about neurons as a series of vector manipulations will be crucial to how we implement them in software</a:t>
+                </a:r>
+              </a:p>
+            </p:txBody>
+          </p:sp>
+        </mc:Choice>
+        <mc:Fallback>
+          <p:sp>
+            <p:nvSpPr>
+              <p:cNvPr id="3" name="Content Placeholder 2">
+                <a:extLst>
+                  <a:ext uri="{FF2B5EF4-FFF2-40B4-BE49-F238E27FC236}">
+                    <a16:creationId xmlns:a16="http://schemas.microsoft.com/office/drawing/2014/main" id="{30A37622-652C-92AD-3513-89D9CC639B67}"/>
+                  </a:ext>
+                </a:extLst>
+              </p:cNvPr>
+              <p:cNvSpPr>
+                <a:spLocks noGrp="1" noRot="1" noChangeAspect="1" noMove="1" noResize="1" noEditPoints="1" noAdjustHandles="1" noChangeArrowheads="1" noChangeShapeType="1" noTextEdit="1"/>
+              </p:cNvSpPr>
+              <p:nvPr>
+                <p:ph idx="1"/>
+              </p:nvPr>
+            </p:nvSpPr>
+            <p:spPr>
+              <a:blipFill>
+                <a:blip r:embed="rId2"/>
+                <a:stretch>
+                  <a:fillRect l="-1086" b="-2035"/>
+                </a:stretch>
+              </a:blipFill>
+            </p:spPr>
+            <p:txBody>
+              <a:bodyPr/>
+              <a:lstStyle/>
+              <a:p>
+                <a:r>
+                  <a:rPr lang="en-US">
+                    <a:noFill/>
+                  </a:rPr>
+                  <a:t> </a:t>
+                </a:r>
+              </a:p>
+            </p:txBody>
+          </p:sp>
+        </mc:Fallback>
+      </mc:AlternateContent>
+    </p:spTree>
+    <p:extLst>
+      <p:ext uri="{BB962C8B-B14F-4D97-AF65-F5344CB8AC3E}">
+        <p14:creationId xmlns:p14="http://schemas.microsoft.com/office/powerpoint/2010/main" val="3838515516"/>
+      </p:ext>
+    </p:extLst>
+  </p:cSld>
+  <p:clrMapOvr>
+    <a:masterClrMapping/>
+  </p:clrMapOvr>
+</p:sld>
+</file>
+
+<file path=ppt/slides/slide35.xml><?xml version="1.0" encoding="utf-8"?>
+<p:sld xmlns:a="http://schemas.openxmlformats.org/drawingml/2006/main" xmlns:r="http://schemas.openxmlformats.org/officeDocument/2006/relationships" xmlns:p="http://schemas.openxmlformats.org/presentationml/2006/main">
+  <p:cSld>
+    <p:spTree>
+      <p:nvGrpSpPr>
+        <p:cNvPr id="1" name=""/>
+        <p:cNvGrpSpPr/>
+        <p:nvPr/>
+      </p:nvGrpSpPr>
+      <p:grpSpPr>
+        <a:xfrm>
+          <a:off x="0" y="0"/>
+          <a:ext cx="0" cy="0"/>
+          <a:chOff x="0" y="0"/>
+          <a:chExt cx="0" cy="0"/>
+        </a:xfrm>
+      </p:grpSpPr>
+      <p:sp>
+        <p:nvSpPr>
+          <p:cNvPr id="2" name="Title 1">
+            <a:extLst>
+              <a:ext uri="{FF2B5EF4-FFF2-40B4-BE49-F238E27FC236}">
+                <a16:creationId xmlns:a16="http://schemas.microsoft.com/office/drawing/2014/main" id="{00548734-0189-8DEE-F9A0-8C8825C98D6D}"/>
+              </a:ext>
+            </a:extLst>
+          </p:cNvPr>
+          <p:cNvSpPr>
+            <a:spLocks noGrp="1"/>
+          </p:cNvSpPr>
+          <p:nvPr>
+            <p:ph type="title"/>
+          </p:nvPr>
+        </p:nvSpPr>
+        <p:spPr/>
+        <p:txBody>
+          <a:bodyPr/>
+          <a:lstStyle/>
+          <a:p>
+            <a:r>
+              <a:rPr lang="en-US" b="1" dirty="0"/>
+              <a:t>Expressing Linear </a:t>
+            </a:r>
+            <a:r>
+              <a:rPr lang="en-US" b="1" dirty="0" err="1"/>
+              <a:t>Perceptrons</a:t>
+            </a:r>
+            <a:r>
+              <a:rPr lang="en-US" b="1" dirty="0"/>
+              <a:t> as Neurons</a:t>
+            </a:r>
+          </a:p>
+        </p:txBody>
+      </p:sp>
+      <p:sp>
+        <p:nvSpPr>
+          <p:cNvPr id="3" name="Content Placeholder 2">
+            <a:extLst>
+              <a:ext uri="{FF2B5EF4-FFF2-40B4-BE49-F238E27FC236}">
+                <a16:creationId xmlns:a16="http://schemas.microsoft.com/office/drawing/2014/main" id="{99FDDA4E-4F2F-5641-124B-D8FFAC319901}"/>
+              </a:ext>
+            </a:extLst>
+          </p:cNvPr>
+          <p:cNvSpPr>
+            <a:spLocks noGrp="1"/>
+          </p:cNvSpPr>
+          <p:nvPr>
+            <p:ph idx="1"/>
+          </p:nvPr>
+        </p:nvSpPr>
+        <p:spPr/>
+        <p:txBody>
+          <a:bodyPr/>
+          <a:lstStyle/>
+          <a:p>
+            <a:r>
+              <a:rPr lang="en-US" dirty="0"/>
+              <a:t>Talked about using machine learning models to capture the relationship</a:t>
+            </a:r>
+          </a:p>
+          <a:p>
+            <a:endParaRPr lang="en-US" dirty="0"/>
+          </a:p>
+          <a:p>
+            <a:endParaRPr lang="en-US" dirty="0"/>
+          </a:p>
+          <a:p>
+            <a:endParaRPr lang="en-US" dirty="0"/>
+          </a:p>
+          <a:p>
+            <a:endParaRPr lang="en-US" dirty="0"/>
+          </a:p>
+          <a:p>
+            <a:r>
+              <a:rPr lang="en-US" dirty="0"/>
+              <a:t>Here, we show that our model </a:t>
+            </a:r>
+            <a:r>
+              <a:rPr lang="en-US" i="1" dirty="0"/>
+              <a:t>h</a:t>
+            </a:r>
+            <a:r>
+              <a:rPr lang="en-US" dirty="0"/>
+              <a:t> is easily using a neuron</a:t>
+            </a:r>
+          </a:p>
+        </p:txBody>
+      </p:sp>
+      <p:pic>
+        <p:nvPicPr>
+          <p:cNvPr id="5" name="Picture 4" descr="Diagram&#10;&#10;Description automatically generated with low confidence">
+            <a:extLst>
+              <a:ext uri="{FF2B5EF4-FFF2-40B4-BE49-F238E27FC236}">
+                <a16:creationId xmlns:a16="http://schemas.microsoft.com/office/drawing/2014/main" id="{C00A2A83-4296-9057-C62D-BE73A3E093A2}"/>
+              </a:ext>
+            </a:extLst>
+          </p:cNvPr>
+          <p:cNvPicPr>
+            <a:picLocks noChangeAspect="1"/>
+          </p:cNvPicPr>
+          <p:nvPr/>
+        </p:nvPicPr>
+        <p:blipFill>
+          <a:blip r:embed="rId2"/>
+          <a:stretch>
+            <a:fillRect/>
+          </a:stretch>
+        </p:blipFill>
+        <p:spPr>
+          <a:xfrm>
+            <a:off x="2045208" y="3049778"/>
+            <a:ext cx="7467600" cy="1587500"/>
+          </a:xfrm>
+          <a:prstGeom prst="rect">
+            <a:avLst/>
+          </a:prstGeom>
+        </p:spPr>
+      </p:pic>
+    </p:spTree>
+    <p:extLst>
+      <p:ext uri="{BB962C8B-B14F-4D97-AF65-F5344CB8AC3E}">
+        <p14:creationId xmlns:p14="http://schemas.microsoft.com/office/powerpoint/2010/main" val="2074839517"/>
+      </p:ext>
+    </p:extLst>
+  </p:cSld>
+  <p:clrMapOvr>
+    <a:masterClrMapping/>
+  </p:clrMapOvr>
+</p:sld>
+</file>
+
+<file path=ppt/slides/slide36.xml><?xml version="1.0" encoding="utf-8"?>
+<p:sld xmlns:a="http://schemas.openxmlformats.org/drawingml/2006/main" xmlns:r="http://schemas.openxmlformats.org/officeDocument/2006/relationships" xmlns:p="http://schemas.openxmlformats.org/presentationml/2006/main">
+  <p:cSld>
+    <p:spTree>
+      <p:nvGrpSpPr>
+        <p:cNvPr id="1" name=""/>
+        <p:cNvGrpSpPr/>
+        <p:nvPr/>
+      </p:nvGrpSpPr>
+      <p:grpSpPr>
+        <a:xfrm>
+          <a:off x="0" y="0"/>
+          <a:ext cx="0" cy="0"/>
+          <a:chOff x="0" y="0"/>
+          <a:chExt cx="0" cy="0"/>
+        </a:xfrm>
+      </p:grpSpPr>
+      <p:sp>
+        <p:nvSpPr>
+          <p:cNvPr id="2" name="Title 1">
+            <a:extLst>
+              <a:ext uri="{FF2B5EF4-FFF2-40B4-BE49-F238E27FC236}">
+                <a16:creationId xmlns:a16="http://schemas.microsoft.com/office/drawing/2014/main" id="{B0AA7656-2278-0442-F4F6-C8D7C4EDFE1A}"/>
+              </a:ext>
+            </a:extLst>
+          </p:cNvPr>
+          <p:cNvSpPr>
+            <a:spLocks noGrp="1"/>
+          </p:cNvSpPr>
+          <p:nvPr>
+            <p:ph type="title"/>
+          </p:nvPr>
+        </p:nvSpPr>
+        <p:spPr/>
+        <p:txBody>
+          <a:bodyPr/>
+          <a:lstStyle/>
+          <a:p>
+            <a:endParaRPr lang="en-US"/>
+          </a:p>
+        </p:txBody>
+      </p:sp>
+      <p:pic>
+        <p:nvPicPr>
+          <p:cNvPr id="7170" name="Picture 2" descr=" ">
+            <a:extLst>
+              <a:ext uri="{FF2B5EF4-FFF2-40B4-BE49-F238E27FC236}">
+                <a16:creationId xmlns:a16="http://schemas.microsoft.com/office/drawing/2014/main" id="{3CBF4C06-F57B-2A2C-75B9-C59819B7954F}"/>
+              </a:ext>
+            </a:extLst>
+          </p:cNvPr>
+          <p:cNvPicPr>
+            <a:picLocks noGrp="1" noChangeAspect="1" noChangeArrowheads="1"/>
+          </p:cNvPicPr>
+          <p:nvPr>
+            <p:ph idx="1"/>
+          </p:nvPr>
+        </p:nvPicPr>
+        <p:blipFill>
+          <a:blip r:embed="rId2">
+            <a:extLst>
+              <a:ext uri="{28A0092B-C50C-407E-A947-70E740481C1C}">
+                <a14:useLocalDpi xmlns:a14="http://schemas.microsoft.com/office/drawing/2010/main" val="0"/>
+              </a:ext>
+            </a:extLst>
+          </a:blip>
+          <a:srcRect/>
+          <a:stretch>
+            <a:fillRect/>
+          </a:stretch>
+        </p:blipFill>
+        <p:spPr bwMode="auto">
+          <a:xfrm>
+            <a:off x="3311071" y="1144185"/>
+            <a:ext cx="5023104" cy="4569630"/>
+          </a:xfrm>
+          <a:prstGeom prst="rect">
+            <a:avLst/>
+          </a:prstGeom>
+          <a:noFill/>
+          <a:extLst>
+            <a:ext uri="{909E8E84-426E-40DD-AFC4-6F175D3DCCD1}">
+              <a14:hiddenFill xmlns:a14="http://schemas.microsoft.com/office/drawing/2010/main">
+                <a:solidFill>
+                  <a:srgbClr val="FFFFFF"/>
+                </a:solidFill>
+              </a14:hiddenFill>
+            </a:ext>
+          </a:extLst>
+        </p:spPr>
+      </p:pic>
+    </p:spTree>
+    <p:extLst>
+      <p:ext uri="{BB962C8B-B14F-4D97-AF65-F5344CB8AC3E}">
+        <p14:creationId xmlns:p14="http://schemas.microsoft.com/office/powerpoint/2010/main" val="3231244034"/>
+      </p:ext>
+    </p:extLst>
+  </p:cSld>
+  <p:clrMapOvr>
+    <a:masterClrMapping/>
+  </p:clrMapOvr>
+</p:sld>
+</file>
+
+<file path=ppt/slides/slide37.xml><?xml version="1.0" encoding="utf-8"?>
+<p:sld xmlns:a="http://schemas.openxmlformats.org/drawingml/2006/main" xmlns:r="http://schemas.openxmlformats.org/officeDocument/2006/relationships" xmlns:p="http://schemas.openxmlformats.org/presentationml/2006/main">
+  <p:cSld>
+    <p:spTree>
+      <p:nvGrpSpPr>
+        <p:cNvPr id="1" name=""/>
+        <p:cNvGrpSpPr/>
+        <p:nvPr/>
+      </p:nvGrpSpPr>
+      <p:grpSpPr>
+        <a:xfrm>
+          <a:off x="0" y="0"/>
+          <a:ext cx="0" cy="0"/>
+          <a:chOff x="0" y="0"/>
+          <a:chExt cx="0" cy="0"/>
+        </a:xfrm>
+      </p:grpSpPr>
+      <p:sp>
+        <p:nvSpPr>
+          <p:cNvPr id="2" name="Title 1">
+            <a:extLst>
+              <a:ext uri="{FF2B5EF4-FFF2-40B4-BE49-F238E27FC236}">
+                <a16:creationId xmlns:a16="http://schemas.microsoft.com/office/drawing/2014/main" id="{B0AA7656-2278-0442-F4F6-C8D7C4EDFE1A}"/>
+              </a:ext>
+            </a:extLst>
+          </p:cNvPr>
+          <p:cNvSpPr>
+            <a:spLocks noGrp="1"/>
+          </p:cNvSpPr>
+          <p:nvPr>
+            <p:ph type="title"/>
+          </p:nvPr>
+        </p:nvSpPr>
+        <p:spPr/>
+        <p:txBody>
+          <a:bodyPr/>
+          <a:lstStyle/>
+          <a:p>
+            <a:endParaRPr lang="en-US"/>
+          </a:p>
+        </p:txBody>
+      </p:sp>
+      <p:pic>
+        <p:nvPicPr>
+          <p:cNvPr id="7170" name="Picture 2" descr=" ">
+            <a:extLst>
+              <a:ext uri="{FF2B5EF4-FFF2-40B4-BE49-F238E27FC236}">
+                <a16:creationId xmlns:a16="http://schemas.microsoft.com/office/drawing/2014/main" id="{3CBF4C06-F57B-2A2C-75B9-C59819B7954F}"/>
+              </a:ext>
+            </a:extLst>
+          </p:cNvPr>
+          <p:cNvPicPr>
+            <a:picLocks noGrp="1" noChangeAspect="1" noChangeArrowheads="1"/>
+          </p:cNvPicPr>
+          <p:nvPr>
+            <p:ph idx="1"/>
+          </p:nvPr>
+        </p:nvPicPr>
+        <p:blipFill>
+          <a:blip r:embed="rId2">
+            <a:extLst>
+              <a:ext uri="{28A0092B-C50C-407E-A947-70E740481C1C}">
+                <a14:useLocalDpi xmlns:a14="http://schemas.microsoft.com/office/drawing/2010/main" val="0"/>
+              </a:ext>
+            </a:extLst>
+          </a:blip>
+          <a:srcRect/>
+          <a:stretch>
+            <a:fillRect/>
+          </a:stretch>
+        </p:blipFill>
+        <p:spPr bwMode="auto">
+          <a:xfrm>
+            <a:off x="1072896" y="1027906"/>
+            <a:ext cx="5023104" cy="4569630"/>
+          </a:xfrm>
+          <a:prstGeom prst="rect">
+            <a:avLst/>
+          </a:prstGeom>
+          <a:noFill/>
+          <a:extLst>
+            <a:ext uri="{909E8E84-426E-40DD-AFC4-6F175D3DCCD1}">
+              <a14:hiddenFill xmlns:a14="http://schemas.microsoft.com/office/drawing/2010/main">
+                <a:solidFill>
+                  <a:srgbClr val="FFFFFF"/>
+                </a:solidFill>
+              </a14:hiddenFill>
+            </a:ext>
+          </a:extLst>
+        </p:spPr>
+      </p:pic>
+      <p:sp>
+        <p:nvSpPr>
+          <p:cNvPr id="3" name="TextBox 2">
+            <a:extLst>
+              <a:ext uri="{FF2B5EF4-FFF2-40B4-BE49-F238E27FC236}">
+                <a16:creationId xmlns:a16="http://schemas.microsoft.com/office/drawing/2014/main" id="{CA20C92C-E62F-AC10-A409-D713CC4EF4E3}"/>
+              </a:ext>
+            </a:extLst>
+          </p:cNvPr>
+          <p:cNvSpPr txBox="1"/>
+          <p:nvPr/>
+        </p:nvSpPr>
+        <p:spPr>
+          <a:xfrm>
+            <a:off x="5571241" y="1690688"/>
+            <a:ext cx="6146277" cy="461665"/>
+          </a:xfrm>
+          <a:prstGeom prst="rect">
+            <a:avLst/>
+          </a:prstGeom>
+          <a:noFill/>
+        </p:spPr>
+        <p:txBody>
+          <a:bodyPr wrap="square" rtlCol="0">
+            <a:spAutoFit/>
+          </a:bodyPr>
+          <a:lstStyle/>
+          <a:p>
+            <a:pPr marL="285750" indent="-285750">
+              <a:buFont typeface="Arial" panose="020B0604020202020204" pitchFamily="34" charset="0"/>
+              <a:buChar char="•"/>
+            </a:pPr>
+            <a:r>
+              <a:rPr lang="en-US" sz="2400" dirty="0"/>
+              <a:t>The neuron has two inputs, a bias, and uses:</a:t>
+            </a:r>
+          </a:p>
+        </p:txBody>
+      </p:sp>
+      <p:pic>
+        <p:nvPicPr>
+          <p:cNvPr id="5" name="Picture 4" descr="Diagram&#10;&#10;Description automatically generated">
+            <a:extLst>
+              <a:ext uri="{FF2B5EF4-FFF2-40B4-BE49-F238E27FC236}">
+                <a16:creationId xmlns:a16="http://schemas.microsoft.com/office/drawing/2014/main" id="{3E63879B-9180-CD06-E712-D3FFFBD8E310}"/>
+              </a:ext>
+            </a:extLst>
+          </p:cNvPr>
+          <p:cNvPicPr>
+            <a:picLocks noChangeAspect="1"/>
+          </p:cNvPicPr>
+          <p:nvPr/>
+        </p:nvPicPr>
+        <p:blipFill>
+          <a:blip r:embed="rId3"/>
+          <a:stretch>
+            <a:fillRect/>
+          </a:stretch>
+        </p:blipFill>
+        <p:spPr>
+          <a:xfrm>
+            <a:off x="6330696" y="2576216"/>
+            <a:ext cx="4521200" cy="1803400"/>
+          </a:xfrm>
+          <a:prstGeom prst="rect">
+            <a:avLst/>
+          </a:prstGeom>
+        </p:spPr>
+      </p:pic>
+    </p:spTree>
+    <p:extLst>
+      <p:ext uri="{BB962C8B-B14F-4D97-AF65-F5344CB8AC3E}">
+        <p14:creationId xmlns:p14="http://schemas.microsoft.com/office/powerpoint/2010/main" val="2399370678"/>
+      </p:ext>
+    </p:extLst>
+  </p:cSld>
+  <p:clrMapOvr>
+    <a:masterClrMapping/>
+  </p:clrMapOvr>
+</p:sld>
+</file>
+
+<file path=ppt/slides/slide38.xml><?xml version="1.0" encoding="utf-8"?>
+<p:sld xmlns:a="http://schemas.openxmlformats.org/drawingml/2006/main" xmlns:r="http://schemas.openxmlformats.org/officeDocument/2006/relationships" xmlns:p="http://schemas.openxmlformats.org/presentationml/2006/main">
+  <p:cSld>
+    <p:spTree>
+      <p:nvGrpSpPr>
+        <p:cNvPr id="1" name=""/>
+        <p:cNvGrpSpPr/>
+        <p:nvPr/>
+      </p:nvGrpSpPr>
+      <p:grpSpPr>
+        <a:xfrm>
+          <a:off x="0" y="0"/>
+          <a:ext cx="0" cy="0"/>
+          <a:chOff x="0" y="0"/>
+          <a:chExt cx="0" cy="0"/>
+        </a:xfrm>
+      </p:grpSpPr>
+      <p:sp>
+        <p:nvSpPr>
+          <p:cNvPr id="2" name="Title 1">
+            <a:extLst>
+              <a:ext uri="{FF2B5EF4-FFF2-40B4-BE49-F238E27FC236}">
+                <a16:creationId xmlns:a16="http://schemas.microsoft.com/office/drawing/2014/main" id="{21A6CA94-3840-B25F-8BCD-9E6EB0B0501A}"/>
+              </a:ext>
+            </a:extLst>
+          </p:cNvPr>
+          <p:cNvSpPr>
+            <a:spLocks noGrp="1"/>
+          </p:cNvSpPr>
+          <p:nvPr>
+            <p:ph type="title"/>
+          </p:nvPr>
+        </p:nvSpPr>
+        <p:spPr/>
+        <p:txBody>
+          <a:bodyPr/>
+          <a:lstStyle/>
+          <a:p>
+            <a:r>
+              <a:rPr lang="en-US" b="1" dirty="0"/>
+              <a:t>Discussion</a:t>
+            </a:r>
+          </a:p>
+        </p:txBody>
+      </p:sp>
+      <p:sp>
+        <p:nvSpPr>
+          <p:cNvPr id="3" name="Content Placeholder 2">
+            <a:extLst>
+              <a:ext uri="{FF2B5EF4-FFF2-40B4-BE49-F238E27FC236}">
+                <a16:creationId xmlns:a16="http://schemas.microsoft.com/office/drawing/2014/main" id="{515CC67A-E4FD-3CB6-CA5C-4737302CFB97}"/>
+              </a:ext>
+            </a:extLst>
+          </p:cNvPr>
+          <p:cNvSpPr>
+            <a:spLocks noGrp="1"/>
+          </p:cNvSpPr>
+          <p:nvPr>
+            <p:ph idx="1"/>
+          </p:nvPr>
+        </p:nvSpPr>
+        <p:spPr/>
+        <p:txBody>
+          <a:bodyPr>
+            <a:normAutofit fontScale="85000" lnSpcReduction="20000"/>
+          </a:bodyPr>
+          <a:lstStyle/>
+          <a:p>
+            <a:pPr>
+              <a:lnSpc>
+                <a:spcPct val="200000"/>
+              </a:lnSpc>
+            </a:pPr>
+            <a:r>
+              <a:rPr lang="en-US" dirty="0"/>
+              <a:t>It’s easy to show that our linear perceptron and the neuronal model are perfectly equivalent</a:t>
+            </a:r>
+          </a:p>
+          <a:p>
+            <a:pPr>
+              <a:lnSpc>
+                <a:spcPct val="200000"/>
+              </a:lnSpc>
+            </a:pPr>
+            <a:r>
+              <a:rPr lang="en-US" dirty="0"/>
+              <a:t>In general, it’s quite simple to show that singular neurons are strictly more expressive than linear </a:t>
+            </a:r>
+            <a:r>
+              <a:rPr lang="en-US" dirty="0" err="1"/>
+              <a:t>perceptrons</a:t>
+            </a:r>
+            <a:endParaRPr lang="en-US" dirty="0"/>
+          </a:p>
+          <a:p>
+            <a:pPr>
+              <a:lnSpc>
+                <a:spcPct val="200000"/>
+              </a:lnSpc>
+            </a:pPr>
+            <a:r>
+              <a:rPr lang="en-US" dirty="0"/>
+              <a:t>Every linear perceptron can be expressed as a single neuron, but single neurons can also express models that cannot be expressed by any linear perceptron</a:t>
+            </a:r>
+          </a:p>
+        </p:txBody>
+      </p:sp>
+    </p:spTree>
+    <p:extLst>
+      <p:ext uri="{BB962C8B-B14F-4D97-AF65-F5344CB8AC3E}">
+        <p14:creationId xmlns:p14="http://schemas.microsoft.com/office/powerpoint/2010/main" val="3725340777"/>
+      </p:ext>
+    </p:extLst>
+  </p:cSld>
+  <p:clrMapOvr>
+    <a:masterClrMapping/>
+  </p:clrMapOvr>
+</p:sld>
+</file>
+
+<file path=ppt/slides/slide39.xml><?xml version="1.0" encoding="utf-8"?>
+<p:sld xmlns:a="http://schemas.openxmlformats.org/drawingml/2006/main" xmlns:r="http://schemas.openxmlformats.org/officeDocument/2006/relationships" xmlns:p="http://schemas.openxmlformats.org/presentationml/2006/main">
+  <p:cSld>
+    <p:spTree>
+      <p:nvGrpSpPr>
+        <p:cNvPr id="1" name=""/>
+        <p:cNvGrpSpPr/>
+        <p:nvPr/>
+      </p:nvGrpSpPr>
+      <p:grpSpPr>
+        <a:xfrm>
+          <a:off x="0" y="0"/>
+          <a:ext cx="0" cy="0"/>
+          <a:chOff x="0" y="0"/>
+          <a:chExt cx="0" cy="0"/>
+        </a:xfrm>
+      </p:grpSpPr>
+      <p:sp>
+        <p:nvSpPr>
+          <p:cNvPr id="2" name="Title 1">
+            <a:extLst>
+              <a:ext uri="{FF2B5EF4-FFF2-40B4-BE49-F238E27FC236}">
+                <a16:creationId xmlns:a16="http://schemas.microsoft.com/office/drawing/2014/main" id="{0E0811B5-21D3-CF1F-8260-76D93DDE82ED}"/>
+              </a:ext>
+            </a:extLst>
+          </p:cNvPr>
+          <p:cNvSpPr>
+            <a:spLocks noGrp="1"/>
+          </p:cNvSpPr>
+          <p:nvPr>
+            <p:ph type="title"/>
+          </p:nvPr>
+        </p:nvSpPr>
+        <p:spPr/>
+        <p:txBody>
+          <a:bodyPr/>
+          <a:lstStyle/>
+          <a:p>
+            <a:r>
+              <a:rPr lang="en-US" dirty="0"/>
+              <a:t>Better together: network</a:t>
+            </a:r>
+          </a:p>
+        </p:txBody>
+      </p:sp>
+      <p:sp>
+        <p:nvSpPr>
+          <p:cNvPr id="3" name="Content Placeholder 2">
+            <a:extLst>
+              <a:ext uri="{FF2B5EF4-FFF2-40B4-BE49-F238E27FC236}">
+                <a16:creationId xmlns:a16="http://schemas.microsoft.com/office/drawing/2014/main" id="{6D0ABAE0-7155-BA9E-5E1A-E6732B34C0E6}"/>
+              </a:ext>
+            </a:extLst>
+          </p:cNvPr>
+          <p:cNvSpPr>
+            <a:spLocks noGrp="1"/>
+          </p:cNvSpPr>
+          <p:nvPr>
+            <p:ph idx="1"/>
+          </p:nvPr>
+        </p:nvSpPr>
+        <p:spPr/>
+        <p:txBody>
+          <a:bodyPr/>
+          <a:lstStyle/>
+          <a:p>
+            <a:pPr>
+              <a:lnSpc>
+                <a:spcPct val="200000"/>
+              </a:lnSpc>
+            </a:pPr>
+            <a:r>
+              <a:rPr lang="en-US" dirty="0"/>
+              <a:t>Although single neurons are more powerful than linear </a:t>
+            </a:r>
+            <a:r>
+              <a:rPr lang="en-US" dirty="0" err="1"/>
+              <a:t>perceptrons</a:t>
+            </a:r>
+            <a:r>
+              <a:rPr lang="en-US" dirty="0"/>
+              <a:t>, they’re not enough</a:t>
+            </a:r>
+          </a:p>
+          <a:p>
+            <a:pPr>
+              <a:lnSpc>
+                <a:spcPct val="200000"/>
+              </a:lnSpc>
+            </a:pPr>
+            <a:r>
+              <a:rPr lang="en-US" dirty="0"/>
+              <a:t>Note that our brain is made of more than one neuron</a:t>
+            </a:r>
+          </a:p>
+          <a:p>
+            <a:pPr>
+              <a:lnSpc>
+                <a:spcPct val="200000"/>
+              </a:lnSpc>
+            </a:pPr>
+            <a:r>
+              <a:rPr lang="en-US" dirty="0"/>
+              <a:t>Consider the meaning of multiple neurons</a:t>
+            </a:r>
+          </a:p>
+        </p:txBody>
+      </p:sp>
+    </p:spTree>
+    <p:extLst>
+      <p:ext uri="{BB962C8B-B14F-4D97-AF65-F5344CB8AC3E}">
+        <p14:creationId xmlns:p14="http://schemas.microsoft.com/office/powerpoint/2010/main" val="2436482815"/>
+      </p:ext>
+    </p:extLst>
+  </p:cSld>
+  <p:clrMapOvr>
+    <a:masterClrMapping/>
+  </p:clrMapOvr>
+</p:sld>
+</file>
+
 <file path=ppt/slides/slide4.xml><?xml version="1.0" encoding="utf-8"?>
 <p:sld xmlns:a="http://schemas.openxmlformats.org/drawingml/2006/main" xmlns:r="http://schemas.openxmlformats.org/officeDocument/2006/relationships" xmlns:p="http://schemas.openxmlformats.org/presentationml/2006/main">
   <p:cSld>
@@ -6197,6 +9972,2224 @@
     <p:extLst>
       <p:ext uri="{BB962C8B-B14F-4D97-AF65-F5344CB8AC3E}">
         <p14:creationId xmlns:p14="http://schemas.microsoft.com/office/powerpoint/2010/main" val="1965692552"/>
+      </p:ext>
+    </p:extLst>
+  </p:cSld>
+  <p:clrMapOvr>
+    <a:masterClrMapping/>
+  </p:clrMapOvr>
+</p:sld>
+</file>
+
+<file path=ppt/slides/slide40.xml><?xml version="1.0" encoding="utf-8"?>
+<p:sld xmlns:a="http://schemas.openxmlformats.org/drawingml/2006/main" xmlns:r="http://schemas.openxmlformats.org/officeDocument/2006/relationships" xmlns:p="http://schemas.openxmlformats.org/presentationml/2006/main">
+  <p:cSld>
+    <p:spTree>
+      <p:nvGrpSpPr>
+        <p:cNvPr id="1" name=""/>
+        <p:cNvGrpSpPr/>
+        <p:nvPr/>
+      </p:nvGrpSpPr>
+      <p:grpSpPr>
+        <a:xfrm>
+          <a:off x="0" y="0"/>
+          <a:ext cx="0" cy="0"/>
+          <a:chOff x="0" y="0"/>
+          <a:chExt cx="0" cy="0"/>
+        </a:xfrm>
+      </p:grpSpPr>
+      <p:sp>
+        <p:nvSpPr>
+          <p:cNvPr id="2" name="Title 1">
+            <a:extLst>
+              <a:ext uri="{FF2B5EF4-FFF2-40B4-BE49-F238E27FC236}">
+                <a16:creationId xmlns:a16="http://schemas.microsoft.com/office/drawing/2014/main" id="{E04DAF66-5D10-D3B1-3282-AD9CD265CB5D}"/>
+              </a:ext>
+            </a:extLst>
+          </p:cNvPr>
+          <p:cNvSpPr>
+            <a:spLocks noGrp="1"/>
+          </p:cNvSpPr>
+          <p:nvPr>
+            <p:ph type="title"/>
+          </p:nvPr>
+        </p:nvSpPr>
+        <p:spPr/>
+        <p:txBody>
+          <a:bodyPr/>
+          <a:lstStyle/>
+          <a:p>
+            <a:r>
+              <a:rPr lang="en-US" dirty="0"/>
+              <a:t>Neurons are organized in layers</a:t>
+            </a:r>
+          </a:p>
+        </p:txBody>
+      </p:sp>
+      <p:sp>
+        <p:nvSpPr>
+          <p:cNvPr id="3" name="Content Placeholder 2">
+            <a:extLst>
+              <a:ext uri="{FF2B5EF4-FFF2-40B4-BE49-F238E27FC236}">
+                <a16:creationId xmlns:a16="http://schemas.microsoft.com/office/drawing/2014/main" id="{C5C85722-280A-AAA8-D757-BEA8189E3C7F}"/>
+              </a:ext>
+            </a:extLst>
+          </p:cNvPr>
+          <p:cNvSpPr>
+            <a:spLocks noGrp="1"/>
+          </p:cNvSpPr>
+          <p:nvPr>
+            <p:ph idx="1"/>
+          </p:nvPr>
+        </p:nvSpPr>
+        <p:spPr/>
+        <p:txBody>
+          <a:bodyPr>
+            <a:normAutofit fontScale="92500" lnSpcReduction="20000"/>
+          </a:bodyPr>
+          <a:lstStyle/>
+          <a:p>
+            <a:pPr>
+              <a:lnSpc>
+                <a:spcPct val="200000"/>
+              </a:lnSpc>
+            </a:pPr>
+            <a:r>
+              <a:rPr lang="en-US" dirty="0"/>
+              <a:t>Human cerebral cortex (the structure responsible for most of human intelligence) is made up of six layers</a:t>
+            </a:r>
+          </a:p>
+          <a:p>
+            <a:pPr lvl="1">
+              <a:lnSpc>
+                <a:spcPct val="200000"/>
+              </a:lnSpc>
+            </a:pPr>
+            <a:r>
+              <a:rPr lang="en-US" dirty="0"/>
+              <a:t>Information flows from one layer to another until sensory input is converted into conceptual understanding</a:t>
+            </a:r>
+          </a:p>
+          <a:p>
+            <a:pPr>
+              <a:lnSpc>
+                <a:spcPct val="200000"/>
+              </a:lnSpc>
+            </a:pPr>
+            <a:r>
+              <a:rPr lang="en-US" dirty="0"/>
+              <a:t>Borrowing from these concepts, we can construct an artificial neural network</a:t>
+            </a:r>
+          </a:p>
+        </p:txBody>
+      </p:sp>
+    </p:spTree>
+    <p:extLst>
+      <p:ext uri="{BB962C8B-B14F-4D97-AF65-F5344CB8AC3E}">
+        <p14:creationId xmlns:p14="http://schemas.microsoft.com/office/powerpoint/2010/main" val="4204001084"/>
+      </p:ext>
+    </p:extLst>
+  </p:cSld>
+  <p:clrMapOvr>
+    <a:masterClrMapping/>
+  </p:clrMapOvr>
+</p:sld>
+</file>
+
+<file path=ppt/slides/slide41.xml><?xml version="1.0" encoding="utf-8"?>
+<p:sld xmlns:a="http://schemas.openxmlformats.org/drawingml/2006/main" xmlns:r="http://schemas.openxmlformats.org/officeDocument/2006/relationships" xmlns:p="http://schemas.openxmlformats.org/presentationml/2006/main">
+  <p:cSld>
+    <p:spTree>
+      <p:nvGrpSpPr>
+        <p:cNvPr id="1" name=""/>
+        <p:cNvGrpSpPr/>
+        <p:nvPr/>
+      </p:nvGrpSpPr>
+      <p:grpSpPr>
+        <a:xfrm>
+          <a:off x="0" y="0"/>
+          <a:ext cx="0" cy="0"/>
+          <a:chOff x="0" y="0"/>
+          <a:chExt cx="0" cy="0"/>
+        </a:xfrm>
+      </p:grpSpPr>
+      <p:pic>
+        <p:nvPicPr>
+          <p:cNvPr id="9218" name="Picture 2" descr=" ">
+            <a:extLst>
+              <a:ext uri="{FF2B5EF4-FFF2-40B4-BE49-F238E27FC236}">
+                <a16:creationId xmlns:a16="http://schemas.microsoft.com/office/drawing/2014/main" id="{DB3A8AD7-CE75-E184-5A25-A314EB077B0A}"/>
+              </a:ext>
+            </a:extLst>
+          </p:cNvPr>
+          <p:cNvPicPr>
+            <a:picLocks noGrp="1" noChangeAspect="1" noChangeArrowheads="1"/>
+          </p:cNvPicPr>
+          <p:nvPr>
+            <p:ph idx="1"/>
+          </p:nvPr>
+        </p:nvPicPr>
+        <p:blipFill>
+          <a:blip r:embed="rId2">
+            <a:extLst>
+              <a:ext uri="{28A0092B-C50C-407E-A947-70E740481C1C}">
+                <a14:useLocalDpi xmlns:a14="http://schemas.microsoft.com/office/drawing/2010/main" val="0"/>
+              </a:ext>
+            </a:extLst>
+          </a:blip>
+          <a:srcRect/>
+          <a:stretch>
+            <a:fillRect/>
+          </a:stretch>
+        </p:blipFill>
+        <p:spPr bwMode="auto">
+          <a:xfrm>
+            <a:off x="1058818" y="531381"/>
+            <a:ext cx="3608832" cy="5455872"/>
+          </a:xfrm>
+          <a:prstGeom prst="rect">
+            <a:avLst/>
+          </a:prstGeom>
+          <a:noFill/>
+          <a:extLst>
+            <a:ext uri="{909E8E84-426E-40DD-AFC4-6F175D3DCCD1}">
+              <a14:hiddenFill xmlns:a14="http://schemas.microsoft.com/office/drawing/2010/main">
+                <a:solidFill>
+                  <a:srgbClr val="FFFFFF"/>
+                </a:solidFill>
+              </a14:hiddenFill>
+            </a:ext>
+          </a:extLst>
+        </p:spPr>
+      </p:pic>
+      <mc:AlternateContent xmlns:mc="http://schemas.openxmlformats.org/markup-compatibility/2006">
+        <mc:Choice xmlns:a14="http://schemas.microsoft.com/office/drawing/2010/main" Requires="a14">
+          <p:sp>
+            <p:nvSpPr>
+              <p:cNvPr id="4" name="TextBox 3">
+                <a:extLst>
+                  <a:ext uri="{FF2B5EF4-FFF2-40B4-BE49-F238E27FC236}">
+                    <a16:creationId xmlns:a16="http://schemas.microsoft.com/office/drawing/2014/main" id="{4E565534-D51A-0147-3AFC-B29BDFDA85A9}"/>
+                  </a:ext>
+                </a:extLst>
+              </p:cNvPr>
+              <p:cNvSpPr txBox="1"/>
+              <p:nvPr/>
+            </p:nvSpPr>
+            <p:spPr>
+              <a:xfrm>
+                <a:off x="5429839" y="942680"/>
+                <a:ext cx="5967167" cy="5452455"/>
+              </a:xfrm>
+              <a:prstGeom prst="rect">
+                <a:avLst/>
+              </a:prstGeom>
+              <a:noFill/>
+            </p:spPr>
+            <p:txBody>
+              <a:bodyPr wrap="square" rtlCol="0">
+                <a:spAutoFit/>
+              </a:bodyPr>
+              <a:lstStyle/>
+              <a:p>
+                <a:pPr marL="285750" indent="-285750">
+                  <a:buFont typeface="Arial" panose="020B0604020202020204" pitchFamily="34" charset="0"/>
+                  <a:buChar char="•"/>
+                </a:pPr>
+                <a:r>
+                  <a:rPr lang="en-US" sz="2800" dirty="0"/>
+                  <a:t>The bottom layer of the network pulls in the input data</a:t>
+                </a:r>
+              </a:p>
+              <a:p>
+                <a:pPr marL="285750" indent="-285750">
+                  <a:buFont typeface="Arial" panose="020B0604020202020204" pitchFamily="34" charset="0"/>
+                  <a:buChar char="•"/>
+                </a:pPr>
+                <a:r>
+                  <a:rPr lang="en-US" sz="2800" dirty="0"/>
+                  <a:t>The top layers (output nodes) computes the final answer</a:t>
+                </a:r>
+              </a:p>
+              <a:p>
+                <a:pPr marL="285750" indent="-285750">
+                  <a:buFont typeface="Arial" panose="020B0604020202020204" pitchFamily="34" charset="0"/>
+                  <a:buChar char="•"/>
+                </a:pPr>
+                <a:r>
+                  <a:rPr lang="en-US" sz="2800" dirty="0"/>
+                  <a:t>The middle layer(s) are called hidden layers</a:t>
+                </a:r>
+              </a:p>
+              <a:p>
+                <a:pPr marL="742950" lvl="1" indent="-285750">
+                  <a:buFont typeface="Arial" panose="020B0604020202020204" pitchFamily="34" charset="0"/>
+                  <a:buChar char="•"/>
+                </a:pPr>
+                <a14:m>
+                  <m:oMath xmlns:m="http://schemas.openxmlformats.org/officeDocument/2006/math">
+                    <m:sSubSup>
+                      <m:sSubSupPr>
+                        <m:ctrlPr>
+                          <a:rPr lang="en-US" sz="2800" b="0" i="1" smtClean="0">
+                            <a:latin typeface="Cambria Math" panose="02040503050406030204" pitchFamily="18" charset="0"/>
+                          </a:rPr>
+                        </m:ctrlPr>
+                      </m:sSubSupPr>
+                      <m:e>
+                        <m:r>
+                          <a:rPr lang="en-US" sz="2800" b="0" i="1" smtClean="0">
+                            <a:latin typeface="Cambria Math" panose="02040503050406030204" pitchFamily="18" charset="0"/>
+                          </a:rPr>
+                          <m:t>𝑤</m:t>
+                        </m:r>
+                      </m:e>
+                      <m:sub>
+                        <m:r>
+                          <a:rPr lang="en-US" sz="2800" b="0" i="1" smtClean="0">
+                            <a:latin typeface="Cambria Math" panose="02040503050406030204" pitchFamily="18" charset="0"/>
+                          </a:rPr>
+                          <m:t>𝑖</m:t>
+                        </m:r>
+                        <m:r>
+                          <a:rPr lang="en-US" sz="2800" b="0" i="1" smtClean="0">
+                            <a:latin typeface="Cambria Math" panose="02040503050406030204" pitchFamily="18" charset="0"/>
+                          </a:rPr>
+                          <m:t>,</m:t>
+                        </m:r>
+                        <m:r>
+                          <a:rPr lang="en-US" sz="2800" b="0" i="1" smtClean="0">
+                            <a:latin typeface="Cambria Math" panose="02040503050406030204" pitchFamily="18" charset="0"/>
+                          </a:rPr>
+                          <m:t>𝑗</m:t>
+                        </m:r>
+                      </m:sub>
+                      <m:sup>
+                        <m:r>
+                          <a:rPr lang="en-US" sz="2800" b="0" i="1" smtClean="0">
+                            <a:latin typeface="Cambria Math" panose="02040503050406030204" pitchFamily="18" charset="0"/>
+                          </a:rPr>
+                          <m:t>(</m:t>
+                        </m:r>
+                        <m:r>
+                          <a:rPr lang="en-US" sz="2800" b="0" i="1" smtClean="0">
+                            <a:latin typeface="Cambria Math" panose="02040503050406030204" pitchFamily="18" charset="0"/>
+                          </a:rPr>
+                          <m:t>𝑘</m:t>
+                        </m:r>
+                        <m:r>
+                          <a:rPr lang="en-US" sz="2800" b="0" i="1" smtClean="0">
+                            <a:latin typeface="Cambria Math" panose="02040503050406030204" pitchFamily="18" charset="0"/>
+                          </a:rPr>
+                          <m:t>)</m:t>
+                        </m:r>
+                      </m:sup>
+                    </m:sSubSup>
+                  </m:oMath>
+                </a14:m>
+                <a:r>
+                  <a:rPr lang="en-US" sz="2800" dirty="0"/>
+                  <a:t> is the weight of the connection between </a:t>
+                </a:r>
+                <a14:m>
+                  <m:oMath xmlns:m="http://schemas.openxmlformats.org/officeDocument/2006/math">
+                    <m:sSup>
+                      <m:sSupPr>
+                        <m:ctrlPr>
+                          <a:rPr lang="en-US" sz="2800" b="0" i="1" smtClean="0">
+                            <a:latin typeface="Cambria Math" panose="02040503050406030204" pitchFamily="18" charset="0"/>
+                          </a:rPr>
+                        </m:ctrlPr>
+                      </m:sSupPr>
+                      <m:e>
+                        <m:r>
+                          <a:rPr lang="en-US" sz="2800" b="0" i="1" smtClean="0">
+                            <a:latin typeface="Cambria Math" panose="02040503050406030204" pitchFamily="18" charset="0"/>
+                          </a:rPr>
+                          <m:t>𝑖</m:t>
+                        </m:r>
+                      </m:e>
+                      <m:sup>
+                        <m:r>
+                          <a:rPr lang="en-US" sz="2800" b="0" i="1" smtClean="0">
+                            <a:latin typeface="Cambria Math" panose="02040503050406030204" pitchFamily="18" charset="0"/>
+                          </a:rPr>
+                          <m:t>𝑡h</m:t>
+                        </m:r>
+                      </m:sup>
+                    </m:sSup>
+                  </m:oMath>
+                </a14:m>
+                <a:r>
+                  <a:rPr lang="en-US" sz="2800" dirty="0"/>
+                  <a:t> neuron in the </a:t>
+                </a:r>
+                <a14:m>
+                  <m:oMath xmlns:m="http://schemas.openxmlformats.org/officeDocument/2006/math">
+                    <m:sSup>
+                      <m:sSupPr>
+                        <m:ctrlPr>
+                          <a:rPr lang="en-US" sz="2800" i="1">
+                            <a:latin typeface="Cambria Math" panose="02040503050406030204" pitchFamily="18" charset="0"/>
+                          </a:rPr>
+                        </m:ctrlPr>
+                      </m:sSupPr>
+                      <m:e>
+                        <m:r>
+                          <a:rPr lang="en-US" sz="2800" b="0" i="1" smtClean="0">
+                            <a:latin typeface="Cambria Math" panose="02040503050406030204" pitchFamily="18" charset="0"/>
+                          </a:rPr>
+                          <m:t>𝑘</m:t>
+                        </m:r>
+                      </m:e>
+                      <m:sup>
+                        <m:r>
+                          <a:rPr lang="en-US" sz="2800" i="1">
+                            <a:latin typeface="Cambria Math" panose="02040503050406030204" pitchFamily="18" charset="0"/>
+                          </a:rPr>
+                          <m:t>𝑡h</m:t>
+                        </m:r>
+                      </m:sup>
+                    </m:sSup>
+                  </m:oMath>
+                </a14:m>
+                <a:r>
+                  <a:rPr lang="en-US" sz="2800" dirty="0"/>
+                  <a:t> layer with the </a:t>
+                </a:r>
+                <a14:m>
+                  <m:oMath xmlns:m="http://schemas.openxmlformats.org/officeDocument/2006/math">
+                    <m:sSup>
+                      <m:sSupPr>
+                        <m:ctrlPr>
+                          <a:rPr lang="en-US" sz="2800" i="1">
+                            <a:latin typeface="Cambria Math" panose="02040503050406030204" pitchFamily="18" charset="0"/>
+                          </a:rPr>
+                        </m:ctrlPr>
+                      </m:sSupPr>
+                      <m:e>
+                        <m:r>
+                          <a:rPr lang="en-US" sz="2800" b="0" i="1" smtClean="0">
+                            <a:latin typeface="Cambria Math" panose="02040503050406030204" pitchFamily="18" charset="0"/>
+                          </a:rPr>
+                          <m:t>𝑗</m:t>
+                        </m:r>
+                      </m:e>
+                      <m:sup>
+                        <m:r>
+                          <a:rPr lang="en-US" sz="2800" i="1">
+                            <a:latin typeface="Cambria Math" panose="02040503050406030204" pitchFamily="18" charset="0"/>
+                          </a:rPr>
+                          <m:t>𝑡h</m:t>
+                        </m:r>
+                      </m:sup>
+                    </m:sSup>
+                  </m:oMath>
+                </a14:m>
+                <a:r>
+                  <a:rPr lang="en-US" sz="2800" dirty="0"/>
+                  <a:t> neuron in the </a:t>
+                </a:r>
+                <a14:m>
+                  <m:oMath xmlns:m="http://schemas.openxmlformats.org/officeDocument/2006/math">
+                    <m:sSup>
+                      <m:sSupPr>
+                        <m:ctrlPr>
+                          <a:rPr lang="en-US" sz="2800" i="1">
+                            <a:latin typeface="Cambria Math" panose="02040503050406030204" pitchFamily="18" charset="0"/>
+                          </a:rPr>
+                        </m:ctrlPr>
+                      </m:sSupPr>
+                      <m:e>
+                        <m:r>
+                          <a:rPr lang="en-US" sz="2800" b="0" i="1" smtClean="0">
+                            <a:latin typeface="Cambria Math" panose="02040503050406030204" pitchFamily="18" charset="0"/>
+                          </a:rPr>
+                          <m:t>𝑘</m:t>
+                        </m:r>
+                        <m:r>
+                          <a:rPr lang="en-US" sz="2800" b="0" i="1" smtClean="0">
+                            <a:latin typeface="Cambria Math" panose="02040503050406030204" pitchFamily="18" charset="0"/>
+                          </a:rPr>
+                          <m:t>+1</m:t>
+                        </m:r>
+                      </m:e>
+                      <m:sup>
+                        <m:r>
+                          <a:rPr lang="en-US" sz="2800" i="1">
+                            <a:latin typeface="Cambria Math" panose="02040503050406030204" pitchFamily="18" charset="0"/>
+                          </a:rPr>
+                          <m:t>𝑡h</m:t>
+                        </m:r>
+                      </m:sup>
+                    </m:sSup>
+                  </m:oMath>
+                </a14:m>
+                <a:r>
+                  <a:rPr lang="en-US" sz="2800" dirty="0"/>
+                  <a:t> layer</a:t>
+                </a:r>
+              </a:p>
+              <a:p>
+                <a:pPr marL="285750" indent="-285750">
+                  <a:buFont typeface="Arial" panose="020B0604020202020204" pitchFamily="34" charset="0"/>
+                  <a:buChar char="•"/>
+                </a:pPr>
+                <a:r>
+                  <a:rPr lang="en-US" sz="2800" dirty="0"/>
+                  <a:t>All the weights constitute our parameter vector </a:t>
+                </a:r>
+                <a14:m>
+                  <m:oMath xmlns:m="http://schemas.openxmlformats.org/officeDocument/2006/math">
+                    <m:r>
+                      <a:rPr lang="en-US" sz="2800" b="0" i="1" smtClean="0">
+                        <a:latin typeface="Cambria Math" panose="02040503050406030204" pitchFamily="18" charset="0"/>
+                      </a:rPr>
+                      <m:t>𝜃</m:t>
+                    </m:r>
+                  </m:oMath>
+                </a14:m>
+                <a:endParaRPr lang="en-US" sz="2800" dirty="0"/>
+              </a:p>
+            </p:txBody>
+          </p:sp>
+        </mc:Choice>
+        <mc:Fallback>
+          <p:sp>
+            <p:nvSpPr>
+              <p:cNvPr id="4" name="TextBox 3">
+                <a:extLst>
+                  <a:ext uri="{FF2B5EF4-FFF2-40B4-BE49-F238E27FC236}">
+                    <a16:creationId xmlns:a16="http://schemas.microsoft.com/office/drawing/2014/main" id="{4E565534-D51A-0147-3AFC-B29BDFDA85A9}"/>
+                  </a:ext>
+                </a:extLst>
+              </p:cNvPr>
+              <p:cNvSpPr txBox="1">
+                <a:spLocks noRot="1" noChangeAspect="1" noMove="1" noResize="1" noEditPoints="1" noAdjustHandles="1" noChangeArrowheads="1" noChangeShapeType="1" noTextEdit="1"/>
+              </p:cNvSpPr>
+              <p:nvPr/>
+            </p:nvSpPr>
+            <p:spPr>
+              <a:xfrm>
+                <a:off x="5429839" y="942680"/>
+                <a:ext cx="5967167" cy="5452455"/>
+              </a:xfrm>
+              <a:prstGeom prst="rect">
+                <a:avLst/>
+              </a:prstGeom>
+              <a:blipFill>
+                <a:blip r:embed="rId3"/>
+                <a:stretch>
+                  <a:fillRect l="-1699" t="-1163" r="-2760" b="-2326"/>
+                </a:stretch>
+              </a:blipFill>
+            </p:spPr>
+            <p:txBody>
+              <a:bodyPr/>
+              <a:lstStyle/>
+              <a:p>
+                <a:r>
+                  <a:rPr lang="en-US">
+                    <a:noFill/>
+                  </a:rPr>
+                  <a:t> </a:t>
+                </a:r>
+              </a:p>
+            </p:txBody>
+          </p:sp>
+        </mc:Fallback>
+      </mc:AlternateContent>
+    </p:spTree>
+    <p:extLst>
+      <p:ext uri="{BB962C8B-B14F-4D97-AF65-F5344CB8AC3E}">
+        <p14:creationId xmlns:p14="http://schemas.microsoft.com/office/powerpoint/2010/main" val="3581554026"/>
+      </p:ext>
+    </p:extLst>
+  </p:cSld>
+  <p:clrMapOvr>
+    <a:masterClrMapping/>
+  </p:clrMapOvr>
+</p:sld>
+</file>
+
+<file path=ppt/slides/slide42.xml><?xml version="1.0" encoding="utf-8"?>
+<p:sld xmlns:a="http://schemas.openxmlformats.org/drawingml/2006/main" xmlns:r="http://schemas.openxmlformats.org/officeDocument/2006/relationships" xmlns:p="http://schemas.openxmlformats.org/presentationml/2006/main">
+  <p:cSld>
+    <p:spTree>
+      <p:nvGrpSpPr>
+        <p:cNvPr id="1" name=""/>
+        <p:cNvGrpSpPr/>
+        <p:nvPr/>
+      </p:nvGrpSpPr>
+      <p:grpSpPr>
+        <a:xfrm>
+          <a:off x="0" y="0"/>
+          <a:ext cx="0" cy="0"/>
+          <a:chOff x="0" y="0"/>
+          <a:chExt cx="0" cy="0"/>
+        </a:xfrm>
+      </p:grpSpPr>
+      <p:pic>
+        <p:nvPicPr>
+          <p:cNvPr id="9218" name="Picture 2" descr=" ">
+            <a:extLst>
+              <a:ext uri="{FF2B5EF4-FFF2-40B4-BE49-F238E27FC236}">
+                <a16:creationId xmlns:a16="http://schemas.microsoft.com/office/drawing/2014/main" id="{DB3A8AD7-CE75-E184-5A25-A314EB077B0A}"/>
+              </a:ext>
+            </a:extLst>
+          </p:cNvPr>
+          <p:cNvPicPr>
+            <a:picLocks noGrp="1" noChangeAspect="1" noChangeArrowheads="1"/>
+          </p:cNvPicPr>
+          <p:nvPr>
+            <p:ph idx="1"/>
+          </p:nvPr>
+        </p:nvPicPr>
+        <p:blipFill>
+          <a:blip r:embed="rId2">
+            <a:extLst>
+              <a:ext uri="{28A0092B-C50C-407E-A947-70E740481C1C}">
+                <a14:useLocalDpi xmlns:a14="http://schemas.microsoft.com/office/drawing/2010/main" val="0"/>
+              </a:ext>
+            </a:extLst>
+          </a:blip>
+          <a:srcRect/>
+          <a:stretch>
+            <a:fillRect/>
+          </a:stretch>
+        </p:blipFill>
+        <p:spPr bwMode="auto">
+          <a:xfrm>
+            <a:off x="1058818" y="531381"/>
+            <a:ext cx="3608832" cy="5455872"/>
+          </a:xfrm>
+          <a:prstGeom prst="rect">
+            <a:avLst/>
+          </a:prstGeom>
+          <a:noFill/>
+          <a:extLst>
+            <a:ext uri="{909E8E84-426E-40DD-AFC4-6F175D3DCCD1}">
+              <a14:hiddenFill xmlns:a14="http://schemas.microsoft.com/office/drawing/2010/main">
+                <a:solidFill>
+                  <a:srgbClr val="FFFFFF"/>
+                </a:solidFill>
+              </a14:hiddenFill>
+            </a:ext>
+          </a:extLst>
+        </p:spPr>
+      </p:pic>
+      <p:sp>
+        <p:nvSpPr>
+          <p:cNvPr id="4" name="TextBox 3">
+            <a:extLst>
+              <a:ext uri="{FF2B5EF4-FFF2-40B4-BE49-F238E27FC236}">
+                <a16:creationId xmlns:a16="http://schemas.microsoft.com/office/drawing/2014/main" id="{4E565534-D51A-0147-3AFC-B29BDFDA85A9}"/>
+              </a:ext>
+            </a:extLst>
+          </p:cNvPr>
+          <p:cNvSpPr txBox="1"/>
+          <p:nvPr/>
+        </p:nvSpPr>
+        <p:spPr>
+          <a:xfrm>
+            <a:off x="5429839" y="942680"/>
+            <a:ext cx="5967167" cy="3108543"/>
+          </a:xfrm>
+          <a:prstGeom prst="rect">
+            <a:avLst/>
+          </a:prstGeom>
+          <a:noFill/>
+        </p:spPr>
+        <p:txBody>
+          <a:bodyPr wrap="square" rtlCol="0">
+            <a:spAutoFit/>
+          </a:bodyPr>
+          <a:lstStyle/>
+          <a:p>
+            <a:pPr marL="285750" indent="-285750">
+              <a:buFont typeface="Arial" panose="020B0604020202020204" pitchFamily="34" charset="0"/>
+              <a:buChar char="•"/>
+            </a:pPr>
+            <a:r>
+              <a:rPr lang="en-US" sz="2800" dirty="0"/>
+              <a:t>Connections traverse only from a </a:t>
+            </a:r>
+            <a:r>
+              <a:rPr lang="en-US" sz="2800" b="1" dirty="0"/>
+              <a:t>lower</a:t>
+            </a:r>
+            <a:r>
+              <a:rPr lang="en-US" sz="2800" dirty="0"/>
+              <a:t> layer to a </a:t>
+            </a:r>
+            <a:r>
+              <a:rPr lang="en-US" sz="2800" b="1" dirty="0"/>
+              <a:t>higher</a:t>
+            </a:r>
+            <a:r>
+              <a:rPr lang="en-US" sz="2800" dirty="0"/>
+              <a:t> layer</a:t>
+            </a:r>
+          </a:p>
+          <a:p>
+            <a:pPr marL="285750" indent="-285750">
+              <a:buFont typeface="Arial" panose="020B0604020202020204" pitchFamily="34" charset="0"/>
+              <a:buChar char="•"/>
+            </a:pPr>
+            <a:r>
+              <a:rPr lang="en-US" sz="2800" dirty="0"/>
+              <a:t>No connections </a:t>
+            </a:r>
+            <a:r>
+              <a:rPr lang="en-US" sz="2800" b="1" dirty="0"/>
+              <a:t>between</a:t>
+            </a:r>
+            <a:r>
+              <a:rPr lang="en-US" sz="2800" dirty="0"/>
+              <a:t> neurons in the same layer</a:t>
+            </a:r>
+          </a:p>
+          <a:p>
+            <a:pPr marL="285750" indent="-285750">
+              <a:buFont typeface="Arial" panose="020B0604020202020204" pitchFamily="34" charset="0"/>
+              <a:buChar char="•"/>
+            </a:pPr>
+            <a:r>
+              <a:rPr lang="en-US" sz="2800" dirty="0"/>
+              <a:t>These neural networks are called </a:t>
+            </a:r>
+            <a:r>
+              <a:rPr lang="en-US" sz="2800" i="1" dirty="0"/>
+              <a:t>feed-forward </a:t>
+            </a:r>
+            <a:r>
+              <a:rPr lang="en-US" sz="2800" dirty="0"/>
+              <a:t>networks</a:t>
+            </a:r>
+          </a:p>
+          <a:p>
+            <a:pPr marL="742950" lvl="1" indent="-285750">
+              <a:buFont typeface="Arial" panose="020B0604020202020204" pitchFamily="34" charset="0"/>
+              <a:buChar char="•"/>
+            </a:pPr>
+            <a:r>
+              <a:rPr lang="en-US" sz="2800" dirty="0"/>
+              <a:t>Most simple form</a:t>
+            </a:r>
+          </a:p>
+        </p:txBody>
+      </p:sp>
+    </p:spTree>
+    <p:extLst>
+      <p:ext uri="{BB962C8B-B14F-4D97-AF65-F5344CB8AC3E}">
+        <p14:creationId xmlns:p14="http://schemas.microsoft.com/office/powerpoint/2010/main" val="4197077605"/>
+      </p:ext>
+    </p:extLst>
+  </p:cSld>
+  <p:clrMapOvr>
+    <a:masterClrMapping/>
+  </p:clrMapOvr>
+</p:sld>
+</file>
+
+<file path=ppt/slides/slide43.xml><?xml version="1.0" encoding="utf-8"?>
+<p:sld xmlns:a="http://schemas.openxmlformats.org/drawingml/2006/main" xmlns:r="http://schemas.openxmlformats.org/officeDocument/2006/relationships" xmlns:p="http://schemas.openxmlformats.org/presentationml/2006/main">
+  <p:cSld>
+    <p:spTree>
+      <p:nvGrpSpPr>
+        <p:cNvPr id="1" name=""/>
+        <p:cNvGrpSpPr/>
+        <p:nvPr/>
+      </p:nvGrpSpPr>
+      <p:grpSpPr>
+        <a:xfrm>
+          <a:off x="0" y="0"/>
+          <a:ext cx="0" cy="0"/>
+          <a:chOff x="0" y="0"/>
+          <a:chExt cx="0" cy="0"/>
+        </a:xfrm>
+      </p:grpSpPr>
+      <p:sp>
+        <p:nvSpPr>
+          <p:cNvPr id="2" name="Title 1">
+            <a:extLst>
+              <a:ext uri="{FF2B5EF4-FFF2-40B4-BE49-F238E27FC236}">
+                <a16:creationId xmlns:a16="http://schemas.microsoft.com/office/drawing/2014/main" id="{1C3327E2-7B70-045A-F7DE-88CA2154418D}"/>
+              </a:ext>
+            </a:extLst>
+          </p:cNvPr>
+          <p:cNvSpPr>
+            <a:spLocks noGrp="1"/>
+          </p:cNvSpPr>
+          <p:nvPr>
+            <p:ph type="title"/>
+          </p:nvPr>
+        </p:nvSpPr>
+        <p:spPr/>
+        <p:txBody>
+          <a:bodyPr/>
+          <a:lstStyle/>
+          <a:p>
+            <a:r>
+              <a:rPr lang="en-US" b="1" dirty="0"/>
+              <a:t>Note</a:t>
+            </a:r>
+          </a:p>
+        </p:txBody>
+      </p:sp>
+      <p:sp>
+        <p:nvSpPr>
+          <p:cNvPr id="3" name="Content Placeholder 2">
+            <a:extLst>
+              <a:ext uri="{FF2B5EF4-FFF2-40B4-BE49-F238E27FC236}">
+                <a16:creationId xmlns:a16="http://schemas.microsoft.com/office/drawing/2014/main" id="{F7C521ED-7FB7-C1A6-1CE9-A970C55031C9}"/>
+              </a:ext>
+            </a:extLst>
+          </p:cNvPr>
+          <p:cNvSpPr>
+            <a:spLocks noGrp="1"/>
+          </p:cNvSpPr>
+          <p:nvPr>
+            <p:ph idx="1"/>
+          </p:nvPr>
+        </p:nvSpPr>
+        <p:spPr/>
+        <p:txBody>
+          <a:bodyPr>
+            <a:normAutofit fontScale="92500" lnSpcReduction="20000"/>
+          </a:bodyPr>
+          <a:lstStyle/>
+          <a:p>
+            <a:pPr>
+              <a:lnSpc>
+                <a:spcPct val="150000"/>
+              </a:lnSpc>
+            </a:pPr>
+            <a:r>
+              <a:rPr lang="en-US" dirty="0"/>
+              <a:t>Hidden layer is where most of the magic is happening when the neural net tries to solve problems</a:t>
+            </a:r>
+          </a:p>
+          <a:p>
+            <a:pPr>
+              <a:lnSpc>
+                <a:spcPct val="150000"/>
+              </a:lnSpc>
+            </a:pPr>
+            <a:r>
+              <a:rPr lang="en-US" dirty="0"/>
+              <a:t>Whereas we would previously have to spend a lot of time identifying useful features, the hidden layers automate this process for us. </a:t>
+            </a:r>
+          </a:p>
+          <a:p>
+            <a:pPr>
+              <a:lnSpc>
+                <a:spcPct val="150000"/>
+              </a:lnSpc>
+            </a:pPr>
+            <a:r>
+              <a:rPr lang="en-US" dirty="0"/>
+              <a:t>Oftentimes, taking a look at the activities of hidden layers can tell you a lot about the features the network has automatically learned to extract from the data</a:t>
+            </a:r>
+          </a:p>
+          <a:p>
+            <a:pPr lvl="1"/>
+            <a:r>
+              <a:rPr lang="en-US" dirty="0"/>
+              <a:t>Still true for the language models</a:t>
+            </a:r>
+          </a:p>
+        </p:txBody>
+      </p:sp>
+    </p:spTree>
+    <p:extLst>
+      <p:ext uri="{BB962C8B-B14F-4D97-AF65-F5344CB8AC3E}">
+        <p14:creationId xmlns:p14="http://schemas.microsoft.com/office/powerpoint/2010/main" val="901954035"/>
+      </p:ext>
+    </p:extLst>
+  </p:cSld>
+  <p:clrMapOvr>
+    <a:masterClrMapping/>
+  </p:clrMapOvr>
+</p:sld>
+</file>
+
+<file path=ppt/slides/slide44.xml><?xml version="1.0" encoding="utf-8"?>
+<p:sld xmlns:a="http://schemas.openxmlformats.org/drawingml/2006/main" xmlns:r="http://schemas.openxmlformats.org/officeDocument/2006/relationships" xmlns:p="http://schemas.openxmlformats.org/presentationml/2006/main">
+  <p:cSld>
+    <p:spTree>
+      <p:nvGrpSpPr>
+        <p:cNvPr id="1" name=""/>
+        <p:cNvGrpSpPr/>
+        <p:nvPr/>
+      </p:nvGrpSpPr>
+      <p:grpSpPr>
+        <a:xfrm>
+          <a:off x="0" y="0"/>
+          <a:ext cx="0" cy="0"/>
+          <a:chOff x="0" y="0"/>
+          <a:chExt cx="0" cy="0"/>
+        </a:xfrm>
+      </p:grpSpPr>
+      <p:sp>
+        <p:nvSpPr>
+          <p:cNvPr id="2" name="Title 1">
+            <a:extLst>
+              <a:ext uri="{FF2B5EF4-FFF2-40B4-BE49-F238E27FC236}">
+                <a16:creationId xmlns:a16="http://schemas.microsoft.com/office/drawing/2014/main" id="{ADA87759-6BAA-2459-DB2A-55104519A1A4}"/>
+              </a:ext>
+            </a:extLst>
+          </p:cNvPr>
+          <p:cNvSpPr>
+            <a:spLocks noGrp="1"/>
+          </p:cNvSpPr>
+          <p:nvPr>
+            <p:ph type="title"/>
+          </p:nvPr>
+        </p:nvSpPr>
+        <p:spPr/>
+        <p:txBody>
+          <a:bodyPr/>
+          <a:lstStyle/>
+          <a:p>
+            <a:r>
+              <a:rPr lang="en-US" b="1" dirty="0"/>
+              <a:t>Sigmoid, Tanh, and </a:t>
+            </a:r>
+            <a:r>
+              <a:rPr lang="en-US" b="1" dirty="0" err="1"/>
+              <a:t>ReLU</a:t>
+            </a:r>
+            <a:r>
+              <a:rPr lang="en-US" b="1" dirty="0"/>
+              <a:t> Neurons</a:t>
+            </a:r>
+          </a:p>
+        </p:txBody>
+      </p:sp>
+      <mc:AlternateContent xmlns:mc="http://schemas.openxmlformats.org/markup-compatibility/2006">
+        <mc:Choice xmlns:a14="http://schemas.microsoft.com/office/drawing/2010/main" Requires="a14">
+          <p:sp>
+            <p:nvSpPr>
+              <p:cNvPr id="3" name="Content Placeholder 2">
+                <a:extLst>
+                  <a:ext uri="{FF2B5EF4-FFF2-40B4-BE49-F238E27FC236}">
+                    <a16:creationId xmlns:a16="http://schemas.microsoft.com/office/drawing/2014/main" id="{1E1E4ECB-DCB3-6395-4725-E66FE3F6A9B8}"/>
+                  </a:ext>
+                </a:extLst>
+              </p:cNvPr>
+              <p:cNvSpPr>
+                <a:spLocks noGrp="1"/>
+              </p:cNvSpPr>
+              <p:nvPr>
+                <p:ph idx="1"/>
+              </p:nvPr>
+            </p:nvSpPr>
+            <p:spPr/>
+            <p:txBody>
+              <a:bodyPr/>
+              <a:lstStyle/>
+              <a:p>
+                <a:r>
+                  <a:rPr lang="en-US" dirty="0"/>
+                  <a:t>Three major types of neurons are used in practice that introduce nonlinearities in their computations</a:t>
+                </a:r>
+              </a:p>
+              <a:p>
+                <a:r>
+                  <a:rPr lang="en-US" dirty="0"/>
+                  <a:t>The sigmoid neuron uses the function </a:t>
+                </a:r>
+                <a14:m>
+                  <m:oMath xmlns:m="http://schemas.openxmlformats.org/officeDocument/2006/math">
+                    <m:r>
+                      <a:rPr lang="en-US" b="0" i="1" smtClean="0">
+                        <a:latin typeface="Cambria Math" panose="02040503050406030204" pitchFamily="18" charset="0"/>
+                      </a:rPr>
+                      <m:t>𝑓</m:t>
+                    </m:r>
+                    <m:d>
+                      <m:dPr>
+                        <m:ctrlPr>
+                          <a:rPr lang="en-US" b="0" i="1" smtClean="0">
+                            <a:latin typeface="Cambria Math" panose="02040503050406030204" pitchFamily="18" charset="0"/>
+                          </a:rPr>
+                        </m:ctrlPr>
+                      </m:dPr>
+                      <m:e>
+                        <m:r>
+                          <a:rPr lang="en-US" b="0" i="1" smtClean="0">
+                            <a:latin typeface="Cambria Math" panose="02040503050406030204" pitchFamily="18" charset="0"/>
+                          </a:rPr>
+                          <m:t>𝑧</m:t>
+                        </m:r>
+                      </m:e>
+                    </m:d>
+                    <m:r>
+                      <a:rPr lang="en-US" b="0" i="1" smtClean="0">
+                        <a:latin typeface="Cambria Math" panose="02040503050406030204" pitchFamily="18" charset="0"/>
+                      </a:rPr>
+                      <m:t>=</m:t>
+                    </m:r>
+                    <m:f>
+                      <m:fPr>
+                        <m:ctrlPr>
+                          <a:rPr lang="en-US" b="0" i="1" smtClean="0">
+                            <a:latin typeface="Cambria Math" panose="02040503050406030204" pitchFamily="18" charset="0"/>
+                          </a:rPr>
+                        </m:ctrlPr>
+                      </m:fPr>
+                      <m:num>
+                        <m:r>
+                          <a:rPr lang="en-US" b="0" i="1" smtClean="0">
+                            <a:latin typeface="Cambria Math" panose="02040503050406030204" pitchFamily="18" charset="0"/>
+                          </a:rPr>
+                          <m:t>1</m:t>
+                        </m:r>
+                      </m:num>
+                      <m:den>
+                        <m:r>
+                          <a:rPr lang="en-US" b="0" i="1" smtClean="0">
+                            <a:latin typeface="Cambria Math" panose="02040503050406030204" pitchFamily="18" charset="0"/>
+                          </a:rPr>
+                          <m:t>1+</m:t>
+                        </m:r>
+                        <m:func>
+                          <m:funcPr>
+                            <m:ctrlPr>
+                              <a:rPr lang="en-US" b="0" i="1" smtClean="0">
+                                <a:latin typeface="Cambria Math" panose="02040503050406030204" pitchFamily="18" charset="0"/>
+                              </a:rPr>
+                            </m:ctrlPr>
+                          </m:funcPr>
+                          <m:fName>
+                            <m:r>
+                              <m:rPr>
+                                <m:sty m:val="p"/>
+                              </m:rPr>
+                              <a:rPr lang="en-US" b="0" i="0" smtClean="0">
+                                <a:latin typeface="Cambria Math" panose="02040503050406030204" pitchFamily="18" charset="0"/>
+                              </a:rPr>
+                              <m:t>exp</m:t>
+                            </m:r>
+                          </m:fName>
+                          <m:e>
+                            <m:r>
+                              <a:rPr lang="en-US" b="0" i="1" smtClean="0">
+                                <a:latin typeface="Cambria Math" panose="02040503050406030204" pitchFamily="18" charset="0"/>
+                              </a:rPr>
+                              <m:t>(−</m:t>
+                            </m:r>
+                            <m:r>
+                              <a:rPr lang="en-US" b="0" i="1" smtClean="0">
+                                <a:latin typeface="Cambria Math" panose="02040503050406030204" pitchFamily="18" charset="0"/>
+                              </a:rPr>
+                              <m:t>𝑧</m:t>
+                            </m:r>
+                            <m:r>
+                              <a:rPr lang="en-US" b="0" i="1" smtClean="0">
+                                <a:latin typeface="Cambria Math" panose="02040503050406030204" pitchFamily="18" charset="0"/>
+                              </a:rPr>
+                              <m:t>)</m:t>
+                            </m:r>
+                          </m:e>
+                        </m:func>
+                      </m:den>
+                    </m:f>
+                  </m:oMath>
+                </a14:m>
+                <a:endParaRPr lang="en-US" dirty="0"/>
+              </a:p>
+            </p:txBody>
+          </p:sp>
+        </mc:Choice>
+        <mc:Fallback>
+          <p:sp>
+            <p:nvSpPr>
+              <p:cNvPr id="3" name="Content Placeholder 2">
+                <a:extLst>
+                  <a:ext uri="{FF2B5EF4-FFF2-40B4-BE49-F238E27FC236}">
+                    <a16:creationId xmlns:a16="http://schemas.microsoft.com/office/drawing/2014/main" id="{1E1E4ECB-DCB3-6395-4725-E66FE3F6A9B8}"/>
+                  </a:ext>
+                </a:extLst>
+              </p:cNvPr>
+              <p:cNvSpPr>
+                <a:spLocks noGrp="1" noRot="1" noChangeAspect="1" noMove="1" noResize="1" noEditPoints="1" noAdjustHandles="1" noChangeArrowheads="1" noChangeShapeType="1" noTextEdit="1"/>
+              </p:cNvSpPr>
+              <p:nvPr>
+                <p:ph idx="1"/>
+              </p:nvPr>
+            </p:nvSpPr>
+            <p:spPr>
+              <a:blipFill>
+                <a:blip r:embed="rId2"/>
+                <a:stretch>
+                  <a:fillRect l="-1086" t="-2326"/>
+                </a:stretch>
+              </a:blipFill>
+            </p:spPr>
+            <p:txBody>
+              <a:bodyPr/>
+              <a:lstStyle/>
+              <a:p>
+                <a:r>
+                  <a:rPr lang="en-US">
+                    <a:noFill/>
+                  </a:rPr>
+                  <a:t> </a:t>
+                </a:r>
+              </a:p>
+            </p:txBody>
+          </p:sp>
+        </mc:Fallback>
+      </mc:AlternateContent>
+      <p:pic>
+        <p:nvPicPr>
+          <p:cNvPr id="11266" name="Picture 2" descr=" ">
+            <a:extLst>
+              <a:ext uri="{FF2B5EF4-FFF2-40B4-BE49-F238E27FC236}">
+                <a16:creationId xmlns:a16="http://schemas.microsoft.com/office/drawing/2014/main" id="{6D803620-0B1D-0E58-F50D-BE9AE0BE0693}"/>
+              </a:ext>
+            </a:extLst>
+          </p:cNvPr>
+          <p:cNvPicPr>
+            <a:picLocks noChangeAspect="1" noChangeArrowheads="1"/>
+          </p:cNvPicPr>
+          <p:nvPr/>
+        </p:nvPicPr>
+        <p:blipFill>
+          <a:blip r:embed="rId3">
+            <a:extLst>
+              <a:ext uri="{28A0092B-C50C-407E-A947-70E740481C1C}">
+                <a14:useLocalDpi xmlns:a14="http://schemas.microsoft.com/office/drawing/2010/main" val="0"/>
+              </a:ext>
+            </a:extLst>
+          </a:blip>
+          <a:srcRect/>
+          <a:stretch>
+            <a:fillRect/>
+          </a:stretch>
+        </p:blipFill>
+        <p:spPr bwMode="auto">
+          <a:xfrm>
+            <a:off x="3795700" y="3410473"/>
+            <a:ext cx="4600600" cy="3082402"/>
+          </a:xfrm>
+          <a:prstGeom prst="rect">
+            <a:avLst/>
+          </a:prstGeom>
+          <a:noFill/>
+          <a:extLst>
+            <a:ext uri="{909E8E84-426E-40DD-AFC4-6F175D3DCCD1}">
+              <a14:hiddenFill xmlns:a14="http://schemas.microsoft.com/office/drawing/2010/main">
+                <a:solidFill>
+                  <a:srgbClr val="FFFFFF"/>
+                </a:solidFill>
+              </a14:hiddenFill>
+            </a:ext>
+          </a:extLst>
+        </p:spPr>
+      </p:pic>
+    </p:spTree>
+    <p:extLst>
+      <p:ext uri="{BB962C8B-B14F-4D97-AF65-F5344CB8AC3E}">
+        <p14:creationId xmlns:p14="http://schemas.microsoft.com/office/powerpoint/2010/main" val="3229122153"/>
+      </p:ext>
+    </p:extLst>
+  </p:cSld>
+  <p:clrMapOvr>
+    <a:masterClrMapping/>
+  </p:clrMapOvr>
+</p:sld>
+</file>
+
+<file path=ppt/slides/slide45.xml><?xml version="1.0" encoding="utf-8"?>
+<p:sld xmlns:a="http://schemas.openxmlformats.org/drawingml/2006/main" xmlns:r="http://schemas.openxmlformats.org/officeDocument/2006/relationships" xmlns:p="http://schemas.openxmlformats.org/presentationml/2006/main">
+  <p:cSld>
+    <p:spTree>
+      <p:nvGrpSpPr>
+        <p:cNvPr id="1" name=""/>
+        <p:cNvGrpSpPr/>
+        <p:nvPr/>
+      </p:nvGrpSpPr>
+      <p:grpSpPr>
+        <a:xfrm>
+          <a:off x="0" y="0"/>
+          <a:ext cx="0" cy="0"/>
+          <a:chOff x="0" y="0"/>
+          <a:chExt cx="0" cy="0"/>
+        </a:xfrm>
+      </p:grpSpPr>
+      <mc:AlternateContent xmlns:mc="http://schemas.openxmlformats.org/markup-compatibility/2006">
+        <mc:Choice xmlns:a14="http://schemas.microsoft.com/office/drawing/2010/main" Requires="a14">
+          <p:sp>
+            <p:nvSpPr>
+              <p:cNvPr id="2" name="Title 1">
+                <a:extLst>
+                  <a:ext uri="{FF2B5EF4-FFF2-40B4-BE49-F238E27FC236}">
+                    <a16:creationId xmlns:a16="http://schemas.microsoft.com/office/drawing/2014/main" id="{6602D689-B031-55AD-B252-EA2F32293E3D}"/>
+                  </a:ext>
+                </a:extLst>
+              </p:cNvPr>
+              <p:cNvSpPr>
+                <a:spLocks noGrp="1"/>
+              </p:cNvSpPr>
+              <p:nvPr>
+                <p:ph type="title"/>
+              </p:nvPr>
+            </p:nvSpPr>
+            <p:spPr/>
+            <p:txBody>
+              <a:bodyPr/>
+              <a:lstStyle/>
+              <a:p>
+                <a14:m>
+                  <m:oMathPara xmlns:m="http://schemas.openxmlformats.org/officeDocument/2006/math">
+                    <m:oMathParaPr>
+                      <m:jc m:val="centerGroup"/>
+                    </m:oMathParaPr>
+                    <m:oMath xmlns:m="http://schemas.openxmlformats.org/officeDocument/2006/math">
+                      <m:r>
+                        <a:rPr lang="en-US" b="0" i="1" smtClean="0">
+                          <a:latin typeface="Cambria Math" panose="02040503050406030204" pitchFamily="18" charset="0"/>
+                        </a:rPr>
+                        <m:t>𝑓</m:t>
+                      </m:r>
+                      <m:d>
+                        <m:dPr>
+                          <m:ctrlPr>
+                            <a:rPr lang="en-US" b="0" i="1" smtClean="0">
+                              <a:latin typeface="Cambria Math" panose="02040503050406030204" pitchFamily="18" charset="0"/>
+                            </a:rPr>
+                          </m:ctrlPr>
+                        </m:dPr>
+                        <m:e>
+                          <m:r>
+                            <a:rPr lang="en-US" b="0" i="1" smtClean="0">
+                              <a:latin typeface="Cambria Math" panose="02040503050406030204" pitchFamily="18" charset="0"/>
+                            </a:rPr>
+                            <m:t>𝑧</m:t>
+                          </m:r>
+                        </m:e>
+                      </m:d>
+                      <m:r>
+                        <a:rPr lang="en-US" b="0" i="1" smtClean="0">
+                          <a:latin typeface="Cambria Math" panose="02040503050406030204" pitchFamily="18" charset="0"/>
+                        </a:rPr>
+                        <m:t>=</m:t>
+                      </m:r>
+                      <m:r>
+                        <m:rPr>
+                          <m:sty m:val="p"/>
+                        </m:rPr>
+                        <a:rPr lang="en-US" b="0" i="0" smtClean="0">
+                          <a:latin typeface="Cambria Math" panose="02040503050406030204" pitchFamily="18" charset="0"/>
+                        </a:rPr>
+                        <m:t>tanh</m:t>
+                      </m:r>
+                      <m:r>
+                        <a:rPr lang="en-US" b="0" i="1" smtClean="0">
+                          <a:latin typeface="Cambria Math" panose="02040503050406030204" pitchFamily="18" charset="0"/>
+                        </a:rPr>
+                        <m:t>⁡(</m:t>
+                      </m:r>
+                      <m:r>
+                        <a:rPr lang="en-US" b="0" i="1" smtClean="0">
+                          <a:latin typeface="Cambria Math" panose="02040503050406030204" pitchFamily="18" charset="0"/>
+                        </a:rPr>
+                        <m:t>𝑧</m:t>
+                      </m:r>
+                      <m:r>
+                        <a:rPr lang="en-US" b="0" i="1" smtClean="0">
+                          <a:latin typeface="Cambria Math" panose="02040503050406030204" pitchFamily="18" charset="0"/>
+                        </a:rPr>
+                        <m:t>)</m:t>
+                      </m:r>
+                    </m:oMath>
+                  </m:oMathPara>
+                </a14:m>
+                <a:endParaRPr lang="en-US" dirty="0"/>
+              </a:p>
+            </p:txBody>
+          </p:sp>
+        </mc:Choice>
+        <mc:Fallback>
+          <p:sp>
+            <p:nvSpPr>
+              <p:cNvPr id="2" name="Title 1">
+                <a:extLst>
+                  <a:ext uri="{FF2B5EF4-FFF2-40B4-BE49-F238E27FC236}">
+                    <a16:creationId xmlns:a16="http://schemas.microsoft.com/office/drawing/2014/main" id="{6602D689-B031-55AD-B252-EA2F32293E3D}"/>
+                  </a:ext>
+                </a:extLst>
+              </p:cNvPr>
+              <p:cNvSpPr>
+                <a:spLocks noGrp="1" noRot="1" noChangeAspect="1" noMove="1" noResize="1" noEditPoints="1" noAdjustHandles="1" noChangeArrowheads="1" noChangeShapeType="1" noTextEdit="1"/>
+              </p:cNvSpPr>
+              <p:nvPr>
+                <p:ph type="title"/>
+              </p:nvPr>
+            </p:nvSpPr>
+            <p:spPr>
+              <a:blipFill>
+                <a:blip r:embed="rId2"/>
+                <a:stretch>
+                  <a:fillRect/>
+                </a:stretch>
+              </a:blipFill>
+            </p:spPr>
+            <p:txBody>
+              <a:bodyPr/>
+              <a:lstStyle/>
+              <a:p>
+                <a:r>
+                  <a:rPr lang="en-US">
+                    <a:noFill/>
+                  </a:rPr>
+                  <a:t> </a:t>
+                </a:r>
+              </a:p>
+            </p:txBody>
+          </p:sp>
+        </mc:Fallback>
+      </mc:AlternateContent>
+      <p:pic>
+        <p:nvPicPr>
+          <p:cNvPr id="12290" name="Picture 2" descr=" ">
+            <a:extLst>
+              <a:ext uri="{FF2B5EF4-FFF2-40B4-BE49-F238E27FC236}">
+                <a16:creationId xmlns:a16="http://schemas.microsoft.com/office/drawing/2014/main" id="{EB4400F7-6C68-FC36-BF11-D3C2D0820FBC}"/>
+              </a:ext>
+            </a:extLst>
+          </p:cNvPr>
+          <p:cNvPicPr>
+            <a:picLocks noGrp="1" noChangeAspect="1" noChangeArrowheads="1"/>
+          </p:cNvPicPr>
+          <p:nvPr>
+            <p:ph idx="1"/>
+          </p:nvPr>
+        </p:nvPicPr>
+        <p:blipFill>
+          <a:blip r:embed="rId3">
+            <a:extLst>
+              <a:ext uri="{28A0092B-C50C-407E-A947-70E740481C1C}">
+                <a14:useLocalDpi xmlns:a14="http://schemas.microsoft.com/office/drawing/2010/main" val="0"/>
+              </a:ext>
+            </a:extLst>
+          </a:blip>
+          <a:srcRect/>
+          <a:stretch>
+            <a:fillRect/>
+          </a:stretch>
+        </p:blipFill>
+        <p:spPr bwMode="auto">
+          <a:xfrm>
+            <a:off x="2791968" y="1936274"/>
+            <a:ext cx="6608064" cy="4130040"/>
+          </a:xfrm>
+          <a:prstGeom prst="rect">
+            <a:avLst/>
+          </a:prstGeom>
+          <a:noFill/>
+          <a:extLst>
+            <a:ext uri="{909E8E84-426E-40DD-AFC4-6F175D3DCCD1}">
+              <a14:hiddenFill xmlns:a14="http://schemas.microsoft.com/office/drawing/2010/main">
+                <a:solidFill>
+                  <a:srgbClr val="FFFFFF"/>
+                </a:solidFill>
+              </a14:hiddenFill>
+            </a:ext>
+          </a:extLst>
+        </p:spPr>
+      </p:pic>
+    </p:spTree>
+    <p:extLst>
+      <p:ext uri="{BB962C8B-B14F-4D97-AF65-F5344CB8AC3E}">
+        <p14:creationId xmlns:p14="http://schemas.microsoft.com/office/powerpoint/2010/main" val="1284982366"/>
+      </p:ext>
+    </p:extLst>
+  </p:cSld>
+  <p:clrMapOvr>
+    <a:masterClrMapping/>
+  </p:clrMapOvr>
+</p:sld>
+</file>
+
+<file path=ppt/slides/slide46.xml><?xml version="1.0" encoding="utf-8"?>
+<p:sld xmlns:a="http://schemas.openxmlformats.org/drawingml/2006/main" xmlns:r="http://schemas.openxmlformats.org/officeDocument/2006/relationships" xmlns:p="http://schemas.openxmlformats.org/presentationml/2006/main">
+  <p:cSld>
+    <p:spTree>
+      <p:nvGrpSpPr>
+        <p:cNvPr id="1" name=""/>
+        <p:cNvGrpSpPr/>
+        <p:nvPr/>
+      </p:nvGrpSpPr>
+      <p:grpSpPr>
+        <a:xfrm>
+          <a:off x="0" y="0"/>
+          <a:ext cx="0" cy="0"/>
+          <a:chOff x="0" y="0"/>
+          <a:chExt cx="0" cy="0"/>
+        </a:xfrm>
+      </p:grpSpPr>
+      <mc:AlternateContent xmlns:mc="http://schemas.openxmlformats.org/markup-compatibility/2006">
+        <mc:Choice xmlns:a14="http://schemas.microsoft.com/office/drawing/2010/main" Requires="a14">
+          <p:sp>
+            <p:nvSpPr>
+              <p:cNvPr id="2" name="Title 1">
+                <a:extLst>
+                  <a:ext uri="{FF2B5EF4-FFF2-40B4-BE49-F238E27FC236}">
+                    <a16:creationId xmlns:a16="http://schemas.microsoft.com/office/drawing/2014/main" id="{6602D689-B031-55AD-B252-EA2F32293E3D}"/>
+                  </a:ext>
+                </a:extLst>
+              </p:cNvPr>
+              <p:cNvSpPr>
+                <a:spLocks noGrp="1"/>
+              </p:cNvSpPr>
+              <p:nvPr>
+                <p:ph type="title"/>
+              </p:nvPr>
+            </p:nvSpPr>
+            <p:spPr/>
+            <p:txBody>
+              <a:bodyPr/>
+              <a:lstStyle/>
+              <a:p>
+                <a:r>
+                  <a:rPr lang="en-US" b="1" dirty="0"/>
+                  <a:t>Rectified Linear Unit: </a:t>
+                </a:r>
+                <a14:m>
+                  <m:oMath xmlns:m="http://schemas.openxmlformats.org/officeDocument/2006/math">
+                    <m:r>
+                      <a:rPr lang="en-US" b="0" i="1" smtClean="0">
+                        <a:latin typeface="Cambria Math" panose="02040503050406030204" pitchFamily="18" charset="0"/>
+                      </a:rPr>
+                      <m:t>𝑓</m:t>
+                    </m:r>
+                    <m:d>
+                      <m:dPr>
+                        <m:ctrlPr>
+                          <a:rPr lang="en-US" i="1" smtClean="0">
+                            <a:latin typeface="Cambria Math" panose="02040503050406030204" pitchFamily="18" charset="0"/>
+                          </a:rPr>
+                        </m:ctrlPr>
+                      </m:dPr>
+                      <m:e>
+                        <m:r>
+                          <a:rPr lang="en-US" b="0" i="1" smtClean="0">
+                            <a:latin typeface="Cambria Math" panose="02040503050406030204" pitchFamily="18" charset="0"/>
+                          </a:rPr>
+                          <m:t>𝑧</m:t>
+                        </m:r>
+                      </m:e>
+                    </m:d>
+                    <m:r>
+                      <a:rPr lang="en-US" b="0" i="1" smtClean="0">
+                        <a:latin typeface="Cambria Math" panose="02040503050406030204" pitchFamily="18" charset="0"/>
+                      </a:rPr>
+                      <m:t>=</m:t>
+                    </m:r>
+                    <m:r>
+                      <m:rPr>
+                        <m:sty m:val="p"/>
+                      </m:rPr>
+                      <a:rPr lang="en-US" b="0" i="0" smtClean="0">
+                        <a:latin typeface="Cambria Math" panose="02040503050406030204" pitchFamily="18" charset="0"/>
+                      </a:rPr>
+                      <m:t>max</m:t>
+                    </m:r>
+                    <m:r>
+                      <a:rPr lang="en-US" b="0" i="1" smtClean="0">
+                        <a:latin typeface="Cambria Math" panose="02040503050406030204" pitchFamily="18" charset="0"/>
+                      </a:rPr>
+                      <m:t>⁡(0, </m:t>
+                    </m:r>
+                    <m:r>
+                      <a:rPr lang="en-US" b="0" i="1" smtClean="0">
+                        <a:latin typeface="Cambria Math" panose="02040503050406030204" pitchFamily="18" charset="0"/>
+                      </a:rPr>
+                      <m:t>𝑧</m:t>
+                    </m:r>
+                    <m:r>
+                      <a:rPr lang="en-US" b="0" i="1" smtClean="0">
+                        <a:latin typeface="Cambria Math" panose="02040503050406030204" pitchFamily="18" charset="0"/>
+                      </a:rPr>
+                      <m:t>)</m:t>
+                    </m:r>
+                  </m:oMath>
+                </a14:m>
+                <a:endParaRPr lang="en-US" dirty="0"/>
+              </a:p>
+            </p:txBody>
+          </p:sp>
+        </mc:Choice>
+        <mc:Fallback>
+          <p:sp>
+            <p:nvSpPr>
+              <p:cNvPr id="2" name="Title 1">
+                <a:extLst>
+                  <a:ext uri="{FF2B5EF4-FFF2-40B4-BE49-F238E27FC236}">
+                    <a16:creationId xmlns:a16="http://schemas.microsoft.com/office/drawing/2014/main" id="{6602D689-B031-55AD-B252-EA2F32293E3D}"/>
+                  </a:ext>
+                </a:extLst>
+              </p:cNvPr>
+              <p:cNvSpPr>
+                <a:spLocks noGrp="1" noRot="1" noChangeAspect="1" noMove="1" noResize="1" noEditPoints="1" noAdjustHandles="1" noChangeArrowheads="1" noChangeShapeType="1" noTextEdit="1"/>
+              </p:cNvSpPr>
+              <p:nvPr>
+                <p:ph type="title"/>
+              </p:nvPr>
+            </p:nvSpPr>
+            <p:spPr>
+              <a:blipFill>
+                <a:blip r:embed="rId2"/>
+                <a:stretch>
+                  <a:fillRect l="-2413"/>
+                </a:stretch>
+              </a:blipFill>
+            </p:spPr>
+            <p:txBody>
+              <a:bodyPr/>
+              <a:lstStyle/>
+              <a:p>
+                <a:r>
+                  <a:rPr lang="en-US">
+                    <a:noFill/>
+                  </a:rPr>
+                  <a:t> </a:t>
+                </a:r>
+              </a:p>
+            </p:txBody>
+          </p:sp>
+        </mc:Fallback>
+      </mc:AlternateContent>
+      <p:pic>
+        <p:nvPicPr>
+          <p:cNvPr id="13314" name="Picture 2" descr=" ">
+            <a:extLst>
+              <a:ext uri="{FF2B5EF4-FFF2-40B4-BE49-F238E27FC236}">
+                <a16:creationId xmlns:a16="http://schemas.microsoft.com/office/drawing/2014/main" id="{7B407CD3-7E00-55F3-2A46-7B1BDE9E75D1}"/>
+              </a:ext>
+            </a:extLst>
+          </p:cNvPr>
+          <p:cNvPicPr>
+            <a:picLocks noGrp="1" noChangeAspect="1" noChangeArrowheads="1"/>
+          </p:cNvPicPr>
+          <p:nvPr>
+            <p:ph idx="1"/>
+          </p:nvPr>
+        </p:nvPicPr>
+        <p:blipFill>
+          <a:blip r:embed="rId3">
+            <a:extLst>
+              <a:ext uri="{28A0092B-C50C-407E-A947-70E740481C1C}">
+                <a14:useLocalDpi xmlns:a14="http://schemas.microsoft.com/office/drawing/2010/main" val="0"/>
+              </a:ext>
+            </a:extLst>
+          </a:blip>
+          <a:srcRect/>
+          <a:stretch>
+            <a:fillRect/>
+          </a:stretch>
+        </p:blipFill>
+        <p:spPr bwMode="auto">
+          <a:xfrm>
+            <a:off x="2755392" y="1774222"/>
+            <a:ext cx="6681216" cy="4454144"/>
+          </a:xfrm>
+          <a:prstGeom prst="rect">
+            <a:avLst/>
+          </a:prstGeom>
+          <a:noFill/>
+          <a:extLst>
+            <a:ext uri="{909E8E84-426E-40DD-AFC4-6F175D3DCCD1}">
+              <a14:hiddenFill xmlns:a14="http://schemas.microsoft.com/office/drawing/2010/main">
+                <a:solidFill>
+                  <a:srgbClr val="FFFFFF"/>
+                </a:solidFill>
+              </a14:hiddenFill>
+            </a:ext>
+          </a:extLst>
+        </p:spPr>
+      </p:pic>
+    </p:spTree>
+    <p:extLst>
+      <p:ext uri="{BB962C8B-B14F-4D97-AF65-F5344CB8AC3E}">
+        <p14:creationId xmlns:p14="http://schemas.microsoft.com/office/powerpoint/2010/main" val="1241494913"/>
+      </p:ext>
+    </p:extLst>
+  </p:cSld>
+  <p:clrMapOvr>
+    <a:masterClrMapping/>
+  </p:clrMapOvr>
+</p:sld>
+</file>
+
+<file path=ppt/slides/slide47.xml><?xml version="1.0" encoding="utf-8"?>
+<p:sld xmlns:a="http://schemas.openxmlformats.org/drawingml/2006/main" xmlns:r="http://schemas.openxmlformats.org/officeDocument/2006/relationships" xmlns:p="http://schemas.openxmlformats.org/presentationml/2006/main">
+  <p:cSld>
+    <p:spTree>
+      <p:nvGrpSpPr>
+        <p:cNvPr id="1" name=""/>
+        <p:cNvGrpSpPr/>
+        <p:nvPr/>
+      </p:nvGrpSpPr>
+      <p:grpSpPr>
+        <a:xfrm>
+          <a:off x="0" y="0"/>
+          <a:ext cx="0" cy="0"/>
+          <a:chOff x="0" y="0"/>
+          <a:chExt cx="0" cy="0"/>
+        </a:xfrm>
+      </p:grpSpPr>
+      <p:sp>
+        <p:nvSpPr>
+          <p:cNvPr id="2" name="Title 1">
+            <a:extLst>
+              <a:ext uri="{FF2B5EF4-FFF2-40B4-BE49-F238E27FC236}">
+                <a16:creationId xmlns:a16="http://schemas.microsoft.com/office/drawing/2014/main" id="{8234EB94-4C31-5867-E8A5-CDBA31ADF2D9}"/>
+              </a:ext>
+            </a:extLst>
+          </p:cNvPr>
+          <p:cNvSpPr>
+            <a:spLocks noGrp="1"/>
+          </p:cNvSpPr>
+          <p:nvPr>
+            <p:ph type="title"/>
+          </p:nvPr>
+        </p:nvSpPr>
+        <p:spPr/>
+        <p:txBody>
+          <a:bodyPr/>
+          <a:lstStyle/>
+          <a:p>
+            <a:r>
+              <a:rPr lang="en-US" b="1" dirty="0" err="1"/>
+              <a:t>Softmax</a:t>
+            </a:r>
+            <a:r>
+              <a:rPr lang="en-US" b="1" dirty="0"/>
+              <a:t> Output Layers</a:t>
+            </a:r>
+          </a:p>
+        </p:txBody>
+      </p:sp>
+      <mc:AlternateContent xmlns:mc="http://schemas.openxmlformats.org/markup-compatibility/2006">
+        <mc:Choice xmlns:a14="http://schemas.microsoft.com/office/drawing/2010/main" Requires="a14">
+          <p:sp>
+            <p:nvSpPr>
+              <p:cNvPr id="3" name="Content Placeholder 2">
+                <a:extLst>
+                  <a:ext uri="{FF2B5EF4-FFF2-40B4-BE49-F238E27FC236}">
+                    <a16:creationId xmlns:a16="http://schemas.microsoft.com/office/drawing/2014/main" id="{B489C51A-464B-C97F-1756-CFA507444EA2}"/>
+                  </a:ext>
+                </a:extLst>
+              </p:cNvPr>
+              <p:cNvSpPr>
+                <a:spLocks noGrp="1"/>
+              </p:cNvSpPr>
+              <p:nvPr>
+                <p:ph idx="1"/>
+              </p:nvPr>
+            </p:nvSpPr>
+            <p:spPr/>
+            <p:txBody>
+              <a:bodyPr/>
+              <a:lstStyle/>
+              <a:p>
+                <a:r>
+                  <a:rPr lang="en-US" dirty="0"/>
+                  <a:t>Oftentimes, we want our output vector to be a probability distribution over a set of mutually exclusive labels</a:t>
+                </a:r>
+              </a:p>
+              <a:p>
+                <a:pPr lvl="1"/>
+                <a:r>
+                  <a:rPr lang="en-US" dirty="0"/>
+                  <a:t>For example, let’s say we want to build a neural network to recognize handwritten digits from the MNIST dataset</a:t>
+                </a:r>
+              </a:p>
+              <a:p>
+                <a:pPr lvl="1"/>
+                <a:r>
+                  <a:rPr lang="en-US" dirty="0"/>
+                  <a:t>Each label is mutually exclusive</a:t>
+                </a:r>
+              </a:p>
+              <a:p>
+                <a:r>
+                  <a:rPr lang="en-US" dirty="0"/>
+                  <a:t>Using a probability distribution gives us a better idea of how confident we are in our predictions: </a:t>
+                </a:r>
+                <a14:m>
+                  <m:oMath xmlns:m="http://schemas.openxmlformats.org/officeDocument/2006/math">
+                    <m:nary>
+                      <m:naryPr>
+                        <m:chr m:val="∑"/>
+                        <m:supHide m:val="on"/>
+                        <m:ctrlPr>
+                          <a:rPr lang="en-US" b="0" i="1" smtClean="0">
+                            <a:latin typeface="Cambria Math" panose="02040503050406030204" pitchFamily="18" charset="0"/>
+                          </a:rPr>
+                        </m:ctrlPr>
+                      </m:naryPr>
+                      <m:sub>
+                        <m:r>
+                          <a:rPr lang="en-US" b="0" i="1" smtClean="0">
+                            <a:latin typeface="Cambria Math" panose="02040503050406030204" pitchFamily="18" charset="0"/>
+                          </a:rPr>
+                          <m:t>𝑖</m:t>
+                        </m:r>
+                        <m:r>
+                          <a:rPr lang="en-US" b="0" i="1" smtClean="0">
+                            <a:latin typeface="Cambria Math" panose="02040503050406030204" pitchFamily="18" charset="0"/>
+                          </a:rPr>
+                          <m:t>=0</m:t>
+                        </m:r>
+                      </m:sub>
+                      <m:sup/>
+                      <m:e>
+                        <m:sSub>
+                          <m:sSubPr>
+                            <m:ctrlPr>
+                              <a:rPr lang="en-US" b="0" i="1" smtClean="0">
+                                <a:latin typeface="Cambria Math" panose="02040503050406030204" pitchFamily="18" charset="0"/>
+                              </a:rPr>
+                            </m:ctrlPr>
+                          </m:sSubPr>
+                          <m:e>
+                            <m:r>
+                              <a:rPr lang="en-US" b="0" i="1" smtClean="0">
+                                <a:latin typeface="Cambria Math" panose="02040503050406030204" pitchFamily="18" charset="0"/>
+                              </a:rPr>
+                              <m:t>𝑝</m:t>
+                            </m:r>
+                          </m:e>
+                          <m:sub>
+                            <m:r>
+                              <a:rPr lang="en-US" b="0" i="1" smtClean="0">
+                                <a:latin typeface="Cambria Math" panose="02040503050406030204" pitchFamily="18" charset="0"/>
+                              </a:rPr>
+                              <m:t>𝑖</m:t>
+                            </m:r>
+                          </m:sub>
+                        </m:sSub>
+                        <m:r>
+                          <a:rPr lang="en-US" b="0" i="1" smtClean="0">
+                            <a:latin typeface="Cambria Math" panose="02040503050406030204" pitchFamily="18" charset="0"/>
+                          </a:rPr>
+                          <m:t>=1</m:t>
+                        </m:r>
+                      </m:e>
+                    </m:nary>
+                  </m:oMath>
+                </a14:m>
+                <a:endParaRPr lang="en-US" b="0" dirty="0"/>
+              </a:p>
+              <a:p>
+                <a:r>
+                  <a:rPr lang="en-US" dirty="0"/>
+                  <a:t>This is achieved by using a special output layer called a </a:t>
+                </a:r>
+                <a:r>
+                  <a:rPr lang="en-US" dirty="0" err="1"/>
+                  <a:t>softmax</a:t>
+                </a:r>
+                <a:r>
+                  <a:rPr lang="en-US" dirty="0"/>
+                  <a:t> layer</a:t>
+                </a:r>
+              </a:p>
+              <a:p>
+                <a:r>
+                  <a:rPr lang="en-US" dirty="0"/>
+                  <a:t>Unlike in other kinds of layers, the output of a neuron in a </a:t>
+                </a:r>
+                <a:r>
+                  <a:rPr lang="en-US" dirty="0" err="1"/>
+                  <a:t>softmax</a:t>
+                </a:r>
+                <a:r>
+                  <a:rPr lang="en-US" dirty="0"/>
+                  <a:t> layer depends on the outputs of all the other neurons in its layer</a:t>
+                </a:r>
+              </a:p>
+            </p:txBody>
+          </p:sp>
+        </mc:Choice>
+        <mc:Fallback>
+          <p:sp>
+            <p:nvSpPr>
+              <p:cNvPr id="3" name="Content Placeholder 2">
+                <a:extLst>
+                  <a:ext uri="{FF2B5EF4-FFF2-40B4-BE49-F238E27FC236}">
+                    <a16:creationId xmlns:a16="http://schemas.microsoft.com/office/drawing/2014/main" id="{B489C51A-464B-C97F-1756-CFA507444EA2}"/>
+                  </a:ext>
+                </a:extLst>
+              </p:cNvPr>
+              <p:cNvSpPr>
+                <a:spLocks noGrp="1" noRot="1" noChangeAspect="1" noMove="1" noResize="1" noEditPoints="1" noAdjustHandles="1" noChangeArrowheads="1" noChangeShapeType="1" noTextEdit="1"/>
+              </p:cNvSpPr>
+              <p:nvPr>
+                <p:ph idx="1"/>
+              </p:nvPr>
+            </p:nvSpPr>
+            <p:spPr>
+              <a:blipFill>
+                <a:blip r:embed="rId2"/>
+                <a:stretch>
+                  <a:fillRect l="-1086" t="-2326" b="-2035"/>
+                </a:stretch>
+              </a:blipFill>
+            </p:spPr>
+            <p:txBody>
+              <a:bodyPr/>
+              <a:lstStyle/>
+              <a:p>
+                <a:r>
+                  <a:rPr lang="en-US">
+                    <a:noFill/>
+                  </a:rPr>
+                  <a:t> </a:t>
+                </a:r>
+              </a:p>
+            </p:txBody>
+          </p:sp>
+        </mc:Fallback>
+      </mc:AlternateContent>
+    </p:spTree>
+    <p:extLst>
+      <p:ext uri="{BB962C8B-B14F-4D97-AF65-F5344CB8AC3E}">
+        <p14:creationId xmlns:p14="http://schemas.microsoft.com/office/powerpoint/2010/main" val="2492596246"/>
+      </p:ext>
+    </p:extLst>
+  </p:cSld>
+  <p:clrMapOvr>
+    <a:masterClrMapping/>
+  </p:clrMapOvr>
+</p:sld>
+</file>
+
+<file path=ppt/slides/slide48.xml><?xml version="1.0" encoding="utf-8"?>
+<p:sld xmlns:a="http://schemas.openxmlformats.org/drawingml/2006/main" xmlns:r="http://schemas.openxmlformats.org/officeDocument/2006/relationships" xmlns:p="http://schemas.openxmlformats.org/presentationml/2006/main">
+  <p:cSld>
+    <p:spTree>
+      <p:nvGrpSpPr>
+        <p:cNvPr id="1" name=""/>
+        <p:cNvGrpSpPr/>
+        <p:nvPr/>
+      </p:nvGrpSpPr>
+      <p:grpSpPr>
+        <a:xfrm>
+          <a:off x="0" y="0"/>
+          <a:ext cx="0" cy="0"/>
+          <a:chOff x="0" y="0"/>
+          <a:chExt cx="0" cy="0"/>
+        </a:xfrm>
+      </p:grpSpPr>
+      <p:sp>
+        <p:nvSpPr>
+          <p:cNvPr id="2" name="Title 1">
+            <a:extLst>
+              <a:ext uri="{FF2B5EF4-FFF2-40B4-BE49-F238E27FC236}">
+                <a16:creationId xmlns:a16="http://schemas.microsoft.com/office/drawing/2014/main" id="{8AF6884D-4266-5462-E3A2-9598216E9EAD}"/>
+              </a:ext>
+            </a:extLst>
+          </p:cNvPr>
+          <p:cNvSpPr>
+            <a:spLocks noGrp="1"/>
+          </p:cNvSpPr>
+          <p:nvPr>
+            <p:ph type="title"/>
+          </p:nvPr>
+        </p:nvSpPr>
+        <p:spPr/>
+        <p:txBody>
+          <a:bodyPr/>
+          <a:lstStyle/>
+          <a:p>
+            <a:r>
+              <a:rPr lang="en-US" b="1" dirty="0" err="1"/>
+              <a:t>Softmax</a:t>
+            </a:r>
+            <a:r>
+              <a:rPr lang="en-US" b="1" dirty="0"/>
+              <a:t> Output Layers</a:t>
+            </a:r>
+            <a:endParaRPr lang="en-US" dirty="0"/>
+          </a:p>
+        </p:txBody>
+      </p:sp>
+      <mc:AlternateContent xmlns:mc="http://schemas.openxmlformats.org/markup-compatibility/2006">
+        <mc:Choice xmlns:a14="http://schemas.microsoft.com/office/drawing/2010/main" Requires="a14">
+          <p:sp>
+            <p:nvSpPr>
+              <p:cNvPr id="3" name="Content Placeholder 2">
+                <a:extLst>
+                  <a:ext uri="{FF2B5EF4-FFF2-40B4-BE49-F238E27FC236}">
+                    <a16:creationId xmlns:a16="http://schemas.microsoft.com/office/drawing/2014/main" id="{48E1A1D3-4BAD-C08A-0634-42C01F0F4FE8}"/>
+                  </a:ext>
+                </a:extLst>
+              </p:cNvPr>
+              <p:cNvSpPr>
+                <a:spLocks noGrp="1"/>
+              </p:cNvSpPr>
+              <p:nvPr>
+                <p:ph idx="1"/>
+              </p:nvPr>
+            </p:nvSpPr>
+            <p:spPr/>
+            <p:txBody>
+              <a:bodyPr/>
+              <a:lstStyle/>
+              <a:p>
+                <a:r>
+                  <a:rPr lang="en-US" dirty="0"/>
+                  <a:t>This is because we require the sum of all the outputs to be equal to 1</a:t>
+                </a:r>
+              </a:p>
+              <a:p>
+                <a:r>
+                  <a:rPr lang="en-US" dirty="0"/>
+                  <a:t>Letting </a:t>
+                </a:r>
+                <a14:m>
+                  <m:oMath xmlns:m="http://schemas.openxmlformats.org/officeDocument/2006/math">
+                    <m:sSub>
+                      <m:sSubPr>
+                        <m:ctrlPr>
+                          <a:rPr lang="en-US" b="0" i="1" smtClean="0">
+                            <a:latin typeface="Cambria Math" panose="02040503050406030204" pitchFamily="18" charset="0"/>
+                          </a:rPr>
+                        </m:ctrlPr>
+                      </m:sSubPr>
+                      <m:e>
+                        <m:r>
+                          <a:rPr lang="en-US" b="0" i="1" smtClean="0">
+                            <a:latin typeface="Cambria Math" panose="02040503050406030204" pitchFamily="18" charset="0"/>
+                          </a:rPr>
+                          <m:t>𝑧</m:t>
+                        </m:r>
+                      </m:e>
+                      <m:sub>
+                        <m:r>
+                          <a:rPr lang="en-US" b="0" i="1" smtClean="0">
+                            <a:latin typeface="Cambria Math" panose="02040503050406030204" pitchFamily="18" charset="0"/>
+                          </a:rPr>
+                          <m:t>𝑖</m:t>
+                        </m:r>
+                      </m:sub>
+                    </m:sSub>
+                  </m:oMath>
+                </a14:m>
+                <a:r>
+                  <a:rPr lang="en-US" dirty="0"/>
+                  <a:t> be the logit of the </a:t>
+                </a:r>
+                <a14:m>
+                  <m:oMath xmlns:m="http://schemas.openxmlformats.org/officeDocument/2006/math">
+                    <m:sSup>
+                      <m:sSupPr>
+                        <m:ctrlPr>
+                          <a:rPr lang="en-US" b="0" i="1" smtClean="0">
+                            <a:latin typeface="Cambria Math" panose="02040503050406030204" pitchFamily="18" charset="0"/>
+                          </a:rPr>
+                        </m:ctrlPr>
+                      </m:sSupPr>
+                      <m:e>
+                        <m:r>
+                          <a:rPr lang="en-US" b="0" i="1" smtClean="0">
+                            <a:latin typeface="Cambria Math" panose="02040503050406030204" pitchFamily="18" charset="0"/>
+                          </a:rPr>
+                          <m:t>𝑖</m:t>
+                        </m:r>
+                      </m:e>
+                      <m:sup>
+                        <m:r>
+                          <a:rPr lang="en-US" b="0" i="1" smtClean="0">
+                            <a:latin typeface="Cambria Math" panose="02040503050406030204" pitchFamily="18" charset="0"/>
+                          </a:rPr>
+                          <m:t>𝑡h</m:t>
+                        </m:r>
+                      </m:sup>
+                    </m:sSup>
+                  </m:oMath>
+                </a14:m>
+                <a:r>
+                  <a:rPr lang="en-US" dirty="0"/>
+                  <a:t> </a:t>
+                </a:r>
+                <a:r>
+                  <a:rPr lang="en-US" dirty="0" err="1"/>
+                  <a:t>softmax</a:t>
+                </a:r>
+                <a:r>
+                  <a:rPr lang="en-US" dirty="0"/>
+                  <a:t> neuron, we can achieve this normalization by setting its output to:</a:t>
+                </a:r>
+              </a:p>
+              <a:p>
+                <a:pPr lvl="1"/>
+                <a14:m>
+                  <m:oMath xmlns:m="http://schemas.openxmlformats.org/officeDocument/2006/math">
+                    <m:sSub>
+                      <m:sSubPr>
+                        <m:ctrlPr>
+                          <a:rPr lang="en-US" b="0" i="1" smtClean="0">
+                            <a:latin typeface="Cambria Math" panose="02040503050406030204" pitchFamily="18" charset="0"/>
+                          </a:rPr>
+                        </m:ctrlPr>
+                      </m:sSubPr>
+                      <m:e>
+                        <m:r>
+                          <a:rPr lang="en-US" b="0" i="1" smtClean="0">
+                            <a:latin typeface="Cambria Math" panose="02040503050406030204" pitchFamily="18" charset="0"/>
+                          </a:rPr>
+                          <m:t>𝑦</m:t>
+                        </m:r>
+                      </m:e>
+                      <m:sub>
+                        <m:r>
+                          <a:rPr lang="en-US" b="0" i="1" smtClean="0">
+                            <a:latin typeface="Cambria Math" panose="02040503050406030204" pitchFamily="18" charset="0"/>
+                          </a:rPr>
+                          <m:t>𝑖</m:t>
+                        </m:r>
+                      </m:sub>
+                    </m:sSub>
+                    <m:r>
+                      <a:rPr lang="en-US" b="0" i="1" smtClean="0">
+                        <a:latin typeface="Cambria Math" panose="02040503050406030204" pitchFamily="18" charset="0"/>
+                      </a:rPr>
+                      <m:t>=</m:t>
+                    </m:r>
+                    <m:f>
+                      <m:fPr>
+                        <m:ctrlPr>
+                          <a:rPr lang="en-US" b="0" i="1" smtClean="0">
+                            <a:latin typeface="Cambria Math" panose="02040503050406030204" pitchFamily="18" charset="0"/>
+                          </a:rPr>
+                        </m:ctrlPr>
+                      </m:fPr>
+                      <m:num>
+                        <m:func>
+                          <m:funcPr>
+                            <m:ctrlPr>
+                              <a:rPr lang="en-US" b="0" i="1" smtClean="0">
+                                <a:latin typeface="Cambria Math" panose="02040503050406030204" pitchFamily="18" charset="0"/>
+                              </a:rPr>
+                            </m:ctrlPr>
+                          </m:funcPr>
+                          <m:fName>
+                            <m:r>
+                              <m:rPr>
+                                <m:sty m:val="p"/>
+                              </m:rPr>
+                              <a:rPr lang="en-US" b="0" i="0" smtClean="0">
+                                <a:latin typeface="Cambria Math" panose="02040503050406030204" pitchFamily="18" charset="0"/>
+                              </a:rPr>
+                              <m:t>exp</m:t>
+                            </m:r>
+                          </m:fName>
+                          <m:e>
+                            <m:r>
+                              <a:rPr lang="en-US" b="0" i="1" smtClean="0">
+                                <a:latin typeface="Cambria Math" panose="02040503050406030204" pitchFamily="18" charset="0"/>
+                              </a:rPr>
+                              <m:t>(</m:t>
+                            </m:r>
+                            <m:sSub>
+                              <m:sSubPr>
+                                <m:ctrlPr>
+                                  <a:rPr lang="en-US" b="0" i="1" smtClean="0">
+                                    <a:latin typeface="Cambria Math" panose="02040503050406030204" pitchFamily="18" charset="0"/>
+                                  </a:rPr>
+                                </m:ctrlPr>
+                              </m:sSubPr>
+                              <m:e>
+                                <m:r>
+                                  <a:rPr lang="en-US" b="0" i="1" smtClean="0">
+                                    <a:latin typeface="Cambria Math" panose="02040503050406030204" pitchFamily="18" charset="0"/>
+                                  </a:rPr>
+                                  <m:t>𝑧</m:t>
+                                </m:r>
+                              </m:e>
+                              <m:sub>
+                                <m:r>
+                                  <a:rPr lang="en-US" b="0" i="1" smtClean="0">
+                                    <a:latin typeface="Cambria Math" panose="02040503050406030204" pitchFamily="18" charset="0"/>
+                                  </a:rPr>
+                                  <m:t>𝑖</m:t>
+                                </m:r>
+                              </m:sub>
+                            </m:sSub>
+                            <m:r>
+                              <a:rPr lang="en-US" b="0" i="1" smtClean="0">
+                                <a:latin typeface="Cambria Math" panose="02040503050406030204" pitchFamily="18" charset="0"/>
+                              </a:rPr>
+                              <m:t>)</m:t>
+                            </m:r>
+                          </m:e>
+                        </m:func>
+                      </m:num>
+                      <m:den>
+                        <m:nary>
+                          <m:naryPr>
+                            <m:chr m:val="∑"/>
+                            <m:supHide m:val="on"/>
+                            <m:ctrlPr>
+                              <a:rPr lang="en-US" b="0" i="1" smtClean="0">
+                                <a:latin typeface="Cambria Math" panose="02040503050406030204" pitchFamily="18" charset="0"/>
+                              </a:rPr>
+                            </m:ctrlPr>
+                          </m:naryPr>
+                          <m:sub>
+                            <m:r>
+                              <a:rPr lang="en-US" b="0" i="1" smtClean="0">
+                                <a:latin typeface="Cambria Math" panose="02040503050406030204" pitchFamily="18" charset="0"/>
+                              </a:rPr>
+                              <m:t>𝑗</m:t>
+                            </m:r>
+                          </m:sub>
+                          <m:sup/>
+                          <m:e>
+                            <m:func>
+                              <m:funcPr>
+                                <m:ctrlPr>
+                                  <a:rPr lang="en-US" b="0" i="1" smtClean="0">
+                                    <a:latin typeface="Cambria Math" panose="02040503050406030204" pitchFamily="18" charset="0"/>
+                                  </a:rPr>
+                                </m:ctrlPr>
+                              </m:funcPr>
+                              <m:fName>
+                                <m:r>
+                                  <m:rPr>
+                                    <m:sty m:val="p"/>
+                                  </m:rPr>
+                                  <a:rPr lang="en-US" b="0" i="0" smtClean="0">
+                                    <a:latin typeface="Cambria Math" panose="02040503050406030204" pitchFamily="18" charset="0"/>
+                                  </a:rPr>
+                                  <m:t>exp</m:t>
+                                </m:r>
+                              </m:fName>
+                              <m:e>
+                                <m:d>
+                                  <m:dPr>
+                                    <m:ctrlPr>
+                                      <a:rPr lang="en-US" b="0" i="1" smtClean="0">
+                                        <a:latin typeface="Cambria Math" panose="02040503050406030204" pitchFamily="18" charset="0"/>
+                                      </a:rPr>
+                                    </m:ctrlPr>
+                                  </m:dPr>
+                                  <m:e>
+                                    <m:sSub>
+                                      <m:sSubPr>
+                                        <m:ctrlPr>
+                                          <a:rPr lang="en-US" b="0" i="1" smtClean="0">
+                                            <a:latin typeface="Cambria Math" panose="02040503050406030204" pitchFamily="18" charset="0"/>
+                                          </a:rPr>
+                                        </m:ctrlPr>
+                                      </m:sSubPr>
+                                      <m:e>
+                                        <m:r>
+                                          <a:rPr lang="en-US" b="0" i="1" smtClean="0">
+                                            <a:latin typeface="Cambria Math" panose="02040503050406030204" pitchFamily="18" charset="0"/>
+                                          </a:rPr>
+                                          <m:t>𝑧</m:t>
+                                        </m:r>
+                                      </m:e>
+                                      <m:sub>
+                                        <m:r>
+                                          <a:rPr lang="en-US" b="0" i="1" smtClean="0">
+                                            <a:latin typeface="Cambria Math" panose="02040503050406030204" pitchFamily="18" charset="0"/>
+                                          </a:rPr>
+                                          <m:t>𝑗</m:t>
+                                        </m:r>
+                                      </m:sub>
+                                    </m:sSub>
+                                  </m:e>
+                                </m:d>
+                              </m:e>
+                            </m:func>
+                          </m:e>
+                        </m:nary>
+                      </m:den>
+                    </m:f>
+                  </m:oMath>
+                </a14:m>
+                <a:endParaRPr lang="en-US" dirty="0"/>
+              </a:p>
+              <a:p>
+                <a:r>
+                  <a:rPr lang="en-US" dirty="0"/>
+                  <a:t>A strong prediction would have a single entry in the vector close to 1, while the remaining entries would be close to 0</a:t>
+                </a:r>
+              </a:p>
+              <a:p>
+                <a:r>
+                  <a:rPr lang="en-US" dirty="0"/>
+                  <a:t>A weak prediction would have multiple possible labels that are more or less equally likely</a:t>
+                </a:r>
+              </a:p>
+              <a:p>
+                <a:r>
+                  <a:rPr lang="en-US" dirty="0"/>
+                  <a:t>Most popular </a:t>
+                </a:r>
+                <a:r>
+                  <a:rPr lang="en-US"/>
+                  <a:t>in language models</a:t>
+                </a:r>
+                <a:endParaRPr lang="en-US" dirty="0"/>
+              </a:p>
+            </p:txBody>
+          </p:sp>
+        </mc:Choice>
+        <mc:Fallback>
+          <p:sp>
+            <p:nvSpPr>
+              <p:cNvPr id="3" name="Content Placeholder 2">
+                <a:extLst>
+                  <a:ext uri="{FF2B5EF4-FFF2-40B4-BE49-F238E27FC236}">
+                    <a16:creationId xmlns:a16="http://schemas.microsoft.com/office/drawing/2014/main" id="{48E1A1D3-4BAD-C08A-0634-42C01F0F4FE8}"/>
+                  </a:ext>
+                </a:extLst>
+              </p:cNvPr>
+              <p:cNvSpPr>
+                <a:spLocks noGrp="1" noRot="1" noChangeAspect="1" noMove="1" noResize="1" noEditPoints="1" noAdjustHandles="1" noChangeArrowheads="1" noChangeShapeType="1" noTextEdit="1"/>
+              </p:cNvSpPr>
+              <p:nvPr>
+                <p:ph idx="1"/>
+              </p:nvPr>
+            </p:nvSpPr>
+            <p:spPr>
+              <a:blipFill>
+                <a:blip r:embed="rId2"/>
+                <a:stretch>
+                  <a:fillRect l="-1086" t="-2326" r="-603" b="-3198"/>
+                </a:stretch>
+              </a:blipFill>
+            </p:spPr>
+            <p:txBody>
+              <a:bodyPr/>
+              <a:lstStyle/>
+              <a:p>
+                <a:r>
+                  <a:rPr lang="en-US">
+                    <a:noFill/>
+                  </a:rPr>
+                  <a:t> </a:t>
+                </a:r>
+              </a:p>
+            </p:txBody>
+          </p:sp>
+        </mc:Fallback>
+      </mc:AlternateContent>
+    </p:spTree>
+    <p:extLst>
+      <p:ext uri="{BB962C8B-B14F-4D97-AF65-F5344CB8AC3E}">
+        <p14:creationId xmlns:p14="http://schemas.microsoft.com/office/powerpoint/2010/main" val="2743377489"/>
       </p:ext>
     </p:extLst>
   </p:cSld>

--- a/BUS243_NLP/lecture_notes/Lecture5.pptx
+++ b/BUS243_NLP/lecture_notes/Lecture5.pptx
@@ -5,57 +5,60 @@
     <p:sldMasterId id="2147483775" r:id="rId1"/>
   </p:sldMasterIdLst>
   <p:notesMasterIdLst>
-    <p:notesMasterId r:id="rId50"/>
+    <p:notesMasterId r:id="rId53"/>
   </p:notesMasterIdLst>
   <p:sldIdLst>
     <p:sldId id="256" r:id="rId2"/>
-    <p:sldId id="257" r:id="rId3"/>
-    <p:sldId id="258" r:id="rId4"/>
-    <p:sldId id="259" r:id="rId5"/>
-    <p:sldId id="261" r:id="rId6"/>
-    <p:sldId id="313" r:id="rId7"/>
-    <p:sldId id="290" r:id="rId8"/>
-    <p:sldId id="262" r:id="rId9"/>
-    <p:sldId id="263" r:id="rId10"/>
-    <p:sldId id="264" r:id="rId11"/>
-    <p:sldId id="265" r:id="rId12"/>
-    <p:sldId id="314" r:id="rId13"/>
-    <p:sldId id="315" r:id="rId14"/>
-    <p:sldId id="268" r:id="rId15"/>
-    <p:sldId id="269" r:id="rId16"/>
-    <p:sldId id="316" r:id="rId17"/>
-    <p:sldId id="317" r:id="rId18"/>
-    <p:sldId id="318" r:id="rId19"/>
-    <p:sldId id="319" r:id="rId20"/>
-    <p:sldId id="320" r:id="rId21"/>
-    <p:sldId id="321" r:id="rId22"/>
-    <p:sldId id="322" r:id="rId23"/>
-    <p:sldId id="323" r:id="rId24"/>
-    <p:sldId id="324" r:id="rId25"/>
-    <p:sldId id="325" r:id="rId26"/>
-    <p:sldId id="326" r:id="rId27"/>
-    <p:sldId id="327" r:id="rId28"/>
-    <p:sldId id="328" r:id="rId29"/>
-    <p:sldId id="329" r:id="rId30"/>
-    <p:sldId id="330" r:id="rId31"/>
-    <p:sldId id="331" r:id="rId32"/>
-    <p:sldId id="332" r:id="rId33"/>
-    <p:sldId id="333" r:id="rId34"/>
-    <p:sldId id="334" r:id="rId35"/>
-    <p:sldId id="335" r:id="rId36"/>
-    <p:sldId id="336" r:id="rId37"/>
-    <p:sldId id="337" r:id="rId38"/>
-    <p:sldId id="338" r:id="rId39"/>
-    <p:sldId id="339" r:id="rId40"/>
-    <p:sldId id="340" r:id="rId41"/>
-    <p:sldId id="341" r:id="rId42"/>
-    <p:sldId id="342" r:id="rId43"/>
-    <p:sldId id="343" r:id="rId44"/>
-    <p:sldId id="344" r:id="rId45"/>
-    <p:sldId id="345" r:id="rId46"/>
-    <p:sldId id="346" r:id="rId47"/>
-    <p:sldId id="347" r:id="rId48"/>
-    <p:sldId id="348" r:id="rId49"/>
+    <p:sldId id="350" r:id="rId3"/>
+    <p:sldId id="257" r:id="rId4"/>
+    <p:sldId id="258" r:id="rId5"/>
+    <p:sldId id="259" r:id="rId6"/>
+    <p:sldId id="261" r:id="rId7"/>
+    <p:sldId id="313" r:id="rId8"/>
+    <p:sldId id="290" r:id="rId9"/>
+    <p:sldId id="262" r:id="rId10"/>
+    <p:sldId id="263" r:id="rId11"/>
+    <p:sldId id="264" r:id="rId12"/>
+    <p:sldId id="265" r:id="rId13"/>
+    <p:sldId id="314" r:id="rId14"/>
+    <p:sldId id="349" r:id="rId15"/>
+    <p:sldId id="315" r:id="rId16"/>
+    <p:sldId id="268" r:id="rId17"/>
+    <p:sldId id="269" r:id="rId18"/>
+    <p:sldId id="316" r:id="rId19"/>
+    <p:sldId id="317" r:id="rId20"/>
+    <p:sldId id="318" r:id="rId21"/>
+    <p:sldId id="319" r:id="rId22"/>
+    <p:sldId id="320" r:id="rId23"/>
+    <p:sldId id="321" r:id="rId24"/>
+    <p:sldId id="322" r:id="rId25"/>
+    <p:sldId id="323" r:id="rId26"/>
+    <p:sldId id="324" r:id="rId27"/>
+    <p:sldId id="325" r:id="rId28"/>
+    <p:sldId id="326" r:id="rId29"/>
+    <p:sldId id="327" r:id="rId30"/>
+    <p:sldId id="328" r:id="rId31"/>
+    <p:sldId id="329" r:id="rId32"/>
+    <p:sldId id="330" r:id="rId33"/>
+    <p:sldId id="331" r:id="rId34"/>
+    <p:sldId id="332" r:id="rId35"/>
+    <p:sldId id="333" r:id="rId36"/>
+    <p:sldId id="334" r:id="rId37"/>
+    <p:sldId id="335" r:id="rId38"/>
+    <p:sldId id="336" r:id="rId39"/>
+    <p:sldId id="337" r:id="rId40"/>
+    <p:sldId id="338" r:id="rId41"/>
+    <p:sldId id="339" r:id="rId42"/>
+    <p:sldId id="340" r:id="rId43"/>
+    <p:sldId id="341" r:id="rId44"/>
+    <p:sldId id="342" r:id="rId45"/>
+    <p:sldId id="343" r:id="rId46"/>
+    <p:sldId id="344" r:id="rId47"/>
+    <p:sldId id="345" r:id="rId48"/>
+    <p:sldId id="346" r:id="rId49"/>
+    <p:sldId id="347" r:id="rId50"/>
+    <p:sldId id="348" r:id="rId51"/>
+    <p:sldId id="351" r:id="rId52"/>
   </p:sldIdLst>
   <p:sldSz cx="12192000" cy="6858000"/>
   <p:notesSz cx="6858000" cy="9144000"/>
@@ -244,7 +247,7 @@
           <a:p>
             <a:fld id="{6C062D5C-E428-DA43-AA54-C279CF805B17}" type="datetimeFigureOut">
               <a:rPr lang="en-US" smtClean="0"/>
-              <a:t>4/15/23</a:t>
+              <a:t>4/26/23</a:t>
             </a:fld>
             <a:endParaRPr lang="en-US"/>
           </a:p>
@@ -660,7 +663,7 @@
             <a:fld id="{3F9AFA87-1417-4992-ABD9-27C3BC8CC883}" type="datetimeFigureOut">
               <a:rPr lang="en-US" smtClean="0"/>
               <a:pPr algn="r"/>
-              <a:t>4/15/23</a:t>
+              <a:t>4/26/23</a:t>
             </a:fld>
             <a:endParaRPr lang="en-US" dirty="0"/>
           </a:p>
@@ -859,7 +862,7 @@
           <a:p>
             <a:fld id="{3F9AFA87-1417-4992-ABD9-27C3BC8CC883}" type="datetimeFigureOut">
               <a:rPr lang="en-US" smtClean="0"/>
-              <a:t>4/15/23</a:t>
+              <a:t>4/26/23</a:t>
             </a:fld>
             <a:endParaRPr lang="en-US"/>
           </a:p>
@@ -1067,7 +1070,7 @@
           <a:p>
             <a:fld id="{3F9AFA87-1417-4992-ABD9-27C3BC8CC883}" type="datetimeFigureOut">
               <a:rPr lang="en-US" smtClean="0"/>
-              <a:t>4/15/23</a:t>
+              <a:t>4/26/23</a:t>
             </a:fld>
             <a:endParaRPr lang="en-US"/>
           </a:p>
@@ -1265,7 +1268,7 @@
           <a:p>
             <a:fld id="{3F9AFA87-1417-4992-ABD9-27C3BC8CC883}" type="datetimeFigureOut">
               <a:rPr lang="en-US" smtClean="0"/>
-              <a:t>4/15/23</a:t>
+              <a:t>4/26/23</a:t>
             </a:fld>
             <a:endParaRPr lang="en-US"/>
           </a:p>
@@ -1540,7 +1543,7 @@
           <a:p>
             <a:fld id="{3F9AFA87-1417-4992-ABD9-27C3BC8CC883}" type="datetimeFigureOut">
               <a:rPr lang="en-US" smtClean="0"/>
-              <a:t>4/15/23</a:t>
+              <a:t>4/26/23</a:t>
             </a:fld>
             <a:endParaRPr lang="en-US"/>
           </a:p>
@@ -1805,7 +1808,7 @@
           <a:p>
             <a:fld id="{3F9AFA87-1417-4992-ABD9-27C3BC8CC883}" type="datetimeFigureOut">
               <a:rPr lang="en-US" smtClean="0"/>
-              <a:t>4/15/23</a:t>
+              <a:t>4/26/23</a:t>
             </a:fld>
             <a:endParaRPr lang="en-US" dirty="0"/>
           </a:p>
@@ -2219,7 +2222,7 @@
             <a:fld id="{3F9AFA87-1417-4992-ABD9-27C3BC8CC883}" type="datetimeFigureOut">
               <a:rPr lang="en-US" smtClean="0"/>
               <a:pPr algn="r"/>
-              <a:t>4/15/23</a:t>
+              <a:t>4/26/23</a:t>
             </a:fld>
             <a:endParaRPr lang="en-US" dirty="0"/>
           </a:p>
@@ -2361,7 +2364,7 @@
           <a:p>
             <a:fld id="{3F9AFA87-1417-4992-ABD9-27C3BC8CC883}" type="datetimeFigureOut">
               <a:rPr lang="en-US" smtClean="0"/>
-              <a:t>4/15/23</a:t>
+              <a:t>4/26/23</a:t>
             </a:fld>
             <a:endParaRPr lang="en-US"/>
           </a:p>
@@ -2474,7 +2477,7 @@
           <a:p>
             <a:fld id="{3F9AFA87-1417-4992-ABD9-27C3BC8CC883}" type="datetimeFigureOut">
               <a:rPr lang="en-US" smtClean="0"/>
-              <a:t>4/15/23</a:t>
+              <a:t>4/26/23</a:t>
             </a:fld>
             <a:endParaRPr lang="en-US"/>
           </a:p>
@@ -2785,7 +2788,7 @@
           <a:p>
             <a:fld id="{3F9AFA87-1417-4992-ABD9-27C3BC8CC883}" type="datetimeFigureOut">
               <a:rPr lang="en-US" smtClean="0"/>
-              <a:t>4/15/23</a:t>
+              <a:t>4/26/23</a:t>
             </a:fld>
             <a:endParaRPr lang="en-US"/>
           </a:p>
@@ -3073,7 +3076,7 @@
           <a:p>
             <a:fld id="{3F9AFA87-1417-4992-ABD9-27C3BC8CC883}" type="datetimeFigureOut">
               <a:rPr lang="en-US" smtClean="0"/>
-              <a:t>4/15/23</a:t>
+              <a:t>4/26/23</a:t>
             </a:fld>
             <a:endParaRPr lang="en-US"/>
           </a:p>
@@ -3316,7 +3319,7 @@
             <a:fld id="{3F9AFA87-1417-4992-ABD9-27C3BC8CC883}" type="datetimeFigureOut">
               <a:rPr lang="en-US" smtClean="0"/>
               <a:pPr algn="r"/>
-              <a:t>4/15/23</a:t>
+              <a:t>4/26/23</a:t>
             </a:fld>
             <a:endParaRPr lang="en-US" dirty="0"/>
           </a:p>
@@ -3903,6 +3906,147 @@
           <p:cNvPr id="2" name="Title 1">
             <a:extLst>
               <a:ext uri="{FF2B5EF4-FFF2-40B4-BE49-F238E27FC236}">
+                <a16:creationId xmlns:a16="http://schemas.microsoft.com/office/drawing/2014/main" id="{02A32DD6-9568-5F9E-8015-E8B5EF569A30}"/>
+              </a:ext>
+            </a:extLst>
+          </p:cNvPr>
+          <p:cNvSpPr>
+            <a:spLocks noGrp="1"/>
+          </p:cNvSpPr>
+          <p:nvPr>
+            <p:ph type="title"/>
+          </p:nvPr>
+        </p:nvSpPr>
+        <p:spPr/>
+        <p:txBody>
+          <a:bodyPr>
+            <a:normAutofit/>
+          </a:bodyPr>
+          <a:lstStyle/>
+          <a:p>
+            <a:r>
+              <a:rPr lang="en-US" sz="4000" b="1" dirty="0"/>
+              <a:t>How do we have usable meaning in a machine?</a:t>
+            </a:r>
+          </a:p>
+        </p:txBody>
+      </p:sp>
+      <p:sp>
+        <p:nvSpPr>
+          <p:cNvPr id="3" name="Content Placeholder 2">
+            <a:extLst>
+              <a:ext uri="{FF2B5EF4-FFF2-40B4-BE49-F238E27FC236}">
+                <a16:creationId xmlns:a16="http://schemas.microsoft.com/office/drawing/2014/main" id="{2FD9CAFE-0389-B83D-22F7-2848FFB64BC2}"/>
+              </a:ext>
+            </a:extLst>
+          </p:cNvPr>
+          <p:cNvSpPr>
+            <a:spLocks noGrp="1"/>
+          </p:cNvSpPr>
+          <p:nvPr>
+            <p:ph idx="1"/>
+          </p:nvPr>
+        </p:nvSpPr>
+        <p:spPr/>
+        <p:txBody>
+          <a:bodyPr>
+            <a:normAutofit/>
+          </a:bodyPr>
+          <a:lstStyle/>
+          <a:p>
+            <a:pPr>
+              <a:lnSpc>
+                <a:spcPct val="150000"/>
+              </a:lnSpc>
+            </a:pPr>
+            <a:r>
+              <a:rPr lang="en-US" dirty="0"/>
+              <a:t>Previously commonest NLP solution: Use, e.g. WordNet, a thesaurus containing lists of </a:t>
+            </a:r>
+            <a:r>
+              <a:rPr lang="en-US" b="1" dirty="0"/>
+              <a:t>synonym sets</a:t>
+            </a:r>
+            <a:r>
+              <a:rPr lang="en-US" dirty="0"/>
+              <a:t> and </a:t>
+            </a:r>
+            <a:r>
+              <a:rPr lang="en-US" b="1" dirty="0"/>
+              <a:t>hypernyms</a:t>
+            </a:r>
+            <a:r>
+              <a:rPr lang="en-US" dirty="0"/>
+              <a:t> </a:t>
+            </a:r>
+          </a:p>
+        </p:txBody>
+      </p:sp>
+      <p:pic>
+        <p:nvPicPr>
+          <p:cNvPr id="5" name="Picture 4" descr="Graphical user interface, text, application&#10;&#10;Description automatically generated">
+            <a:extLst>
+              <a:ext uri="{FF2B5EF4-FFF2-40B4-BE49-F238E27FC236}">
+                <a16:creationId xmlns:a16="http://schemas.microsoft.com/office/drawing/2014/main" id="{736EA4EC-2A4C-3FE2-B577-6293C6575A93}"/>
+              </a:ext>
+            </a:extLst>
+          </p:cNvPr>
+          <p:cNvPicPr>
+            <a:picLocks noChangeAspect="1"/>
+          </p:cNvPicPr>
+          <p:nvPr/>
+        </p:nvPicPr>
+        <p:blipFill>
+          <a:blip r:embed="rId2"/>
+          <a:stretch>
+            <a:fillRect/>
+          </a:stretch>
+        </p:blipFill>
+        <p:spPr>
+          <a:xfrm>
+            <a:off x="2483707" y="3248927"/>
+            <a:ext cx="6543761" cy="3609073"/>
+          </a:xfrm>
+          <a:prstGeom prst="rect">
+            <a:avLst/>
+          </a:prstGeom>
+        </p:spPr>
+      </p:pic>
+    </p:spTree>
+    <p:extLst>
+      <p:ext uri="{BB962C8B-B14F-4D97-AF65-F5344CB8AC3E}">
+        <p14:creationId xmlns:p14="http://schemas.microsoft.com/office/powerpoint/2010/main" val="115939724"/>
+      </p:ext>
+    </p:extLst>
+  </p:cSld>
+  <p:clrMapOvr>
+    <a:masterClrMapping/>
+  </p:clrMapOvr>
+</p:sld>
+</file>
+
+<file path=ppt/slides/slide11.xml><?xml version="1.0" encoding="utf-8"?>
+<p:sld xmlns:a="http://schemas.openxmlformats.org/drawingml/2006/main" xmlns:r="http://schemas.openxmlformats.org/officeDocument/2006/relationships" xmlns:p="http://schemas.openxmlformats.org/presentationml/2006/main">
+  <p:cSld>
+    <p:spTree>
+      <p:nvGrpSpPr>
+        <p:cNvPr id="1" name=""/>
+        <p:cNvGrpSpPr/>
+        <p:nvPr/>
+      </p:nvGrpSpPr>
+      <p:grpSpPr>
+        <a:xfrm>
+          <a:off x="0" y="0"/>
+          <a:ext cx="0" cy="0"/>
+          <a:chOff x="0" y="0"/>
+          <a:chExt cx="0" cy="0"/>
+        </a:xfrm>
+      </p:grpSpPr>
+      <p:sp>
+        <p:nvSpPr>
+          <p:cNvPr id="2" name="Title 1">
+            <a:extLst>
+              <a:ext uri="{FF2B5EF4-FFF2-40B4-BE49-F238E27FC236}">
                 <a16:creationId xmlns:a16="http://schemas.microsoft.com/office/drawing/2014/main" id="{34A60320-3873-0AF2-2912-B6D0A0B21DB0}"/>
               </a:ext>
             </a:extLst>
@@ -4050,7 +4194,7 @@
 </p:sld>
 </file>
 
-<file path=ppt/slides/slide11.xml><?xml version="1.0" encoding="utf-8"?>
+<file path=ppt/slides/slide12.xml><?xml version="1.0" encoding="utf-8"?>
 <p:sld xmlns:a="http://schemas.openxmlformats.org/drawingml/2006/main" xmlns:r="http://schemas.openxmlformats.org/officeDocument/2006/relationships" xmlns:p="http://schemas.openxmlformats.org/presentationml/2006/main">
   <p:cSld>
     <p:spTree>
@@ -4116,7 +4260,7 @@
         <p:spPr/>
         <p:txBody>
           <a:bodyPr>
-            <a:normAutofit fontScale="77500" lnSpcReduction="20000"/>
+            <a:normAutofit fontScale="47500" lnSpcReduction="20000"/>
           </a:bodyPr>
           <a:lstStyle/>
           <a:p>
@@ -4137,15 +4281,59 @@
               </a:lnSpc>
             </a:pPr>
             <a:r>
-              <a:rPr lang="en-US" sz="2800" dirty="0"/>
-              <a:t>Hotel, conference, motel – a </a:t>
-            </a:r>
-            <a:r>
-              <a:rPr lang="en-US" sz="2800" b="1" i="1" dirty="0"/>
+              <a:rPr lang="en-US" sz="3200" dirty="0"/>
+              <a:t>Such symbols for words can be represented by one-hot vectors</a:t>
+            </a:r>
+          </a:p>
+          <a:p>
+            <a:pPr lvl="1">
+              <a:lnSpc>
+                <a:spcPct val="200000"/>
+              </a:lnSpc>
+            </a:pPr>
+            <a:r>
+              <a:rPr lang="en-US" sz="3200" dirty="0"/>
+              <a:t>Hotel, conference, motel </a:t>
+            </a:r>
+          </a:p>
+          <a:p>
+            <a:pPr lvl="2">
+              <a:lnSpc>
+                <a:spcPct val="200000"/>
+              </a:lnSpc>
+            </a:pPr>
+            <a:r>
+              <a:rPr lang="en-US" sz="2400" dirty="0"/>
+              <a:t>motel: [0 0 0 0 1 0 0 0] </a:t>
+            </a:r>
+          </a:p>
+          <a:p>
+            <a:pPr lvl="2">
+              <a:lnSpc>
+                <a:spcPct val="200000"/>
+              </a:lnSpc>
+            </a:pPr>
+            <a:r>
+              <a:rPr lang="en-US" sz="2400" dirty="0"/>
+              <a:t>hotel: [0 0 1 0 0 0 0 0]</a:t>
+            </a:r>
+          </a:p>
+          <a:p>
+            <a:pPr lvl="2">
+              <a:lnSpc>
+                <a:spcPct val="200000"/>
+              </a:lnSpc>
+            </a:pPr>
+            <a:r>
+              <a:rPr lang="en-US" sz="2400" dirty="0"/>
+              <a:t> a </a:t>
+            </a:r>
+            <a:r>
+              <a:rPr lang="en-US" sz="2400" b="1" i="1" dirty="0"/>
               <a:t>localist</a:t>
             </a:r>
             <a:r>
-              <a:rPr lang="en-US" sz="2800" dirty="0"/>
+              <a:rPr lang="en-US" sz="2400" dirty="0"/>
               <a:t> representation</a:t>
             </a:r>
           </a:p>
@@ -4157,29 +4345,7 @@
             </a:pPr>
             <a:r>
               <a:rPr lang="en-US" sz="3200" dirty="0"/>
-              <a:t>Such symbols for words can be represented by one-hot vectors</a:t>
-            </a:r>
-          </a:p>
-          <a:p>
-            <a:pPr lvl="1">
-              <a:lnSpc>
-                <a:spcPct val="200000"/>
-              </a:lnSpc>
-            </a:pPr>
-            <a:r>
-              <a:rPr lang="en-US" sz="2800" dirty="0"/>
-              <a:t>motel: [0 0 0 0 1 0 0 0] </a:t>
-            </a:r>
-          </a:p>
-          <a:p>
-            <a:pPr lvl="1">
-              <a:lnSpc>
-                <a:spcPct val="200000"/>
-              </a:lnSpc>
-            </a:pPr>
-            <a:r>
-              <a:rPr lang="en-US" sz="2800" dirty="0"/>
-              <a:t>Hotel: [0 0 1 0 0 0 0 0]</a:t>
+              <a:t>Hard to represent synonym</a:t>
             </a:r>
           </a:p>
           <a:p>
@@ -4191,6 +4357,17 @@
             <a:r>
               <a:rPr lang="en-US" sz="3200" dirty="0"/>
               <a:t>Vector dimension issue</a:t>
+            </a:r>
+          </a:p>
+          <a:p>
+            <a:pPr>
+              <a:lnSpc>
+                <a:spcPct val="200000"/>
+              </a:lnSpc>
+            </a:pPr>
+            <a:r>
+              <a:rPr lang="en-US" sz="3200" dirty="0"/>
+              <a:t>Challenging in vector reasoning</a:t>
             </a:r>
           </a:p>
         </p:txBody>
@@ -4208,7 +4385,7 @@
 </p:sld>
 </file>
 
-<file path=ppt/slides/slide12.xml><?xml version="1.0" encoding="utf-8"?>
+<file path=ppt/slides/slide13.xml><?xml version="1.0" encoding="utf-8"?>
 <p:sld xmlns:a="http://schemas.openxmlformats.org/drawingml/2006/main" xmlns:r="http://schemas.openxmlformats.org/officeDocument/2006/relationships" xmlns:p="http://schemas.openxmlformats.org/presentationml/2006/main">
   <p:cSld>
     <p:spTree>
@@ -4241,13 +4418,18 @@
             <p:ph type="title"/>
           </p:nvPr>
         </p:nvSpPr>
-        <p:spPr/>
+        <p:spPr>
+          <a:xfrm>
+            <a:off x="838200" y="355698"/>
+            <a:ext cx="10515600" cy="1325563"/>
+          </a:xfrm>
+        </p:spPr>
         <p:txBody>
           <a:bodyPr/>
           <a:lstStyle/>
           <a:p>
             <a:r>
-              <a:rPr lang="en-US" dirty="0"/>
+              <a:rPr lang="en-US" b="1" dirty="0"/>
               <a:t>Problem with words as discrete symbols</a:t>
             </a:r>
           </a:p>
@@ -4272,7 +4454,7 @@
         <p:spPr/>
         <p:txBody>
           <a:bodyPr>
-            <a:normAutofit fontScale="77500" lnSpcReduction="20000"/>
+            <a:normAutofit fontScale="92500" lnSpcReduction="20000"/>
           </a:bodyPr>
           <a:lstStyle/>
           <a:p>
@@ -4363,17 +4545,6 @@
             <a:r>
               <a:rPr lang="en-US" dirty="0"/>
               <a:t>But it is well-known to fail badly</a:t>
-            </a:r>
-          </a:p>
-          <a:p>
-            <a:pPr>
-              <a:lnSpc>
-                <a:spcPct val="170000"/>
-              </a:lnSpc>
-            </a:pPr>
-            <a:r>
-              <a:rPr lang="en-US" b="1" dirty="0"/>
-              <a:t>Instead, learn to encode similarity in the vectors themselves</a:t>
             </a:r>
           </a:p>
         </p:txBody>
@@ -4391,7 +4562,144 @@
 </p:sld>
 </file>
 
-<file path=ppt/slides/slide13.xml><?xml version="1.0" encoding="utf-8"?>
+<file path=ppt/slides/slide14.xml><?xml version="1.0" encoding="utf-8"?>
+<p:sld xmlns:a="http://schemas.openxmlformats.org/drawingml/2006/main" xmlns:r="http://schemas.openxmlformats.org/officeDocument/2006/relationships" xmlns:p="http://schemas.openxmlformats.org/presentationml/2006/main">
+  <p:cSld>
+    <p:spTree>
+      <p:nvGrpSpPr>
+        <p:cNvPr id="1" name=""/>
+        <p:cNvGrpSpPr/>
+        <p:nvPr/>
+      </p:nvGrpSpPr>
+      <p:grpSpPr>
+        <a:xfrm>
+          <a:off x="0" y="0"/>
+          <a:ext cx="0" cy="0"/>
+          <a:chOff x="0" y="0"/>
+          <a:chExt cx="0" cy="0"/>
+        </a:xfrm>
+      </p:grpSpPr>
+      <p:sp>
+        <p:nvSpPr>
+          <p:cNvPr id="2" name="Title 1">
+            <a:extLst>
+              <a:ext uri="{FF2B5EF4-FFF2-40B4-BE49-F238E27FC236}">
+                <a16:creationId xmlns:a16="http://schemas.microsoft.com/office/drawing/2014/main" id="{FF97A1D5-8005-CEC6-5ABE-3595B5D5E3F3}"/>
+              </a:ext>
+            </a:extLst>
+          </p:cNvPr>
+          <p:cNvSpPr>
+            <a:spLocks noGrp="1"/>
+          </p:cNvSpPr>
+          <p:nvPr>
+            <p:ph type="title"/>
+          </p:nvPr>
+        </p:nvSpPr>
+        <p:spPr/>
+        <p:txBody>
+          <a:bodyPr/>
+          <a:lstStyle/>
+          <a:p>
+            <a:r>
+              <a:rPr lang="en-US" b="1" dirty="0"/>
+              <a:t>Distributed Representations</a:t>
+            </a:r>
+          </a:p>
+        </p:txBody>
+      </p:sp>
+      <p:sp>
+        <p:nvSpPr>
+          <p:cNvPr id="3" name="Content Placeholder 2">
+            <a:extLst>
+              <a:ext uri="{FF2B5EF4-FFF2-40B4-BE49-F238E27FC236}">
+                <a16:creationId xmlns:a16="http://schemas.microsoft.com/office/drawing/2014/main" id="{CB4BB7D9-5C56-A448-9559-DDE04C341360}"/>
+              </a:ext>
+            </a:extLst>
+          </p:cNvPr>
+          <p:cNvSpPr>
+            <a:spLocks noGrp="1"/>
+          </p:cNvSpPr>
+          <p:nvPr>
+            <p:ph idx="1"/>
+          </p:nvPr>
+        </p:nvSpPr>
+        <p:spPr/>
+        <p:txBody>
+          <a:bodyPr>
+            <a:normAutofit fontScale="92500" lnSpcReduction="20000"/>
+          </a:bodyPr>
+          <a:lstStyle/>
+          <a:p>
+            <a:pPr>
+              <a:lnSpc>
+                <a:spcPct val="150000"/>
+              </a:lnSpc>
+            </a:pPr>
+            <a:r>
+              <a:rPr lang="en-US" dirty="0"/>
+              <a:t>To overcome these limitations, methods to learn low-dimensional representations were devised</a:t>
+            </a:r>
+          </a:p>
+          <a:p>
+            <a:pPr lvl="1">
+              <a:lnSpc>
+                <a:spcPct val="150000"/>
+              </a:lnSpc>
+            </a:pPr>
+            <a:r>
+              <a:rPr lang="en-US" dirty="0"/>
+              <a:t>use neural network architectures to create dense, low-dimensional representations of words and texts</a:t>
+            </a:r>
+          </a:p>
+          <a:p>
+            <a:pPr>
+              <a:lnSpc>
+                <a:spcPct val="150000"/>
+              </a:lnSpc>
+            </a:pPr>
+            <a:r>
+              <a:rPr lang="en-US" dirty="0"/>
+              <a:t>The meaning of a word can be understood from the context in which the word appears</a:t>
+            </a:r>
+          </a:p>
+          <a:p>
+            <a:pPr lvl="1">
+              <a:lnSpc>
+                <a:spcPct val="150000"/>
+              </a:lnSpc>
+            </a:pPr>
+            <a:r>
+              <a:rPr lang="en-US" dirty="0"/>
+              <a:t>Connotation: meaning is defined by context</a:t>
+            </a:r>
+          </a:p>
+          <a:p>
+            <a:pPr lvl="1">
+              <a:lnSpc>
+                <a:spcPct val="150000"/>
+              </a:lnSpc>
+            </a:pPr>
+            <a:r>
+              <a:rPr lang="en-US" dirty="0"/>
+              <a:t>Opposed to denotation: the literal meaning of any word</a:t>
+            </a:r>
+          </a:p>
+        </p:txBody>
+      </p:sp>
+    </p:spTree>
+    <p:extLst>
+      <p:ext uri="{BB962C8B-B14F-4D97-AF65-F5344CB8AC3E}">
+        <p14:creationId xmlns:p14="http://schemas.microsoft.com/office/powerpoint/2010/main" val="2277877159"/>
+      </p:ext>
+    </p:extLst>
+  </p:cSld>
+  <p:clrMapOvr>
+    <a:masterClrMapping/>
+  </p:clrMapOvr>
+</p:sld>
+</file>
+
+<file path=ppt/slides/slide15.xml><?xml version="1.0" encoding="utf-8"?>
 <p:sld xmlns:a="http://schemas.openxmlformats.org/drawingml/2006/main" xmlns:r="http://schemas.openxmlformats.org/officeDocument/2006/relationships" xmlns:p="http://schemas.openxmlformats.org/presentationml/2006/main">
   <p:cSld>
     <p:spTree>
@@ -4548,7 +4856,7 @@
 </p:sld>
 </file>
 
-<file path=ppt/slides/slide14.xml><?xml version="1.0" encoding="utf-8"?>
+<file path=ppt/slides/slide16.xml><?xml version="1.0" encoding="utf-8"?>
 <p:sld xmlns:a="http://schemas.openxmlformats.org/drawingml/2006/main" xmlns:r="http://schemas.openxmlformats.org/officeDocument/2006/relationships" xmlns:p="http://schemas.openxmlformats.org/presentationml/2006/main">
   <p:cSld>
     <p:spTree>
@@ -4770,7 +5078,7 @@
 </p:sld>
 </file>
 
-<file path=ppt/slides/slide15.xml><?xml version="1.0" encoding="utf-8"?>
+<file path=ppt/slides/slide17.xml><?xml version="1.0" encoding="utf-8"?>
 <p:sld xmlns:a="http://schemas.openxmlformats.org/drawingml/2006/main" xmlns:r="http://schemas.openxmlformats.org/officeDocument/2006/relationships" xmlns:p="http://schemas.openxmlformats.org/presentationml/2006/main">
   <p:cSld>
     <p:spTree>
@@ -4812,7 +5120,7 @@
           <a:p>
             <a:r>
               <a:rPr lang="en-US" sz="4000" b="1" dirty="0"/>
-              <a:t>Word vectors</a:t>
+              <a:t>Word vectors (embeddings)</a:t>
             </a:r>
           </a:p>
         </p:txBody>
@@ -5001,7 +5309,7 @@
 </p:sld>
 </file>
 
-<file path=ppt/slides/slide16.xml><?xml version="1.0" encoding="utf-8"?>
+<file path=ppt/slides/slide18.xml><?xml version="1.0" encoding="utf-8"?>
 <p:sld xmlns:a="http://schemas.openxmlformats.org/drawingml/2006/main" xmlns:r="http://schemas.openxmlformats.org/officeDocument/2006/relationships" xmlns:p="http://schemas.openxmlformats.org/presentationml/2006/main">
   <p:cSld>
     <p:spTree>
@@ -5040,7 +5348,7 @@
           <a:lstStyle/>
           <a:p>
             <a:r>
-              <a:rPr lang="en-US" dirty="0"/>
+              <a:rPr lang="en-US" b="1" dirty="0"/>
               <a:t>What is Neural Network?</a:t>
             </a:r>
           </a:p>
@@ -5064,7 +5372,9 @@
         </p:nvSpPr>
         <p:spPr/>
         <p:txBody>
-          <a:bodyPr/>
+          <a:bodyPr>
+            <a:normAutofit fontScale="92500" lnSpcReduction="10000"/>
+          </a:bodyPr>
           <a:lstStyle/>
           <a:p>
             <a:pPr>
@@ -5108,6 +5418,28 @@
             <a:r>
               <a:rPr lang="en-US" dirty="0"/>
               <a:t>What kind of problems can this solve in particular?</a:t>
+            </a:r>
+          </a:p>
+          <a:p>
+            <a:pPr>
+              <a:lnSpc>
+                <a:spcPct val="150000"/>
+              </a:lnSpc>
+            </a:pPr>
+            <a:r>
+              <a:rPr lang="en-US" dirty="0"/>
+              <a:t>Linear regression vs. neural net?</a:t>
+            </a:r>
+          </a:p>
+          <a:p>
+            <a:pPr lvl="1">
+              <a:lnSpc>
+                <a:spcPct val="150000"/>
+              </a:lnSpc>
+            </a:pPr>
+            <a:r>
+              <a:rPr lang="en-US" dirty="0"/>
+              <a:t>What is a linear regression by the way?</a:t>
             </a:r>
           </a:p>
         </p:txBody>
@@ -5122,10 +5454,365 @@
   <p:clrMapOvr>
     <a:masterClrMapping/>
   </p:clrMapOvr>
+  <p:timing>
+    <p:tnLst>
+      <p:par>
+        <p:cTn id="1" dur="indefinite" restart="never" nodeType="tmRoot">
+          <p:childTnLst>
+            <p:seq concurrent="1" nextAc="seek">
+              <p:cTn id="2" dur="indefinite" nodeType="mainSeq">
+                <p:childTnLst>
+                  <p:par>
+                    <p:cTn id="3" fill="hold">
+                      <p:stCondLst>
+                        <p:cond delay="indefinite"/>
+                      </p:stCondLst>
+                      <p:childTnLst>
+                        <p:par>
+                          <p:cTn id="4" fill="hold">
+                            <p:stCondLst>
+                              <p:cond delay="0"/>
+                            </p:stCondLst>
+                            <p:childTnLst>
+                              <p:par>
+                                <p:cTn id="5" presetID="1" presetClass="entr" presetSubtype="0" fill="hold" nodeType="clickEffect">
+                                  <p:stCondLst>
+                                    <p:cond delay="0"/>
+                                  </p:stCondLst>
+                                  <p:childTnLst>
+                                    <p:set>
+                                      <p:cBhvr>
+                                        <p:cTn id="6" dur="1" fill="hold">
+                                          <p:stCondLst>
+                                            <p:cond delay="0"/>
+                                          </p:stCondLst>
+                                        </p:cTn>
+                                        <p:tgtEl>
+                                          <p:spTgt spid="3">
+                                            <p:txEl>
+                                              <p:pRg st="0" end="0"/>
+                                            </p:txEl>
+                                          </p:spTgt>
+                                        </p:tgtEl>
+                                        <p:attrNameLst>
+                                          <p:attrName>style.visibility</p:attrName>
+                                        </p:attrNameLst>
+                                      </p:cBhvr>
+                                      <p:to>
+                                        <p:strVal val="visible"/>
+                                      </p:to>
+                                    </p:set>
+                                  </p:childTnLst>
+                                </p:cTn>
+                              </p:par>
+                            </p:childTnLst>
+                          </p:cTn>
+                        </p:par>
+                      </p:childTnLst>
+                    </p:cTn>
+                  </p:par>
+                  <p:par>
+                    <p:cTn id="7" fill="hold">
+                      <p:stCondLst>
+                        <p:cond delay="indefinite"/>
+                      </p:stCondLst>
+                      <p:childTnLst>
+                        <p:par>
+                          <p:cTn id="8" fill="hold">
+                            <p:stCondLst>
+                              <p:cond delay="0"/>
+                            </p:stCondLst>
+                            <p:childTnLst>
+                              <p:par>
+                                <p:cTn id="9" presetID="1" presetClass="entr" presetSubtype="0" fill="hold" nodeType="clickEffect">
+                                  <p:stCondLst>
+                                    <p:cond delay="0"/>
+                                  </p:stCondLst>
+                                  <p:childTnLst>
+                                    <p:set>
+                                      <p:cBhvr>
+                                        <p:cTn id="10" dur="1" fill="hold">
+                                          <p:stCondLst>
+                                            <p:cond delay="0"/>
+                                          </p:stCondLst>
+                                        </p:cTn>
+                                        <p:tgtEl>
+                                          <p:spTgt spid="3">
+                                            <p:txEl>
+                                              <p:pRg st="1" end="1"/>
+                                            </p:txEl>
+                                          </p:spTgt>
+                                        </p:tgtEl>
+                                        <p:attrNameLst>
+                                          <p:attrName>style.visibility</p:attrName>
+                                        </p:attrNameLst>
+                                      </p:cBhvr>
+                                      <p:to>
+                                        <p:strVal val="visible"/>
+                                      </p:to>
+                                    </p:set>
+                                  </p:childTnLst>
+                                </p:cTn>
+                              </p:par>
+                            </p:childTnLst>
+                          </p:cTn>
+                        </p:par>
+                      </p:childTnLst>
+                    </p:cTn>
+                  </p:par>
+                  <p:par>
+                    <p:cTn id="11" fill="hold">
+                      <p:stCondLst>
+                        <p:cond delay="indefinite"/>
+                      </p:stCondLst>
+                      <p:childTnLst>
+                        <p:par>
+                          <p:cTn id="12" fill="hold">
+                            <p:stCondLst>
+                              <p:cond delay="0"/>
+                            </p:stCondLst>
+                            <p:childTnLst>
+                              <p:par>
+                                <p:cTn id="13" presetID="1" presetClass="entr" presetSubtype="0" fill="hold" nodeType="clickEffect">
+                                  <p:stCondLst>
+                                    <p:cond delay="0"/>
+                                  </p:stCondLst>
+                                  <p:childTnLst>
+                                    <p:set>
+                                      <p:cBhvr>
+                                        <p:cTn id="14" dur="1" fill="hold">
+                                          <p:stCondLst>
+                                            <p:cond delay="0"/>
+                                          </p:stCondLst>
+                                        </p:cTn>
+                                        <p:tgtEl>
+                                          <p:spTgt spid="3">
+                                            <p:txEl>
+                                              <p:pRg st="2" end="2"/>
+                                            </p:txEl>
+                                          </p:spTgt>
+                                        </p:tgtEl>
+                                        <p:attrNameLst>
+                                          <p:attrName>style.visibility</p:attrName>
+                                        </p:attrNameLst>
+                                      </p:cBhvr>
+                                      <p:to>
+                                        <p:strVal val="visible"/>
+                                      </p:to>
+                                    </p:set>
+                                  </p:childTnLst>
+                                </p:cTn>
+                              </p:par>
+                              <p:par>
+                                <p:cTn id="15" presetID="1" presetClass="entr" presetSubtype="0" fill="hold" nodeType="withEffect">
+                                  <p:stCondLst>
+                                    <p:cond delay="0"/>
+                                  </p:stCondLst>
+                                  <p:childTnLst>
+                                    <p:set>
+                                      <p:cBhvr>
+                                        <p:cTn id="16" dur="1" fill="hold">
+                                          <p:stCondLst>
+                                            <p:cond delay="0"/>
+                                          </p:stCondLst>
+                                        </p:cTn>
+                                        <p:tgtEl>
+                                          <p:spTgt spid="3">
+                                            <p:txEl>
+                                              <p:pRg st="3" end="3"/>
+                                            </p:txEl>
+                                          </p:spTgt>
+                                        </p:tgtEl>
+                                        <p:attrNameLst>
+                                          <p:attrName>style.visibility</p:attrName>
+                                        </p:attrNameLst>
+                                      </p:cBhvr>
+                                      <p:to>
+                                        <p:strVal val="visible"/>
+                                      </p:to>
+                                    </p:set>
+                                  </p:childTnLst>
+                                </p:cTn>
+                              </p:par>
+                            </p:childTnLst>
+                          </p:cTn>
+                        </p:par>
+                      </p:childTnLst>
+                    </p:cTn>
+                  </p:par>
+                  <p:par>
+                    <p:cTn id="17" fill="hold">
+                      <p:stCondLst>
+                        <p:cond delay="indefinite"/>
+                      </p:stCondLst>
+                      <p:childTnLst>
+                        <p:par>
+                          <p:cTn id="18" fill="hold">
+                            <p:stCondLst>
+                              <p:cond delay="0"/>
+                            </p:stCondLst>
+                            <p:childTnLst>
+                              <p:par>
+                                <p:cTn id="19" presetID="1" presetClass="entr" presetSubtype="0" fill="hold" nodeType="clickEffect">
+                                  <p:stCondLst>
+                                    <p:cond delay="0"/>
+                                  </p:stCondLst>
+                                  <p:childTnLst>
+                                    <p:set>
+                                      <p:cBhvr>
+                                        <p:cTn id="20" dur="1" fill="hold">
+                                          <p:stCondLst>
+                                            <p:cond delay="0"/>
+                                          </p:stCondLst>
+                                        </p:cTn>
+                                        <p:tgtEl>
+                                          <p:spTgt spid="3">
+                                            <p:txEl>
+                                              <p:pRg st="4" end="4"/>
+                                            </p:txEl>
+                                          </p:spTgt>
+                                        </p:tgtEl>
+                                        <p:attrNameLst>
+                                          <p:attrName>style.visibility</p:attrName>
+                                        </p:attrNameLst>
+                                      </p:cBhvr>
+                                      <p:to>
+                                        <p:strVal val="visible"/>
+                                      </p:to>
+                                    </p:set>
+                                  </p:childTnLst>
+                                </p:cTn>
+                              </p:par>
+                            </p:childTnLst>
+                          </p:cTn>
+                        </p:par>
+                      </p:childTnLst>
+                    </p:cTn>
+                  </p:par>
+                  <p:par>
+                    <p:cTn id="21" fill="hold">
+                      <p:stCondLst>
+                        <p:cond delay="indefinite"/>
+                      </p:stCondLst>
+                      <p:childTnLst>
+                        <p:par>
+                          <p:cTn id="22" fill="hold">
+                            <p:stCondLst>
+                              <p:cond delay="0"/>
+                            </p:stCondLst>
+                            <p:childTnLst>
+                              <p:par>
+                                <p:cTn id="23" presetID="1" presetClass="entr" presetSubtype="0" fill="hold" nodeType="clickEffect">
+                                  <p:stCondLst>
+                                    <p:cond delay="0"/>
+                                  </p:stCondLst>
+                                  <p:childTnLst>
+                                    <p:set>
+                                      <p:cBhvr>
+                                        <p:cTn id="24" dur="1" fill="hold">
+                                          <p:stCondLst>
+                                            <p:cond delay="0"/>
+                                          </p:stCondLst>
+                                        </p:cTn>
+                                        <p:tgtEl>
+                                          <p:spTgt spid="3">
+                                            <p:txEl>
+                                              <p:pRg st="5" end="5"/>
+                                            </p:txEl>
+                                          </p:spTgt>
+                                        </p:tgtEl>
+                                        <p:attrNameLst>
+                                          <p:attrName>style.visibility</p:attrName>
+                                        </p:attrNameLst>
+                                      </p:cBhvr>
+                                      <p:to>
+                                        <p:strVal val="visible"/>
+                                      </p:to>
+                                    </p:set>
+                                  </p:childTnLst>
+                                </p:cTn>
+                              </p:par>
+                            </p:childTnLst>
+                          </p:cTn>
+                        </p:par>
+                      </p:childTnLst>
+                    </p:cTn>
+                  </p:par>
+                  <p:par>
+                    <p:cTn id="25" fill="hold">
+                      <p:stCondLst>
+                        <p:cond delay="indefinite"/>
+                      </p:stCondLst>
+                      <p:childTnLst>
+                        <p:par>
+                          <p:cTn id="26" fill="hold">
+                            <p:stCondLst>
+                              <p:cond delay="0"/>
+                            </p:stCondLst>
+                            <p:childTnLst>
+                              <p:par>
+                                <p:cTn id="27" presetID="1" presetClass="entr" presetSubtype="0" fill="hold" nodeType="clickEffect">
+                                  <p:stCondLst>
+                                    <p:cond delay="0"/>
+                                  </p:stCondLst>
+                                  <p:childTnLst>
+                                    <p:set>
+                                      <p:cBhvr>
+                                        <p:cTn id="28" dur="1" fill="hold">
+                                          <p:stCondLst>
+                                            <p:cond delay="0"/>
+                                          </p:stCondLst>
+                                        </p:cTn>
+                                        <p:tgtEl>
+                                          <p:spTgt spid="3">
+                                            <p:txEl>
+                                              <p:pRg st="5" end="5"/>
+                                            </p:txEl>
+                                          </p:spTgt>
+                                        </p:tgtEl>
+                                        <p:attrNameLst>
+                                          <p:attrName>style.visibility</p:attrName>
+                                        </p:attrNameLst>
+                                      </p:cBhvr>
+                                      <p:to>
+                                        <p:strVal val="visible"/>
+                                      </p:to>
+                                    </p:set>
+                                  </p:childTnLst>
+                                </p:cTn>
+                              </p:par>
+                            </p:childTnLst>
+                          </p:cTn>
+                        </p:par>
+                      </p:childTnLst>
+                    </p:cTn>
+                  </p:par>
+                </p:childTnLst>
+              </p:cTn>
+              <p:prevCondLst>
+                <p:cond evt="onPrev" delay="0">
+                  <p:tgtEl>
+                    <p:sldTgt/>
+                  </p:tgtEl>
+                </p:cond>
+              </p:prevCondLst>
+              <p:nextCondLst>
+                <p:cond evt="onNext" delay="0">
+                  <p:tgtEl>
+                    <p:sldTgt/>
+                  </p:tgtEl>
+                </p:cond>
+              </p:nextCondLst>
+            </p:seq>
+          </p:childTnLst>
+        </p:cTn>
+      </p:par>
+    </p:tnLst>
+  </p:timing>
 </p:sld>
 </file>
 
-<file path=ppt/slides/slide17.xml><?xml version="1.0" encoding="utf-8"?>
+<file path=ppt/slides/slide19.xml><?xml version="1.0" encoding="utf-8"?>
 <p:sld xmlns:a="http://schemas.openxmlformats.org/drawingml/2006/main" xmlns:r="http://schemas.openxmlformats.org/officeDocument/2006/relationships" xmlns:p="http://schemas.openxmlformats.org/presentationml/2006/main">
   <p:cSld>
     <p:spTree>
@@ -5158,13 +5845,18 @@
             <p:ph type="title"/>
           </p:nvPr>
         </p:nvSpPr>
-        <p:spPr/>
+        <p:spPr>
+          <a:xfrm>
+            <a:off x="838200" y="374552"/>
+            <a:ext cx="10515600" cy="1325563"/>
+          </a:xfrm>
+        </p:spPr>
         <p:txBody>
           <a:bodyPr/>
           <a:lstStyle/>
           <a:p>
             <a:r>
-              <a:rPr lang="en-US" dirty="0"/>
+              <a:rPr lang="en-US" b="1" dirty="0"/>
               <a:t>Limits of Traditional Computer Programs</a:t>
             </a:r>
           </a:p>
@@ -5278,10 +5970,375 @@
   <p:clrMapOvr>
     <a:masterClrMapping/>
   </p:clrMapOvr>
+  <p:timing>
+    <p:tnLst>
+      <p:par>
+        <p:cTn id="1" dur="indefinite" restart="never" nodeType="tmRoot">
+          <p:childTnLst>
+            <p:seq concurrent="1" nextAc="seek">
+              <p:cTn id="2" dur="indefinite" nodeType="mainSeq">
+                <p:childTnLst>
+                  <p:par>
+                    <p:cTn id="3" fill="hold">
+                      <p:stCondLst>
+                        <p:cond delay="indefinite"/>
+                      </p:stCondLst>
+                      <p:childTnLst>
+                        <p:par>
+                          <p:cTn id="4" fill="hold">
+                            <p:stCondLst>
+                              <p:cond delay="0"/>
+                            </p:stCondLst>
+                            <p:childTnLst>
+                              <p:par>
+                                <p:cTn id="5" presetID="1" presetClass="entr" presetSubtype="0" fill="hold" nodeType="clickEffect">
+                                  <p:stCondLst>
+                                    <p:cond delay="0"/>
+                                  </p:stCondLst>
+                                  <p:childTnLst>
+                                    <p:set>
+                                      <p:cBhvr>
+                                        <p:cTn id="6" dur="1" fill="hold">
+                                          <p:stCondLst>
+                                            <p:cond delay="0"/>
+                                          </p:stCondLst>
+                                        </p:cTn>
+                                        <p:tgtEl>
+                                          <p:spTgt spid="3">
+                                            <p:txEl>
+                                              <p:pRg st="0" end="0"/>
+                                            </p:txEl>
+                                          </p:spTgt>
+                                        </p:tgtEl>
+                                        <p:attrNameLst>
+                                          <p:attrName>style.visibility</p:attrName>
+                                        </p:attrNameLst>
+                                      </p:cBhvr>
+                                      <p:to>
+                                        <p:strVal val="visible"/>
+                                      </p:to>
+                                    </p:set>
+                                  </p:childTnLst>
+                                </p:cTn>
+                              </p:par>
+                            </p:childTnLst>
+                          </p:cTn>
+                        </p:par>
+                      </p:childTnLst>
+                    </p:cTn>
+                  </p:par>
+                  <p:par>
+                    <p:cTn id="7" fill="hold">
+                      <p:stCondLst>
+                        <p:cond delay="indefinite"/>
+                      </p:stCondLst>
+                      <p:childTnLst>
+                        <p:par>
+                          <p:cTn id="8" fill="hold">
+                            <p:stCondLst>
+                              <p:cond delay="0"/>
+                            </p:stCondLst>
+                            <p:childTnLst>
+                              <p:par>
+                                <p:cTn id="9" presetID="1" presetClass="entr" presetSubtype="0" fill="hold" nodeType="clickEffect">
+                                  <p:stCondLst>
+                                    <p:cond delay="0"/>
+                                  </p:stCondLst>
+                                  <p:childTnLst>
+                                    <p:set>
+                                      <p:cBhvr>
+                                        <p:cTn id="10" dur="1" fill="hold">
+                                          <p:stCondLst>
+                                            <p:cond delay="0"/>
+                                          </p:stCondLst>
+                                        </p:cTn>
+                                        <p:tgtEl>
+                                          <p:spTgt spid="3">
+                                            <p:txEl>
+                                              <p:pRg st="1" end="1"/>
+                                            </p:txEl>
+                                          </p:spTgt>
+                                        </p:tgtEl>
+                                        <p:attrNameLst>
+                                          <p:attrName>style.visibility</p:attrName>
+                                        </p:attrNameLst>
+                                      </p:cBhvr>
+                                      <p:to>
+                                        <p:strVal val="visible"/>
+                                      </p:to>
+                                    </p:set>
+                                  </p:childTnLst>
+                                </p:cTn>
+                              </p:par>
+                              <p:par>
+                                <p:cTn id="11" presetID="1" presetClass="entr" presetSubtype="0" fill="hold" nodeType="withEffect">
+                                  <p:stCondLst>
+                                    <p:cond delay="0"/>
+                                  </p:stCondLst>
+                                  <p:childTnLst>
+                                    <p:set>
+                                      <p:cBhvr>
+                                        <p:cTn id="12" dur="1" fill="hold">
+                                          <p:stCondLst>
+                                            <p:cond delay="0"/>
+                                          </p:stCondLst>
+                                        </p:cTn>
+                                        <p:tgtEl>
+                                          <p:spTgt spid="3">
+                                            <p:txEl>
+                                              <p:pRg st="2" end="2"/>
+                                            </p:txEl>
+                                          </p:spTgt>
+                                        </p:tgtEl>
+                                        <p:attrNameLst>
+                                          <p:attrName>style.visibility</p:attrName>
+                                        </p:attrNameLst>
+                                      </p:cBhvr>
+                                      <p:to>
+                                        <p:strVal val="visible"/>
+                                      </p:to>
+                                    </p:set>
+                                  </p:childTnLst>
+                                </p:cTn>
+                              </p:par>
+                              <p:par>
+                                <p:cTn id="13" presetID="1" presetClass="entr" presetSubtype="0" fill="hold" nodeType="withEffect">
+                                  <p:stCondLst>
+                                    <p:cond delay="0"/>
+                                  </p:stCondLst>
+                                  <p:childTnLst>
+                                    <p:set>
+                                      <p:cBhvr>
+                                        <p:cTn id="14" dur="1" fill="hold">
+                                          <p:stCondLst>
+                                            <p:cond delay="0"/>
+                                          </p:stCondLst>
+                                        </p:cTn>
+                                        <p:tgtEl>
+                                          <p:spTgt spid="3">
+                                            <p:txEl>
+                                              <p:pRg st="3" end="3"/>
+                                            </p:txEl>
+                                          </p:spTgt>
+                                        </p:tgtEl>
+                                        <p:attrNameLst>
+                                          <p:attrName>style.visibility</p:attrName>
+                                        </p:attrNameLst>
+                                      </p:cBhvr>
+                                      <p:to>
+                                        <p:strVal val="visible"/>
+                                      </p:to>
+                                    </p:set>
+                                  </p:childTnLst>
+                                </p:cTn>
+                              </p:par>
+                            </p:childTnLst>
+                          </p:cTn>
+                        </p:par>
+                      </p:childTnLst>
+                    </p:cTn>
+                  </p:par>
+                  <p:par>
+                    <p:cTn id="15" fill="hold">
+                      <p:stCondLst>
+                        <p:cond delay="indefinite"/>
+                      </p:stCondLst>
+                      <p:childTnLst>
+                        <p:par>
+                          <p:cTn id="16" fill="hold">
+                            <p:stCondLst>
+                              <p:cond delay="0"/>
+                            </p:stCondLst>
+                            <p:childTnLst>
+                              <p:par>
+                                <p:cTn id="17" presetID="1" presetClass="entr" presetSubtype="0" fill="hold" nodeType="clickEffect">
+                                  <p:stCondLst>
+                                    <p:cond delay="0"/>
+                                  </p:stCondLst>
+                                  <p:childTnLst>
+                                    <p:set>
+                                      <p:cBhvr>
+                                        <p:cTn id="18" dur="1" fill="hold">
+                                          <p:stCondLst>
+                                            <p:cond delay="0"/>
+                                          </p:stCondLst>
+                                        </p:cTn>
+                                        <p:tgtEl>
+                                          <p:spTgt spid="3">
+                                            <p:txEl>
+                                              <p:pRg st="4" end="4"/>
+                                            </p:txEl>
+                                          </p:spTgt>
+                                        </p:tgtEl>
+                                        <p:attrNameLst>
+                                          <p:attrName>style.visibility</p:attrName>
+                                        </p:attrNameLst>
+                                      </p:cBhvr>
+                                      <p:to>
+                                        <p:strVal val="visible"/>
+                                      </p:to>
+                                    </p:set>
+                                  </p:childTnLst>
+                                </p:cTn>
+                              </p:par>
+                              <p:par>
+                                <p:cTn id="19" presetID="1" presetClass="entr" presetSubtype="0" fill="hold" nodeType="withEffect">
+                                  <p:stCondLst>
+                                    <p:cond delay="0"/>
+                                  </p:stCondLst>
+                                  <p:childTnLst>
+                                    <p:set>
+                                      <p:cBhvr>
+                                        <p:cTn id="20" dur="1" fill="hold">
+                                          <p:stCondLst>
+                                            <p:cond delay="0"/>
+                                          </p:stCondLst>
+                                        </p:cTn>
+                                        <p:tgtEl>
+                                          <p:spTgt spid="3">
+                                            <p:txEl>
+                                              <p:pRg st="5" end="5"/>
+                                            </p:txEl>
+                                          </p:spTgt>
+                                        </p:tgtEl>
+                                        <p:attrNameLst>
+                                          <p:attrName>style.visibility</p:attrName>
+                                        </p:attrNameLst>
+                                      </p:cBhvr>
+                                      <p:to>
+                                        <p:strVal val="visible"/>
+                                      </p:to>
+                                    </p:set>
+                                  </p:childTnLst>
+                                </p:cTn>
+                              </p:par>
+                            </p:childTnLst>
+                          </p:cTn>
+                        </p:par>
+                      </p:childTnLst>
+                    </p:cTn>
+                  </p:par>
+                </p:childTnLst>
+              </p:cTn>
+              <p:prevCondLst>
+                <p:cond evt="onPrev" delay="0">
+                  <p:tgtEl>
+                    <p:sldTgt/>
+                  </p:tgtEl>
+                </p:cond>
+              </p:prevCondLst>
+              <p:nextCondLst>
+                <p:cond evt="onNext" delay="0">
+                  <p:tgtEl>
+                    <p:sldTgt/>
+                  </p:tgtEl>
+                </p:cond>
+              </p:nextCondLst>
+            </p:seq>
+          </p:childTnLst>
+        </p:cTn>
+      </p:par>
+    </p:tnLst>
+  </p:timing>
 </p:sld>
 </file>
 
-<file path=ppt/slides/slide18.xml><?xml version="1.0" encoding="utf-8"?>
+<file path=ppt/slides/slide2.xml><?xml version="1.0" encoding="utf-8"?>
+<p:sld xmlns:a="http://schemas.openxmlformats.org/drawingml/2006/main" xmlns:r="http://schemas.openxmlformats.org/officeDocument/2006/relationships" xmlns:p="http://schemas.openxmlformats.org/presentationml/2006/main">
+  <p:cSld>
+    <p:spTree>
+      <p:nvGrpSpPr>
+        <p:cNvPr id="1" name=""/>
+        <p:cNvGrpSpPr/>
+        <p:nvPr/>
+      </p:nvGrpSpPr>
+      <p:grpSpPr>
+        <a:xfrm>
+          <a:off x="0" y="0"/>
+          <a:ext cx="0" cy="0"/>
+          <a:chOff x="0" y="0"/>
+          <a:chExt cx="0" cy="0"/>
+        </a:xfrm>
+      </p:grpSpPr>
+      <p:sp>
+        <p:nvSpPr>
+          <p:cNvPr id="2" name="Title 1">
+            <a:extLst>
+              <a:ext uri="{FF2B5EF4-FFF2-40B4-BE49-F238E27FC236}">
+                <a16:creationId xmlns:a16="http://schemas.microsoft.com/office/drawing/2014/main" id="{D75F2060-D9BD-5393-AE34-642A698C1C2E}"/>
+              </a:ext>
+            </a:extLst>
+          </p:cNvPr>
+          <p:cNvSpPr>
+            <a:spLocks noGrp="1"/>
+          </p:cNvSpPr>
+          <p:nvPr>
+            <p:ph type="title"/>
+          </p:nvPr>
+        </p:nvSpPr>
+        <p:spPr/>
+        <p:txBody>
+          <a:bodyPr/>
+          <a:lstStyle/>
+          <a:p>
+            <a:r>
+              <a:rPr lang="en-US" dirty="0"/>
+              <a:t>Questions in homework 2</a:t>
+            </a:r>
+          </a:p>
+        </p:txBody>
+      </p:sp>
+      <p:sp>
+        <p:nvSpPr>
+          <p:cNvPr id="3" name="Content Placeholder 2">
+            <a:extLst>
+              <a:ext uri="{FF2B5EF4-FFF2-40B4-BE49-F238E27FC236}">
+                <a16:creationId xmlns:a16="http://schemas.microsoft.com/office/drawing/2014/main" id="{7C98C827-FEB9-D759-D01C-2C0C43B8A88C}"/>
+              </a:ext>
+            </a:extLst>
+          </p:cNvPr>
+          <p:cNvSpPr>
+            <a:spLocks noGrp="1"/>
+          </p:cNvSpPr>
+          <p:nvPr>
+            <p:ph idx="1"/>
+          </p:nvPr>
+        </p:nvSpPr>
+        <p:spPr/>
+        <p:txBody>
+          <a:bodyPr/>
+          <a:lstStyle/>
+          <a:p>
+            <a:r>
+              <a:rPr lang="en-US" dirty="0"/>
+              <a:t>Some discussions…</a:t>
+            </a:r>
+          </a:p>
+          <a:p>
+            <a:r>
+              <a:rPr lang="en-US" dirty="0">
+                <a:hlinkClick r:id="rId2"/>
+              </a:rPr>
+              <a:t>Homework2</a:t>
+            </a:r>
+            <a:endParaRPr lang="en-US" dirty="0"/>
+          </a:p>
+        </p:txBody>
+      </p:sp>
+    </p:spTree>
+    <p:extLst>
+      <p:ext uri="{BB962C8B-B14F-4D97-AF65-F5344CB8AC3E}">
+        <p14:creationId xmlns:p14="http://schemas.microsoft.com/office/powerpoint/2010/main" val="1452736309"/>
+      </p:ext>
+    </p:extLst>
+  </p:cSld>
+  <p:clrMapOvr>
+    <a:masterClrMapping/>
+  </p:clrMapOvr>
+</p:sld>
+</file>
+
+<file path=ppt/slides/slide20.xml><?xml version="1.0" encoding="utf-8"?>
 <p:sld xmlns:a="http://schemas.openxmlformats.org/drawingml/2006/main" xmlns:r="http://schemas.openxmlformats.org/officeDocument/2006/relationships" xmlns:p="http://schemas.openxmlformats.org/presentationml/2006/main">
   <p:cSld>
     <p:spTree>
@@ -5390,7 +6447,7 @@
 </p:sld>
 </file>
 
-<file path=ppt/slides/slide19.xml><?xml version="1.0" encoding="utf-8"?>
+<file path=ppt/slides/slide21.xml><?xml version="1.0" encoding="utf-8"?>
 <p:sld xmlns:a="http://schemas.openxmlformats.org/drawingml/2006/main" xmlns:r="http://schemas.openxmlformats.org/officeDocument/2006/relationships" xmlns:p="http://schemas.openxmlformats.org/presentationml/2006/main">
   <p:cSld>
     <p:spTree>
@@ -5511,127 +6568,236 @@
   <p:clrMapOvr>
     <a:masterClrMapping/>
   </p:clrMapOvr>
+  <p:timing>
+    <p:tnLst>
+      <p:par>
+        <p:cTn id="1" dur="indefinite" restart="never" nodeType="tmRoot">
+          <p:childTnLst>
+            <p:seq concurrent="1" nextAc="seek">
+              <p:cTn id="2" dur="indefinite" nodeType="mainSeq">
+                <p:childTnLst>
+                  <p:par>
+                    <p:cTn id="3" fill="hold">
+                      <p:stCondLst>
+                        <p:cond delay="indefinite"/>
+                      </p:stCondLst>
+                      <p:childTnLst>
+                        <p:par>
+                          <p:cTn id="4" fill="hold">
+                            <p:stCondLst>
+                              <p:cond delay="0"/>
+                            </p:stCondLst>
+                            <p:childTnLst>
+                              <p:par>
+                                <p:cTn id="5" presetID="1" presetClass="entr" presetSubtype="0" fill="hold" nodeType="clickEffect">
+                                  <p:stCondLst>
+                                    <p:cond delay="0"/>
+                                  </p:stCondLst>
+                                  <p:childTnLst>
+                                    <p:set>
+                                      <p:cBhvr>
+                                        <p:cTn id="6" dur="1" fill="hold">
+                                          <p:stCondLst>
+                                            <p:cond delay="0"/>
+                                          </p:stCondLst>
+                                        </p:cTn>
+                                        <p:tgtEl>
+                                          <p:spTgt spid="3">
+                                            <p:txEl>
+                                              <p:pRg st="0" end="0"/>
+                                            </p:txEl>
+                                          </p:spTgt>
+                                        </p:tgtEl>
+                                        <p:attrNameLst>
+                                          <p:attrName>style.visibility</p:attrName>
+                                        </p:attrNameLst>
+                                      </p:cBhvr>
+                                      <p:to>
+                                        <p:strVal val="visible"/>
+                                      </p:to>
+                                    </p:set>
+                                  </p:childTnLst>
+                                </p:cTn>
+                              </p:par>
+                            </p:childTnLst>
+                          </p:cTn>
+                        </p:par>
+                      </p:childTnLst>
+                    </p:cTn>
+                  </p:par>
+                  <p:par>
+                    <p:cTn id="7" fill="hold">
+                      <p:stCondLst>
+                        <p:cond delay="indefinite"/>
+                      </p:stCondLst>
+                      <p:childTnLst>
+                        <p:par>
+                          <p:cTn id="8" fill="hold">
+                            <p:stCondLst>
+                              <p:cond delay="0"/>
+                            </p:stCondLst>
+                            <p:childTnLst>
+                              <p:par>
+                                <p:cTn id="9" presetID="1" presetClass="entr" presetSubtype="0" fill="hold" nodeType="clickEffect">
+                                  <p:stCondLst>
+                                    <p:cond delay="0"/>
+                                  </p:stCondLst>
+                                  <p:childTnLst>
+                                    <p:set>
+                                      <p:cBhvr>
+                                        <p:cTn id="10" dur="1" fill="hold">
+                                          <p:stCondLst>
+                                            <p:cond delay="0"/>
+                                          </p:stCondLst>
+                                        </p:cTn>
+                                        <p:tgtEl>
+                                          <p:spTgt spid="3">
+                                            <p:txEl>
+                                              <p:pRg st="1" end="1"/>
+                                            </p:txEl>
+                                          </p:spTgt>
+                                        </p:tgtEl>
+                                        <p:attrNameLst>
+                                          <p:attrName>style.visibility</p:attrName>
+                                        </p:attrNameLst>
+                                      </p:cBhvr>
+                                      <p:to>
+                                        <p:strVal val="visible"/>
+                                      </p:to>
+                                    </p:set>
+                                  </p:childTnLst>
+                                </p:cTn>
+                              </p:par>
+                            </p:childTnLst>
+                          </p:cTn>
+                        </p:par>
+                      </p:childTnLst>
+                    </p:cTn>
+                  </p:par>
+                  <p:par>
+                    <p:cTn id="11" fill="hold">
+                      <p:stCondLst>
+                        <p:cond delay="indefinite"/>
+                      </p:stCondLst>
+                      <p:childTnLst>
+                        <p:par>
+                          <p:cTn id="12" fill="hold">
+                            <p:stCondLst>
+                              <p:cond delay="0"/>
+                            </p:stCondLst>
+                            <p:childTnLst>
+                              <p:par>
+                                <p:cTn id="13" presetID="1" presetClass="entr" presetSubtype="0" fill="hold" nodeType="clickEffect">
+                                  <p:stCondLst>
+                                    <p:cond delay="0"/>
+                                  </p:stCondLst>
+                                  <p:childTnLst>
+                                    <p:set>
+                                      <p:cBhvr>
+                                        <p:cTn id="14" dur="1" fill="hold">
+                                          <p:stCondLst>
+                                            <p:cond delay="0"/>
+                                          </p:stCondLst>
+                                        </p:cTn>
+                                        <p:tgtEl>
+                                          <p:spTgt spid="3">
+                                            <p:txEl>
+                                              <p:pRg st="2" end="2"/>
+                                            </p:txEl>
+                                          </p:spTgt>
+                                        </p:tgtEl>
+                                        <p:attrNameLst>
+                                          <p:attrName>style.visibility</p:attrName>
+                                        </p:attrNameLst>
+                                      </p:cBhvr>
+                                      <p:to>
+                                        <p:strVal val="visible"/>
+                                      </p:to>
+                                    </p:set>
+                                  </p:childTnLst>
+                                </p:cTn>
+                              </p:par>
+                            </p:childTnLst>
+                          </p:cTn>
+                        </p:par>
+                      </p:childTnLst>
+                    </p:cTn>
+                  </p:par>
+                  <p:par>
+                    <p:cTn id="15" fill="hold">
+                      <p:stCondLst>
+                        <p:cond delay="indefinite"/>
+                      </p:stCondLst>
+                      <p:childTnLst>
+                        <p:par>
+                          <p:cTn id="16" fill="hold">
+                            <p:stCondLst>
+                              <p:cond delay="0"/>
+                            </p:stCondLst>
+                            <p:childTnLst>
+                              <p:par>
+                                <p:cTn id="17" presetID="1" presetClass="entr" presetSubtype="0" fill="hold" nodeType="clickEffect">
+                                  <p:stCondLst>
+                                    <p:cond delay="0"/>
+                                  </p:stCondLst>
+                                  <p:childTnLst>
+                                    <p:set>
+                                      <p:cBhvr>
+                                        <p:cTn id="18" dur="1" fill="hold">
+                                          <p:stCondLst>
+                                            <p:cond delay="0"/>
+                                          </p:stCondLst>
+                                        </p:cTn>
+                                        <p:tgtEl>
+                                          <p:spTgt spid="3">
+                                            <p:txEl>
+                                              <p:pRg st="3" end="3"/>
+                                            </p:txEl>
+                                          </p:spTgt>
+                                        </p:tgtEl>
+                                        <p:attrNameLst>
+                                          <p:attrName>style.visibility</p:attrName>
+                                        </p:attrNameLst>
+                                      </p:cBhvr>
+                                      <p:to>
+                                        <p:strVal val="visible"/>
+                                      </p:to>
+                                    </p:set>
+                                  </p:childTnLst>
+                                </p:cTn>
+                              </p:par>
+                            </p:childTnLst>
+                          </p:cTn>
+                        </p:par>
+                      </p:childTnLst>
+                    </p:cTn>
+                  </p:par>
+                </p:childTnLst>
+              </p:cTn>
+              <p:prevCondLst>
+                <p:cond evt="onPrev" delay="0">
+                  <p:tgtEl>
+                    <p:sldTgt/>
+                  </p:tgtEl>
+                </p:cond>
+              </p:prevCondLst>
+              <p:nextCondLst>
+                <p:cond evt="onNext" delay="0">
+                  <p:tgtEl>
+                    <p:sldTgt/>
+                  </p:tgtEl>
+                </p:cond>
+              </p:nextCondLst>
+            </p:seq>
+          </p:childTnLst>
+        </p:cTn>
+      </p:par>
+    </p:tnLst>
+  </p:timing>
 </p:sld>
 </file>
 
-<file path=ppt/slides/slide2.xml><?xml version="1.0" encoding="utf-8"?>
-<p:sld xmlns:a="http://schemas.openxmlformats.org/drawingml/2006/main" xmlns:r="http://schemas.openxmlformats.org/officeDocument/2006/relationships" xmlns:p="http://schemas.openxmlformats.org/presentationml/2006/main">
-  <p:cSld>
-    <p:spTree>
-      <p:nvGrpSpPr>
-        <p:cNvPr id="1" name=""/>
-        <p:cNvGrpSpPr/>
-        <p:nvPr/>
-      </p:nvGrpSpPr>
-      <p:grpSpPr>
-        <a:xfrm>
-          <a:off x="0" y="0"/>
-          <a:ext cx="0" cy="0"/>
-          <a:chOff x="0" y="0"/>
-          <a:chExt cx="0" cy="0"/>
-        </a:xfrm>
-      </p:grpSpPr>
-      <p:sp>
-        <p:nvSpPr>
-          <p:cNvPr id="2" name="Title 1">
-            <a:extLst>
-              <a:ext uri="{FF2B5EF4-FFF2-40B4-BE49-F238E27FC236}">
-                <a16:creationId xmlns:a16="http://schemas.microsoft.com/office/drawing/2014/main" id="{811D3038-B613-94E1-5953-9852B0A3E3AC}"/>
-              </a:ext>
-            </a:extLst>
-          </p:cNvPr>
-          <p:cNvSpPr>
-            <a:spLocks noGrp="1"/>
-          </p:cNvSpPr>
-          <p:nvPr>
-            <p:ph type="title"/>
-          </p:nvPr>
-        </p:nvSpPr>
-        <p:spPr/>
-        <p:txBody>
-          <a:bodyPr>
-            <a:normAutofit/>
-          </a:bodyPr>
-          <a:lstStyle/>
-          <a:p>
-            <a:r>
-              <a:rPr lang="en-US" sz="4000" b="1" dirty="0"/>
-              <a:t>Hmm. So what?</a:t>
-            </a:r>
-          </a:p>
-        </p:txBody>
-      </p:sp>
-      <p:sp>
-        <p:nvSpPr>
-          <p:cNvPr id="3" name="Content Placeholder 2">
-            <a:extLst>
-              <a:ext uri="{FF2B5EF4-FFF2-40B4-BE49-F238E27FC236}">
-                <a16:creationId xmlns:a16="http://schemas.microsoft.com/office/drawing/2014/main" id="{4FF8670A-E3E9-260A-D201-ED81AD1323AD}"/>
-              </a:ext>
-            </a:extLst>
-          </p:cNvPr>
-          <p:cNvSpPr>
-            <a:spLocks noGrp="1"/>
-          </p:cNvSpPr>
-          <p:nvPr>
-            <p:ph idx="1"/>
-          </p:nvPr>
-        </p:nvSpPr>
-        <p:spPr/>
-        <p:txBody>
-          <a:bodyPr>
-            <a:normAutofit/>
-          </a:bodyPr>
-          <a:lstStyle/>
-          <a:p>
-            <a:pPr>
-              <a:lnSpc>
-                <a:spcPct val="150000"/>
-              </a:lnSpc>
-            </a:pPr>
-            <a:r>
-              <a:rPr lang="en-US" dirty="0"/>
-              <a:t>Text classification and topic modeling may seem like all we need for natural language processing</a:t>
-            </a:r>
-          </a:p>
-          <a:p>
-            <a:pPr lvl="1">
-              <a:lnSpc>
-                <a:spcPct val="150000"/>
-              </a:lnSpc>
-            </a:pPr>
-            <a:r>
-              <a:rPr lang="en-US" dirty="0"/>
-              <a:t>Technically speaking, we have done linear classification</a:t>
-            </a:r>
-          </a:p>
-          <a:p>
-            <a:pPr>
-              <a:lnSpc>
-                <a:spcPct val="150000"/>
-              </a:lnSpc>
-            </a:pPr>
-            <a:r>
-              <a:rPr lang="en-US" dirty="0"/>
-              <a:t>What do you know about linear classification (model)?</a:t>
-            </a:r>
-          </a:p>
-        </p:txBody>
-      </p:sp>
-    </p:spTree>
-    <p:extLst>
-      <p:ext uri="{BB962C8B-B14F-4D97-AF65-F5344CB8AC3E}">
-        <p14:creationId xmlns:p14="http://schemas.microsoft.com/office/powerpoint/2010/main" val="1608744435"/>
-      </p:ext>
-    </p:extLst>
-  </p:cSld>
-  <p:clrMapOvr>
-    <a:masterClrMapping/>
-  </p:clrMapOvr>
-</p:sld>
-</file>
-
-<file path=ppt/slides/slide20.xml><?xml version="1.0" encoding="utf-8"?>
+<file path=ppt/slides/slide22.xml><?xml version="1.0" encoding="utf-8"?>
 <p:sld xmlns:a="http://schemas.openxmlformats.org/drawingml/2006/main" xmlns:r="http://schemas.openxmlformats.org/officeDocument/2006/relationships" xmlns:p="http://schemas.openxmlformats.org/presentationml/2006/main">
   <p:cSld>
     <p:spTree>
@@ -5738,7 +6904,7 @@
 </p:sld>
 </file>
 
-<file path=ppt/slides/slide21.xml><?xml version="1.0" encoding="utf-8"?>
+<file path=ppt/slides/slide23.xml><?xml version="1.0" encoding="utf-8"?>
 <p:sld xmlns:a="http://schemas.openxmlformats.org/drawingml/2006/main" xmlns:r="http://schemas.openxmlformats.org/officeDocument/2006/relationships" xmlns:p="http://schemas.openxmlformats.org/presentationml/2006/main">
   <p:cSld>
     <p:spTree>
@@ -5836,9 +7002,6 @@
             </a:r>
           </a:p>
           <a:p>
-            <a:endParaRPr lang="en-US" dirty="0"/>
-          </a:p>
-          <a:p>
             <a:r>
               <a:rPr lang="en-US" dirty="0"/>
               <a:t>Wait, how did we learn?</a:t>
@@ -5848,13 +7011,15 @@
             <a:pPr lvl="1"/>
             <a:r>
               <a:rPr lang="en-US" dirty="0"/>
-              <a:t>Did you ever learn </a:t>
-            </a:r>
-            <a:r>
-              <a:rPr lang="en-US"/>
-              <a:t>those rules?</a:t>
-            </a:r>
-            <a:endParaRPr lang="en-US" dirty="0"/>
+              <a:t>Did you ever learn those rules?</a:t>
+            </a:r>
+          </a:p>
+          <a:p>
+            <a:pPr lvl="1"/>
+            <a:r>
+              <a:rPr lang="en-US" dirty="0"/>
+              <a:t>Did you ever learn…?</a:t>
+            </a:r>
           </a:p>
         </p:txBody>
       </p:sp>
@@ -5868,10 +7033,432 @@
   <p:clrMapOvr>
     <a:masterClrMapping/>
   </p:clrMapOvr>
+  <p:timing>
+    <p:tnLst>
+      <p:par>
+        <p:cTn id="1" dur="indefinite" restart="never" nodeType="tmRoot">
+          <p:childTnLst>
+            <p:seq concurrent="1" nextAc="seek">
+              <p:cTn id="2" dur="indefinite" nodeType="mainSeq">
+                <p:childTnLst>
+                  <p:par>
+                    <p:cTn id="3" fill="hold">
+                      <p:stCondLst>
+                        <p:cond delay="indefinite"/>
+                      </p:stCondLst>
+                      <p:childTnLst>
+                        <p:par>
+                          <p:cTn id="4" fill="hold">
+                            <p:stCondLst>
+                              <p:cond delay="0"/>
+                            </p:stCondLst>
+                            <p:childTnLst>
+                              <p:par>
+                                <p:cTn id="5" presetID="1" presetClass="entr" presetSubtype="0" fill="hold" nodeType="clickEffect">
+                                  <p:stCondLst>
+                                    <p:cond delay="0"/>
+                                  </p:stCondLst>
+                                  <p:childTnLst>
+                                    <p:set>
+                                      <p:cBhvr>
+                                        <p:cTn id="6" dur="1" fill="hold">
+                                          <p:stCondLst>
+                                            <p:cond delay="0"/>
+                                          </p:stCondLst>
+                                        </p:cTn>
+                                        <p:tgtEl>
+                                          <p:spTgt spid="3">
+                                            <p:txEl>
+                                              <p:pRg st="0" end="0"/>
+                                            </p:txEl>
+                                          </p:spTgt>
+                                        </p:tgtEl>
+                                        <p:attrNameLst>
+                                          <p:attrName>style.visibility</p:attrName>
+                                        </p:attrNameLst>
+                                      </p:cBhvr>
+                                      <p:to>
+                                        <p:strVal val="visible"/>
+                                      </p:to>
+                                    </p:set>
+                                  </p:childTnLst>
+                                </p:cTn>
+                              </p:par>
+                            </p:childTnLst>
+                          </p:cTn>
+                        </p:par>
+                      </p:childTnLst>
+                    </p:cTn>
+                  </p:par>
+                  <p:par>
+                    <p:cTn id="7" fill="hold">
+                      <p:stCondLst>
+                        <p:cond delay="indefinite"/>
+                      </p:stCondLst>
+                      <p:childTnLst>
+                        <p:par>
+                          <p:cTn id="8" fill="hold">
+                            <p:stCondLst>
+                              <p:cond delay="0"/>
+                            </p:stCondLst>
+                            <p:childTnLst>
+                              <p:par>
+                                <p:cTn id="9" presetID="1" presetClass="entr" presetSubtype="0" fill="hold" nodeType="clickEffect">
+                                  <p:stCondLst>
+                                    <p:cond delay="0"/>
+                                  </p:stCondLst>
+                                  <p:childTnLst>
+                                    <p:set>
+                                      <p:cBhvr>
+                                        <p:cTn id="10" dur="1" fill="hold">
+                                          <p:stCondLst>
+                                            <p:cond delay="0"/>
+                                          </p:stCondLst>
+                                        </p:cTn>
+                                        <p:tgtEl>
+                                          <p:spTgt spid="3">
+                                            <p:txEl>
+                                              <p:pRg st="1" end="1"/>
+                                            </p:txEl>
+                                          </p:spTgt>
+                                        </p:tgtEl>
+                                        <p:attrNameLst>
+                                          <p:attrName>style.visibility</p:attrName>
+                                        </p:attrNameLst>
+                                      </p:cBhvr>
+                                      <p:to>
+                                        <p:strVal val="visible"/>
+                                      </p:to>
+                                    </p:set>
+                                  </p:childTnLst>
+                                </p:cTn>
+                              </p:par>
+                            </p:childTnLst>
+                          </p:cTn>
+                        </p:par>
+                      </p:childTnLst>
+                    </p:cTn>
+                  </p:par>
+                  <p:par>
+                    <p:cTn id="11" fill="hold">
+                      <p:stCondLst>
+                        <p:cond delay="indefinite"/>
+                      </p:stCondLst>
+                      <p:childTnLst>
+                        <p:par>
+                          <p:cTn id="12" fill="hold">
+                            <p:stCondLst>
+                              <p:cond delay="0"/>
+                            </p:stCondLst>
+                            <p:childTnLst>
+                              <p:par>
+                                <p:cTn id="13" presetID="1" presetClass="entr" presetSubtype="0" fill="hold" nodeType="clickEffect">
+                                  <p:stCondLst>
+                                    <p:cond delay="0"/>
+                                  </p:stCondLst>
+                                  <p:childTnLst>
+                                    <p:set>
+                                      <p:cBhvr>
+                                        <p:cTn id="14" dur="1" fill="hold">
+                                          <p:stCondLst>
+                                            <p:cond delay="0"/>
+                                          </p:stCondLst>
+                                        </p:cTn>
+                                        <p:tgtEl>
+                                          <p:spTgt spid="3">
+                                            <p:txEl>
+                                              <p:pRg st="2" end="2"/>
+                                            </p:txEl>
+                                          </p:spTgt>
+                                        </p:tgtEl>
+                                        <p:attrNameLst>
+                                          <p:attrName>style.visibility</p:attrName>
+                                        </p:attrNameLst>
+                                      </p:cBhvr>
+                                      <p:to>
+                                        <p:strVal val="visible"/>
+                                      </p:to>
+                                    </p:set>
+                                  </p:childTnLst>
+                                </p:cTn>
+                              </p:par>
+                            </p:childTnLst>
+                          </p:cTn>
+                        </p:par>
+                      </p:childTnLst>
+                    </p:cTn>
+                  </p:par>
+                  <p:par>
+                    <p:cTn id="15" fill="hold">
+                      <p:stCondLst>
+                        <p:cond delay="indefinite"/>
+                      </p:stCondLst>
+                      <p:childTnLst>
+                        <p:par>
+                          <p:cTn id="16" fill="hold">
+                            <p:stCondLst>
+                              <p:cond delay="0"/>
+                            </p:stCondLst>
+                            <p:childTnLst>
+                              <p:par>
+                                <p:cTn id="17" presetID="1" presetClass="entr" presetSubtype="0" fill="hold" nodeType="clickEffect">
+                                  <p:stCondLst>
+                                    <p:cond delay="0"/>
+                                  </p:stCondLst>
+                                  <p:childTnLst>
+                                    <p:set>
+                                      <p:cBhvr>
+                                        <p:cTn id="18" dur="1" fill="hold">
+                                          <p:stCondLst>
+                                            <p:cond delay="0"/>
+                                          </p:stCondLst>
+                                        </p:cTn>
+                                        <p:tgtEl>
+                                          <p:spTgt spid="3">
+                                            <p:txEl>
+                                              <p:pRg st="3" end="3"/>
+                                            </p:txEl>
+                                          </p:spTgt>
+                                        </p:tgtEl>
+                                        <p:attrNameLst>
+                                          <p:attrName>style.visibility</p:attrName>
+                                        </p:attrNameLst>
+                                      </p:cBhvr>
+                                      <p:to>
+                                        <p:strVal val="visible"/>
+                                      </p:to>
+                                    </p:set>
+                                  </p:childTnLst>
+                                </p:cTn>
+                              </p:par>
+                            </p:childTnLst>
+                          </p:cTn>
+                        </p:par>
+                      </p:childTnLst>
+                    </p:cTn>
+                  </p:par>
+                  <p:par>
+                    <p:cTn id="19" fill="hold">
+                      <p:stCondLst>
+                        <p:cond delay="indefinite"/>
+                      </p:stCondLst>
+                      <p:childTnLst>
+                        <p:par>
+                          <p:cTn id="20" fill="hold">
+                            <p:stCondLst>
+                              <p:cond delay="0"/>
+                            </p:stCondLst>
+                            <p:childTnLst>
+                              <p:par>
+                                <p:cTn id="21" presetID="1" presetClass="entr" presetSubtype="0" fill="hold" nodeType="clickEffect">
+                                  <p:stCondLst>
+                                    <p:cond delay="0"/>
+                                  </p:stCondLst>
+                                  <p:childTnLst>
+                                    <p:set>
+                                      <p:cBhvr>
+                                        <p:cTn id="22" dur="1" fill="hold">
+                                          <p:stCondLst>
+                                            <p:cond delay="0"/>
+                                          </p:stCondLst>
+                                        </p:cTn>
+                                        <p:tgtEl>
+                                          <p:spTgt spid="3">
+                                            <p:txEl>
+                                              <p:pRg st="4" end="4"/>
+                                            </p:txEl>
+                                          </p:spTgt>
+                                        </p:tgtEl>
+                                        <p:attrNameLst>
+                                          <p:attrName>style.visibility</p:attrName>
+                                        </p:attrNameLst>
+                                      </p:cBhvr>
+                                      <p:to>
+                                        <p:strVal val="visible"/>
+                                      </p:to>
+                                    </p:set>
+                                  </p:childTnLst>
+                                </p:cTn>
+                              </p:par>
+                            </p:childTnLst>
+                          </p:cTn>
+                        </p:par>
+                      </p:childTnLst>
+                    </p:cTn>
+                  </p:par>
+                  <p:par>
+                    <p:cTn id="23" fill="hold">
+                      <p:stCondLst>
+                        <p:cond delay="indefinite"/>
+                      </p:stCondLst>
+                      <p:childTnLst>
+                        <p:par>
+                          <p:cTn id="24" fill="hold">
+                            <p:stCondLst>
+                              <p:cond delay="0"/>
+                            </p:stCondLst>
+                            <p:childTnLst>
+                              <p:par>
+                                <p:cTn id="25" presetID="1" presetClass="entr" presetSubtype="0" fill="hold" nodeType="clickEffect">
+                                  <p:stCondLst>
+                                    <p:cond delay="0"/>
+                                  </p:stCondLst>
+                                  <p:childTnLst>
+                                    <p:set>
+                                      <p:cBhvr>
+                                        <p:cTn id="26" dur="1" fill="hold">
+                                          <p:stCondLst>
+                                            <p:cond delay="0"/>
+                                          </p:stCondLst>
+                                        </p:cTn>
+                                        <p:tgtEl>
+                                          <p:spTgt spid="3">
+                                            <p:txEl>
+                                              <p:pRg st="5" end="5"/>
+                                            </p:txEl>
+                                          </p:spTgt>
+                                        </p:tgtEl>
+                                        <p:attrNameLst>
+                                          <p:attrName>style.visibility</p:attrName>
+                                        </p:attrNameLst>
+                                      </p:cBhvr>
+                                      <p:to>
+                                        <p:strVal val="visible"/>
+                                      </p:to>
+                                    </p:set>
+                                  </p:childTnLst>
+                                </p:cTn>
+                              </p:par>
+                            </p:childTnLst>
+                          </p:cTn>
+                        </p:par>
+                      </p:childTnLst>
+                    </p:cTn>
+                  </p:par>
+                  <p:par>
+                    <p:cTn id="27" fill="hold">
+                      <p:stCondLst>
+                        <p:cond delay="indefinite"/>
+                      </p:stCondLst>
+                      <p:childTnLst>
+                        <p:par>
+                          <p:cTn id="28" fill="hold">
+                            <p:stCondLst>
+                              <p:cond delay="0"/>
+                            </p:stCondLst>
+                            <p:childTnLst>
+                              <p:par>
+                                <p:cTn id="29" presetID="1" presetClass="entr" presetSubtype="0" fill="hold" nodeType="clickEffect">
+                                  <p:stCondLst>
+                                    <p:cond delay="0"/>
+                                  </p:stCondLst>
+                                  <p:childTnLst>
+                                    <p:set>
+                                      <p:cBhvr>
+                                        <p:cTn id="30" dur="1" fill="hold">
+                                          <p:stCondLst>
+                                            <p:cond delay="0"/>
+                                          </p:stCondLst>
+                                        </p:cTn>
+                                        <p:tgtEl>
+                                          <p:spTgt spid="3">
+                                            <p:txEl>
+                                              <p:pRg st="6" end="6"/>
+                                            </p:txEl>
+                                          </p:spTgt>
+                                        </p:tgtEl>
+                                        <p:attrNameLst>
+                                          <p:attrName>style.visibility</p:attrName>
+                                        </p:attrNameLst>
+                                      </p:cBhvr>
+                                      <p:to>
+                                        <p:strVal val="visible"/>
+                                      </p:to>
+                                    </p:set>
+                                  </p:childTnLst>
+                                </p:cTn>
+                              </p:par>
+                            </p:childTnLst>
+                          </p:cTn>
+                        </p:par>
+                      </p:childTnLst>
+                    </p:cTn>
+                  </p:par>
+                  <p:par>
+                    <p:cTn id="31" fill="hold">
+                      <p:stCondLst>
+                        <p:cond delay="indefinite"/>
+                      </p:stCondLst>
+                      <p:childTnLst>
+                        <p:par>
+                          <p:cTn id="32" fill="hold">
+                            <p:stCondLst>
+                              <p:cond delay="0"/>
+                            </p:stCondLst>
+                            <p:childTnLst>
+                              <p:par>
+                                <p:cTn id="33" presetID="1" presetClass="entr" presetSubtype="0" fill="hold" nodeType="clickEffect">
+                                  <p:stCondLst>
+                                    <p:cond delay="0"/>
+                                  </p:stCondLst>
+                                  <p:childTnLst>
+                                    <p:set>
+                                      <p:cBhvr>
+                                        <p:cTn id="34" dur="1" fill="hold">
+                                          <p:stCondLst>
+                                            <p:cond delay="0"/>
+                                          </p:stCondLst>
+                                        </p:cTn>
+                                        <p:tgtEl>
+                                          <p:spTgt spid="3">
+                                            <p:txEl>
+                                              <p:pRg st="6" end="6"/>
+                                            </p:txEl>
+                                          </p:spTgt>
+                                        </p:tgtEl>
+                                        <p:attrNameLst>
+                                          <p:attrName>style.visibility</p:attrName>
+                                        </p:attrNameLst>
+                                      </p:cBhvr>
+                                      <p:to>
+                                        <p:strVal val="visible"/>
+                                      </p:to>
+                                    </p:set>
+                                  </p:childTnLst>
+                                </p:cTn>
+                              </p:par>
+                            </p:childTnLst>
+                          </p:cTn>
+                        </p:par>
+                      </p:childTnLst>
+                    </p:cTn>
+                  </p:par>
+                </p:childTnLst>
+              </p:cTn>
+              <p:prevCondLst>
+                <p:cond evt="onPrev" delay="0">
+                  <p:tgtEl>
+                    <p:sldTgt/>
+                  </p:tgtEl>
+                </p:cond>
+              </p:prevCondLst>
+              <p:nextCondLst>
+                <p:cond evt="onNext" delay="0">
+                  <p:tgtEl>
+                    <p:sldTgt/>
+                  </p:tgtEl>
+                </p:cond>
+              </p:nextCondLst>
+            </p:seq>
+          </p:childTnLst>
+        </p:cTn>
+      </p:par>
+    </p:tnLst>
+  </p:timing>
 </p:sld>
 </file>
 
-<file path=ppt/slides/slide22.xml><?xml version="1.0" encoding="utf-8"?>
+<file path=ppt/slides/slide24.xml><?xml version="1.0" encoding="utf-8"?>
 <p:sld xmlns:a="http://schemas.openxmlformats.org/drawingml/2006/main" xmlns:r="http://schemas.openxmlformats.org/officeDocument/2006/relationships" xmlns:p="http://schemas.openxmlformats.org/presentationml/2006/main">
   <p:cSld>
     <p:spTree>
@@ -5994,10 +7581,236 @@
   <p:clrMapOvr>
     <a:masterClrMapping/>
   </p:clrMapOvr>
+  <p:timing>
+    <p:tnLst>
+      <p:par>
+        <p:cTn id="1" dur="indefinite" restart="never" nodeType="tmRoot">
+          <p:childTnLst>
+            <p:seq concurrent="1" nextAc="seek">
+              <p:cTn id="2" dur="indefinite" nodeType="mainSeq">
+                <p:childTnLst>
+                  <p:par>
+                    <p:cTn id="3" fill="hold">
+                      <p:stCondLst>
+                        <p:cond delay="indefinite"/>
+                      </p:stCondLst>
+                      <p:childTnLst>
+                        <p:par>
+                          <p:cTn id="4" fill="hold">
+                            <p:stCondLst>
+                              <p:cond delay="0"/>
+                            </p:stCondLst>
+                            <p:childTnLst>
+                              <p:par>
+                                <p:cTn id="5" presetID="1" presetClass="entr" presetSubtype="0" fill="hold" nodeType="clickEffect">
+                                  <p:stCondLst>
+                                    <p:cond delay="0"/>
+                                  </p:stCondLst>
+                                  <p:childTnLst>
+                                    <p:set>
+                                      <p:cBhvr>
+                                        <p:cTn id="6" dur="1" fill="hold">
+                                          <p:stCondLst>
+                                            <p:cond delay="0"/>
+                                          </p:stCondLst>
+                                        </p:cTn>
+                                        <p:tgtEl>
+                                          <p:spTgt spid="3">
+                                            <p:txEl>
+                                              <p:pRg st="0" end="0"/>
+                                            </p:txEl>
+                                          </p:spTgt>
+                                        </p:tgtEl>
+                                        <p:attrNameLst>
+                                          <p:attrName>style.visibility</p:attrName>
+                                        </p:attrNameLst>
+                                      </p:cBhvr>
+                                      <p:to>
+                                        <p:strVal val="visible"/>
+                                      </p:to>
+                                    </p:set>
+                                  </p:childTnLst>
+                                </p:cTn>
+                              </p:par>
+                            </p:childTnLst>
+                          </p:cTn>
+                        </p:par>
+                      </p:childTnLst>
+                    </p:cTn>
+                  </p:par>
+                  <p:par>
+                    <p:cTn id="7" fill="hold">
+                      <p:stCondLst>
+                        <p:cond delay="indefinite"/>
+                      </p:stCondLst>
+                      <p:childTnLst>
+                        <p:par>
+                          <p:cTn id="8" fill="hold">
+                            <p:stCondLst>
+                              <p:cond delay="0"/>
+                            </p:stCondLst>
+                            <p:childTnLst>
+                              <p:par>
+                                <p:cTn id="9" presetID="1" presetClass="entr" presetSubtype="0" fill="hold" nodeType="clickEffect">
+                                  <p:stCondLst>
+                                    <p:cond delay="0"/>
+                                  </p:stCondLst>
+                                  <p:childTnLst>
+                                    <p:set>
+                                      <p:cBhvr>
+                                        <p:cTn id="10" dur="1" fill="hold">
+                                          <p:stCondLst>
+                                            <p:cond delay="0"/>
+                                          </p:stCondLst>
+                                        </p:cTn>
+                                        <p:tgtEl>
+                                          <p:spTgt spid="3">
+                                            <p:txEl>
+                                              <p:pRg st="1" end="1"/>
+                                            </p:txEl>
+                                          </p:spTgt>
+                                        </p:tgtEl>
+                                        <p:attrNameLst>
+                                          <p:attrName>style.visibility</p:attrName>
+                                        </p:attrNameLst>
+                                      </p:cBhvr>
+                                      <p:to>
+                                        <p:strVal val="visible"/>
+                                      </p:to>
+                                    </p:set>
+                                  </p:childTnLst>
+                                </p:cTn>
+                              </p:par>
+                            </p:childTnLst>
+                          </p:cTn>
+                        </p:par>
+                      </p:childTnLst>
+                    </p:cTn>
+                  </p:par>
+                  <p:par>
+                    <p:cTn id="11" fill="hold">
+                      <p:stCondLst>
+                        <p:cond delay="indefinite"/>
+                      </p:stCondLst>
+                      <p:childTnLst>
+                        <p:par>
+                          <p:cTn id="12" fill="hold">
+                            <p:stCondLst>
+                              <p:cond delay="0"/>
+                            </p:stCondLst>
+                            <p:childTnLst>
+                              <p:par>
+                                <p:cTn id="13" presetID="1" presetClass="entr" presetSubtype="0" fill="hold" nodeType="clickEffect">
+                                  <p:stCondLst>
+                                    <p:cond delay="0"/>
+                                  </p:stCondLst>
+                                  <p:childTnLst>
+                                    <p:set>
+                                      <p:cBhvr>
+                                        <p:cTn id="14" dur="1" fill="hold">
+                                          <p:stCondLst>
+                                            <p:cond delay="0"/>
+                                          </p:stCondLst>
+                                        </p:cTn>
+                                        <p:tgtEl>
+                                          <p:spTgt spid="3">
+                                            <p:txEl>
+                                              <p:pRg st="2" end="2"/>
+                                            </p:txEl>
+                                          </p:spTgt>
+                                        </p:tgtEl>
+                                        <p:attrNameLst>
+                                          <p:attrName>style.visibility</p:attrName>
+                                        </p:attrNameLst>
+                                      </p:cBhvr>
+                                      <p:to>
+                                        <p:strVal val="visible"/>
+                                      </p:to>
+                                    </p:set>
+                                  </p:childTnLst>
+                                </p:cTn>
+                              </p:par>
+                            </p:childTnLst>
+                          </p:cTn>
+                        </p:par>
+                      </p:childTnLst>
+                    </p:cTn>
+                  </p:par>
+                  <p:par>
+                    <p:cTn id="15" fill="hold">
+                      <p:stCondLst>
+                        <p:cond delay="indefinite"/>
+                      </p:stCondLst>
+                      <p:childTnLst>
+                        <p:par>
+                          <p:cTn id="16" fill="hold">
+                            <p:stCondLst>
+                              <p:cond delay="0"/>
+                            </p:stCondLst>
+                            <p:childTnLst>
+                              <p:par>
+                                <p:cTn id="17" presetID="1" presetClass="entr" presetSubtype="0" fill="hold" nodeType="clickEffect">
+                                  <p:stCondLst>
+                                    <p:cond delay="0"/>
+                                  </p:stCondLst>
+                                  <p:childTnLst>
+                                    <p:set>
+                                      <p:cBhvr>
+                                        <p:cTn id="18" dur="1" fill="hold">
+                                          <p:stCondLst>
+                                            <p:cond delay="0"/>
+                                          </p:stCondLst>
+                                        </p:cTn>
+                                        <p:tgtEl>
+                                          <p:spTgt spid="3">
+                                            <p:txEl>
+                                              <p:pRg st="3" end="3"/>
+                                            </p:txEl>
+                                          </p:spTgt>
+                                        </p:tgtEl>
+                                        <p:attrNameLst>
+                                          <p:attrName>style.visibility</p:attrName>
+                                        </p:attrNameLst>
+                                      </p:cBhvr>
+                                      <p:to>
+                                        <p:strVal val="visible"/>
+                                      </p:to>
+                                    </p:set>
+                                  </p:childTnLst>
+                                </p:cTn>
+                              </p:par>
+                            </p:childTnLst>
+                          </p:cTn>
+                        </p:par>
+                      </p:childTnLst>
+                    </p:cTn>
+                  </p:par>
+                </p:childTnLst>
+              </p:cTn>
+              <p:prevCondLst>
+                <p:cond evt="onPrev" delay="0">
+                  <p:tgtEl>
+                    <p:sldTgt/>
+                  </p:tgtEl>
+                </p:cond>
+              </p:prevCondLst>
+              <p:nextCondLst>
+                <p:cond evt="onNext" delay="0">
+                  <p:tgtEl>
+                    <p:sldTgt/>
+                  </p:tgtEl>
+                </p:cond>
+              </p:nextCondLst>
+            </p:seq>
+          </p:childTnLst>
+        </p:cTn>
+      </p:par>
+    </p:tnLst>
+  </p:timing>
 </p:sld>
 </file>
 
-<file path=ppt/slides/slide23.xml><?xml version="1.0" encoding="utf-8"?>
+<file path=ppt/slides/slide25.xml><?xml version="1.0" encoding="utf-8"?>
 <p:sld xmlns:a="http://schemas.openxmlformats.org/drawingml/2006/main" xmlns:r="http://schemas.openxmlformats.org/officeDocument/2006/relationships" xmlns:p="http://schemas.openxmlformats.org/presentationml/2006/main">
   <p:cSld>
     <p:spTree>
@@ -6069,6 +7882,13 @@
             </a:r>
           </a:p>
           <a:p>
+            <a:pPr lvl="1"/>
+            <a:r>
+              <a:rPr lang="en-US" dirty="0"/>
+              <a:t>I am just saying…</a:t>
+            </a:r>
+          </a:p>
+          <a:p>
             <a:r>
               <a:rPr lang="en-US" dirty="0"/>
               <a:t>As we grew up, that model would take in our sensory inputs and make a guess about what we were experiencing. </a:t>
@@ -6106,10 +7926,316 @@
   <p:clrMapOvr>
     <a:masterClrMapping/>
   </p:clrMapOvr>
+  <p:timing>
+    <p:tnLst>
+      <p:par>
+        <p:cTn id="1" dur="indefinite" restart="never" nodeType="tmRoot">
+          <p:childTnLst>
+            <p:seq concurrent="1" nextAc="seek">
+              <p:cTn id="2" dur="indefinite" nodeType="mainSeq">
+                <p:childTnLst>
+                  <p:par>
+                    <p:cTn id="3" fill="hold">
+                      <p:stCondLst>
+                        <p:cond delay="indefinite"/>
+                      </p:stCondLst>
+                      <p:childTnLst>
+                        <p:par>
+                          <p:cTn id="4" fill="hold">
+                            <p:stCondLst>
+                              <p:cond delay="0"/>
+                            </p:stCondLst>
+                            <p:childTnLst>
+                              <p:par>
+                                <p:cTn id="5" presetID="1" presetClass="entr" presetSubtype="0" fill="hold" nodeType="clickEffect">
+                                  <p:stCondLst>
+                                    <p:cond delay="0"/>
+                                  </p:stCondLst>
+                                  <p:childTnLst>
+                                    <p:set>
+                                      <p:cBhvr>
+                                        <p:cTn id="6" dur="1" fill="hold">
+                                          <p:stCondLst>
+                                            <p:cond delay="0"/>
+                                          </p:stCondLst>
+                                        </p:cTn>
+                                        <p:tgtEl>
+                                          <p:spTgt spid="3">
+                                            <p:txEl>
+                                              <p:pRg st="0" end="0"/>
+                                            </p:txEl>
+                                          </p:spTgt>
+                                        </p:tgtEl>
+                                        <p:attrNameLst>
+                                          <p:attrName>style.visibility</p:attrName>
+                                        </p:attrNameLst>
+                                      </p:cBhvr>
+                                      <p:to>
+                                        <p:strVal val="visible"/>
+                                      </p:to>
+                                    </p:set>
+                                  </p:childTnLst>
+                                </p:cTn>
+                              </p:par>
+                            </p:childTnLst>
+                          </p:cTn>
+                        </p:par>
+                      </p:childTnLst>
+                    </p:cTn>
+                  </p:par>
+                  <p:par>
+                    <p:cTn id="7" fill="hold">
+                      <p:stCondLst>
+                        <p:cond delay="indefinite"/>
+                      </p:stCondLst>
+                      <p:childTnLst>
+                        <p:par>
+                          <p:cTn id="8" fill="hold">
+                            <p:stCondLst>
+                              <p:cond delay="0"/>
+                            </p:stCondLst>
+                            <p:childTnLst>
+                              <p:par>
+                                <p:cTn id="9" presetID="1" presetClass="entr" presetSubtype="0" fill="hold" nodeType="clickEffect">
+                                  <p:stCondLst>
+                                    <p:cond delay="0"/>
+                                  </p:stCondLst>
+                                  <p:childTnLst>
+                                    <p:set>
+                                      <p:cBhvr>
+                                        <p:cTn id="10" dur="1" fill="hold">
+                                          <p:stCondLst>
+                                            <p:cond delay="0"/>
+                                          </p:stCondLst>
+                                        </p:cTn>
+                                        <p:tgtEl>
+                                          <p:spTgt spid="3">
+                                            <p:txEl>
+                                              <p:pRg st="1" end="1"/>
+                                            </p:txEl>
+                                          </p:spTgt>
+                                        </p:tgtEl>
+                                        <p:attrNameLst>
+                                          <p:attrName>style.visibility</p:attrName>
+                                        </p:attrNameLst>
+                                      </p:cBhvr>
+                                      <p:to>
+                                        <p:strVal val="visible"/>
+                                      </p:to>
+                                    </p:set>
+                                  </p:childTnLst>
+                                </p:cTn>
+                              </p:par>
+                            </p:childTnLst>
+                          </p:cTn>
+                        </p:par>
+                      </p:childTnLst>
+                    </p:cTn>
+                  </p:par>
+                  <p:par>
+                    <p:cTn id="11" fill="hold">
+                      <p:stCondLst>
+                        <p:cond delay="indefinite"/>
+                      </p:stCondLst>
+                      <p:childTnLst>
+                        <p:par>
+                          <p:cTn id="12" fill="hold">
+                            <p:stCondLst>
+                              <p:cond delay="0"/>
+                            </p:stCondLst>
+                            <p:childTnLst>
+                              <p:par>
+                                <p:cTn id="13" presetID="1" presetClass="entr" presetSubtype="0" fill="hold" nodeType="clickEffect">
+                                  <p:stCondLst>
+                                    <p:cond delay="0"/>
+                                  </p:stCondLst>
+                                  <p:childTnLst>
+                                    <p:set>
+                                      <p:cBhvr>
+                                        <p:cTn id="14" dur="1" fill="hold">
+                                          <p:stCondLst>
+                                            <p:cond delay="0"/>
+                                          </p:stCondLst>
+                                        </p:cTn>
+                                        <p:tgtEl>
+                                          <p:spTgt spid="3">
+                                            <p:txEl>
+                                              <p:pRg st="2" end="2"/>
+                                            </p:txEl>
+                                          </p:spTgt>
+                                        </p:tgtEl>
+                                        <p:attrNameLst>
+                                          <p:attrName>style.visibility</p:attrName>
+                                        </p:attrNameLst>
+                                      </p:cBhvr>
+                                      <p:to>
+                                        <p:strVal val="visible"/>
+                                      </p:to>
+                                    </p:set>
+                                  </p:childTnLst>
+                                </p:cTn>
+                              </p:par>
+                            </p:childTnLst>
+                          </p:cTn>
+                        </p:par>
+                      </p:childTnLst>
+                    </p:cTn>
+                  </p:par>
+                  <p:par>
+                    <p:cTn id="15" fill="hold">
+                      <p:stCondLst>
+                        <p:cond delay="indefinite"/>
+                      </p:stCondLst>
+                      <p:childTnLst>
+                        <p:par>
+                          <p:cTn id="16" fill="hold">
+                            <p:stCondLst>
+                              <p:cond delay="0"/>
+                            </p:stCondLst>
+                            <p:childTnLst>
+                              <p:par>
+                                <p:cTn id="17" presetID="1" presetClass="entr" presetSubtype="0" fill="hold" nodeType="clickEffect">
+                                  <p:stCondLst>
+                                    <p:cond delay="0"/>
+                                  </p:stCondLst>
+                                  <p:childTnLst>
+                                    <p:set>
+                                      <p:cBhvr>
+                                        <p:cTn id="18" dur="1" fill="hold">
+                                          <p:stCondLst>
+                                            <p:cond delay="0"/>
+                                          </p:stCondLst>
+                                        </p:cTn>
+                                        <p:tgtEl>
+                                          <p:spTgt spid="3">
+                                            <p:txEl>
+                                              <p:pRg st="3" end="3"/>
+                                            </p:txEl>
+                                          </p:spTgt>
+                                        </p:tgtEl>
+                                        <p:attrNameLst>
+                                          <p:attrName>style.visibility</p:attrName>
+                                        </p:attrNameLst>
+                                      </p:cBhvr>
+                                      <p:to>
+                                        <p:strVal val="visible"/>
+                                      </p:to>
+                                    </p:set>
+                                  </p:childTnLst>
+                                </p:cTn>
+                              </p:par>
+                              <p:par>
+                                <p:cTn id="19" presetID="1" presetClass="entr" presetSubtype="0" fill="hold" nodeType="withEffect">
+                                  <p:stCondLst>
+                                    <p:cond delay="0"/>
+                                  </p:stCondLst>
+                                  <p:childTnLst>
+                                    <p:set>
+                                      <p:cBhvr>
+                                        <p:cTn id="20" dur="1" fill="hold">
+                                          <p:stCondLst>
+                                            <p:cond delay="0"/>
+                                          </p:stCondLst>
+                                        </p:cTn>
+                                        <p:tgtEl>
+                                          <p:spTgt spid="3">
+                                            <p:txEl>
+                                              <p:pRg st="4" end="4"/>
+                                            </p:txEl>
+                                          </p:spTgt>
+                                        </p:tgtEl>
+                                        <p:attrNameLst>
+                                          <p:attrName>style.visibility</p:attrName>
+                                        </p:attrNameLst>
+                                      </p:cBhvr>
+                                      <p:to>
+                                        <p:strVal val="visible"/>
+                                      </p:to>
+                                    </p:set>
+                                  </p:childTnLst>
+                                </p:cTn>
+                              </p:par>
+                            </p:childTnLst>
+                          </p:cTn>
+                        </p:par>
+                      </p:childTnLst>
+                    </p:cTn>
+                  </p:par>
+                  <p:par>
+                    <p:cTn id="21" fill="hold">
+                      <p:stCondLst>
+                        <p:cond delay="indefinite"/>
+                      </p:stCondLst>
+                      <p:childTnLst>
+                        <p:par>
+                          <p:cTn id="22" fill="hold">
+                            <p:stCondLst>
+                              <p:cond delay="0"/>
+                            </p:stCondLst>
+                            <p:childTnLst>
+                              <p:par>
+                                <p:cTn id="23" presetID="1" presetClass="entr" presetSubtype="0" fill="hold" nodeType="clickEffect">
+                                  <p:stCondLst>
+                                    <p:cond delay="0"/>
+                                  </p:stCondLst>
+                                  <p:childTnLst>
+                                    <p:set>
+                                      <p:cBhvr>
+                                        <p:cTn id="24" dur="1" fill="hold">
+                                          <p:stCondLst>
+                                            <p:cond delay="0"/>
+                                          </p:stCondLst>
+                                        </p:cTn>
+                                        <p:tgtEl>
+                                          <p:spTgt spid="3">
+                                            <p:txEl>
+                                              <p:pRg st="5" end="5"/>
+                                            </p:txEl>
+                                          </p:spTgt>
+                                        </p:tgtEl>
+                                        <p:attrNameLst>
+                                          <p:attrName>style.visibility</p:attrName>
+                                        </p:attrNameLst>
+                                      </p:cBhvr>
+                                      <p:to>
+                                        <p:strVal val="visible"/>
+                                      </p:to>
+                                    </p:set>
+                                  </p:childTnLst>
+                                </p:cTn>
+                              </p:par>
+                            </p:childTnLst>
+                          </p:cTn>
+                        </p:par>
+                      </p:childTnLst>
+                    </p:cTn>
+                  </p:par>
+                </p:childTnLst>
+              </p:cTn>
+              <p:prevCondLst>
+                <p:cond evt="onPrev" delay="0">
+                  <p:tgtEl>
+                    <p:sldTgt/>
+                  </p:tgtEl>
+                </p:cond>
+              </p:prevCondLst>
+              <p:nextCondLst>
+                <p:cond evt="onNext" delay="0">
+                  <p:tgtEl>
+                    <p:sldTgt/>
+                  </p:tgtEl>
+                </p:cond>
+              </p:nextCondLst>
+            </p:seq>
+          </p:childTnLst>
+        </p:cTn>
+      </p:par>
+    </p:tnLst>
+  </p:timing>
 </p:sld>
 </file>
 
-<file path=ppt/slides/slide24.xml><?xml version="1.0" encoding="utf-8"?>
+<file path=ppt/slides/slide26.xml><?xml version="1.0" encoding="utf-8"?>
 <p:sld xmlns:a="http://schemas.openxmlformats.org/drawingml/2006/main" xmlns:r="http://schemas.openxmlformats.org/officeDocument/2006/relationships" xmlns:p="http://schemas.openxmlformats.org/presentationml/2006/main">
   <p:cSld>
     <p:spTree>
@@ -6173,13 +8299,13 @@
         <p:spPr/>
         <p:txBody>
           <a:bodyPr>
-            <a:normAutofit fontScale="70000" lnSpcReduction="20000"/>
+            <a:normAutofit fontScale="85000" lnSpcReduction="10000"/>
           </a:bodyPr>
           <a:lstStyle/>
           <a:p>
             <a:pPr>
               <a:lnSpc>
-                <a:spcPct val="200000"/>
+                <a:spcPct val="170000"/>
               </a:lnSpc>
             </a:pPr>
             <a:r>
@@ -6190,7 +8316,7 @@
           <a:p>
             <a:pPr>
               <a:lnSpc>
-                <a:spcPct val="200000"/>
+                <a:spcPct val="170000"/>
               </a:lnSpc>
             </a:pPr>
             <a:r>
@@ -6201,7 +8327,7 @@
           <a:p>
             <a:pPr lvl="1">
               <a:lnSpc>
-                <a:spcPct val="200000"/>
+                <a:spcPct val="170000"/>
               </a:lnSpc>
             </a:pPr>
             <a:r>
@@ -6212,7 +8338,7 @@
           <a:p>
             <a:pPr lvl="1">
               <a:lnSpc>
-                <a:spcPct val="200000"/>
+                <a:spcPct val="170000"/>
               </a:lnSpc>
             </a:pPr>
             <a:r>
@@ -6223,12 +8349,12 @@
           <a:p>
             <a:pPr>
               <a:lnSpc>
-                <a:spcPct val="200000"/>
+                <a:spcPct val="170000"/>
               </a:lnSpc>
             </a:pPr>
             <a:r>
               <a:rPr lang="en-US" dirty="0"/>
-              <a:t>We expect that, over time, a well-suited model would be able to solve the problem extremely accurately</a:t>
+              <a:t>We expect that, over time, a well-suited model would be able to solve the problem accurately</a:t>
             </a:r>
           </a:p>
         </p:txBody>
@@ -6243,10 +8369,285 @@
   <p:clrMapOvr>
     <a:masterClrMapping/>
   </p:clrMapOvr>
+  <p:timing>
+    <p:tnLst>
+      <p:par>
+        <p:cTn id="1" dur="indefinite" restart="never" nodeType="tmRoot">
+          <p:childTnLst>
+            <p:seq concurrent="1" nextAc="seek">
+              <p:cTn id="2" dur="indefinite" nodeType="mainSeq">
+                <p:childTnLst>
+                  <p:par>
+                    <p:cTn id="3" fill="hold">
+                      <p:stCondLst>
+                        <p:cond delay="indefinite"/>
+                      </p:stCondLst>
+                      <p:childTnLst>
+                        <p:par>
+                          <p:cTn id="4" fill="hold">
+                            <p:stCondLst>
+                              <p:cond delay="0"/>
+                            </p:stCondLst>
+                            <p:childTnLst>
+                              <p:par>
+                                <p:cTn id="5" presetID="1" presetClass="entr" presetSubtype="0" fill="hold" nodeType="clickEffect">
+                                  <p:stCondLst>
+                                    <p:cond delay="0"/>
+                                  </p:stCondLst>
+                                  <p:childTnLst>
+                                    <p:set>
+                                      <p:cBhvr>
+                                        <p:cTn id="6" dur="1" fill="hold">
+                                          <p:stCondLst>
+                                            <p:cond delay="0"/>
+                                          </p:stCondLst>
+                                        </p:cTn>
+                                        <p:tgtEl>
+                                          <p:spTgt spid="3">
+                                            <p:txEl>
+                                              <p:pRg st="0" end="0"/>
+                                            </p:txEl>
+                                          </p:spTgt>
+                                        </p:tgtEl>
+                                        <p:attrNameLst>
+                                          <p:attrName>style.visibility</p:attrName>
+                                        </p:attrNameLst>
+                                      </p:cBhvr>
+                                      <p:to>
+                                        <p:strVal val="visible"/>
+                                      </p:to>
+                                    </p:set>
+                                  </p:childTnLst>
+                                </p:cTn>
+                              </p:par>
+                            </p:childTnLst>
+                          </p:cTn>
+                        </p:par>
+                      </p:childTnLst>
+                    </p:cTn>
+                  </p:par>
+                  <p:par>
+                    <p:cTn id="7" fill="hold">
+                      <p:stCondLst>
+                        <p:cond delay="indefinite"/>
+                      </p:stCondLst>
+                      <p:childTnLst>
+                        <p:par>
+                          <p:cTn id="8" fill="hold">
+                            <p:stCondLst>
+                              <p:cond delay="0"/>
+                            </p:stCondLst>
+                            <p:childTnLst>
+                              <p:par>
+                                <p:cTn id="9" presetID="1" presetClass="entr" presetSubtype="0" fill="hold" nodeType="clickEffect">
+                                  <p:stCondLst>
+                                    <p:cond delay="0"/>
+                                  </p:stCondLst>
+                                  <p:childTnLst>
+                                    <p:set>
+                                      <p:cBhvr>
+                                        <p:cTn id="10" dur="1" fill="hold">
+                                          <p:stCondLst>
+                                            <p:cond delay="0"/>
+                                          </p:stCondLst>
+                                        </p:cTn>
+                                        <p:tgtEl>
+                                          <p:spTgt spid="3">
+                                            <p:txEl>
+                                              <p:pRg st="1" end="1"/>
+                                            </p:txEl>
+                                          </p:spTgt>
+                                        </p:tgtEl>
+                                        <p:attrNameLst>
+                                          <p:attrName>style.visibility</p:attrName>
+                                        </p:attrNameLst>
+                                      </p:cBhvr>
+                                      <p:to>
+                                        <p:strVal val="visible"/>
+                                      </p:to>
+                                    </p:set>
+                                  </p:childTnLst>
+                                </p:cTn>
+                              </p:par>
+                            </p:childTnLst>
+                          </p:cTn>
+                        </p:par>
+                      </p:childTnLst>
+                    </p:cTn>
+                  </p:par>
+                  <p:par>
+                    <p:cTn id="11" fill="hold">
+                      <p:stCondLst>
+                        <p:cond delay="indefinite"/>
+                      </p:stCondLst>
+                      <p:childTnLst>
+                        <p:par>
+                          <p:cTn id="12" fill="hold">
+                            <p:stCondLst>
+                              <p:cond delay="0"/>
+                            </p:stCondLst>
+                            <p:childTnLst>
+                              <p:par>
+                                <p:cTn id="13" presetID="1" presetClass="entr" presetSubtype="0" fill="hold" nodeType="clickEffect">
+                                  <p:stCondLst>
+                                    <p:cond delay="0"/>
+                                  </p:stCondLst>
+                                  <p:childTnLst>
+                                    <p:set>
+                                      <p:cBhvr>
+                                        <p:cTn id="14" dur="1" fill="hold">
+                                          <p:stCondLst>
+                                            <p:cond delay="0"/>
+                                          </p:stCondLst>
+                                        </p:cTn>
+                                        <p:tgtEl>
+                                          <p:spTgt spid="3">
+                                            <p:txEl>
+                                              <p:pRg st="2" end="2"/>
+                                            </p:txEl>
+                                          </p:spTgt>
+                                        </p:tgtEl>
+                                        <p:attrNameLst>
+                                          <p:attrName>style.visibility</p:attrName>
+                                        </p:attrNameLst>
+                                      </p:cBhvr>
+                                      <p:to>
+                                        <p:strVal val="visible"/>
+                                      </p:to>
+                                    </p:set>
+                                  </p:childTnLst>
+                                </p:cTn>
+                              </p:par>
+                            </p:childTnLst>
+                          </p:cTn>
+                        </p:par>
+                      </p:childTnLst>
+                    </p:cTn>
+                  </p:par>
+                  <p:par>
+                    <p:cTn id="15" fill="hold">
+                      <p:stCondLst>
+                        <p:cond delay="indefinite"/>
+                      </p:stCondLst>
+                      <p:childTnLst>
+                        <p:par>
+                          <p:cTn id="16" fill="hold">
+                            <p:stCondLst>
+                              <p:cond delay="0"/>
+                            </p:stCondLst>
+                            <p:childTnLst>
+                              <p:par>
+                                <p:cTn id="17" presetID="1" presetClass="entr" presetSubtype="0" fill="hold" nodeType="clickEffect">
+                                  <p:stCondLst>
+                                    <p:cond delay="0"/>
+                                  </p:stCondLst>
+                                  <p:childTnLst>
+                                    <p:set>
+                                      <p:cBhvr>
+                                        <p:cTn id="18" dur="1" fill="hold">
+                                          <p:stCondLst>
+                                            <p:cond delay="0"/>
+                                          </p:stCondLst>
+                                        </p:cTn>
+                                        <p:tgtEl>
+                                          <p:spTgt spid="3">
+                                            <p:txEl>
+                                              <p:pRg st="3" end="3"/>
+                                            </p:txEl>
+                                          </p:spTgt>
+                                        </p:tgtEl>
+                                        <p:attrNameLst>
+                                          <p:attrName>style.visibility</p:attrName>
+                                        </p:attrNameLst>
+                                      </p:cBhvr>
+                                      <p:to>
+                                        <p:strVal val="visible"/>
+                                      </p:to>
+                                    </p:set>
+                                  </p:childTnLst>
+                                </p:cTn>
+                              </p:par>
+                            </p:childTnLst>
+                          </p:cTn>
+                        </p:par>
+                      </p:childTnLst>
+                    </p:cTn>
+                  </p:par>
+                  <p:par>
+                    <p:cTn id="19" fill="hold">
+                      <p:stCondLst>
+                        <p:cond delay="indefinite"/>
+                      </p:stCondLst>
+                      <p:childTnLst>
+                        <p:par>
+                          <p:cTn id="20" fill="hold">
+                            <p:stCondLst>
+                              <p:cond delay="0"/>
+                            </p:stCondLst>
+                            <p:childTnLst>
+                              <p:par>
+                                <p:cTn id="21" presetID="1" presetClass="entr" presetSubtype="0" fill="hold" nodeType="clickEffect">
+                                  <p:stCondLst>
+                                    <p:cond delay="0"/>
+                                  </p:stCondLst>
+                                  <p:childTnLst>
+                                    <p:set>
+                                      <p:cBhvr>
+                                        <p:cTn id="22" dur="1" fill="hold">
+                                          <p:stCondLst>
+                                            <p:cond delay="0"/>
+                                          </p:stCondLst>
+                                        </p:cTn>
+                                        <p:tgtEl>
+                                          <p:spTgt spid="3">
+                                            <p:txEl>
+                                              <p:pRg st="4" end="4"/>
+                                            </p:txEl>
+                                          </p:spTgt>
+                                        </p:tgtEl>
+                                        <p:attrNameLst>
+                                          <p:attrName>style.visibility</p:attrName>
+                                        </p:attrNameLst>
+                                      </p:cBhvr>
+                                      <p:to>
+                                        <p:strVal val="visible"/>
+                                      </p:to>
+                                    </p:set>
+                                  </p:childTnLst>
+                                </p:cTn>
+                              </p:par>
+                            </p:childTnLst>
+                          </p:cTn>
+                        </p:par>
+                      </p:childTnLst>
+                    </p:cTn>
+                  </p:par>
+                </p:childTnLst>
+              </p:cTn>
+              <p:prevCondLst>
+                <p:cond evt="onPrev" delay="0">
+                  <p:tgtEl>
+                    <p:sldTgt/>
+                  </p:tgtEl>
+                </p:cond>
+              </p:prevCondLst>
+              <p:nextCondLst>
+                <p:cond evt="onNext" delay="0">
+                  <p:tgtEl>
+                    <p:sldTgt/>
+                  </p:tgtEl>
+                </p:cond>
+              </p:nextCondLst>
+            </p:seq>
+          </p:childTnLst>
+        </p:cTn>
+      </p:par>
+    </p:tnLst>
+  </p:timing>
 </p:sld>
 </file>
 
-<file path=ppt/slides/slide25.xml><?xml version="1.0" encoding="utf-8"?>
+<file path=ppt/slides/slide27.xml><?xml version="1.0" encoding="utf-8"?>
 <p:sld xmlns:a="http://schemas.openxmlformats.org/drawingml/2006/main" xmlns:r="http://schemas.openxmlformats.org/officeDocument/2006/relationships" xmlns:p="http://schemas.openxmlformats.org/presentationml/2006/main">
   <p:cSld>
     <p:spTree>
@@ -6291,8 +8692,8 @@
           </a:p>
         </p:txBody>
       </p:sp>
-      <mc:AlternateContent xmlns:mc="http://schemas.openxmlformats.org/markup-compatibility/2006">
-        <mc:Choice xmlns:a14="http://schemas.microsoft.com/office/drawing/2010/main" Requires="a14">
+      <mc:AlternateContent xmlns:mc="http://schemas.openxmlformats.org/markup-compatibility/2006" xmlns:a14="http://schemas.microsoft.com/office/drawing/2010/main">
+        <mc:Choice Requires="a14">
           <p:sp>
             <p:nvSpPr>
               <p:cNvPr id="3" name="Content Placeholder 2">
@@ -6440,7 +8841,7 @@
             </p:txBody>
           </p:sp>
         </mc:Choice>
-        <mc:Fallback>
+        <mc:Fallback xmlns="">
           <p:sp>
             <p:nvSpPr>
               <p:cNvPr id="3" name="Content Placeholder 2">
@@ -6537,10 +8938,182 @@
   <p:clrMapOvr>
     <a:masterClrMapping/>
   </p:clrMapOvr>
+  <p:timing>
+    <p:tnLst>
+      <p:par>
+        <p:cTn id="1" dur="indefinite" restart="never" nodeType="tmRoot">
+          <p:childTnLst>
+            <p:seq concurrent="1" nextAc="seek">
+              <p:cTn id="2" dur="indefinite" nodeType="mainSeq">
+                <p:childTnLst>
+                  <p:par>
+                    <p:cTn id="3" fill="hold">
+                      <p:stCondLst>
+                        <p:cond delay="indefinite"/>
+                      </p:stCondLst>
+                      <p:childTnLst>
+                        <p:par>
+                          <p:cTn id="4" fill="hold">
+                            <p:stCondLst>
+                              <p:cond delay="0"/>
+                            </p:stCondLst>
+                            <p:childTnLst>
+                              <p:par>
+                                <p:cTn id="5" presetID="1" presetClass="entr" presetSubtype="0" fill="hold" nodeType="clickEffect">
+                                  <p:stCondLst>
+                                    <p:cond delay="0"/>
+                                  </p:stCondLst>
+                                  <p:childTnLst>
+                                    <p:set>
+                                      <p:cBhvr>
+                                        <p:cTn id="6" dur="1" fill="hold">
+                                          <p:stCondLst>
+                                            <p:cond delay="0"/>
+                                          </p:stCondLst>
+                                        </p:cTn>
+                                        <p:tgtEl>
+                                          <p:spTgt spid="3">
+                                            <p:txEl>
+                                              <p:pRg st="4" end="4"/>
+                                            </p:txEl>
+                                          </p:spTgt>
+                                        </p:tgtEl>
+                                        <p:attrNameLst>
+                                          <p:attrName>style.visibility</p:attrName>
+                                        </p:attrNameLst>
+                                      </p:cBhvr>
+                                      <p:to>
+                                        <p:strVal val="visible"/>
+                                      </p:to>
+                                    </p:set>
+                                  </p:childTnLst>
+                                </p:cTn>
+                              </p:par>
+                              <p:par>
+                                <p:cTn id="7" presetID="1" presetClass="entr" presetSubtype="0" fill="hold" nodeType="withEffect">
+                                  <p:stCondLst>
+                                    <p:cond delay="0"/>
+                                  </p:stCondLst>
+                                  <p:childTnLst>
+                                    <p:set>
+                                      <p:cBhvr>
+                                        <p:cTn id="8" dur="1" fill="hold">
+                                          <p:stCondLst>
+                                            <p:cond delay="0"/>
+                                          </p:stCondLst>
+                                        </p:cTn>
+                                        <p:tgtEl>
+                                          <p:spTgt spid="3">
+                                            <p:txEl>
+                                              <p:pRg st="5" end="5"/>
+                                            </p:txEl>
+                                          </p:spTgt>
+                                        </p:tgtEl>
+                                        <p:attrNameLst>
+                                          <p:attrName>style.visibility</p:attrName>
+                                        </p:attrNameLst>
+                                      </p:cBhvr>
+                                      <p:to>
+                                        <p:strVal val="visible"/>
+                                      </p:to>
+                                    </p:set>
+                                  </p:childTnLst>
+                                </p:cTn>
+                              </p:par>
+                              <p:par>
+                                <p:cTn id="9" presetID="1" presetClass="entr" presetSubtype="0" fill="hold" nodeType="withEffect">
+                                  <p:stCondLst>
+                                    <p:cond delay="0"/>
+                                  </p:stCondLst>
+                                  <p:childTnLst>
+                                    <p:set>
+                                      <p:cBhvr>
+                                        <p:cTn id="10" dur="1" fill="hold">
+                                          <p:stCondLst>
+                                            <p:cond delay="0"/>
+                                          </p:stCondLst>
+                                        </p:cTn>
+                                        <p:tgtEl>
+                                          <p:spTgt spid="3">
+                                            <p:txEl>
+                                              <p:pRg st="6" end="6"/>
+                                            </p:txEl>
+                                          </p:spTgt>
+                                        </p:tgtEl>
+                                        <p:attrNameLst>
+                                          <p:attrName>style.visibility</p:attrName>
+                                        </p:attrNameLst>
+                                      </p:cBhvr>
+                                      <p:to>
+                                        <p:strVal val="visible"/>
+                                      </p:to>
+                                    </p:set>
+                                  </p:childTnLst>
+                                </p:cTn>
+                              </p:par>
+                              <p:par>
+                                <p:cTn id="11" presetID="1" presetClass="entr" presetSubtype="0" fill="hold" nodeType="withEffect">
+                                  <p:stCondLst>
+                                    <p:cond delay="0"/>
+                                  </p:stCondLst>
+                                  <p:childTnLst>
+                                    <p:set>
+                                      <p:cBhvr>
+                                        <p:cTn id="12" dur="1" fill="hold">
+                                          <p:stCondLst>
+                                            <p:cond delay="0"/>
+                                          </p:stCondLst>
+                                        </p:cTn>
+                                        <p:tgtEl>
+                                          <p:spTgt spid="3">
+                                            <p:txEl>
+                                              <p:pRg st="7" end="7"/>
+                                            </p:txEl>
+                                          </p:spTgt>
+                                        </p:tgtEl>
+                                        <p:attrNameLst>
+                                          <p:attrName>style.visibility</p:attrName>
+                                        </p:attrNameLst>
+                                      </p:cBhvr>
+                                      <p:to>
+                                        <p:strVal val="visible"/>
+                                      </p:to>
+                                    </p:set>
+                                  </p:childTnLst>
+                                </p:cTn>
+                              </p:par>
+                            </p:childTnLst>
+                          </p:cTn>
+                        </p:par>
+                      </p:childTnLst>
+                    </p:cTn>
+                  </p:par>
+                </p:childTnLst>
+              </p:cTn>
+              <p:prevCondLst>
+                <p:cond evt="onPrev" delay="0">
+                  <p:tgtEl>
+                    <p:sldTgt/>
+                  </p:tgtEl>
+                </p:cond>
+              </p:prevCondLst>
+              <p:nextCondLst>
+                <p:cond evt="onNext" delay="0">
+                  <p:tgtEl>
+                    <p:sldTgt/>
+                  </p:tgtEl>
+                </p:cond>
+              </p:nextCondLst>
+            </p:seq>
+          </p:childTnLst>
+        </p:cTn>
+      </p:par>
+    </p:tnLst>
+  </p:timing>
 </p:sld>
 </file>
 
-<file path=ppt/slides/slide26.xml><?xml version="1.0" encoding="utf-8"?>
+<file path=ppt/slides/slide28.xml><?xml version="1.0" encoding="utf-8"?>
 <p:sld xmlns:a="http://schemas.openxmlformats.org/drawingml/2006/main" xmlns:r="http://schemas.openxmlformats.org/officeDocument/2006/relationships" xmlns:p="http://schemas.openxmlformats.org/presentationml/2006/main">
   <p:cSld>
     <p:spTree>
@@ -6585,8 +9158,8 @@
           </a:p>
         </p:txBody>
       </p:sp>
-      <mc:AlternateContent xmlns:mc="http://schemas.openxmlformats.org/markup-compatibility/2006">
-        <mc:Choice xmlns:a14="http://schemas.microsoft.com/office/drawing/2010/main" Requires="a14">
+      <mc:AlternateContent xmlns:mc="http://schemas.openxmlformats.org/markup-compatibility/2006" xmlns:a14="http://schemas.microsoft.com/office/drawing/2010/main">
+        <mc:Choice Requires="a14">
           <p:sp>
             <p:nvSpPr>
               <p:cNvPr id="3" name="Content Placeholder 2">
@@ -6978,7 +9551,7 @@
             </p:txBody>
           </p:sp>
         </mc:Choice>
-        <mc:Fallback>
+        <mc:Fallback xmlns="">
           <p:sp>
             <p:nvSpPr>
               <p:cNvPr id="3" name="Content Placeholder 2">
@@ -7058,10 +9631,232 @@
   <p:clrMapOvr>
     <a:masterClrMapping/>
   </p:clrMapOvr>
+  <p:timing>
+    <p:tnLst>
+      <p:par>
+        <p:cTn id="1" dur="indefinite" restart="never" nodeType="tmRoot">
+          <p:childTnLst>
+            <p:seq concurrent="1" nextAc="seek">
+              <p:cTn id="2" dur="indefinite" nodeType="mainSeq">
+                <p:childTnLst>
+                  <p:par>
+                    <p:cTn id="3" fill="hold">
+                      <p:stCondLst>
+                        <p:cond delay="indefinite"/>
+                      </p:stCondLst>
+                      <p:childTnLst>
+                        <p:par>
+                          <p:cTn id="4" fill="hold">
+                            <p:stCondLst>
+                              <p:cond delay="0"/>
+                            </p:stCondLst>
+                            <p:childTnLst>
+                              <p:par>
+                                <p:cTn id="5" presetID="1" presetClass="entr" presetSubtype="0" fill="hold" nodeType="clickEffect">
+                                  <p:stCondLst>
+                                    <p:cond delay="0"/>
+                                  </p:stCondLst>
+                                  <p:childTnLst>
+                                    <p:set>
+                                      <p:cBhvr>
+                                        <p:cTn id="6" dur="1" fill="hold">
+                                          <p:stCondLst>
+                                            <p:cond delay="0"/>
+                                          </p:stCondLst>
+                                        </p:cTn>
+                                        <p:tgtEl>
+                                          <p:spTgt spid="3">
+                                            <p:txEl>
+                                              <p:pRg st="0" end="0"/>
+                                            </p:txEl>
+                                          </p:spTgt>
+                                        </p:tgtEl>
+                                        <p:attrNameLst>
+                                          <p:attrName>style.visibility</p:attrName>
+                                        </p:attrNameLst>
+                                      </p:cBhvr>
+                                      <p:to>
+                                        <p:strVal val="visible"/>
+                                      </p:to>
+                                    </p:set>
+                                  </p:childTnLst>
+                                </p:cTn>
+                              </p:par>
+                            </p:childTnLst>
+                          </p:cTn>
+                        </p:par>
+                      </p:childTnLst>
+                    </p:cTn>
+                  </p:par>
+                  <p:par>
+                    <p:cTn id="7" fill="hold">
+                      <p:stCondLst>
+                        <p:cond delay="indefinite"/>
+                      </p:stCondLst>
+                      <p:childTnLst>
+                        <p:par>
+                          <p:cTn id="8" fill="hold">
+                            <p:stCondLst>
+                              <p:cond delay="0"/>
+                            </p:stCondLst>
+                            <p:childTnLst>
+                              <p:par>
+                                <p:cTn id="9" presetID="1" presetClass="entr" presetSubtype="0" fill="hold" nodeType="clickEffect">
+                                  <p:stCondLst>
+                                    <p:cond delay="0"/>
+                                  </p:stCondLst>
+                                  <p:childTnLst>
+                                    <p:set>
+                                      <p:cBhvr>
+                                        <p:cTn id="10" dur="1" fill="hold">
+                                          <p:stCondLst>
+                                            <p:cond delay="0"/>
+                                          </p:stCondLst>
+                                        </p:cTn>
+                                        <p:tgtEl>
+                                          <p:spTgt spid="3">
+                                            <p:txEl>
+                                              <p:pRg st="1" end="1"/>
+                                            </p:txEl>
+                                          </p:spTgt>
+                                        </p:tgtEl>
+                                        <p:attrNameLst>
+                                          <p:attrName>style.visibility</p:attrName>
+                                        </p:attrNameLst>
+                                      </p:cBhvr>
+                                      <p:to>
+                                        <p:strVal val="visible"/>
+                                      </p:to>
+                                    </p:set>
+                                  </p:childTnLst>
+                                </p:cTn>
+                              </p:par>
+                            </p:childTnLst>
+                          </p:cTn>
+                        </p:par>
+                      </p:childTnLst>
+                    </p:cTn>
+                  </p:par>
+                  <p:par>
+                    <p:cTn id="11" fill="hold">
+                      <p:stCondLst>
+                        <p:cond delay="indefinite"/>
+                      </p:stCondLst>
+                      <p:childTnLst>
+                        <p:par>
+                          <p:cTn id="12" fill="hold">
+                            <p:stCondLst>
+                              <p:cond delay="0"/>
+                            </p:stCondLst>
+                            <p:childTnLst>
+                              <p:par>
+                                <p:cTn id="13" presetID="1" presetClass="entr" presetSubtype="0" fill="hold" nodeType="clickEffect">
+                                  <p:stCondLst>
+                                    <p:cond delay="0"/>
+                                  </p:stCondLst>
+                                  <p:childTnLst>
+                                    <p:set>
+                                      <p:cBhvr>
+                                        <p:cTn id="14" dur="1" fill="hold">
+                                          <p:stCondLst>
+                                            <p:cond delay="0"/>
+                                          </p:stCondLst>
+                                        </p:cTn>
+                                        <p:tgtEl>
+                                          <p:spTgt spid="3">
+                                            <p:txEl>
+                                              <p:pRg st="2" end="2"/>
+                                            </p:txEl>
+                                          </p:spTgt>
+                                        </p:tgtEl>
+                                        <p:attrNameLst>
+                                          <p:attrName>style.visibility</p:attrName>
+                                        </p:attrNameLst>
+                                      </p:cBhvr>
+                                      <p:to>
+                                        <p:strVal val="visible"/>
+                                      </p:to>
+                                    </p:set>
+                                  </p:childTnLst>
+                                </p:cTn>
+                              </p:par>
+                            </p:childTnLst>
+                          </p:cTn>
+                        </p:par>
+                      </p:childTnLst>
+                    </p:cTn>
+                  </p:par>
+                  <p:par>
+                    <p:cTn id="15" fill="hold">
+                      <p:stCondLst>
+                        <p:cond delay="indefinite"/>
+                      </p:stCondLst>
+                      <p:childTnLst>
+                        <p:par>
+                          <p:cTn id="16" fill="hold">
+                            <p:stCondLst>
+                              <p:cond delay="0"/>
+                            </p:stCondLst>
+                            <p:childTnLst>
+                              <p:par>
+                                <p:cTn id="17" presetID="1" presetClass="entr" presetSubtype="0" fill="hold" nodeType="clickEffect">
+                                  <p:stCondLst>
+                                    <p:cond delay="0"/>
+                                  </p:stCondLst>
+                                  <p:childTnLst>
+                                    <p:set>
+                                      <p:cBhvr>
+                                        <p:cTn id="18" dur="1" fill="hold">
+                                          <p:stCondLst>
+                                            <p:cond delay="0"/>
+                                          </p:stCondLst>
+                                        </p:cTn>
+                                        <p:tgtEl>
+                                          <p:spTgt spid="5"/>
+                                        </p:tgtEl>
+                                        <p:attrNameLst>
+                                          <p:attrName>style.visibility</p:attrName>
+                                        </p:attrNameLst>
+                                      </p:cBhvr>
+                                      <p:to>
+                                        <p:strVal val="visible"/>
+                                      </p:to>
+                                    </p:set>
+                                  </p:childTnLst>
+                                </p:cTn>
+                              </p:par>
+                            </p:childTnLst>
+                          </p:cTn>
+                        </p:par>
+                      </p:childTnLst>
+                    </p:cTn>
+                  </p:par>
+                </p:childTnLst>
+              </p:cTn>
+              <p:prevCondLst>
+                <p:cond evt="onPrev" delay="0">
+                  <p:tgtEl>
+                    <p:sldTgt/>
+                  </p:tgtEl>
+                </p:cond>
+              </p:prevCondLst>
+              <p:nextCondLst>
+                <p:cond evt="onNext" delay="0">
+                  <p:tgtEl>
+                    <p:sldTgt/>
+                  </p:tgtEl>
+                </p:cond>
+              </p:nextCondLst>
+            </p:seq>
+          </p:childTnLst>
+        </p:cTn>
+      </p:par>
+    </p:tnLst>
+  </p:timing>
 </p:sld>
 </file>
 
-<file path=ppt/slides/slide27.xml><?xml version="1.0" encoding="utf-8"?>
+<file path=ppt/slides/slide29.xml><?xml version="1.0" encoding="utf-8"?>
 <p:sld xmlns:a="http://schemas.openxmlformats.org/drawingml/2006/main" xmlns:r="http://schemas.openxmlformats.org/officeDocument/2006/relationships" xmlns:p="http://schemas.openxmlformats.org/presentationml/2006/main">
   <p:cSld>
     <p:spTree>
@@ -7106,8 +9901,8 @@
           </a:p>
         </p:txBody>
       </p:sp>
-      <mc:AlternateContent xmlns:mc="http://schemas.openxmlformats.org/markup-compatibility/2006">
-        <mc:Choice xmlns:a14="http://schemas.microsoft.com/office/drawing/2010/main" Requires="a14">
+      <mc:AlternateContent xmlns:mc="http://schemas.openxmlformats.org/markup-compatibility/2006" xmlns:a14="http://schemas.microsoft.com/office/drawing/2010/main">
+        <mc:Choice Requires="a14">
           <p:sp>
             <p:nvSpPr>
               <p:cNvPr id="3" name="Content Placeholder 2">
@@ -7184,7 +9979,7 @@
             </p:txBody>
           </p:sp>
         </mc:Choice>
-        <mc:Fallback>
+        <mc:Fallback xmlns="">
           <p:sp>
             <p:nvSpPr>
               <p:cNvPr id="3" name="Content Placeholder 2">
@@ -7267,7 +10062,135 @@
 </p:sld>
 </file>
 
-<file path=ppt/slides/slide28.xml><?xml version="1.0" encoding="utf-8"?>
+<file path=ppt/slides/slide3.xml><?xml version="1.0" encoding="utf-8"?>
+<p:sld xmlns:a="http://schemas.openxmlformats.org/drawingml/2006/main" xmlns:r="http://schemas.openxmlformats.org/officeDocument/2006/relationships" xmlns:p="http://schemas.openxmlformats.org/presentationml/2006/main">
+  <p:cSld>
+    <p:spTree>
+      <p:nvGrpSpPr>
+        <p:cNvPr id="1" name=""/>
+        <p:cNvGrpSpPr/>
+        <p:nvPr/>
+      </p:nvGrpSpPr>
+      <p:grpSpPr>
+        <a:xfrm>
+          <a:off x="0" y="0"/>
+          <a:ext cx="0" cy="0"/>
+          <a:chOff x="0" y="0"/>
+          <a:chExt cx="0" cy="0"/>
+        </a:xfrm>
+      </p:grpSpPr>
+      <p:sp>
+        <p:nvSpPr>
+          <p:cNvPr id="2" name="Title 1">
+            <a:extLst>
+              <a:ext uri="{FF2B5EF4-FFF2-40B4-BE49-F238E27FC236}">
+                <a16:creationId xmlns:a16="http://schemas.microsoft.com/office/drawing/2014/main" id="{811D3038-B613-94E1-5953-9852B0A3E3AC}"/>
+              </a:ext>
+            </a:extLst>
+          </p:cNvPr>
+          <p:cNvSpPr>
+            <a:spLocks noGrp="1"/>
+          </p:cNvSpPr>
+          <p:nvPr>
+            <p:ph type="title"/>
+          </p:nvPr>
+        </p:nvSpPr>
+        <p:spPr/>
+        <p:txBody>
+          <a:bodyPr>
+            <a:normAutofit/>
+          </a:bodyPr>
+          <a:lstStyle/>
+          <a:p>
+            <a:r>
+              <a:rPr lang="en-US" sz="4000" b="1" dirty="0"/>
+              <a:t>Hmm. So where are we?</a:t>
+            </a:r>
+          </a:p>
+        </p:txBody>
+      </p:sp>
+      <p:sp>
+        <p:nvSpPr>
+          <p:cNvPr id="3" name="Content Placeholder 2">
+            <a:extLst>
+              <a:ext uri="{FF2B5EF4-FFF2-40B4-BE49-F238E27FC236}">
+                <a16:creationId xmlns:a16="http://schemas.microsoft.com/office/drawing/2014/main" id="{4FF8670A-E3E9-260A-D201-ED81AD1323AD}"/>
+              </a:ext>
+            </a:extLst>
+          </p:cNvPr>
+          <p:cNvSpPr>
+            <a:spLocks noGrp="1"/>
+          </p:cNvSpPr>
+          <p:nvPr>
+            <p:ph idx="1"/>
+          </p:nvPr>
+        </p:nvSpPr>
+        <p:spPr/>
+        <p:txBody>
+          <a:bodyPr>
+            <a:normAutofit lnSpcReduction="10000"/>
+          </a:bodyPr>
+          <a:lstStyle/>
+          <a:p>
+            <a:pPr>
+              <a:lnSpc>
+                <a:spcPct val="200000"/>
+              </a:lnSpc>
+            </a:pPr>
+            <a:r>
+              <a:rPr lang="en-US" dirty="0"/>
+              <a:t>Text classification and topic modeling may seem like all we need for natural language processing</a:t>
+            </a:r>
+          </a:p>
+          <a:p>
+            <a:pPr>
+              <a:lnSpc>
+                <a:spcPct val="200000"/>
+              </a:lnSpc>
+            </a:pPr>
+            <a:r>
+              <a:rPr lang="en-US" dirty="0"/>
+              <a:t>You can handle most natural language problems </a:t>
+            </a:r>
+          </a:p>
+          <a:p>
+            <a:pPr lvl="1">
+              <a:lnSpc>
+                <a:spcPct val="200000"/>
+              </a:lnSpc>
+            </a:pPr>
+            <a:r>
+              <a:rPr lang="en-US" dirty="0"/>
+              <a:t>Detail might matter</a:t>
+            </a:r>
+          </a:p>
+          <a:p>
+            <a:pPr>
+              <a:lnSpc>
+                <a:spcPct val="200000"/>
+              </a:lnSpc>
+            </a:pPr>
+            <a:r>
+              <a:rPr lang="en-US" dirty="0"/>
+              <a:t>Mathematically represent language units - frequency</a:t>
+            </a:r>
+          </a:p>
+        </p:txBody>
+      </p:sp>
+    </p:spTree>
+    <p:extLst>
+      <p:ext uri="{BB962C8B-B14F-4D97-AF65-F5344CB8AC3E}">
+        <p14:creationId xmlns:p14="http://schemas.microsoft.com/office/powerpoint/2010/main" val="1608744435"/>
+      </p:ext>
+    </p:extLst>
+  </p:cSld>
+  <p:clrMapOvr>
+    <a:masterClrMapping/>
+  </p:clrMapOvr>
+</p:sld>
+</file>
+
+<file path=ppt/slides/slide30.xml><?xml version="1.0" encoding="utf-8"?>
 <p:sld xmlns:a="http://schemas.openxmlformats.org/drawingml/2006/main" xmlns:r="http://schemas.openxmlformats.org/officeDocument/2006/relationships" xmlns:p="http://schemas.openxmlformats.org/presentationml/2006/main">
   <p:cSld>
     <p:spTree>
@@ -7308,7 +10231,7 @@
           <a:lstStyle/>
           <a:p>
             <a:r>
-              <a:rPr lang="en-US" sz="2800" dirty="0"/>
+              <a:rPr lang="en-US" sz="2800" b="1" dirty="0"/>
               <a:t>Sample data for our exam predictor algorithm and a potential classifier</a:t>
             </a:r>
           </a:p>
@@ -7363,8 +10286,8 @@
           </a:extLst>
         </p:spPr>
       </p:pic>
-      <mc:AlternateContent xmlns:mc="http://schemas.openxmlformats.org/markup-compatibility/2006">
-        <mc:Choice xmlns:a14="http://schemas.microsoft.com/office/drawing/2010/main" Requires="a14">
+      <mc:AlternateContent xmlns:mc="http://schemas.openxmlformats.org/markup-compatibility/2006" xmlns:a14="http://schemas.microsoft.com/office/drawing/2010/main">
+        <mc:Choice Requires="a14">
           <p:sp>
             <p:nvSpPr>
               <p:cNvPr id="5" name="TextBox 4">
@@ -7415,7 +10338,7 @@
             </p:txBody>
           </p:sp>
         </mc:Choice>
-        <mc:Fallback>
+        <mc:Fallback xmlns="">
           <p:sp>
             <p:nvSpPr>
               <p:cNvPr id="5" name="TextBox 4">
@@ -7538,7 +10461,7 @@
 </p:sld>
 </file>
 
-<file path=ppt/slides/slide29.xml><?xml version="1.0" encoding="utf-8"?>
+<file path=ppt/slides/slide31.xml><?xml version="1.0" encoding="utf-8"?>
 <p:sld xmlns:a="http://schemas.openxmlformats.org/drawingml/2006/main" xmlns:r="http://schemas.openxmlformats.org/officeDocument/2006/relationships" xmlns:p="http://schemas.openxmlformats.org/presentationml/2006/main">
   <p:cSld>
     <p:spTree>
@@ -7577,7 +10500,7 @@
           <a:lstStyle/>
           <a:p>
             <a:r>
-              <a:rPr lang="en-US" dirty="0"/>
+              <a:rPr lang="en-US" b="1" dirty="0"/>
               <a:t>Limitations?</a:t>
             </a:r>
           </a:p>
@@ -7601,16 +10524,27 @@
         </p:nvSpPr>
         <p:spPr/>
         <p:txBody>
-          <a:bodyPr/>
+          <a:bodyPr>
+            <a:normAutofit lnSpcReduction="10000"/>
+          </a:bodyPr>
           <a:lstStyle/>
           <a:p>
+            <a:pPr>
+              <a:lnSpc>
+                <a:spcPct val="150000"/>
+              </a:lnSpc>
+            </a:pPr>
             <a:r>
               <a:rPr lang="en-US" dirty="0"/>
               <a:t>How do we come up with an optimal value for the parameter vector in the first place?</a:t>
             </a:r>
           </a:p>
           <a:p>
-            <a:pPr lvl="1"/>
+            <a:pPr lvl="1">
+              <a:lnSpc>
+                <a:spcPct val="150000"/>
+              </a:lnSpc>
+            </a:pPr>
             <a:r>
               <a:rPr lang="en-US" dirty="0"/>
               <a:t>Called </a:t>
@@ -7621,20 +10555,33 @@
             </a:r>
           </a:p>
           <a:p>
-            <a:pPr lvl="1"/>
+            <a:pPr lvl="1">
+              <a:lnSpc>
+                <a:spcPct val="150000"/>
+              </a:lnSpc>
+            </a:pPr>
             <a:r>
               <a:rPr lang="en-US" dirty="0"/>
               <a:t>An optimizer aims to maximize the performance of a machine learning model by iteratively tweaking its parameters until the error is minimized</a:t>
             </a:r>
           </a:p>
           <a:p>
-            <a:pPr lvl="2"/>
+            <a:pPr lvl="2">
+              <a:lnSpc>
+                <a:spcPct val="150000"/>
+              </a:lnSpc>
+            </a:pPr>
             <a:r>
               <a:rPr lang="en-US" dirty="0"/>
               <a:t>Gradient descent, SGD, …</a:t>
             </a:r>
           </a:p>
           <a:p>
+            <a:pPr>
+              <a:lnSpc>
+                <a:spcPct val="150000"/>
+              </a:lnSpc>
+            </a:pPr>
             <a:r>
               <a:rPr lang="en-US" dirty="0"/>
               <a:t>What if the data looks ugly?</a:t>
@@ -7652,171 +10599,285 @@
   <p:clrMapOvr>
     <a:masterClrMapping/>
   </p:clrMapOvr>
+  <p:timing>
+    <p:tnLst>
+      <p:par>
+        <p:cTn id="1" dur="indefinite" restart="never" nodeType="tmRoot">
+          <p:childTnLst>
+            <p:seq concurrent="1" nextAc="seek">
+              <p:cTn id="2" dur="indefinite" nodeType="mainSeq">
+                <p:childTnLst>
+                  <p:par>
+                    <p:cTn id="3" fill="hold">
+                      <p:stCondLst>
+                        <p:cond delay="indefinite"/>
+                      </p:stCondLst>
+                      <p:childTnLst>
+                        <p:par>
+                          <p:cTn id="4" fill="hold">
+                            <p:stCondLst>
+                              <p:cond delay="0"/>
+                            </p:stCondLst>
+                            <p:childTnLst>
+                              <p:par>
+                                <p:cTn id="5" presetID="1" presetClass="entr" presetSubtype="0" fill="hold" nodeType="clickEffect">
+                                  <p:stCondLst>
+                                    <p:cond delay="0"/>
+                                  </p:stCondLst>
+                                  <p:childTnLst>
+                                    <p:set>
+                                      <p:cBhvr>
+                                        <p:cTn id="6" dur="1" fill="hold">
+                                          <p:stCondLst>
+                                            <p:cond delay="0"/>
+                                          </p:stCondLst>
+                                        </p:cTn>
+                                        <p:tgtEl>
+                                          <p:spTgt spid="3">
+                                            <p:txEl>
+                                              <p:pRg st="0" end="0"/>
+                                            </p:txEl>
+                                          </p:spTgt>
+                                        </p:tgtEl>
+                                        <p:attrNameLst>
+                                          <p:attrName>style.visibility</p:attrName>
+                                        </p:attrNameLst>
+                                      </p:cBhvr>
+                                      <p:to>
+                                        <p:strVal val="visible"/>
+                                      </p:to>
+                                    </p:set>
+                                  </p:childTnLst>
+                                </p:cTn>
+                              </p:par>
+                            </p:childTnLst>
+                          </p:cTn>
+                        </p:par>
+                      </p:childTnLst>
+                    </p:cTn>
+                  </p:par>
+                  <p:par>
+                    <p:cTn id="7" fill="hold">
+                      <p:stCondLst>
+                        <p:cond delay="indefinite"/>
+                      </p:stCondLst>
+                      <p:childTnLst>
+                        <p:par>
+                          <p:cTn id="8" fill="hold">
+                            <p:stCondLst>
+                              <p:cond delay="0"/>
+                            </p:stCondLst>
+                            <p:childTnLst>
+                              <p:par>
+                                <p:cTn id="9" presetID="1" presetClass="entr" presetSubtype="0" fill="hold" nodeType="clickEffect">
+                                  <p:stCondLst>
+                                    <p:cond delay="0"/>
+                                  </p:stCondLst>
+                                  <p:childTnLst>
+                                    <p:set>
+                                      <p:cBhvr>
+                                        <p:cTn id="10" dur="1" fill="hold">
+                                          <p:stCondLst>
+                                            <p:cond delay="0"/>
+                                          </p:stCondLst>
+                                        </p:cTn>
+                                        <p:tgtEl>
+                                          <p:spTgt spid="3">
+                                            <p:txEl>
+                                              <p:pRg st="1" end="1"/>
+                                            </p:txEl>
+                                          </p:spTgt>
+                                        </p:tgtEl>
+                                        <p:attrNameLst>
+                                          <p:attrName>style.visibility</p:attrName>
+                                        </p:attrNameLst>
+                                      </p:cBhvr>
+                                      <p:to>
+                                        <p:strVal val="visible"/>
+                                      </p:to>
+                                    </p:set>
+                                  </p:childTnLst>
+                                </p:cTn>
+                              </p:par>
+                            </p:childTnLst>
+                          </p:cTn>
+                        </p:par>
+                      </p:childTnLst>
+                    </p:cTn>
+                  </p:par>
+                  <p:par>
+                    <p:cTn id="11" fill="hold">
+                      <p:stCondLst>
+                        <p:cond delay="indefinite"/>
+                      </p:stCondLst>
+                      <p:childTnLst>
+                        <p:par>
+                          <p:cTn id="12" fill="hold">
+                            <p:stCondLst>
+                              <p:cond delay="0"/>
+                            </p:stCondLst>
+                            <p:childTnLst>
+                              <p:par>
+                                <p:cTn id="13" presetID="1" presetClass="entr" presetSubtype="0" fill="hold" nodeType="clickEffect">
+                                  <p:stCondLst>
+                                    <p:cond delay="0"/>
+                                  </p:stCondLst>
+                                  <p:childTnLst>
+                                    <p:set>
+                                      <p:cBhvr>
+                                        <p:cTn id="14" dur="1" fill="hold">
+                                          <p:stCondLst>
+                                            <p:cond delay="0"/>
+                                          </p:stCondLst>
+                                        </p:cTn>
+                                        <p:tgtEl>
+                                          <p:spTgt spid="3">
+                                            <p:txEl>
+                                              <p:pRg st="2" end="2"/>
+                                            </p:txEl>
+                                          </p:spTgt>
+                                        </p:tgtEl>
+                                        <p:attrNameLst>
+                                          <p:attrName>style.visibility</p:attrName>
+                                        </p:attrNameLst>
+                                      </p:cBhvr>
+                                      <p:to>
+                                        <p:strVal val="visible"/>
+                                      </p:to>
+                                    </p:set>
+                                  </p:childTnLst>
+                                </p:cTn>
+                              </p:par>
+                            </p:childTnLst>
+                          </p:cTn>
+                        </p:par>
+                      </p:childTnLst>
+                    </p:cTn>
+                  </p:par>
+                  <p:par>
+                    <p:cTn id="15" fill="hold">
+                      <p:stCondLst>
+                        <p:cond delay="indefinite"/>
+                      </p:stCondLst>
+                      <p:childTnLst>
+                        <p:par>
+                          <p:cTn id="16" fill="hold">
+                            <p:stCondLst>
+                              <p:cond delay="0"/>
+                            </p:stCondLst>
+                            <p:childTnLst>
+                              <p:par>
+                                <p:cTn id="17" presetID="1" presetClass="entr" presetSubtype="0" fill="hold" nodeType="clickEffect">
+                                  <p:stCondLst>
+                                    <p:cond delay="0"/>
+                                  </p:stCondLst>
+                                  <p:childTnLst>
+                                    <p:set>
+                                      <p:cBhvr>
+                                        <p:cTn id="18" dur="1" fill="hold">
+                                          <p:stCondLst>
+                                            <p:cond delay="0"/>
+                                          </p:stCondLst>
+                                        </p:cTn>
+                                        <p:tgtEl>
+                                          <p:spTgt spid="3">
+                                            <p:txEl>
+                                              <p:pRg st="3" end="3"/>
+                                            </p:txEl>
+                                          </p:spTgt>
+                                        </p:tgtEl>
+                                        <p:attrNameLst>
+                                          <p:attrName>style.visibility</p:attrName>
+                                        </p:attrNameLst>
+                                      </p:cBhvr>
+                                      <p:to>
+                                        <p:strVal val="visible"/>
+                                      </p:to>
+                                    </p:set>
+                                  </p:childTnLst>
+                                </p:cTn>
+                              </p:par>
+                            </p:childTnLst>
+                          </p:cTn>
+                        </p:par>
+                      </p:childTnLst>
+                    </p:cTn>
+                  </p:par>
+                  <p:par>
+                    <p:cTn id="19" fill="hold">
+                      <p:stCondLst>
+                        <p:cond delay="indefinite"/>
+                      </p:stCondLst>
+                      <p:childTnLst>
+                        <p:par>
+                          <p:cTn id="20" fill="hold">
+                            <p:stCondLst>
+                              <p:cond delay="0"/>
+                            </p:stCondLst>
+                            <p:childTnLst>
+                              <p:par>
+                                <p:cTn id="21" presetID="1" presetClass="entr" presetSubtype="0" fill="hold" nodeType="clickEffect">
+                                  <p:stCondLst>
+                                    <p:cond delay="0"/>
+                                  </p:stCondLst>
+                                  <p:childTnLst>
+                                    <p:set>
+                                      <p:cBhvr>
+                                        <p:cTn id="22" dur="1" fill="hold">
+                                          <p:stCondLst>
+                                            <p:cond delay="0"/>
+                                          </p:stCondLst>
+                                        </p:cTn>
+                                        <p:tgtEl>
+                                          <p:spTgt spid="3">
+                                            <p:txEl>
+                                              <p:pRg st="4" end="4"/>
+                                            </p:txEl>
+                                          </p:spTgt>
+                                        </p:tgtEl>
+                                        <p:attrNameLst>
+                                          <p:attrName>style.visibility</p:attrName>
+                                        </p:attrNameLst>
+                                      </p:cBhvr>
+                                      <p:to>
+                                        <p:strVal val="visible"/>
+                                      </p:to>
+                                    </p:set>
+                                  </p:childTnLst>
+                                </p:cTn>
+                              </p:par>
+                            </p:childTnLst>
+                          </p:cTn>
+                        </p:par>
+                      </p:childTnLst>
+                    </p:cTn>
+                  </p:par>
+                </p:childTnLst>
+              </p:cTn>
+              <p:prevCondLst>
+                <p:cond evt="onPrev" delay="0">
+                  <p:tgtEl>
+                    <p:sldTgt/>
+                  </p:tgtEl>
+                </p:cond>
+              </p:prevCondLst>
+              <p:nextCondLst>
+                <p:cond evt="onNext" delay="0">
+                  <p:tgtEl>
+                    <p:sldTgt/>
+                  </p:tgtEl>
+                </p:cond>
+              </p:nextCondLst>
+            </p:seq>
+          </p:childTnLst>
+        </p:cTn>
+      </p:par>
+    </p:tnLst>
+  </p:timing>
 </p:sld>
 </file>
 
-<file path=ppt/slides/slide3.xml><?xml version="1.0" encoding="utf-8"?>
-<p:sld xmlns:a="http://schemas.openxmlformats.org/drawingml/2006/main" xmlns:r="http://schemas.openxmlformats.org/officeDocument/2006/relationships" xmlns:p="http://schemas.openxmlformats.org/presentationml/2006/main">
-  <p:cSld>
-    <p:spTree>
-      <p:nvGrpSpPr>
-        <p:cNvPr id="1" name=""/>
-        <p:cNvGrpSpPr/>
-        <p:nvPr/>
-      </p:nvGrpSpPr>
-      <p:grpSpPr>
-        <a:xfrm>
-          <a:off x="0" y="0"/>
-          <a:ext cx="0" cy="0"/>
-          <a:chOff x="0" y="0"/>
-          <a:chExt cx="0" cy="0"/>
-        </a:xfrm>
-      </p:grpSpPr>
-      <p:sp>
-        <p:nvSpPr>
-          <p:cNvPr id="2" name="Title 1">
-            <a:extLst>
-              <a:ext uri="{FF2B5EF4-FFF2-40B4-BE49-F238E27FC236}">
-                <a16:creationId xmlns:a16="http://schemas.microsoft.com/office/drawing/2014/main" id="{0DC74DE7-EBA3-8B0B-946B-0E54D840E52A}"/>
-              </a:ext>
-            </a:extLst>
-          </p:cNvPr>
-          <p:cNvSpPr>
-            <a:spLocks noGrp="1"/>
-          </p:cNvSpPr>
-          <p:nvPr>
-            <p:ph type="title"/>
-          </p:nvPr>
-        </p:nvSpPr>
-        <p:spPr/>
-        <p:txBody>
-          <a:bodyPr>
-            <a:normAutofit/>
-          </a:bodyPr>
-          <a:lstStyle/>
-          <a:p>
-            <a:r>
-              <a:rPr lang="en-US" sz="4000" b="1" dirty="0"/>
-              <a:t>Linear classification</a:t>
-            </a:r>
-          </a:p>
-        </p:txBody>
-      </p:sp>
-      <p:sp>
-        <p:nvSpPr>
-          <p:cNvPr id="3" name="Content Placeholder 2">
-            <a:extLst>
-              <a:ext uri="{FF2B5EF4-FFF2-40B4-BE49-F238E27FC236}">
-                <a16:creationId xmlns:a16="http://schemas.microsoft.com/office/drawing/2014/main" id="{8A1953CF-6845-14BA-8E32-2F231DF4E38C}"/>
-              </a:ext>
-            </a:extLst>
-          </p:cNvPr>
-          <p:cNvSpPr>
-            <a:spLocks noGrp="1"/>
-          </p:cNvSpPr>
-          <p:nvPr>
-            <p:ph idx="1"/>
-          </p:nvPr>
-        </p:nvSpPr>
-        <p:spPr/>
-        <p:txBody>
-          <a:bodyPr>
-            <a:normAutofit fontScale="85000" lnSpcReduction="20000"/>
-          </a:bodyPr>
-          <a:lstStyle/>
-          <a:p>
-            <a:pPr>
-              <a:lnSpc>
-                <a:spcPct val="150000"/>
-              </a:lnSpc>
-            </a:pPr>
-            <a:r>
-              <a:rPr lang="en-US" dirty="0"/>
-              <a:t>The BOW representation is inherently high dimensional</a:t>
-            </a:r>
-          </a:p>
-          <a:p>
-            <a:pPr lvl="1">
-              <a:lnSpc>
-                <a:spcPct val="150000"/>
-              </a:lnSpc>
-            </a:pPr>
-            <a:r>
-              <a:rPr lang="en-US" dirty="0"/>
-              <a:t>Usually possible to find a linear classifier that perfectly fits the training data</a:t>
-            </a:r>
-          </a:p>
-          <a:p>
-            <a:pPr lvl="1">
-              <a:lnSpc>
-                <a:spcPct val="150000"/>
-              </a:lnSpc>
-            </a:pPr>
-            <a:r>
-              <a:rPr lang="en-US" dirty="0"/>
-              <a:t>even to fit any arbitrary labeling of the training instances </a:t>
-            </a:r>
-          </a:p>
-          <a:p>
-            <a:pPr>
-              <a:lnSpc>
-                <a:spcPct val="150000"/>
-              </a:lnSpc>
-            </a:pPr>
-            <a:r>
-              <a:rPr lang="en-US" dirty="0"/>
-              <a:t>Moving to nonlinear classification may therefore only increase the risk of overfitting </a:t>
-            </a:r>
-          </a:p>
-          <a:p>
-            <a:pPr>
-              <a:lnSpc>
-                <a:spcPct val="150000"/>
-              </a:lnSpc>
-            </a:pPr>
-            <a:r>
-              <a:rPr lang="en-US" dirty="0"/>
-              <a:t>Word frequencies are meaningful in isolation</a:t>
-            </a:r>
-          </a:p>
-          <a:p>
-            <a:pPr lvl="1">
-              <a:lnSpc>
-                <a:spcPct val="150000"/>
-              </a:lnSpc>
-            </a:pPr>
-            <a:r>
-              <a:rPr lang="en-US" dirty="0"/>
-              <a:t>Can offer independent evidence about the instance label</a:t>
-            </a:r>
-          </a:p>
-          <a:p>
-            <a:pPr>
-              <a:lnSpc>
-                <a:spcPct val="150000"/>
-              </a:lnSpc>
-            </a:pPr>
-            <a:r>
-              <a:rPr lang="en-US" dirty="0"/>
-              <a:t>NLP has historically focused on linear classification</a:t>
-            </a:r>
-          </a:p>
-        </p:txBody>
-      </p:sp>
-    </p:spTree>
-    <p:extLst>
-      <p:ext uri="{BB962C8B-B14F-4D97-AF65-F5344CB8AC3E}">
-        <p14:creationId xmlns:p14="http://schemas.microsoft.com/office/powerpoint/2010/main" val="22194422"/>
-      </p:ext>
-    </p:extLst>
-  </p:cSld>
-  <p:clrMapOvr>
-    <a:masterClrMapping/>
-  </p:clrMapOvr>
-</p:sld>
-</file>
-
-<file path=ppt/slides/slide30.xml><?xml version="1.0" encoding="utf-8"?>
+<file path=ppt/slides/slide32.xml><?xml version="1.0" encoding="utf-8"?>
 <p:sld xmlns:a="http://schemas.openxmlformats.org/drawingml/2006/main" xmlns:r="http://schemas.openxmlformats.org/officeDocument/2006/relationships" xmlns:p="http://schemas.openxmlformats.org/presentationml/2006/main">
   <p:cSld>
     <p:spTree>
@@ -7967,7 +11028,7 @@
 </p:sld>
 </file>
 
-<file path=ppt/slides/slide31.xml><?xml version="1.0" encoding="utf-8"?>
+<file path=ppt/slides/slide33.xml><?xml version="1.0" encoding="utf-8"?>
 <p:sld xmlns:a="http://schemas.openxmlformats.org/drawingml/2006/main" xmlns:r="http://schemas.openxmlformats.org/officeDocument/2006/relationships" xmlns:p="http://schemas.openxmlformats.org/presentationml/2006/main">
   <p:cSld>
     <p:spTree>
@@ -8107,7 +11168,7 @@
 </p:sld>
 </file>
 
-<file path=ppt/slides/slide32.xml><?xml version="1.0" encoding="utf-8"?>
+<file path=ppt/slides/slide34.xml><?xml version="1.0" encoding="utf-8"?>
 <p:sld xmlns:a="http://schemas.openxmlformats.org/drawingml/2006/main" xmlns:r="http://schemas.openxmlformats.org/officeDocument/2006/relationships" xmlns:p="http://schemas.openxmlformats.org/presentationml/2006/main">
   <p:cSld>
     <p:spTree>
@@ -8152,8 +11213,8 @@
           </a:p>
         </p:txBody>
       </p:sp>
-      <mc:AlternateContent xmlns:mc="http://schemas.openxmlformats.org/markup-compatibility/2006">
-        <mc:Choice xmlns:a14="http://schemas.microsoft.com/office/drawing/2010/main" Requires="a14">
+      <mc:AlternateContent xmlns:mc="http://schemas.openxmlformats.org/markup-compatibility/2006" xmlns:a14="http://schemas.microsoft.com/office/drawing/2010/main">
+        <mc:Choice Requires="a14">
           <p:sp>
             <p:nvSpPr>
               <p:cNvPr id="3" name="Content Placeholder 2">
@@ -8568,7 +11629,7 @@
             </p:txBody>
           </p:sp>
         </mc:Choice>
-        <mc:Fallback>
+        <mc:Fallback xmlns="">
           <p:sp>
             <p:nvSpPr>
               <p:cNvPr id="3" name="Content Placeholder 2">
@@ -8618,10 +11679,285 @@
   <p:clrMapOvr>
     <a:masterClrMapping/>
   </p:clrMapOvr>
+  <p:timing>
+    <p:tnLst>
+      <p:par>
+        <p:cTn id="1" dur="indefinite" restart="never" nodeType="tmRoot">
+          <p:childTnLst>
+            <p:seq concurrent="1" nextAc="seek">
+              <p:cTn id="2" dur="indefinite" nodeType="mainSeq">
+                <p:childTnLst>
+                  <p:par>
+                    <p:cTn id="3" fill="hold">
+                      <p:stCondLst>
+                        <p:cond delay="indefinite"/>
+                      </p:stCondLst>
+                      <p:childTnLst>
+                        <p:par>
+                          <p:cTn id="4" fill="hold">
+                            <p:stCondLst>
+                              <p:cond delay="0"/>
+                            </p:stCondLst>
+                            <p:childTnLst>
+                              <p:par>
+                                <p:cTn id="5" presetID="1" presetClass="entr" presetSubtype="0" fill="hold" nodeType="clickEffect">
+                                  <p:stCondLst>
+                                    <p:cond delay="0"/>
+                                  </p:stCondLst>
+                                  <p:childTnLst>
+                                    <p:set>
+                                      <p:cBhvr>
+                                        <p:cTn id="6" dur="1" fill="hold">
+                                          <p:stCondLst>
+                                            <p:cond delay="0"/>
+                                          </p:stCondLst>
+                                        </p:cTn>
+                                        <p:tgtEl>
+                                          <p:spTgt spid="3">
+                                            <p:txEl>
+                                              <p:pRg st="0" end="0"/>
+                                            </p:txEl>
+                                          </p:spTgt>
+                                        </p:tgtEl>
+                                        <p:attrNameLst>
+                                          <p:attrName>style.visibility</p:attrName>
+                                        </p:attrNameLst>
+                                      </p:cBhvr>
+                                      <p:to>
+                                        <p:strVal val="visible"/>
+                                      </p:to>
+                                    </p:set>
+                                  </p:childTnLst>
+                                </p:cTn>
+                              </p:par>
+                            </p:childTnLst>
+                          </p:cTn>
+                        </p:par>
+                      </p:childTnLst>
+                    </p:cTn>
+                  </p:par>
+                  <p:par>
+                    <p:cTn id="7" fill="hold">
+                      <p:stCondLst>
+                        <p:cond delay="indefinite"/>
+                      </p:stCondLst>
+                      <p:childTnLst>
+                        <p:par>
+                          <p:cTn id="8" fill="hold">
+                            <p:stCondLst>
+                              <p:cond delay="0"/>
+                            </p:stCondLst>
+                            <p:childTnLst>
+                              <p:par>
+                                <p:cTn id="9" presetID="1" presetClass="entr" presetSubtype="0" fill="hold" nodeType="clickEffect">
+                                  <p:stCondLst>
+                                    <p:cond delay="0"/>
+                                  </p:stCondLst>
+                                  <p:childTnLst>
+                                    <p:set>
+                                      <p:cBhvr>
+                                        <p:cTn id="10" dur="1" fill="hold">
+                                          <p:stCondLst>
+                                            <p:cond delay="0"/>
+                                          </p:stCondLst>
+                                        </p:cTn>
+                                        <p:tgtEl>
+                                          <p:spTgt spid="3">
+                                            <p:txEl>
+                                              <p:pRg st="1" end="1"/>
+                                            </p:txEl>
+                                          </p:spTgt>
+                                        </p:tgtEl>
+                                        <p:attrNameLst>
+                                          <p:attrName>style.visibility</p:attrName>
+                                        </p:attrNameLst>
+                                      </p:cBhvr>
+                                      <p:to>
+                                        <p:strVal val="visible"/>
+                                      </p:to>
+                                    </p:set>
+                                  </p:childTnLst>
+                                </p:cTn>
+                              </p:par>
+                            </p:childTnLst>
+                          </p:cTn>
+                        </p:par>
+                      </p:childTnLst>
+                    </p:cTn>
+                  </p:par>
+                  <p:par>
+                    <p:cTn id="11" fill="hold">
+                      <p:stCondLst>
+                        <p:cond delay="indefinite"/>
+                      </p:stCondLst>
+                      <p:childTnLst>
+                        <p:par>
+                          <p:cTn id="12" fill="hold">
+                            <p:stCondLst>
+                              <p:cond delay="0"/>
+                            </p:stCondLst>
+                            <p:childTnLst>
+                              <p:par>
+                                <p:cTn id="13" presetID="1" presetClass="entr" presetSubtype="0" fill="hold" nodeType="clickEffect">
+                                  <p:stCondLst>
+                                    <p:cond delay="0"/>
+                                  </p:stCondLst>
+                                  <p:childTnLst>
+                                    <p:set>
+                                      <p:cBhvr>
+                                        <p:cTn id="14" dur="1" fill="hold">
+                                          <p:stCondLst>
+                                            <p:cond delay="0"/>
+                                          </p:stCondLst>
+                                        </p:cTn>
+                                        <p:tgtEl>
+                                          <p:spTgt spid="3">
+                                            <p:txEl>
+                                              <p:pRg st="2" end="2"/>
+                                            </p:txEl>
+                                          </p:spTgt>
+                                        </p:tgtEl>
+                                        <p:attrNameLst>
+                                          <p:attrName>style.visibility</p:attrName>
+                                        </p:attrNameLst>
+                                      </p:cBhvr>
+                                      <p:to>
+                                        <p:strVal val="visible"/>
+                                      </p:to>
+                                    </p:set>
+                                  </p:childTnLst>
+                                </p:cTn>
+                              </p:par>
+                            </p:childTnLst>
+                          </p:cTn>
+                        </p:par>
+                      </p:childTnLst>
+                    </p:cTn>
+                  </p:par>
+                  <p:par>
+                    <p:cTn id="15" fill="hold">
+                      <p:stCondLst>
+                        <p:cond delay="indefinite"/>
+                      </p:stCondLst>
+                      <p:childTnLst>
+                        <p:par>
+                          <p:cTn id="16" fill="hold">
+                            <p:stCondLst>
+                              <p:cond delay="0"/>
+                            </p:stCondLst>
+                            <p:childTnLst>
+                              <p:par>
+                                <p:cTn id="17" presetID="1" presetClass="entr" presetSubtype="0" fill="hold" nodeType="clickEffect">
+                                  <p:stCondLst>
+                                    <p:cond delay="0"/>
+                                  </p:stCondLst>
+                                  <p:childTnLst>
+                                    <p:set>
+                                      <p:cBhvr>
+                                        <p:cTn id="18" dur="1" fill="hold">
+                                          <p:stCondLst>
+                                            <p:cond delay="0"/>
+                                          </p:stCondLst>
+                                        </p:cTn>
+                                        <p:tgtEl>
+                                          <p:spTgt spid="3">
+                                            <p:txEl>
+                                              <p:pRg st="3" end="3"/>
+                                            </p:txEl>
+                                          </p:spTgt>
+                                        </p:tgtEl>
+                                        <p:attrNameLst>
+                                          <p:attrName>style.visibility</p:attrName>
+                                        </p:attrNameLst>
+                                      </p:cBhvr>
+                                      <p:to>
+                                        <p:strVal val="visible"/>
+                                      </p:to>
+                                    </p:set>
+                                  </p:childTnLst>
+                                </p:cTn>
+                              </p:par>
+                            </p:childTnLst>
+                          </p:cTn>
+                        </p:par>
+                      </p:childTnLst>
+                    </p:cTn>
+                  </p:par>
+                  <p:par>
+                    <p:cTn id="19" fill="hold">
+                      <p:stCondLst>
+                        <p:cond delay="indefinite"/>
+                      </p:stCondLst>
+                      <p:childTnLst>
+                        <p:par>
+                          <p:cTn id="20" fill="hold">
+                            <p:stCondLst>
+                              <p:cond delay="0"/>
+                            </p:stCondLst>
+                            <p:childTnLst>
+                              <p:par>
+                                <p:cTn id="21" presetID="1" presetClass="entr" presetSubtype="0" fill="hold" nodeType="clickEffect">
+                                  <p:stCondLst>
+                                    <p:cond delay="0"/>
+                                  </p:stCondLst>
+                                  <p:childTnLst>
+                                    <p:set>
+                                      <p:cBhvr>
+                                        <p:cTn id="22" dur="1" fill="hold">
+                                          <p:stCondLst>
+                                            <p:cond delay="0"/>
+                                          </p:stCondLst>
+                                        </p:cTn>
+                                        <p:tgtEl>
+                                          <p:spTgt spid="3">
+                                            <p:txEl>
+                                              <p:pRg st="4" end="4"/>
+                                            </p:txEl>
+                                          </p:spTgt>
+                                        </p:tgtEl>
+                                        <p:attrNameLst>
+                                          <p:attrName>style.visibility</p:attrName>
+                                        </p:attrNameLst>
+                                      </p:cBhvr>
+                                      <p:to>
+                                        <p:strVal val="visible"/>
+                                      </p:to>
+                                    </p:set>
+                                  </p:childTnLst>
+                                </p:cTn>
+                              </p:par>
+                            </p:childTnLst>
+                          </p:cTn>
+                        </p:par>
+                      </p:childTnLst>
+                    </p:cTn>
+                  </p:par>
+                </p:childTnLst>
+              </p:cTn>
+              <p:prevCondLst>
+                <p:cond evt="onPrev" delay="0">
+                  <p:tgtEl>
+                    <p:sldTgt/>
+                  </p:tgtEl>
+                </p:cond>
+              </p:prevCondLst>
+              <p:nextCondLst>
+                <p:cond evt="onNext" delay="0">
+                  <p:tgtEl>
+                    <p:sldTgt/>
+                  </p:tgtEl>
+                </p:cond>
+              </p:nextCondLst>
+            </p:seq>
+          </p:childTnLst>
+        </p:cTn>
+      </p:par>
+    </p:tnLst>
+  </p:timing>
 </p:sld>
 </file>
 
-<file path=ppt/slides/slide33.xml><?xml version="1.0" encoding="utf-8"?>
+<file path=ppt/slides/slide35.xml><?xml version="1.0" encoding="utf-8"?>
 <p:sld xmlns:a="http://schemas.openxmlformats.org/drawingml/2006/main" xmlns:r="http://schemas.openxmlformats.org/officeDocument/2006/relationships" xmlns:p="http://schemas.openxmlformats.org/presentationml/2006/main">
   <p:cSld>
     <p:spTree>
@@ -8728,7 +12064,7 @@
 </p:sld>
 </file>
 
-<file path=ppt/slides/slide34.xml><?xml version="1.0" encoding="utf-8"?>
+<file path=ppt/slides/slide36.xml><?xml version="1.0" encoding="utf-8"?>
 <p:sld xmlns:a="http://schemas.openxmlformats.org/drawingml/2006/main" xmlns:r="http://schemas.openxmlformats.org/officeDocument/2006/relationships" xmlns:p="http://schemas.openxmlformats.org/presentationml/2006/main">
   <p:cSld>
     <p:spTree>
@@ -9129,7 +12465,15 @@
                 </a14:m>
                 <a:r>
                   <a:rPr lang="en-US" dirty="0"/>
-                  <a:t>, where b is the bias term</a:t>
+                  <a:t>, where </a:t>
+                </a:r>
+                <a:r>
+                  <a:rPr lang="en-US" i="1" dirty="0"/>
+                  <a:t>b</a:t>
+                </a:r>
+                <a:r>
+                  <a:rPr lang="en-US" dirty="0"/>
+                  <a:t> is the bias term</a:t>
                 </a:r>
               </a:p>
               <a:p>
@@ -9196,10 +12540,285 @@
   <p:clrMapOvr>
     <a:masterClrMapping/>
   </p:clrMapOvr>
+  <p:timing>
+    <p:tnLst>
+      <p:par>
+        <p:cTn id="1" dur="indefinite" restart="never" nodeType="tmRoot">
+          <p:childTnLst>
+            <p:seq concurrent="1" nextAc="seek">
+              <p:cTn id="2" dur="indefinite" nodeType="mainSeq">
+                <p:childTnLst>
+                  <p:par>
+                    <p:cTn id="3" fill="hold">
+                      <p:stCondLst>
+                        <p:cond delay="indefinite"/>
+                      </p:stCondLst>
+                      <p:childTnLst>
+                        <p:par>
+                          <p:cTn id="4" fill="hold">
+                            <p:stCondLst>
+                              <p:cond delay="0"/>
+                            </p:stCondLst>
+                            <p:childTnLst>
+                              <p:par>
+                                <p:cTn id="5" presetID="1" presetClass="entr" presetSubtype="0" fill="hold" nodeType="clickEffect">
+                                  <p:stCondLst>
+                                    <p:cond delay="0"/>
+                                  </p:stCondLst>
+                                  <p:childTnLst>
+                                    <p:set>
+                                      <p:cBhvr>
+                                        <p:cTn id="6" dur="1" fill="hold">
+                                          <p:stCondLst>
+                                            <p:cond delay="0"/>
+                                          </p:stCondLst>
+                                        </p:cTn>
+                                        <p:tgtEl>
+                                          <p:spTgt spid="3">
+                                            <p:txEl>
+                                              <p:pRg st="0" end="0"/>
+                                            </p:txEl>
+                                          </p:spTgt>
+                                        </p:tgtEl>
+                                        <p:attrNameLst>
+                                          <p:attrName>style.visibility</p:attrName>
+                                        </p:attrNameLst>
+                                      </p:cBhvr>
+                                      <p:to>
+                                        <p:strVal val="visible"/>
+                                      </p:to>
+                                    </p:set>
+                                  </p:childTnLst>
+                                </p:cTn>
+                              </p:par>
+                            </p:childTnLst>
+                          </p:cTn>
+                        </p:par>
+                      </p:childTnLst>
+                    </p:cTn>
+                  </p:par>
+                  <p:par>
+                    <p:cTn id="7" fill="hold">
+                      <p:stCondLst>
+                        <p:cond delay="indefinite"/>
+                      </p:stCondLst>
+                      <p:childTnLst>
+                        <p:par>
+                          <p:cTn id="8" fill="hold">
+                            <p:stCondLst>
+                              <p:cond delay="0"/>
+                            </p:stCondLst>
+                            <p:childTnLst>
+                              <p:par>
+                                <p:cTn id="9" presetID="1" presetClass="entr" presetSubtype="0" fill="hold" nodeType="clickEffect">
+                                  <p:stCondLst>
+                                    <p:cond delay="0"/>
+                                  </p:stCondLst>
+                                  <p:childTnLst>
+                                    <p:set>
+                                      <p:cBhvr>
+                                        <p:cTn id="10" dur="1" fill="hold">
+                                          <p:stCondLst>
+                                            <p:cond delay="0"/>
+                                          </p:stCondLst>
+                                        </p:cTn>
+                                        <p:tgtEl>
+                                          <p:spTgt spid="3">
+                                            <p:txEl>
+                                              <p:pRg st="1" end="1"/>
+                                            </p:txEl>
+                                          </p:spTgt>
+                                        </p:tgtEl>
+                                        <p:attrNameLst>
+                                          <p:attrName>style.visibility</p:attrName>
+                                        </p:attrNameLst>
+                                      </p:cBhvr>
+                                      <p:to>
+                                        <p:strVal val="visible"/>
+                                      </p:to>
+                                    </p:set>
+                                  </p:childTnLst>
+                                </p:cTn>
+                              </p:par>
+                            </p:childTnLst>
+                          </p:cTn>
+                        </p:par>
+                      </p:childTnLst>
+                    </p:cTn>
+                  </p:par>
+                  <p:par>
+                    <p:cTn id="11" fill="hold">
+                      <p:stCondLst>
+                        <p:cond delay="indefinite"/>
+                      </p:stCondLst>
+                      <p:childTnLst>
+                        <p:par>
+                          <p:cTn id="12" fill="hold">
+                            <p:stCondLst>
+                              <p:cond delay="0"/>
+                            </p:stCondLst>
+                            <p:childTnLst>
+                              <p:par>
+                                <p:cTn id="13" presetID="1" presetClass="entr" presetSubtype="0" fill="hold" nodeType="clickEffect">
+                                  <p:stCondLst>
+                                    <p:cond delay="0"/>
+                                  </p:stCondLst>
+                                  <p:childTnLst>
+                                    <p:set>
+                                      <p:cBhvr>
+                                        <p:cTn id="14" dur="1" fill="hold">
+                                          <p:stCondLst>
+                                            <p:cond delay="0"/>
+                                          </p:stCondLst>
+                                        </p:cTn>
+                                        <p:tgtEl>
+                                          <p:spTgt spid="3">
+                                            <p:txEl>
+                                              <p:pRg st="2" end="2"/>
+                                            </p:txEl>
+                                          </p:spTgt>
+                                        </p:tgtEl>
+                                        <p:attrNameLst>
+                                          <p:attrName>style.visibility</p:attrName>
+                                        </p:attrNameLst>
+                                      </p:cBhvr>
+                                      <p:to>
+                                        <p:strVal val="visible"/>
+                                      </p:to>
+                                    </p:set>
+                                  </p:childTnLst>
+                                </p:cTn>
+                              </p:par>
+                            </p:childTnLst>
+                          </p:cTn>
+                        </p:par>
+                      </p:childTnLst>
+                    </p:cTn>
+                  </p:par>
+                  <p:par>
+                    <p:cTn id="15" fill="hold">
+                      <p:stCondLst>
+                        <p:cond delay="indefinite"/>
+                      </p:stCondLst>
+                      <p:childTnLst>
+                        <p:par>
+                          <p:cTn id="16" fill="hold">
+                            <p:stCondLst>
+                              <p:cond delay="0"/>
+                            </p:stCondLst>
+                            <p:childTnLst>
+                              <p:par>
+                                <p:cTn id="17" presetID="1" presetClass="entr" presetSubtype="0" fill="hold" nodeType="clickEffect">
+                                  <p:stCondLst>
+                                    <p:cond delay="0"/>
+                                  </p:stCondLst>
+                                  <p:childTnLst>
+                                    <p:set>
+                                      <p:cBhvr>
+                                        <p:cTn id="18" dur="1" fill="hold">
+                                          <p:stCondLst>
+                                            <p:cond delay="0"/>
+                                          </p:stCondLst>
+                                        </p:cTn>
+                                        <p:tgtEl>
+                                          <p:spTgt spid="3">
+                                            <p:txEl>
+                                              <p:pRg st="3" end="3"/>
+                                            </p:txEl>
+                                          </p:spTgt>
+                                        </p:tgtEl>
+                                        <p:attrNameLst>
+                                          <p:attrName>style.visibility</p:attrName>
+                                        </p:attrNameLst>
+                                      </p:cBhvr>
+                                      <p:to>
+                                        <p:strVal val="visible"/>
+                                      </p:to>
+                                    </p:set>
+                                  </p:childTnLst>
+                                </p:cTn>
+                              </p:par>
+                            </p:childTnLst>
+                          </p:cTn>
+                        </p:par>
+                      </p:childTnLst>
+                    </p:cTn>
+                  </p:par>
+                  <p:par>
+                    <p:cTn id="19" fill="hold">
+                      <p:stCondLst>
+                        <p:cond delay="indefinite"/>
+                      </p:stCondLst>
+                      <p:childTnLst>
+                        <p:par>
+                          <p:cTn id="20" fill="hold">
+                            <p:stCondLst>
+                              <p:cond delay="0"/>
+                            </p:stCondLst>
+                            <p:childTnLst>
+                              <p:par>
+                                <p:cTn id="21" presetID="1" presetClass="entr" presetSubtype="0" fill="hold" nodeType="clickEffect">
+                                  <p:stCondLst>
+                                    <p:cond delay="0"/>
+                                  </p:stCondLst>
+                                  <p:childTnLst>
+                                    <p:set>
+                                      <p:cBhvr>
+                                        <p:cTn id="22" dur="1" fill="hold">
+                                          <p:stCondLst>
+                                            <p:cond delay="0"/>
+                                          </p:stCondLst>
+                                        </p:cTn>
+                                        <p:tgtEl>
+                                          <p:spTgt spid="3">
+                                            <p:txEl>
+                                              <p:pRg st="4" end="4"/>
+                                            </p:txEl>
+                                          </p:spTgt>
+                                        </p:tgtEl>
+                                        <p:attrNameLst>
+                                          <p:attrName>style.visibility</p:attrName>
+                                        </p:attrNameLst>
+                                      </p:cBhvr>
+                                      <p:to>
+                                        <p:strVal val="visible"/>
+                                      </p:to>
+                                    </p:set>
+                                  </p:childTnLst>
+                                </p:cTn>
+                              </p:par>
+                            </p:childTnLst>
+                          </p:cTn>
+                        </p:par>
+                      </p:childTnLst>
+                    </p:cTn>
+                  </p:par>
+                </p:childTnLst>
+              </p:cTn>
+              <p:prevCondLst>
+                <p:cond evt="onPrev" delay="0">
+                  <p:tgtEl>
+                    <p:sldTgt/>
+                  </p:tgtEl>
+                </p:cond>
+              </p:prevCondLst>
+              <p:nextCondLst>
+                <p:cond evt="onNext" delay="0">
+                  <p:tgtEl>
+                    <p:sldTgt/>
+                  </p:tgtEl>
+                </p:cond>
+              </p:nextCondLst>
+            </p:seq>
+          </p:childTnLst>
+        </p:cTn>
+      </p:par>
+    </p:tnLst>
+  </p:timing>
 </p:sld>
 </file>
 
-<file path=ppt/slides/slide35.xml><?xml version="1.0" encoding="utf-8"?>
+<file path=ppt/slides/slide37.xml><?xml version="1.0" encoding="utf-8"?>
 <p:sld xmlns:a="http://schemas.openxmlformats.org/drawingml/2006/main" xmlns:r="http://schemas.openxmlformats.org/officeDocument/2006/relationships" xmlns:p="http://schemas.openxmlformats.org/presentationml/2006/main">
   <p:cSld>
     <p:spTree>
@@ -9346,10 +12965,183 @@
   <p:clrMapOvr>
     <a:masterClrMapping/>
   </p:clrMapOvr>
+  <p:timing>
+    <p:tnLst>
+      <p:par>
+        <p:cTn id="1" dur="indefinite" restart="never" nodeType="tmRoot">
+          <p:childTnLst>
+            <p:seq concurrent="1" nextAc="seek">
+              <p:cTn id="2" dur="indefinite" nodeType="mainSeq">
+                <p:childTnLst>
+                  <p:par>
+                    <p:cTn id="3" fill="hold">
+                      <p:stCondLst>
+                        <p:cond delay="indefinite"/>
+                      </p:stCondLst>
+                      <p:childTnLst>
+                        <p:par>
+                          <p:cTn id="4" fill="hold">
+                            <p:stCondLst>
+                              <p:cond delay="0"/>
+                            </p:stCondLst>
+                            <p:childTnLst>
+                              <p:par>
+                                <p:cTn id="5" presetID="1" presetClass="entr" presetSubtype="0" fill="hold" nodeType="clickEffect">
+                                  <p:stCondLst>
+                                    <p:cond delay="0"/>
+                                  </p:stCondLst>
+                                  <p:childTnLst>
+                                    <p:set>
+                                      <p:cBhvr>
+                                        <p:cTn id="6" dur="1" fill="hold">
+                                          <p:stCondLst>
+                                            <p:cond delay="0"/>
+                                          </p:stCondLst>
+                                        </p:cTn>
+                                        <p:tgtEl>
+                                          <p:spTgt spid="3">
+                                            <p:txEl>
+                                              <p:pRg st="0" end="0"/>
+                                            </p:txEl>
+                                          </p:spTgt>
+                                        </p:tgtEl>
+                                        <p:attrNameLst>
+                                          <p:attrName>style.visibility</p:attrName>
+                                        </p:attrNameLst>
+                                      </p:cBhvr>
+                                      <p:to>
+                                        <p:strVal val="visible"/>
+                                      </p:to>
+                                    </p:set>
+                                  </p:childTnLst>
+                                </p:cTn>
+                              </p:par>
+                            </p:childTnLst>
+                          </p:cTn>
+                        </p:par>
+                      </p:childTnLst>
+                    </p:cTn>
+                  </p:par>
+                  <p:par>
+                    <p:cTn id="7" fill="hold">
+                      <p:stCondLst>
+                        <p:cond delay="indefinite"/>
+                      </p:stCondLst>
+                      <p:childTnLst>
+                        <p:par>
+                          <p:cTn id="8" fill="hold">
+                            <p:stCondLst>
+                              <p:cond delay="0"/>
+                            </p:stCondLst>
+                            <p:childTnLst>
+                              <p:par>
+                                <p:cTn id="9" presetID="1" presetClass="entr" presetSubtype="0" fill="hold" nodeType="clickEffect">
+                                  <p:stCondLst>
+                                    <p:cond delay="0"/>
+                                  </p:stCondLst>
+                                  <p:childTnLst>
+                                    <p:set>
+                                      <p:cBhvr>
+                                        <p:cTn id="10" dur="1" fill="hold">
+                                          <p:stCondLst>
+                                            <p:cond delay="0"/>
+                                          </p:stCondLst>
+                                        </p:cTn>
+                                        <p:tgtEl>
+                                          <p:spTgt spid="5"/>
+                                        </p:tgtEl>
+                                        <p:attrNameLst>
+                                          <p:attrName>style.visibility</p:attrName>
+                                        </p:attrNameLst>
+                                      </p:cBhvr>
+                                      <p:to>
+                                        <p:strVal val="visible"/>
+                                      </p:to>
+                                    </p:set>
+                                  </p:childTnLst>
+                                </p:cTn>
+                              </p:par>
+                            </p:childTnLst>
+                          </p:cTn>
+                        </p:par>
+                      </p:childTnLst>
+                    </p:cTn>
+                  </p:par>
+                  <p:par>
+                    <p:cTn id="11" fill="hold">
+                      <p:stCondLst>
+                        <p:cond delay="indefinite"/>
+                      </p:stCondLst>
+                      <p:childTnLst>
+                        <p:par>
+                          <p:cTn id="12" fill="hold">
+                            <p:stCondLst>
+                              <p:cond delay="0"/>
+                            </p:stCondLst>
+                            <p:childTnLst>
+                              <p:par>
+                                <p:cTn id="13" presetID="1" presetClass="entr" presetSubtype="0" fill="hold" nodeType="clickEffect">
+                                  <p:stCondLst>
+                                    <p:cond delay="0"/>
+                                  </p:stCondLst>
+                                  <p:childTnLst>
+                                    <p:set>
+                                      <p:cBhvr>
+                                        <p:cTn id="14" dur="1" fill="hold">
+                                          <p:stCondLst>
+                                            <p:cond delay="0"/>
+                                          </p:stCondLst>
+                                        </p:cTn>
+                                        <p:tgtEl>
+                                          <p:spTgt spid="3">
+                                            <p:txEl>
+                                              <p:pRg st="5" end="5"/>
+                                            </p:txEl>
+                                          </p:spTgt>
+                                        </p:tgtEl>
+                                        <p:attrNameLst>
+                                          <p:attrName>style.visibility</p:attrName>
+                                        </p:attrNameLst>
+                                      </p:cBhvr>
+                                      <p:to>
+                                        <p:strVal val="visible"/>
+                                      </p:to>
+                                    </p:set>
+                                  </p:childTnLst>
+                                </p:cTn>
+                              </p:par>
+                            </p:childTnLst>
+                          </p:cTn>
+                        </p:par>
+                      </p:childTnLst>
+                    </p:cTn>
+                  </p:par>
+                </p:childTnLst>
+              </p:cTn>
+              <p:prevCondLst>
+                <p:cond evt="onPrev" delay="0">
+                  <p:tgtEl>
+                    <p:sldTgt/>
+                  </p:tgtEl>
+                </p:cond>
+              </p:prevCondLst>
+              <p:nextCondLst>
+                <p:cond evt="onNext" delay="0">
+                  <p:tgtEl>
+                    <p:sldTgt/>
+                  </p:tgtEl>
+                </p:cond>
+              </p:nextCondLst>
+            </p:seq>
+          </p:childTnLst>
+        </p:cTn>
+      </p:par>
+    </p:tnLst>
+  </p:timing>
 </p:sld>
 </file>
 
-<file path=ppt/slides/slide36.xml><?xml version="1.0" encoding="utf-8"?>
+<file path=ppt/slides/slide38.xml><?xml version="1.0" encoding="utf-8"?>
 <p:sld xmlns:a="http://schemas.openxmlformats.org/drawingml/2006/main" xmlns:r="http://schemas.openxmlformats.org/officeDocument/2006/relationships" xmlns:p="http://schemas.openxmlformats.org/presentationml/2006/main">
   <p:cSld>
     <p:spTree>
@@ -9453,7 +13245,7 @@
 </p:sld>
 </file>
 
-<file path=ppt/slides/slide37.xml><?xml version="1.0" encoding="utf-8"?>
+<file path=ppt/slides/slide39.xml><?xml version="1.0" encoding="utf-8"?>
 <p:sld xmlns:a="http://schemas.openxmlformats.org/drawingml/2006/main" xmlns:r="http://schemas.openxmlformats.org/officeDocument/2006/relationships" xmlns:p="http://schemas.openxmlformats.org/presentationml/2006/main">
   <p:cSld>
     <p:spTree>
@@ -9626,7 +13418,168 @@
 </p:sld>
 </file>
 
-<file path=ppt/slides/slide38.xml><?xml version="1.0" encoding="utf-8"?>
+<file path=ppt/slides/slide4.xml><?xml version="1.0" encoding="utf-8"?>
+<p:sld xmlns:a="http://schemas.openxmlformats.org/drawingml/2006/main" xmlns:r="http://schemas.openxmlformats.org/officeDocument/2006/relationships" xmlns:p="http://schemas.openxmlformats.org/presentationml/2006/main">
+  <p:cSld>
+    <p:spTree>
+      <p:nvGrpSpPr>
+        <p:cNvPr id="1" name=""/>
+        <p:cNvGrpSpPr/>
+        <p:nvPr/>
+      </p:nvGrpSpPr>
+      <p:grpSpPr>
+        <a:xfrm>
+          <a:off x="0" y="0"/>
+          <a:ext cx="0" cy="0"/>
+          <a:chOff x="0" y="0"/>
+          <a:chExt cx="0" cy="0"/>
+        </a:xfrm>
+      </p:grpSpPr>
+      <p:sp>
+        <p:nvSpPr>
+          <p:cNvPr id="2" name="Title 1">
+            <a:extLst>
+              <a:ext uri="{FF2B5EF4-FFF2-40B4-BE49-F238E27FC236}">
+                <a16:creationId xmlns:a16="http://schemas.microsoft.com/office/drawing/2014/main" id="{0DC74DE7-EBA3-8B0B-946B-0E54D840E52A}"/>
+              </a:ext>
+            </a:extLst>
+          </p:cNvPr>
+          <p:cNvSpPr>
+            <a:spLocks noGrp="1"/>
+          </p:cNvSpPr>
+          <p:nvPr>
+            <p:ph type="title"/>
+          </p:nvPr>
+        </p:nvSpPr>
+        <p:spPr/>
+        <p:txBody>
+          <a:bodyPr>
+            <a:normAutofit/>
+          </a:bodyPr>
+          <a:lstStyle/>
+          <a:p>
+            <a:r>
+              <a:rPr lang="en-US" sz="4000" b="1" dirty="0"/>
+              <a:t>Individual Frequency based approach</a:t>
+            </a:r>
+          </a:p>
+        </p:txBody>
+      </p:sp>
+      <p:sp>
+        <p:nvSpPr>
+          <p:cNvPr id="3" name="Content Placeholder 2">
+            <a:extLst>
+              <a:ext uri="{FF2B5EF4-FFF2-40B4-BE49-F238E27FC236}">
+                <a16:creationId xmlns:a16="http://schemas.microsoft.com/office/drawing/2014/main" id="{8A1953CF-6845-14BA-8E32-2F231DF4E38C}"/>
+              </a:ext>
+            </a:extLst>
+          </p:cNvPr>
+          <p:cNvSpPr>
+            <a:spLocks noGrp="1"/>
+          </p:cNvSpPr>
+          <p:nvPr>
+            <p:ph idx="1"/>
+          </p:nvPr>
+        </p:nvSpPr>
+        <p:spPr/>
+        <p:txBody>
+          <a:bodyPr>
+            <a:normAutofit fontScale="92500"/>
+          </a:bodyPr>
+          <a:lstStyle/>
+          <a:p>
+            <a:pPr>
+              <a:lnSpc>
+                <a:spcPct val="150000"/>
+              </a:lnSpc>
+            </a:pPr>
+            <a:r>
+              <a:rPr lang="en-US" dirty="0"/>
+              <a:t>The BOW representation is inherently high dimensional</a:t>
+            </a:r>
+          </a:p>
+          <a:p>
+            <a:pPr lvl="1">
+              <a:lnSpc>
+                <a:spcPct val="150000"/>
+              </a:lnSpc>
+            </a:pPr>
+            <a:r>
+              <a:rPr lang="en-US" dirty="0"/>
+              <a:t>Usually possible to find a linear classifier that perfectly fits the training data</a:t>
+            </a:r>
+          </a:p>
+          <a:p>
+            <a:pPr lvl="1">
+              <a:lnSpc>
+                <a:spcPct val="150000"/>
+              </a:lnSpc>
+            </a:pPr>
+            <a:r>
+              <a:rPr lang="en-US" dirty="0"/>
+              <a:t>even to fit any arbitrary labeling of the training instances </a:t>
+            </a:r>
+          </a:p>
+          <a:p>
+            <a:pPr lvl="1">
+              <a:lnSpc>
+                <a:spcPct val="150000"/>
+              </a:lnSpc>
+            </a:pPr>
+            <a:r>
+              <a:rPr lang="en-US" dirty="0"/>
+              <a:t>In general, it really works well</a:t>
+            </a:r>
+          </a:p>
+          <a:p>
+            <a:pPr>
+              <a:lnSpc>
+                <a:spcPct val="150000"/>
+              </a:lnSpc>
+            </a:pPr>
+            <a:r>
+              <a:rPr lang="en-US" dirty="0"/>
+              <a:t>Word frequencies are meaningful in isolation</a:t>
+            </a:r>
+          </a:p>
+          <a:p>
+            <a:pPr lvl="1">
+              <a:lnSpc>
+                <a:spcPct val="150000"/>
+              </a:lnSpc>
+            </a:pPr>
+            <a:r>
+              <a:rPr lang="en-US" dirty="0"/>
+              <a:t>Can offer independent evidence about the instance label</a:t>
+            </a:r>
+          </a:p>
+          <a:p>
+            <a:pPr>
+              <a:lnSpc>
+                <a:spcPct val="150000"/>
+              </a:lnSpc>
+            </a:pPr>
+            <a:r>
+              <a:rPr lang="en-US" dirty="0"/>
+              <a:t>NLP has historically focused on linear classification</a:t>
+            </a:r>
+          </a:p>
+        </p:txBody>
+      </p:sp>
+    </p:spTree>
+    <p:extLst>
+      <p:ext uri="{BB962C8B-B14F-4D97-AF65-F5344CB8AC3E}">
+        <p14:creationId xmlns:p14="http://schemas.microsoft.com/office/powerpoint/2010/main" val="22194422"/>
+      </p:ext>
+    </p:extLst>
+  </p:cSld>
+  <p:clrMapOvr>
+    <a:masterClrMapping/>
+  </p:clrMapOvr>
+</p:sld>
+</file>
+
+<file path=ppt/slides/slide40.xml><?xml version="1.0" encoding="utf-8"?>
 <p:sld xmlns:a="http://schemas.openxmlformats.org/drawingml/2006/main" xmlns:r="http://schemas.openxmlformats.org/officeDocument/2006/relationships" xmlns:p="http://schemas.openxmlformats.org/presentationml/2006/main">
   <p:cSld>
     <p:spTree>
@@ -9690,7 +13643,7 @@
         <p:spPr/>
         <p:txBody>
           <a:bodyPr>
-            <a:normAutofit fontScale="85000" lnSpcReduction="20000"/>
+            <a:normAutofit fontScale="92500" lnSpcReduction="20000"/>
           </a:bodyPr>
           <a:lstStyle/>
           <a:p>
@@ -9721,7 +13674,7 @@
             <a:endParaRPr lang="en-US" dirty="0"/>
           </a:p>
           <a:p>
-            <a:pPr>
+            <a:pPr lvl="1">
               <a:lnSpc>
                 <a:spcPct val="200000"/>
               </a:lnSpc>
@@ -9743,10 +13696,187 @@
   <p:clrMapOvr>
     <a:masterClrMapping/>
   </p:clrMapOvr>
+  <p:timing>
+    <p:tnLst>
+      <p:par>
+        <p:cTn id="1" dur="indefinite" restart="never" nodeType="tmRoot">
+          <p:childTnLst>
+            <p:seq concurrent="1" nextAc="seek">
+              <p:cTn id="2" dur="indefinite" nodeType="mainSeq">
+                <p:childTnLst>
+                  <p:par>
+                    <p:cTn id="3" fill="hold">
+                      <p:stCondLst>
+                        <p:cond delay="indefinite"/>
+                      </p:stCondLst>
+                      <p:childTnLst>
+                        <p:par>
+                          <p:cTn id="4" fill="hold">
+                            <p:stCondLst>
+                              <p:cond delay="0"/>
+                            </p:stCondLst>
+                            <p:childTnLst>
+                              <p:par>
+                                <p:cTn id="5" presetID="1" presetClass="entr" presetSubtype="0" fill="hold" nodeType="clickEffect">
+                                  <p:stCondLst>
+                                    <p:cond delay="0"/>
+                                  </p:stCondLst>
+                                  <p:childTnLst>
+                                    <p:set>
+                                      <p:cBhvr>
+                                        <p:cTn id="6" dur="1" fill="hold">
+                                          <p:stCondLst>
+                                            <p:cond delay="0"/>
+                                          </p:stCondLst>
+                                        </p:cTn>
+                                        <p:tgtEl>
+                                          <p:spTgt spid="3">
+                                            <p:txEl>
+                                              <p:pRg st="0" end="0"/>
+                                            </p:txEl>
+                                          </p:spTgt>
+                                        </p:tgtEl>
+                                        <p:attrNameLst>
+                                          <p:attrName>style.visibility</p:attrName>
+                                        </p:attrNameLst>
+                                      </p:cBhvr>
+                                      <p:to>
+                                        <p:strVal val="visible"/>
+                                      </p:to>
+                                    </p:set>
+                                  </p:childTnLst>
+                                </p:cTn>
+                              </p:par>
+                            </p:childTnLst>
+                          </p:cTn>
+                        </p:par>
+                      </p:childTnLst>
+                    </p:cTn>
+                  </p:par>
+                  <p:par>
+                    <p:cTn id="7" fill="hold">
+                      <p:stCondLst>
+                        <p:cond delay="indefinite"/>
+                      </p:stCondLst>
+                      <p:childTnLst>
+                        <p:par>
+                          <p:cTn id="8" fill="hold">
+                            <p:stCondLst>
+                              <p:cond delay="0"/>
+                            </p:stCondLst>
+                            <p:childTnLst>
+                              <p:par>
+                                <p:cTn id="9" presetID="1" presetClass="entr" presetSubtype="0" fill="hold" nodeType="clickEffect">
+                                  <p:stCondLst>
+                                    <p:cond delay="0"/>
+                                  </p:stCondLst>
+                                  <p:childTnLst>
+                                    <p:set>
+                                      <p:cBhvr>
+                                        <p:cTn id="10" dur="1" fill="hold">
+                                          <p:stCondLst>
+                                            <p:cond delay="0"/>
+                                          </p:stCondLst>
+                                        </p:cTn>
+                                        <p:tgtEl>
+                                          <p:spTgt spid="3">
+                                            <p:txEl>
+                                              <p:pRg st="1" end="1"/>
+                                            </p:txEl>
+                                          </p:spTgt>
+                                        </p:tgtEl>
+                                        <p:attrNameLst>
+                                          <p:attrName>style.visibility</p:attrName>
+                                        </p:attrNameLst>
+                                      </p:cBhvr>
+                                      <p:to>
+                                        <p:strVal val="visible"/>
+                                      </p:to>
+                                    </p:set>
+                                  </p:childTnLst>
+                                </p:cTn>
+                              </p:par>
+                            </p:childTnLst>
+                          </p:cTn>
+                        </p:par>
+                      </p:childTnLst>
+                    </p:cTn>
+                  </p:par>
+                  <p:par>
+                    <p:cTn id="11" fill="hold">
+                      <p:stCondLst>
+                        <p:cond delay="indefinite"/>
+                      </p:stCondLst>
+                      <p:childTnLst>
+                        <p:par>
+                          <p:cTn id="12" fill="hold">
+                            <p:stCondLst>
+                              <p:cond delay="0"/>
+                            </p:stCondLst>
+                            <p:childTnLst>
+                              <p:par>
+                                <p:cTn id="13" presetID="1" presetClass="entr" presetSubtype="0" fill="hold" nodeType="clickEffect">
+                                  <p:stCondLst>
+                                    <p:cond delay="0"/>
+                                  </p:stCondLst>
+                                  <p:childTnLst>
+                                    <p:set>
+                                      <p:cBhvr>
+                                        <p:cTn id="14" dur="1" fill="hold">
+                                          <p:stCondLst>
+                                            <p:cond delay="0"/>
+                                          </p:stCondLst>
+                                        </p:cTn>
+                                        <p:tgtEl>
+                                          <p:spTgt spid="3">
+                                            <p:txEl>
+                                              <p:pRg st="2" end="2"/>
+                                            </p:txEl>
+                                          </p:spTgt>
+                                        </p:tgtEl>
+                                        <p:attrNameLst>
+                                          <p:attrName>style.visibility</p:attrName>
+                                        </p:attrNameLst>
+                                      </p:cBhvr>
+                                      <p:to>
+                                        <p:strVal val="visible"/>
+                                      </p:to>
+                                    </p:set>
+                                  </p:childTnLst>
+                                </p:cTn>
+                              </p:par>
+                            </p:childTnLst>
+                          </p:cTn>
+                        </p:par>
+                      </p:childTnLst>
+                    </p:cTn>
+                  </p:par>
+                </p:childTnLst>
+              </p:cTn>
+              <p:prevCondLst>
+                <p:cond evt="onPrev" delay="0">
+                  <p:tgtEl>
+                    <p:sldTgt/>
+                  </p:tgtEl>
+                </p:cond>
+              </p:prevCondLst>
+              <p:nextCondLst>
+                <p:cond evt="onNext" delay="0">
+                  <p:tgtEl>
+                    <p:sldTgt/>
+                  </p:tgtEl>
+                </p:cond>
+              </p:nextCondLst>
+            </p:seq>
+          </p:childTnLst>
+        </p:cTn>
+      </p:par>
+    </p:tnLst>
+  </p:timing>
 </p:sld>
 </file>
 
-<file path=ppt/slides/slide39.xml><?xml version="1.0" encoding="utf-8"?>
+<file path=ppt/slides/slide41.xml><?xml version="1.0" encoding="utf-8"?>
 <p:sld xmlns:a="http://schemas.openxmlformats.org/drawingml/2006/main" xmlns:r="http://schemas.openxmlformats.org/officeDocument/2006/relationships" xmlns:p="http://schemas.openxmlformats.org/presentationml/2006/main">
   <p:cSld>
     <p:spTree>
@@ -9785,7 +13915,7 @@
           <a:lstStyle/>
           <a:p>
             <a:r>
-              <a:rPr lang="en-US" dirty="0"/>
+              <a:rPr lang="en-US" b="1" dirty="0"/>
               <a:t>Better together: network</a:t>
             </a:r>
           </a:p>
@@ -9809,7 +13939,9 @@
         </p:nvSpPr>
         <p:spPr/>
         <p:txBody>
-          <a:bodyPr/>
+          <a:bodyPr>
+            <a:normAutofit lnSpcReduction="10000"/>
+          </a:bodyPr>
           <a:lstStyle/>
           <a:p>
             <a:pPr>
@@ -9828,6 +13960,17 @@
             <a:r>
               <a:rPr lang="en-US" dirty="0"/>
               <a:t>, they’re not enough</a:t>
+            </a:r>
+          </a:p>
+          <a:p>
+            <a:pPr lvl="1">
+              <a:lnSpc>
+                <a:spcPct val="200000"/>
+              </a:lnSpc>
+            </a:pPr>
+            <a:r>
+              <a:rPr lang="en-US" dirty="0"/>
+              <a:t>XOR problems</a:t>
             </a:r>
           </a:p>
           <a:p>
@@ -9864,124 +14007,236 @@
   <p:clrMapOvr>
     <a:masterClrMapping/>
   </p:clrMapOvr>
+  <p:timing>
+    <p:tnLst>
+      <p:par>
+        <p:cTn id="1" dur="indefinite" restart="never" nodeType="tmRoot">
+          <p:childTnLst>
+            <p:seq concurrent="1" nextAc="seek">
+              <p:cTn id="2" dur="indefinite" nodeType="mainSeq">
+                <p:childTnLst>
+                  <p:par>
+                    <p:cTn id="3" fill="hold">
+                      <p:stCondLst>
+                        <p:cond delay="indefinite"/>
+                      </p:stCondLst>
+                      <p:childTnLst>
+                        <p:par>
+                          <p:cTn id="4" fill="hold">
+                            <p:stCondLst>
+                              <p:cond delay="0"/>
+                            </p:stCondLst>
+                            <p:childTnLst>
+                              <p:par>
+                                <p:cTn id="5" presetID="1" presetClass="entr" presetSubtype="0" fill="hold" nodeType="clickEffect">
+                                  <p:stCondLst>
+                                    <p:cond delay="0"/>
+                                  </p:stCondLst>
+                                  <p:childTnLst>
+                                    <p:set>
+                                      <p:cBhvr>
+                                        <p:cTn id="6" dur="1" fill="hold">
+                                          <p:stCondLst>
+                                            <p:cond delay="0"/>
+                                          </p:stCondLst>
+                                        </p:cTn>
+                                        <p:tgtEl>
+                                          <p:spTgt spid="3">
+                                            <p:txEl>
+                                              <p:pRg st="0" end="0"/>
+                                            </p:txEl>
+                                          </p:spTgt>
+                                        </p:tgtEl>
+                                        <p:attrNameLst>
+                                          <p:attrName>style.visibility</p:attrName>
+                                        </p:attrNameLst>
+                                      </p:cBhvr>
+                                      <p:to>
+                                        <p:strVal val="visible"/>
+                                      </p:to>
+                                    </p:set>
+                                  </p:childTnLst>
+                                </p:cTn>
+                              </p:par>
+                            </p:childTnLst>
+                          </p:cTn>
+                        </p:par>
+                      </p:childTnLst>
+                    </p:cTn>
+                  </p:par>
+                  <p:par>
+                    <p:cTn id="7" fill="hold">
+                      <p:stCondLst>
+                        <p:cond delay="indefinite"/>
+                      </p:stCondLst>
+                      <p:childTnLst>
+                        <p:par>
+                          <p:cTn id="8" fill="hold">
+                            <p:stCondLst>
+                              <p:cond delay="0"/>
+                            </p:stCondLst>
+                            <p:childTnLst>
+                              <p:par>
+                                <p:cTn id="9" presetID="1" presetClass="entr" presetSubtype="0" fill="hold" nodeType="clickEffect">
+                                  <p:stCondLst>
+                                    <p:cond delay="0"/>
+                                  </p:stCondLst>
+                                  <p:childTnLst>
+                                    <p:set>
+                                      <p:cBhvr>
+                                        <p:cTn id="10" dur="1" fill="hold">
+                                          <p:stCondLst>
+                                            <p:cond delay="0"/>
+                                          </p:stCondLst>
+                                        </p:cTn>
+                                        <p:tgtEl>
+                                          <p:spTgt spid="3">
+                                            <p:txEl>
+                                              <p:pRg st="1" end="1"/>
+                                            </p:txEl>
+                                          </p:spTgt>
+                                        </p:tgtEl>
+                                        <p:attrNameLst>
+                                          <p:attrName>style.visibility</p:attrName>
+                                        </p:attrNameLst>
+                                      </p:cBhvr>
+                                      <p:to>
+                                        <p:strVal val="visible"/>
+                                      </p:to>
+                                    </p:set>
+                                  </p:childTnLst>
+                                </p:cTn>
+                              </p:par>
+                            </p:childTnLst>
+                          </p:cTn>
+                        </p:par>
+                      </p:childTnLst>
+                    </p:cTn>
+                  </p:par>
+                  <p:par>
+                    <p:cTn id="11" fill="hold">
+                      <p:stCondLst>
+                        <p:cond delay="indefinite"/>
+                      </p:stCondLst>
+                      <p:childTnLst>
+                        <p:par>
+                          <p:cTn id="12" fill="hold">
+                            <p:stCondLst>
+                              <p:cond delay="0"/>
+                            </p:stCondLst>
+                            <p:childTnLst>
+                              <p:par>
+                                <p:cTn id="13" presetID="1" presetClass="entr" presetSubtype="0" fill="hold" nodeType="clickEffect">
+                                  <p:stCondLst>
+                                    <p:cond delay="0"/>
+                                  </p:stCondLst>
+                                  <p:childTnLst>
+                                    <p:set>
+                                      <p:cBhvr>
+                                        <p:cTn id="14" dur="1" fill="hold">
+                                          <p:stCondLst>
+                                            <p:cond delay="0"/>
+                                          </p:stCondLst>
+                                        </p:cTn>
+                                        <p:tgtEl>
+                                          <p:spTgt spid="3">
+                                            <p:txEl>
+                                              <p:pRg st="2" end="2"/>
+                                            </p:txEl>
+                                          </p:spTgt>
+                                        </p:tgtEl>
+                                        <p:attrNameLst>
+                                          <p:attrName>style.visibility</p:attrName>
+                                        </p:attrNameLst>
+                                      </p:cBhvr>
+                                      <p:to>
+                                        <p:strVal val="visible"/>
+                                      </p:to>
+                                    </p:set>
+                                  </p:childTnLst>
+                                </p:cTn>
+                              </p:par>
+                            </p:childTnLst>
+                          </p:cTn>
+                        </p:par>
+                      </p:childTnLst>
+                    </p:cTn>
+                  </p:par>
+                  <p:par>
+                    <p:cTn id="15" fill="hold">
+                      <p:stCondLst>
+                        <p:cond delay="indefinite"/>
+                      </p:stCondLst>
+                      <p:childTnLst>
+                        <p:par>
+                          <p:cTn id="16" fill="hold">
+                            <p:stCondLst>
+                              <p:cond delay="0"/>
+                            </p:stCondLst>
+                            <p:childTnLst>
+                              <p:par>
+                                <p:cTn id="17" presetID="1" presetClass="entr" presetSubtype="0" fill="hold" nodeType="clickEffect">
+                                  <p:stCondLst>
+                                    <p:cond delay="0"/>
+                                  </p:stCondLst>
+                                  <p:childTnLst>
+                                    <p:set>
+                                      <p:cBhvr>
+                                        <p:cTn id="18" dur="1" fill="hold">
+                                          <p:stCondLst>
+                                            <p:cond delay="0"/>
+                                          </p:stCondLst>
+                                        </p:cTn>
+                                        <p:tgtEl>
+                                          <p:spTgt spid="3">
+                                            <p:txEl>
+                                              <p:pRg st="3" end="3"/>
+                                            </p:txEl>
+                                          </p:spTgt>
+                                        </p:tgtEl>
+                                        <p:attrNameLst>
+                                          <p:attrName>style.visibility</p:attrName>
+                                        </p:attrNameLst>
+                                      </p:cBhvr>
+                                      <p:to>
+                                        <p:strVal val="visible"/>
+                                      </p:to>
+                                    </p:set>
+                                  </p:childTnLst>
+                                </p:cTn>
+                              </p:par>
+                            </p:childTnLst>
+                          </p:cTn>
+                        </p:par>
+                      </p:childTnLst>
+                    </p:cTn>
+                  </p:par>
+                </p:childTnLst>
+              </p:cTn>
+              <p:prevCondLst>
+                <p:cond evt="onPrev" delay="0">
+                  <p:tgtEl>
+                    <p:sldTgt/>
+                  </p:tgtEl>
+                </p:cond>
+              </p:prevCondLst>
+              <p:nextCondLst>
+                <p:cond evt="onNext" delay="0">
+                  <p:tgtEl>
+                    <p:sldTgt/>
+                  </p:tgtEl>
+                </p:cond>
+              </p:nextCondLst>
+            </p:seq>
+          </p:childTnLst>
+        </p:cTn>
+      </p:par>
+    </p:tnLst>
+  </p:timing>
 </p:sld>
 </file>
 
-<file path=ppt/slides/slide4.xml><?xml version="1.0" encoding="utf-8"?>
-<p:sld xmlns:a="http://schemas.openxmlformats.org/drawingml/2006/main" xmlns:r="http://schemas.openxmlformats.org/officeDocument/2006/relationships" xmlns:p="http://schemas.openxmlformats.org/presentationml/2006/main">
-  <p:cSld>
-    <p:spTree>
-      <p:nvGrpSpPr>
-        <p:cNvPr id="1" name=""/>
-        <p:cNvGrpSpPr/>
-        <p:nvPr/>
-      </p:nvGrpSpPr>
-      <p:grpSpPr>
-        <a:xfrm>
-          <a:off x="0" y="0"/>
-          <a:ext cx="0" cy="0"/>
-          <a:chOff x="0" y="0"/>
-          <a:chExt cx="0" cy="0"/>
-        </a:xfrm>
-      </p:grpSpPr>
-      <p:sp>
-        <p:nvSpPr>
-          <p:cNvPr id="2" name="Title 1">
-            <a:extLst>
-              <a:ext uri="{FF2B5EF4-FFF2-40B4-BE49-F238E27FC236}">
-                <a16:creationId xmlns:a16="http://schemas.microsoft.com/office/drawing/2014/main" id="{F00F2026-5359-5507-8C27-A8B58E4B2FB6}"/>
-              </a:ext>
-            </a:extLst>
-          </p:cNvPr>
-          <p:cNvSpPr>
-            <a:spLocks noGrp="1"/>
-          </p:cNvSpPr>
-          <p:nvPr>
-            <p:ph type="title"/>
-          </p:nvPr>
-        </p:nvSpPr>
-        <p:spPr/>
-        <p:txBody>
-          <a:bodyPr>
-            <a:normAutofit/>
-          </a:bodyPr>
-          <a:lstStyle/>
-          <a:p>
-            <a:r>
-              <a:rPr lang="en-US" sz="4000" b="1" dirty="0"/>
-              <a:t>Now what?</a:t>
-            </a:r>
-          </a:p>
-        </p:txBody>
-      </p:sp>
-      <p:sp>
-        <p:nvSpPr>
-          <p:cNvPr id="3" name="Content Placeholder 2">
-            <a:extLst>
-              <a:ext uri="{FF2B5EF4-FFF2-40B4-BE49-F238E27FC236}">
-                <a16:creationId xmlns:a16="http://schemas.microsoft.com/office/drawing/2014/main" id="{0D1613C0-1027-B706-DF69-13655DE7F281}"/>
-              </a:ext>
-            </a:extLst>
-          </p:cNvPr>
-          <p:cNvSpPr>
-            <a:spLocks noGrp="1"/>
-          </p:cNvSpPr>
-          <p:nvPr>
-            <p:ph idx="1"/>
-          </p:nvPr>
-        </p:nvSpPr>
-        <p:spPr/>
-        <p:txBody>
-          <a:bodyPr>
-            <a:normAutofit/>
-          </a:bodyPr>
-          <a:lstStyle/>
-          <a:p>
-            <a:pPr>
-              <a:lnSpc>
-                <a:spcPct val="200000"/>
-              </a:lnSpc>
-            </a:pPr>
-            <a:r>
-              <a:rPr lang="en-US" dirty="0"/>
-              <a:t>But in recent years, nonlinear classifiers have swept through NLP, and are now the default approach for many tasks (Manning, 2015)</a:t>
-            </a:r>
-          </a:p>
-          <a:p>
-            <a:pPr>
-              <a:lnSpc>
-                <a:spcPct val="200000"/>
-              </a:lnSpc>
-            </a:pPr>
-            <a:r>
-              <a:rPr lang="en-US" dirty="0"/>
-              <a:t>There are at least three reasons for this change</a:t>
-            </a:r>
-          </a:p>
-          <a:p>
-            <a:pPr>
-              <a:lnSpc>
-                <a:spcPct val="200000"/>
-              </a:lnSpc>
-            </a:pPr>
-            <a:endParaRPr lang="en-US" dirty="0"/>
-          </a:p>
-        </p:txBody>
-      </p:sp>
-    </p:spTree>
-    <p:extLst>
-      <p:ext uri="{BB962C8B-B14F-4D97-AF65-F5344CB8AC3E}">
-        <p14:creationId xmlns:p14="http://schemas.microsoft.com/office/powerpoint/2010/main" val="1965692552"/>
-      </p:ext>
-    </p:extLst>
-  </p:cSld>
-  <p:clrMapOvr>
-    <a:masterClrMapping/>
-  </p:clrMapOvr>
-</p:sld>
-</file>
-
-<file path=ppt/slides/slide40.xml><?xml version="1.0" encoding="utf-8"?>
+<file path=ppt/slides/slide42.xml><?xml version="1.0" encoding="utf-8"?>
 <p:sld xmlns:a="http://schemas.openxmlformats.org/drawingml/2006/main" xmlns:r="http://schemas.openxmlformats.org/officeDocument/2006/relationships" xmlns:p="http://schemas.openxmlformats.org/presentationml/2006/main">
   <p:cSld>
     <p:spTree>
@@ -10014,13 +14269,18 @@
             <p:ph type="title"/>
           </p:nvPr>
         </p:nvSpPr>
-        <p:spPr/>
+        <p:spPr>
+          <a:xfrm>
+            <a:off x="838200" y="355698"/>
+            <a:ext cx="10515600" cy="1325563"/>
+          </a:xfrm>
+        </p:spPr>
         <p:txBody>
           <a:bodyPr/>
           <a:lstStyle/>
           <a:p>
             <a:r>
-              <a:rPr lang="en-US" dirty="0"/>
+              <a:rPr lang="en-US" b="1" dirty="0"/>
               <a:t>Neurons are organized in layers</a:t>
             </a:r>
           </a:p>
@@ -10045,7 +14305,7 @@
         <p:spPr/>
         <p:txBody>
           <a:bodyPr>
-            <a:normAutofit fontScale="92500" lnSpcReduction="20000"/>
+            <a:normAutofit fontScale="85000" lnSpcReduction="10000"/>
           </a:bodyPr>
           <a:lstStyle/>
           <a:p>
@@ -10068,6 +14328,17 @@
             <a:r>
               <a:rPr lang="en-US" dirty="0"/>
               <a:t>Information flows from one layer to another until sensory input is converted into conceptual understanding</a:t>
+            </a:r>
+          </a:p>
+          <a:p>
+            <a:pPr lvl="1">
+              <a:lnSpc>
+                <a:spcPct val="200000"/>
+              </a:lnSpc>
+            </a:pPr>
+            <a:r>
+              <a:rPr lang="en-US" dirty="0"/>
+              <a:t>I am just saying… please don’t ask</a:t>
             </a:r>
           </a:p>
           <a:p>
@@ -10093,10 +14364,236 @@
   <p:clrMapOvr>
     <a:masterClrMapping/>
   </p:clrMapOvr>
+  <p:timing>
+    <p:tnLst>
+      <p:par>
+        <p:cTn id="1" dur="indefinite" restart="never" nodeType="tmRoot">
+          <p:childTnLst>
+            <p:seq concurrent="1" nextAc="seek">
+              <p:cTn id="2" dur="indefinite" nodeType="mainSeq">
+                <p:childTnLst>
+                  <p:par>
+                    <p:cTn id="3" fill="hold">
+                      <p:stCondLst>
+                        <p:cond delay="indefinite"/>
+                      </p:stCondLst>
+                      <p:childTnLst>
+                        <p:par>
+                          <p:cTn id="4" fill="hold">
+                            <p:stCondLst>
+                              <p:cond delay="0"/>
+                            </p:stCondLst>
+                            <p:childTnLst>
+                              <p:par>
+                                <p:cTn id="5" presetID="1" presetClass="entr" presetSubtype="0" fill="hold" nodeType="clickEffect">
+                                  <p:stCondLst>
+                                    <p:cond delay="0"/>
+                                  </p:stCondLst>
+                                  <p:childTnLst>
+                                    <p:set>
+                                      <p:cBhvr>
+                                        <p:cTn id="6" dur="1" fill="hold">
+                                          <p:stCondLst>
+                                            <p:cond delay="0"/>
+                                          </p:stCondLst>
+                                        </p:cTn>
+                                        <p:tgtEl>
+                                          <p:spTgt spid="3">
+                                            <p:txEl>
+                                              <p:pRg st="0" end="0"/>
+                                            </p:txEl>
+                                          </p:spTgt>
+                                        </p:tgtEl>
+                                        <p:attrNameLst>
+                                          <p:attrName>style.visibility</p:attrName>
+                                        </p:attrNameLst>
+                                      </p:cBhvr>
+                                      <p:to>
+                                        <p:strVal val="visible"/>
+                                      </p:to>
+                                    </p:set>
+                                  </p:childTnLst>
+                                </p:cTn>
+                              </p:par>
+                            </p:childTnLst>
+                          </p:cTn>
+                        </p:par>
+                      </p:childTnLst>
+                    </p:cTn>
+                  </p:par>
+                  <p:par>
+                    <p:cTn id="7" fill="hold">
+                      <p:stCondLst>
+                        <p:cond delay="indefinite"/>
+                      </p:stCondLst>
+                      <p:childTnLst>
+                        <p:par>
+                          <p:cTn id="8" fill="hold">
+                            <p:stCondLst>
+                              <p:cond delay="0"/>
+                            </p:stCondLst>
+                            <p:childTnLst>
+                              <p:par>
+                                <p:cTn id="9" presetID="1" presetClass="entr" presetSubtype="0" fill="hold" nodeType="clickEffect">
+                                  <p:stCondLst>
+                                    <p:cond delay="0"/>
+                                  </p:stCondLst>
+                                  <p:childTnLst>
+                                    <p:set>
+                                      <p:cBhvr>
+                                        <p:cTn id="10" dur="1" fill="hold">
+                                          <p:stCondLst>
+                                            <p:cond delay="0"/>
+                                          </p:stCondLst>
+                                        </p:cTn>
+                                        <p:tgtEl>
+                                          <p:spTgt spid="3">
+                                            <p:txEl>
+                                              <p:pRg st="1" end="1"/>
+                                            </p:txEl>
+                                          </p:spTgt>
+                                        </p:tgtEl>
+                                        <p:attrNameLst>
+                                          <p:attrName>style.visibility</p:attrName>
+                                        </p:attrNameLst>
+                                      </p:cBhvr>
+                                      <p:to>
+                                        <p:strVal val="visible"/>
+                                      </p:to>
+                                    </p:set>
+                                  </p:childTnLst>
+                                </p:cTn>
+                              </p:par>
+                            </p:childTnLst>
+                          </p:cTn>
+                        </p:par>
+                      </p:childTnLst>
+                    </p:cTn>
+                  </p:par>
+                  <p:par>
+                    <p:cTn id="11" fill="hold">
+                      <p:stCondLst>
+                        <p:cond delay="indefinite"/>
+                      </p:stCondLst>
+                      <p:childTnLst>
+                        <p:par>
+                          <p:cTn id="12" fill="hold">
+                            <p:stCondLst>
+                              <p:cond delay="0"/>
+                            </p:stCondLst>
+                            <p:childTnLst>
+                              <p:par>
+                                <p:cTn id="13" presetID="1" presetClass="entr" presetSubtype="0" fill="hold" nodeType="clickEffect">
+                                  <p:stCondLst>
+                                    <p:cond delay="0"/>
+                                  </p:stCondLst>
+                                  <p:childTnLst>
+                                    <p:set>
+                                      <p:cBhvr>
+                                        <p:cTn id="14" dur="1" fill="hold">
+                                          <p:stCondLst>
+                                            <p:cond delay="0"/>
+                                          </p:stCondLst>
+                                        </p:cTn>
+                                        <p:tgtEl>
+                                          <p:spTgt spid="3">
+                                            <p:txEl>
+                                              <p:pRg st="2" end="2"/>
+                                            </p:txEl>
+                                          </p:spTgt>
+                                        </p:tgtEl>
+                                        <p:attrNameLst>
+                                          <p:attrName>style.visibility</p:attrName>
+                                        </p:attrNameLst>
+                                      </p:cBhvr>
+                                      <p:to>
+                                        <p:strVal val="visible"/>
+                                      </p:to>
+                                    </p:set>
+                                  </p:childTnLst>
+                                </p:cTn>
+                              </p:par>
+                            </p:childTnLst>
+                          </p:cTn>
+                        </p:par>
+                      </p:childTnLst>
+                    </p:cTn>
+                  </p:par>
+                  <p:par>
+                    <p:cTn id="15" fill="hold">
+                      <p:stCondLst>
+                        <p:cond delay="indefinite"/>
+                      </p:stCondLst>
+                      <p:childTnLst>
+                        <p:par>
+                          <p:cTn id="16" fill="hold">
+                            <p:stCondLst>
+                              <p:cond delay="0"/>
+                            </p:stCondLst>
+                            <p:childTnLst>
+                              <p:par>
+                                <p:cTn id="17" presetID="1" presetClass="entr" presetSubtype="0" fill="hold" nodeType="clickEffect">
+                                  <p:stCondLst>
+                                    <p:cond delay="0"/>
+                                  </p:stCondLst>
+                                  <p:childTnLst>
+                                    <p:set>
+                                      <p:cBhvr>
+                                        <p:cTn id="18" dur="1" fill="hold">
+                                          <p:stCondLst>
+                                            <p:cond delay="0"/>
+                                          </p:stCondLst>
+                                        </p:cTn>
+                                        <p:tgtEl>
+                                          <p:spTgt spid="3">
+                                            <p:txEl>
+                                              <p:pRg st="3" end="3"/>
+                                            </p:txEl>
+                                          </p:spTgt>
+                                        </p:tgtEl>
+                                        <p:attrNameLst>
+                                          <p:attrName>style.visibility</p:attrName>
+                                        </p:attrNameLst>
+                                      </p:cBhvr>
+                                      <p:to>
+                                        <p:strVal val="visible"/>
+                                      </p:to>
+                                    </p:set>
+                                  </p:childTnLst>
+                                </p:cTn>
+                              </p:par>
+                            </p:childTnLst>
+                          </p:cTn>
+                        </p:par>
+                      </p:childTnLst>
+                    </p:cTn>
+                  </p:par>
+                </p:childTnLst>
+              </p:cTn>
+              <p:prevCondLst>
+                <p:cond evt="onPrev" delay="0">
+                  <p:tgtEl>
+                    <p:sldTgt/>
+                  </p:tgtEl>
+                </p:cond>
+              </p:prevCondLst>
+              <p:nextCondLst>
+                <p:cond evt="onNext" delay="0">
+                  <p:tgtEl>
+                    <p:sldTgt/>
+                  </p:tgtEl>
+                </p:cond>
+              </p:nextCondLst>
+            </p:seq>
+          </p:childTnLst>
+        </p:cTn>
+      </p:par>
+    </p:tnLst>
+  </p:timing>
 </p:sld>
 </file>
 
-<file path=ppt/slides/slide41.xml><?xml version="1.0" encoding="utf-8"?>
+<file path=ppt/slides/slide43.xml><?xml version="1.0" encoding="utf-8"?>
 <p:sld xmlns:a="http://schemas.openxmlformats.org/drawingml/2006/main" xmlns:r="http://schemas.openxmlformats.org/officeDocument/2006/relationships" xmlns:p="http://schemas.openxmlformats.org/presentationml/2006/main">
   <p:cSld>
     <p:spTree>
@@ -10162,8 +14659,8 @@
           </a:extLst>
         </p:spPr>
       </p:pic>
-      <mc:AlternateContent xmlns:mc="http://schemas.openxmlformats.org/markup-compatibility/2006">
-        <mc:Choice xmlns:a14="http://schemas.microsoft.com/office/drawing/2010/main" Requires="a14">
+      <mc:AlternateContent xmlns:mc="http://schemas.openxmlformats.org/markup-compatibility/2006" xmlns:a14="http://schemas.microsoft.com/office/drawing/2010/main">
+        <mc:Choice Requires="a14">
           <p:sp>
             <p:nvSpPr>
               <p:cNvPr id="4" name="TextBox 3">
@@ -10454,7 +14951,7 @@
             </p:txBody>
           </p:sp>
         </mc:Choice>
-        <mc:Fallback>
+        <mc:Fallback xmlns="">
           <p:sp>
             <p:nvSpPr>
               <p:cNvPr id="4" name="TextBox 3">
@@ -10509,10 +15006,285 @@
   <p:clrMapOvr>
     <a:masterClrMapping/>
   </p:clrMapOvr>
+  <p:timing>
+    <p:tnLst>
+      <p:par>
+        <p:cTn id="1" dur="indefinite" restart="never" nodeType="tmRoot">
+          <p:childTnLst>
+            <p:seq concurrent="1" nextAc="seek">
+              <p:cTn id="2" dur="indefinite" nodeType="mainSeq">
+                <p:childTnLst>
+                  <p:par>
+                    <p:cTn id="3" fill="hold">
+                      <p:stCondLst>
+                        <p:cond delay="indefinite"/>
+                      </p:stCondLst>
+                      <p:childTnLst>
+                        <p:par>
+                          <p:cTn id="4" fill="hold">
+                            <p:stCondLst>
+                              <p:cond delay="0"/>
+                            </p:stCondLst>
+                            <p:childTnLst>
+                              <p:par>
+                                <p:cTn id="5" presetID="1" presetClass="entr" presetSubtype="0" fill="hold" nodeType="clickEffect">
+                                  <p:stCondLst>
+                                    <p:cond delay="0"/>
+                                  </p:stCondLst>
+                                  <p:childTnLst>
+                                    <p:set>
+                                      <p:cBhvr>
+                                        <p:cTn id="6" dur="1" fill="hold">
+                                          <p:stCondLst>
+                                            <p:cond delay="0"/>
+                                          </p:stCondLst>
+                                        </p:cTn>
+                                        <p:tgtEl>
+                                          <p:spTgt spid="4">
+                                            <p:txEl>
+                                              <p:pRg st="0" end="0"/>
+                                            </p:txEl>
+                                          </p:spTgt>
+                                        </p:tgtEl>
+                                        <p:attrNameLst>
+                                          <p:attrName>style.visibility</p:attrName>
+                                        </p:attrNameLst>
+                                      </p:cBhvr>
+                                      <p:to>
+                                        <p:strVal val="visible"/>
+                                      </p:to>
+                                    </p:set>
+                                  </p:childTnLst>
+                                </p:cTn>
+                              </p:par>
+                            </p:childTnLst>
+                          </p:cTn>
+                        </p:par>
+                      </p:childTnLst>
+                    </p:cTn>
+                  </p:par>
+                  <p:par>
+                    <p:cTn id="7" fill="hold">
+                      <p:stCondLst>
+                        <p:cond delay="indefinite"/>
+                      </p:stCondLst>
+                      <p:childTnLst>
+                        <p:par>
+                          <p:cTn id="8" fill="hold">
+                            <p:stCondLst>
+                              <p:cond delay="0"/>
+                            </p:stCondLst>
+                            <p:childTnLst>
+                              <p:par>
+                                <p:cTn id="9" presetID="1" presetClass="entr" presetSubtype="0" fill="hold" nodeType="clickEffect">
+                                  <p:stCondLst>
+                                    <p:cond delay="0"/>
+                                  </p:stCondLst>
+                                  <p:childTnLst>
+                                    <p:set>
+                                      <p:cBhvr>
+                                        <p:cTn id="10" dur="1" fill="hold">
+                                          <p:stCondLst>
+                                            <p:cond delay="0"/>
+                                          </p:stCondLst>
+                                        </p:cTn>
+                                        <p:tgtEl>
+                                          <p:spTgt spid="4">
+                                            <p:txEl>
+                                              <p:pRg st="1" end="1"/>
+                                            </p:txEl>
+                                          </p:spTgt>
+                                        </p:tgtEl>
+                                        <p:attrNameLst>
+                                          <p:attrName>style.visibility</p:attrName>
+                                        </p:attrNameLst>
+                                      </p:cBhvr>
+                                      <p:to>
+                                        <p:strVal val="visible"/>
+                                      </p:to>
+                                    </p:set>
+                                  </p:childTnLst>
+                                </p:cTn>
+                              </p:par>
+                            </p:childTnLst>
+                          </p:cTn>
+                        </p:par>
+                      </p:childTnLst>
+                    </p:cTn>
+                  </p:par>
+                  <p:par>
+                    <p:cTn id="11" fill="hold">
+                      <p:stCondLst>
+                        <p:cond delay="indefinite"/>
+                      </p:stCondLst>
+                      <p:childTnLst>
+                        <p:par>
+                          <p:cTn id="12" fill="hold">
+                            <p:stCondLst>
+                              <p:cond delay="0"/>
+                            </p:stCondLst>
+                            <p:childTnLst>
+                              <p:par>
+                                <p:cTn id="13" presetID="1" presetClass="entr" presetSubtype="0" fill="hold" nodeType="clickEffect">
+                                  <p:stCondLst>
+                                    <p:cond delay="0"/>
+                                  </p:stCondLst>
+                                  <p:childTnLst>
+                                    <p:set>
+                                      <p:cBhvr>
+                                        <p:cTn id="14" dur="1" fill="hold">
+                                          <p:stCondLst>
+                                            <p:cond delay="0"/>
+                                          </p:stCondLst>
+                                        </p:cTn>
+                                        <p:tgtEl>
+                                          <p:spTgt spid="4">
+                                            <p:txEl>
+                                              <p:pRg st="2" end="2"/>
+                                            </p:txEl>
+                                          </p:spTgt>
+                                        </p:tgtEl>
+                                        <p:attrNameLst>
+                                          <p:attrName>style.visibility</p:attrName>
+                                        </p:attrNameLst>
+                                      </p:cBhvr>
+                                      <p:to>
+                                        <p:strVal val="visible"/>
+                                      </p:to>
+                                    </p:set>
+                                  </p:childTnLst>
+                                </p:cTn>
+                              </p:par>
+                            </p:childTnLst>
+                          </p:cTn>
+                        </p:par>
+                      </p:childTnLst>
+                    </p:cTn>
+                  </p:par>
+                  <p:par>
+                    <p:cTn id="15" fill="hold">
+                      <p:stCondLst>
+                        <p:cond delay="indefinite"/>
+                      </p:stCondLst>
+                      <p:childTnLst>
+                        <p:par>
+                          <p:cTn id="16" fill="hold">
+                            <p:stCondLst>
+                              <p:cond delay="0"/>
+                            </p:stCondLst>
+                            <p:childTnLst>
+                              <p:par>
+                                <p:cTn id="17" presetID="1" presetClass="entr" presetSubtype="0" fill="hold" nodeType="clickEffect">
+                                  <p:stCondLst>
+                                    <p:cond delay="0"/>
+                                  </p:stCondLst>
+                                  <p:childTnLst>
+                                    <p:set>
+                                      <p:cBhvr>
+                                        <p:cTn id="18" dur="1" fill="hold">
+                                          <p:stCondLst>
+                                            <p:cond delay="0"/>
+                                          </p:stCondLst>
+                                        </p:cTn>
+                                        <p:tgtEl>
+                                          <p:spTgt spid="4">
+                                            <p:txEl>
+                                              <p:pRg st="3" end="3"/>
+                                            </p:txEl>
+                                          </p:spTgt>
+                                        </p:tgtEl>
+                                        <p:attrNameLst>
+                                          <p:attrName>style.visibility</p:attrName>
+                                        </p:attrNameLst>
+                                      </p:cBhvr>
+                                      <p:to>
+                                        <p:strVal val="visible"/>
+                                      </p:to>
+                                    </p:set>
+                                  </p:childTnLst>
+                                </p:cTn>
+                              </p:par>
+                            </p:childTnLst>
+                          </p:cTn>
+                        </p:par>
+                      </p:childTnLst>
+                    </p:cTn>
+                  </p:par>
+                  <p:par>
+                    <p:cTn id="19" fill="hold">
+                      <p:stCondLst>
+                        <p:cond delay="indefinite"/>
+                      </p:stCondLst>
+                      <p:childTnLst>
+                        <p:par>
+                          <p:cTn id="20" fill="hold">
+                            <p:stCondLst>
+                              <p:cond delay="0"/>
+                            </p:stCondLst>
+                            <p:childTnLst>
+                              <p:par>
+                                <p:cTn id="21" presetID="1" presetClass="entr" presetSubtype="0" fill="hold" nodeType="clickEffect">
+                                  <p:stCondLst>
+                                    <p:cond delay="0"/>
+                                  </p:stCondLst>
+                                  <p:childTnLst>
+                                    <p:set>
+                                      <p:cBhvr>
+                                        <p:cTn id="22" dur="1" fill="hold">
+                                          <p:stCondLst>
+                                            <p:cond delay="0"/>
+                                          </p:stCondLst>
+                                        </p:cTn>
+                                        <p:tgtEl>
+                                          <p:spTgt spid="4">
+                                            <p:txEl>
+                                              <p:pRg st="4" end="4"/>
+                                            </p:txEl>
+                                          </p:spTgt>
+                                        </p:tgtEl>
+                                        <p:attrNameLst>
+                                          <p:attrName>style.visibility</p:attrName>
+                                        </p:attrNameLst>
+                                      </p:cBhvr>
+                                      <p:to>
+                                        <p:strVal val="visible"/>
+                                      </p:to>
+                                    </p:set>
+                                  </p:childTnLst>
+                                </p:cTn>
+                              </p:par>
+                            </p:childTnLst>
+                          </p:cTn>
+                        </p:par>
+                      </p:childTnLst>
+                    </p:cTn>
+                  </p:par>
+                </p:childTnLst>
+              </p:cTn>
+              <p:prevCondLst>
+                <p:cond evt="onPrev" delay="0">
+                  <p:tgtEl>
+                    <p:sldTgt/>
+                  </p:tgtEl>
+                </p:cond>
+              </p:prevCondLst>
+              <p:nextCondLst>
+                <p:cond evt="onNext" delay="0">
+                  <p:tgtEl>
+                    <p:sldTgt/>
+                  </p:tgtEl>
+                </p:cond>
+              </p:nextCondLst>
+            </p:seq>
+          </p:childTnLst>
+        </p:cTn>
+      </p:par>
+    </p:tnLst>
+  </p:timing>
 </p:sld>
 </file>
 
-<file path=ppt/slides/slide42.xml><?xml version="1.0" encoding="utf-8"?>
+<file path=ppt/slides/slide44.xml><?xml version="1.0" encoding="utf-8"?>
 <p:sld xmlns:a="http://schemas.openxmlformats.org/drawingml/2006/main" xmlns:r="http://schemas.openxmlformats.org/officeDocument/2006/relationships" xmlns:p="http://schemas.openxmlformats.org/presentationml/2006/main">
   <p:cSld>
     <p:spTree>
@@ -10593,7 +15365,7 @@
         <p:spPr>
           <a:xfrm>
             <a:off x="5429839" y="942680"/>
-            <a:ext cx="5967167" cy="3108543"/>
+            <a:ext cx="5920033" cy="3108543"/>
           </a:xfrm>
           <a:prstGeom prst="rect">
             <a:avLst/>
@@ -10612,6 +15384,34 @@
             </a:pPr>
             <a:r>
               <a:rPr lang="en-US" sz="2800" dirty="0"/>
+              <a:t>These neural networks are called </a:t>
+            </a:r>
+            <a:r>
+              <a:rPr lang="en-US" sz="2800" i="1" dirty="0"/>
+              <a:t>feed-forward </a:t>
+            </a:r>
+            <a:r>
+              <a:rPr lang="en-US" sz="2800" dirty="0"/>
+              <a:t>networks</a:t>
+            </a:r>
+          </a:p>
+          <a:p>
+            <a:pPr marL="742950" lvl="1" indent="-285750">
+              <a:buFont typeface="Arial" panose="020B0604020202020204" pitchFamily="34" charset="0"/>
+              <a:buChar char="•"/>
+            </a:pPr>
+            <a:r>
+              <a:rPr lang="en-US" sz="2800" dirty="0"/>
+              <a:t>Most simple form</a:t>
+            </a:r>
+          </a:p>
+          <a:p>
+            <a:pPr marL="742950" lvl="1" indent="-285750">
+              <a:buFont typeface="Arial" panose="020B0604020202020204" pitchFamily="34" charset="0"/>
+              <a:buChar char="•"/>
+            </a:pPr>
+            <a:r>
+              <a:rPr lang="en-US" sz="2800" dirty="0"/>
               <a:t>Connections traverse only from a </a:t>
             </a:r>
             <a:r>
@@ -10647,34 +15447,6 @@
             <a:r>
               <a:rPr lang="en-US" sz="2800" dirty="0"/>
               <a:t> neurons in the same layer</a:t>
-            </a:r>
-          </a:p>
-          <a:p>
-            <a:pPr marL="285750" indent="-285750">
-              <a:buFont typeface="Arial" panose="020B0604020202020204" pitchFamily="34" charset="0"/>
-              <a:buChar char="•"/>
-            </a:pPr>
-            <a:r>
-              <a:rPr lang="en-US" sz="2800" dirty="0"/>
-              <a:t>These neural networks are called </a:t>
-            </a:r>
-            <a:r>
-              <a:rPr lang="en-US" sz="2800" i="1" dirty="0"/>
-              <a:t>feed-forward </a:t>
-            </a:r>
-            <a:r>
-              <a:rPr lang="en-US" sz="2800" dirty="0"/>
-              <a:t>networks</a:t>
-            </a:r>
-          </a:p>
-          <a:p>
-            <a:pPr marL="742950" lvl="1" indent="-285750">
-              <a:buFont typeface="Arial" panose="020B0604020202020204" pitchFamily="34" charset="0"/>
-              <a:buChar char="•"/>
-            </a:pPr>
-            <a:r>
-              <a:rPr lang="en-US" sz="2800" dirty="0"/>
-              <a:t>Most simple form</a:t>
             </a:r>
           </a:p>
         </p:txBody>
@@ -10689,10 +15461,236 @@
   <p:clrMapOvr>
     <a:masterClrMapping/>
   </p:clrMapOvr>
+  <p:timing>
+    <p:tnLst>
+      <p:par>
+        <p:cTn id="1" dur="indefinite" restart="never" nodeType="tmRoot">
+          <p:childTnLst>
+            <p:seq concurrent="1" nextAc="seek">
+              <p:cTn id="2" dur="indefinite" nodeType="mainSeq">
+                <p:childTnLst>
+                  <p:par>
+                    <p:cTn id="3" fill="hold">
+                      <p:stCondLst>
+                        <p:cond delay="indefinite"/>
+                      </p:stCondLst>
+                      <p:childTnLst>
+                        <p:par>
+                          <p:cTn id="4" fill="hold">
+                            <p:stCondLst>
+                              <p:cond delay="0"/>
+                            </p:stCondLst>
+                            <p:childTnLst>
+                              <p:par>
+                                <p:cTn id="5" presetID="1" presetClass="entr" presetSubtype="0" fill="hold" nodeType="clickEffect">
+                                  <p:stCondLst>
+                                    <p:cond delay="0"/>
+                                  </p:stCondLst>
+                                  <p:childTnLst>
+                                    <p:set>
+                                      <p:cBhvr>
+                                        <p:cTn id="6" dur="1" fill="hold">
+                                          <p:stCondLst>
+                                            <p:cond delay="0"/>
+                                          </p:stCondLst>
+                                        </p:cTn>
+                                        <p:tgtEl>
+                                          <p:spTgt spid="4">
+                                            <p:txEl>
+                                              <p:pRg st="0" end="0"/>
+                                            </p:txEl>
+                                          </p:spTgt>
+                                        </p:tgtEl>
+                                        <p:attrNameLst>
+                                          <p:attrName>style.visibility</p:attrName>
+                                        </p:attrNameLst>
+                                      </p:cBhvr>
+                                      <p:to>
+                                        <p:strVal val="visible"/>
+                                      </p:to>
+                                    </p:set>
+                                  </p:childTnLst>
+                                </p:cTn>
+                              </p:par>
+                            </p:childTnLst>
+                          </p:cTn>
+                        </p:par>
+                      </p:childTnLst>
+                    </p:cTn>
+                  </p:par>
+                  <p:par>
+                    <p:cTn id="7" fill="hold">
+                      <p:stCondLst>
+                        <p:cond delay="indefinite"/>
+                      </p:stCondLst>
+                      <p:childTnLst>
+                        <p:par>
+                          <p:cTn id="8" fill="hold">
+                            <p:stCondLst>
+                              <p:cond delay="0"/>
+                            </p:stCondLst>
+                            <p:childTnLst>
+                              <p:par>
+                                <p:cTn id="9" presetID="1" presetClass="entr" presetSubtype="0" fill="hold" nodeType="clickEffect">
+                                  <p:stCondLst>
+                                    <p:cond delay="0"/>
+                                  </p:stCondLst>
+                                  <p:childTnLst>
+                                    <p:set>
+                                      <p:cBhvr>
+                                        <p:cTn id="10" dur="1" fill="hold">
+                                          <p:stCondLst>
+                                            <p:cond delay="0"/>
+                                          </p:stCondLst>
+                                        </p:cTn>
+                                        <p:tgtEl>
+                                          <p:spTgt spid="4">
+                                            <p:txEl>
+                                              <p:pRg st="1" end="1"/>
+                                            </p:txEl>
+                                          </p:spTgt>
+                                        </p:tgtEl>
+                                        <p:attrNameLst>
+                                          <p:attrName>style.visibility</p:attrName>
+                                        </p:attrNameLst>
+                                      </p:cBhvr>
+                                      <p:to>
+                                        <p:strVal val="visible"/>
+                                      </p:to>
+                                    </p:set>
+                                  </p:childTnLst>
+                                </p:cTn>
+                              </p:par>
+                            </p:childTnLst>
+                          </p:cTn>
+                        </p:par>
+                      </p:childTnLst>
+                    </p:cTn>
+                  </p:par>
+                  <p:par>
+                    <p:cTn id="11" fill="hold">
+                      <p:stCondLst>
+                        <p:cond delay="indefinite"/>
+                      </p:stCondLst>
+                      <p:childTnLst>
+                        <p:par>
+                          <p:cTn id="12" fill="hold">
+                            <p:stCondLst>
+                              <p:cond delay="0"/>
+                            </p:stCondLst>
+                            <p:childTnLst>
+                              <p:par>
+                                <p:cTn id="13" presetID="1" presetClass="entr" presetSubtype="0" fill="hold" nodeType="clickEffect">
+                                  <p:stCondLst>
+                                    <p:cond delay="0"/>
+                                  </p:stCondLst>
+                                  <p:childTnLst>
+                                    <p:set>
+                                      <p:cBhvr>
+                                        <p:cTn id="14" dur="1" fill="hold">
+                                          <p:stCondLst>
+                                            <p:cond delay="0"/>
+                                          </p:stCondLst>
+                                        </p:cTn>
+                                        <p:tgtEl>
+                                          <p:spTgt spid="4">
+                                            <p:txEl>
+                                              <p:pRg st="2" end="2"/>
+                                            </p:txEl>
+                                          </p:spTgt>
+                                        </p:tgtEl>
+                                        <p:attrNameLst>
+                                          <p:attrName>style.visibility</p:attrName>
+                                        </p:attrNameLst>
+                                      </p:cBhvr>
+                                      <p:to>
+                                        <p:strVal val="visible"/>
+                                      </p:to>
+                                    </p:set>
+                                  </p:childTnLst>
+                                </p:cTn>
+                              </p:par>
+                            </p:childTnLst>
+                          </p:cTn>
+                        </p:par>
+                      </p:childTnLst>
+                    </p:cTn>
+                  </p:par>
+                  <p:par>
+                    <p:cTn id="15" fill="hold">
+                      <p:stCondLst>
+                        <p:cond delay="indefinite"/>
+                      </p:stCondLst>
+                      <p:childTnLst>
+                        <p:par>
+                          <p:cTn id="16" fill="hold">
+                            <p:stCondLst>
+                              <p:cond delay="0"/>
+                            </p:stCondLst>
+                            <p:childTnLst>
+                              <p:par>
+                                <p:cTn id="17" presetID="1" presetClass="entr" presetSubtype="0" fill="hold" nodeType="clickEffect">
+                                  <p:stCondLst>
+                                    <p:cond delay="0"/>
+                                  </p:stCondLst>
+                                  <p:childTnLst>
+                                    <p:set>
+                                      <p:cBhvr>
+                                        <p:cTn id="18" dur="1" fill="hold">
+                                          <p:stCondLst>
+                                            <p:cond delay="0"/>
+                                          </p:stCondLst>
+                                        </p:cTn>
+                                        <p:tgtEl>
+                                          <p:spTgt spid="4">
+                                            <p:txEl>
+                                              <p:pRg st="3" end="3"/>
+                                            </p:txEl>
+                                          </p:spTgt>
+                                        </p:tgtEl>
+                                        <p:attrNameLst>
+                                          <p:attrName>style.visibility</p:attrName>
+                                        </p:attrNameLst>
+                                      </p:cBhvr>
+                                      <p:to>
+                                        <p:strVal val="visible"/>
+                                      </p:to>
+                                    </p:set>
+                                  </p:childTnLst>
+                                </p:cTn>
+                              </p:par>
+                            </p:childTnLst>
+                          </p:cTn>
+                        </p:par>
+                      </p:childTnLst>
+                    </p:cTn>
+                  </p:par>
+                </p:childTnLst>
+              </p:cTn>
+              <p:prevCondLst>
+                <p:cond evt="onPrev" delay="0">
+                  <p:tgtEl>
+                    <p:sldTgt/>
+                  </p:tgtEl>
+                </p:cond>
+              </p:prevCondLst>
+              <p:nextCondLst>
+                <p:cond evt="onNext" delay="0">
+                  <p:tgtEl>
+                    <p:sldTgt/>
+                  </p:tgtEl>
+                </p:cond>
+              </p:nextCondLst>
+            </p:seq>
+          </p:childTnLst>
+        </p:cTn>
+      </p:par>
+    </p:tnLst>
+  </p:timing>
 </p:sld>
 </file>
 
-<file path=ppt/slides/slide43.xml><?xml version="1.0" encoding="utf-8"?>
+<file path=ppt/slides/slide45.xml><?xml version="1.0" encoding="utf-8"?>
 <p:sld xmlns:a="http://schemas.openxmlformats.org/drawingml/2006/main" xmlns:r="http://schemas.openxmlformats.org/officeDocument/2006/relationships" xmlns:p="http://schemas.openxmlformats.org/presentationml/2006/main">
   <p:cSld>
     <p:spTree>
@@ -10796,7 +15794,7 @@
             <a:pPr lvl="1"/>
             <a:r>
               <a:rPr lang="en-US" dirty="0"/>
-              <a:t>Still true for the language models</a:t>
+              <a:t>In fact, here we get the word embeddings</a:t>
             </a:r>
           </a:p>
         </p:txBody>
@@ -10811,10 +15809,187 @@
   <p:clrMapOvr>
     <a:masterClrMapping/>
   </p:clrMapOvr>
+  <p:timing>
+    <p:tnLst>
+      <p:par>
+        <p:cTn id="1" dur="indefinite" restart="never" nodeType="tmRoot">
+          <p:childTnLst>
+            <p:seq concurrent="1" nextAc="seek">
+              <p:cTn id="2" dur="indefinite" nodeType="mainSeq">
+                <p:childTnLst>
+                  <p:par>
+                    <p:cTn id="3" fill="hold">
+                      <p:stCondLst>
+                        <p:cond delay="indefinite"/>
+                      </p:stCondLst>
+                      <p:childTnLst>
+                        <p:par>
+                          <p:cTn id="4" fill="hold">
+                            <p:stCondLst>
+                              <p:cond delay="0"/>
+                            </p:stCondLst>
+                            <p:childTnLst>
+                              <p:par>
+                                <p:cTn id="5" presetID="1" presetClass="entr" presetSubtype="0" fill="hold" nodeType="clickEffect">
+                                  <p:stCondLst>
+                                    <p:cond delay="0"/>
+                                  </p:stCondLst>
+                                  <p:childTnLst>
+                                    <p:set>
+                                      <p:cBhvr>
+                                        <p:cTn id="6" dur="1" fill="hold">
+                                          <p:stCondLst>
+                                            <p:cond delay="0"/>
+                                          </p:stCondLst>
+                                        </p:cTn>
+                                        <p:tgtEl>
+                                          <p:spTgt spid="3">
+                                            <p:txEl>
+                                              <p:pRg st="0" end="0"/>
+                                            </p:txEl>
+                                          </p:spTgt>
+                                        </p:tgtEl>
+                                        <p:attrNameLst>
+                                          <p:attrName>style.visibility</p:attrName>
+                                        </p:attrNameLst>
+                                      </p:cBhvr>
+                                      <p:to>
+                                        <p:strVal val="visible"/>
+                                      </p:to>
+                                    </p:set>
+                                  </p:childTnLst>
+                                </p:cTn>
+                              </p:par>
+                            </p:childTnLst>
+                          </p:cTn>
+                        </p:par>
+                      </p:childTnLst>
+                    </p:cTn>
+                  </p:par>
+                  <p:par>
+                    <p:cTn id="7" fill="hold">
+                      <p:stCondLst>
+                        <p:cond delay="indefinite"/>
+                      </p:stCondLst>
+                      <p:childTnLst>
+                        <p:par>
+                          <p:cTn id="8" fill="hold">
+                            <p:stCondLst>
+                              <p:cond delay="0"/>
+                            </p:stCondLst>
+                            <p:childTnLst>
+                              <p:par>
+                                <p:cTn id="9" presetID="1" presetClass="entr" presetSubtype="0" fill="hold" nodeType="clickEffect">
+                                  <p:stCondLst>
+                                    <p:cond delay="0"/>
+                                  </p:stCondLst>
+                                  <p:childTnLst>
+                                    <p:set>
+                                      <p:cBhvr>
+                                        <p:cTn id="10" dur="1" fill="hold">
+                                          <p:stCondLst>
+                                            <p:cond delay="0"/>
+                                          </p:stCondLst>
+                                        </p:cTn>
+                                        <p:tgtEl>
+                                          <p:spTgt spid="3">
+                                            <p:txEl>
+                                              <p:pRg st="1" end="1"/>
+                                            </p:txEl>
+                                          </p:spTgt>
+                                        </p:tgtEl>
+                                        <p:attrNameLst>
+                                          <p:attrName>style.visibility</p:attrName>
+                                        </p:attrNameLst>
+                                      </p:cBhvr>
+                                      <p:to>
+                                        <p:strVal val="visible"/>
+                                      </p:to>
+                                    </p:set>
+                                  </p:childTnLst>
+                                </p:cTn>
+                              </p:par>
+                            </p:childTnLst>
+                          </p:cTn>
+                        </p:par>
+                      </p:childTnLst>
+                    </p:cTn>
+                  </p:par>
+                  <p:par>
+                    <p:cTn id="11" fill="hold">
+                      <p:stCondLst>
+                        <p:cond delay="indefinite"/>
+                      </p:stCondLst>
+                      <p:childTnLst>
+                        <p:par>
+                          <p:cTn id="12" fill="hold">
+                            <p:stCondLst>
+                              <p:cond delay="0"/>
+                            </p:stCondLst>
+                            <p:childTnLst>
+                              <p:par>
+                                <p:cTn id="13" presetID="1" presetClass="entr" presetSubtype="0" fill="hold" nodeType="clickEffect">
+                                  <p:stCondLst>
+                                    <p:cond delay="0"/>
+                                  </p:stCondLst>
+                                  <p:childTnLst>
+                                    <p:set>
+                                      <p:cBhvr>
+                                        <p:cTn id="14" dur="1" fill="hold">
+                                          <p:stCondLst>
+                                            <p:cond delay="0"/>
+                                          </p:stCondLst>
+                                        </p:cTn>
+                                        <p:tgtEl>
+                                          <p:spTgt spid="3">
+                                            <p:txEl>
+                                              <p:pRg st="2" end="2"/>
+                                            </p:txEl>
+                                          </p:spTgt>
+                                        </p:tgtEl>
+                                        <p:attrNameLst>
+                                          <p:attrName>style.visibility</p:attrName>
+                                        </p:attrNameLst>
+                                      </p:cBhvr>
+                                      <p:to>
+                                        <p:strVal val="visible"/>
+                                      </p:to>
+                                    </p:set>
+                                  </p:childTnLst>
+                                </p:cTn>
+                              </p:par>
+                            </p:childTnLst>
+                          </p:cTn>
+                        </p:par>
+                      </p:childTnLst>
+                    </p:cTn>
+                  </p:par>
+                </p:childTnLst>
+              </p:cTn>
+              <p:prevCondLst>
+                <p:cond evt="onPrev" delay="0">
+                  <p:tgtEl>
+                    <p:sldTgt/>
+                  </p:tgtEl>
+                </p:cond>
+              </p:prevCondLst>
+              <p:nextCondLst>
+                <p:cond evt="onNext" delay="0">
+                  <p:tgtEl>
+                    <p:sldTgt/>
+                  </p:tgtEl>
+                </p:cond>
+              </p:nextCondLst>
+            </p:seq>
+          </p:childTnLst>
+        </p:cTn>
+      </p:par>
+    </p:tnLst>
+  </p:timing>
 </p:sld>
 </file>
 
-<file path=ppt/slides/slide44.xml><?xml version="1.0" encoding="utf-8"?>
+<file path=ppt/slides/slide46.xml><?xml version="1.0" encoding="utf-8"?>
 <p:sld xmlns:a="http://schemas.openxmlformats.org/drawingml/2006/main" xmlns:r="http://schemas.openxmlformats.org/officeDocument/2006/relationships" xmlns:p="http://schemas.openxmlformats.org/presentationml/2006/main">
   <p:cSld>
     <p:spTree>
@@ -10867,8 +16042,8 @@
           </a:p>
         </p:txBody>
       </p:sp>
-      <mc:AlternateContent xmlns:mc="http://schemas.openxmlformats.org/markup-compatibility/2006">
-        <mc:Choice xmlns:a14="http://schemas.microsoft.com/office/drawing/2010/main" Requires="a14">
+      <mc:AlternateContent xmlns:mc="http://schemas.openxmlformats.org/markup-compatibility/2006" xmlns:a14="http://schemas.microsoft.com/office/drawing/2010/main">
+        <mc:Choice Requires="a14">
           <p:sp>
             <p:nvSpPr>
               <p:cNvPr id="3" name="Content Placeholder 2">
@@ -11003,7 +16178,7 @@
             </p:txBody>
           </p:sp>
         </mc:Choice>
-        <mc:Fallback>
+        <mc:Fallback xmlns="">
           <p:sp>
             <p:nvSpPr>
               <p:cNvPr id="3" name="Content Placeholder 2">
@@ -11103,7 +16278,7 @@
 </p:sld>
 </file>
 
-<file path=ppt/slides/slide45.xml><?xml version="1.0" encoding="utf-8"?>
+<file path=ppt/slides/slide47.xml><?xml version="1.0" encoding="utf-8"?>
 <p:sld xmlns:a="http://schemas.openxmlformats.org/drawingml/2006/main" xmlns:r="http://schemas.openxmlformats.org/officeDocument/2006/relationships" xmlns:p="http://schemas.openxmlformats.org/presentationml/2006/main">
   <p:cSld>
     <p:spTree>
@@ -11120,8 +16295,8 @@
           <a:chExt cx="0" cy="0"/>
         </a:xfrm>
       </p:grpSpPr>
-      <mc:AlternateContent xmlns:mc="http://schemas.openxmlformats.org/markup-compatibility/2006">
-        <mc:Choice xmlns:a14="http://schemas.microsoft.com/office/drawing/2010/main" Requires="a14">
+      <mc:AlternateContent xmlns:mc="http://schemas.openxmlformats.org/markup-compatibility/2006" xmlns:a14="http://schemas.microsoft.com/office/drawing/2010/main">
+        <mc:Choice Requires="a14">
           <p:sp>
             <p:nvSpPr>
               <p:cNvPr id="2" name="Title 1">
@@ -11143,6 +16318,7 @@
               <a:bodyPr/>
               <a:lstStyle/>
               <a:p>
+                <a:pPr/>
                 <a14:m>
                   <m:oMathPara xmlns:m="http://schemas.openxmlformats.org/officeDocument/2006/math">
                     <m:oMathParaPr>
@@ -11213,7 +16389,7 @@
             </p:txBody>
           </p:sp>
         </mc:Choice>
-        <mc:Fallback>
+        <mc:Fallback xmlns="">
           <p:sp>
             <p:nvSpPr>
               <p:cNvPr id="2" name="Title 1">
@@ -11315,7 +16491,7 @@
 </p:sld>
 </file>
 
-<file path=ppt/slides/slide46.xml><?xml version="1.0" encoding="utf-8"?>
+<file path=ppt/slides/slide48.xml><?xml version="1.0" encoding="utf-8"?>
 <p:sld xmlns:a="http://schemas.openxmlformats.org/drawingml/2006/main" xmlns:r="http://schemas.openxmlformats.org/officeDocument/2006/relationships" xmlns:p="http://schemas.openxmlformats.org/presentationml/2006/main">
   <p:cSld>
     <p:spTree>
@@ -11332,8 +16508,8 @@
           <a:chExt cx="0" cy="0"/>
         </a:xfrm>
       </p:grpSpPr>
-      <mc:AlternateContent xmlns:mc="http://schemas.openxmlformats.org/markup-compatibility/2006">
-        <mc:Choice xmlns:a14="http://schemas.microsoft.com/office/drawing/2010/main" Requires="a14">
+      <mc:AlternateContent xmlns:mc="http://schemas.openxmlformats.org/markup-compatibility/2006" xmlns:a14="http://schemas.microsoft.com/office/drawing/2010/main">
+        <mc:Choice Requires="a14">
           <p:sp>
             <p:nvSpPr>
               <p:cNvPr id="2" name="Title 1">
@@ -11424,7 +16600,7 @@
             </p:txBody>
           </p:sp>
         </mc:Choice>
-        <mc:Fallback>
+        <mc:Fallback xmlns="">
           <p:sp>
             <p:nvSpPr>
               <p:cNvPr id="2" name="Title 1">
@@ -11526,7 +16702,7 @@
 </p:sld>
 </file>
 
-<file path=ppt/slides/slide47.xml><?xml version="1.0" encoding="utf-8"?>
+<file path=ppt/slides/slide49.xml><?xml version="1.0" encoding="utf-8"?>
 <p:sld xmlns:a="http://schemas.openxmlformats.org/drawingml/2006/main" xmlns:r="http://schemas.openxmlformats.org/officeDocument/2006/relationships" xmlns:p="http://schemas.openxmlformats.org/presentationml/2006/main">
   <p:cSld>
     <p:spTree>
@@ -11575,8 +16751,8 @@
           </a:p>
         </p:txBody>
       </p:sp>
-      <mc:AlternateContent xmlns:mc="http://schemas.openxmlformats.org/markup-compatibility/2006">
-        <mc:Choice xmlns:a14="http://schemas.microsoft.com/office/drawing/2010/main" Requires="a14">
+      <mc:AlternateContent xmlns:mc="http://schemas.openxmlformats.org/markup-compatibility/2006" xmlns:a14="http://schemas.microsoft.com/office/drawing/2010/main">
+        <mc:Choice Requires="a14">
           <p:sp>
             <p:nvSpPr>
               <p:cNvPr id="3" name="Content Placeholder 2">
@@ -11718,7 +16894,7 @@
             </p:txBody>
           </p:sp>
         </mc:Choice>
-        <mc:Fallback>
+        <mc:Fallback xmlns="">
           <p:sp>
             <p:nvSpPr>
               <p:cNvPr id="3" name="Content Placeholder 2">
@@ -11768,10 +16944,459 @@
   <p:clrMapOvr>
     <a:masterClrMapping/>
   </p:clrMapOvr>
+  <p:timing>
+    <p:tnLst>
+      <p:par>
+        <p:cTn id="1" dur="indefinite" restart="never" nodeType="tmRoot">
+          <p:childTnLst>
+            <p:seq concurrent="1" nextAc="seek">
+              <p:cTn id="2" dur="indefinite" nodeType="mainSeq">
+                <p:childTnLst>
+                  <p:par>
+                    <p:cTn id="3" fill="hold">
+                      <p:stCondLst>
+                        <p:cond delay="indefinite"/>
+                      </p:stCondLst>
+                      <p:childTnLst>
+                        <p:par>
+                          <p:cTn id="4" fill="hold">
+                            <p:stCondLst>
+                              <p:cond delay="0"/>
+                            </p:stCondLst>
+                            <p:childTnLst>
+                              <p:par>
+                                <p:cTn id="5" presetID="1" presetClass="entr" presetSubtype="0" fill="hold" nodeType="clickEffect">
+                                  <p:stCondLst>
+                                    <p:cond delay="0"/>
+                                  </p:stCondLst>
+                                  <p:childTnLst>
+                                    <p:set>
+                                      <p:cBhvr>
+                                        <p:cTn id="6" dur="1" fill="hold">
+                                          <p:stCondLst>
+                                            <p:cond delay="0"/>
+                                          </p:stCondLst>
+                                        </p:cTn>
+                                        <p:tgtEl>
+                                          <p:spTgt spid="3">
+                                            <p:txEl>
+                                              <p:pRg st="0" end="0"/>
+                                            </p:txEl>
+                                          </p:spTgt>
+                                        </p:tgtEl>
+                                        <p:attrNameLst>
+                                          <p:attrName>style.visibility</p:attrName>
+                                        </p:attrNameLst>
+                                      </p:cBhvr>
+                                      <p:to>
+                                        <p:strVal val="visible"/>
+                                      </p:to>
+                                    </p:set>
+                                  </p:childTnLst>
+                                </p:cTn>
+                              </p:par>
+                            </p:childTnLst>
+                          </p:cTn>
+                        </p:par>
+                      </p:childTnLst>
+                    </p:cTn>
+                  </p:par>
+                  <p:par>
+                    <p:cTn id="7" fill="hold">
+                      <p:stCondLst>
+                        <p:cond delay="indefinite"/>
+                      </p:stCondLst>
+                      <p:childTnLst>
+                        <p:par>
+                          <p:cTn id="8" fill="hold">
+                            <p:stCondLst>
+                              <p:cond delay="0"/>
+                            </p:stCondLst>
+                            <p:childTnLst>
+                              <p:par>
+                                <p:cTn id="9" presetID="1" presetClass="entr" presetSubtype="0" fill="hold" nodeType="clickEffect">
+                                  <p:stCondLst>
+                                    <p:cond delay="0"/>
+                                  </p:stCondLst>
+                                  <p:childTnLst>
+                                    <p:set>
+                                      <p:cBhvr>
+                                        <p:cTn id="10" dur="1" fill="hold">
+                                          <p:stCondLst>
+                                            <p:cond delay="0"/>
+                                          </p:stCondLst>
+                                        </p:cTn>
+                                        <p:tgtEl>
+                                          <p:spTgt spid="3">
+                                            <p:txEl>
+                                              <p:pRg st="1" end="1"/>
+                                            </p:txEl>
+                                          </p:spTgt>
+                                        </p:tgtEl>
+                                        <p:attrNameLst>
+                                          <p:attrName>style.visibility</p:attrName>
+                                        </p:attrNameLst>
+                                      </p:cBhvr>
+                                      <p:to>
+                                        <p:strVal val="visible"/>
+                                      </p:to>
+                                    </p:set>
+                                  </p:childTnLst>
+                                </p:cTn>
+                              </p:par>
+                            </p:childTnLst>
+                          </p:cTn>
+                        </p:par>
+                      </p:childTnLst>
+                    </p:cTn>
+                  </p:par>
+                  <p:par>
+                    <p:cTn id="11" fill="hold">
+                      <p:stCondLst>
+                        <p:cond delay="indefinite"/>
+                      </p:stCondLst>
+                      <p:childTnLst>
+                        <p:par>
+                          <p:cTn id="12" fill="hold">
+                            <p:stCondLst>
+                              <p:cond delay="0"/>
+                            </p:stCondLst>
+                            <p:childTnLst>
+                              <p:par>
+                                <p:cTn id="13" presetID="1" presetClass="entr" presetSubtype="0" fill="hold" nodeType="clickEffect">
+                                  <p:stCondLst>
+                                    <p:cond delay="0"/>
+                                  </p:stCondLst>
+                                  <p:childTnLst>
+                                    <p:set>
+                                      <p:cBhvr>
+                                        <p:cTn id="14" dur="1" fill="hold">
+                                          <p:stCondLst>
+                                            <p:cond delay="0"/>
+                                          </p:stCondLst>
+                                        </p:cTn>
+                                        <p:tgtEl>
+                                          <p:spTgt spid="3">
+                                            <p:txEl>
+                                              <p:pRg st="2" end="2"/>
+                                            </p:txEl>
+                                          </p:spTgt>
+                                        </p:tgtEl>
+                                        <p:attrNameLst>
+                                          <p:attrName>style.visibility</p:attrName>
+                                        </p:attrNameLst>
+                                      </p:cBhvr>
+                                      <p:to>
+                                        <p:strVal val="visible"/>
+                                      </p:to>
+                                    </p:set>
+                                  </p:childTnLst>
+                                </p:cTn>
+                              </p:par>
+                            </p:childTnLst>
+                          </p:cTn>
+                        </p:par>
+                      </p:childTnLst>
+                    </p:cTn>
+                  </p:par>
+                  <p:par>
+                    <p:cTn id="15" fill="hold">
+                      <p:stCondLst>
+                        <p:cond delay="indefinite"/>
+                      </p:stCondLst>
+                      <p:childTnLst>
+                        <p:par>
+                          <p:cTn id="16" fill="hold">
+                            <p:stCondLst>
+                              <p:cond delay="0"/>
+                            </p:stCondLst>
+                            <p:childTnLst>
+                              <p:par>
+                                <p:cTn id="17" presetID="1" presetClass="entr" presetSubtype="0" fill="hold" nodeType="clickEffect">
+                                  <p:stCondLst>
+                                    <p:cond delay="0"/>
+                                  </p:stCondLst>
+                                  <p:childTnLst>
+                                    <p:set>
+                                      <p:cBhvr>
+                                        <p:cTn id="18" dur="1" fill="hold">
+                                          <p:stCondLst>
+                                            <p:cond delay="0"/>
+                                          </p:stCondLst>
+                                        </p:cTn>
+                                        <p:tgtEl>
+                                          <p:spTgt spid="3">
+                                            <p:txEl>
+                                              <p:pRg st="3" end="3"/>
+                                            </p:txEl>
+                                          </p:spTgt>
+                                        </p:tgtEl>
+                                        <p:attrNameLst>
+                                          <p:attrName>style.visibility</p:attrName>
+                                        </p:attrNameLst>
+                                      </p:cBhvr>
+                                      <p:to>
+                                        <p:strVal val="visible"/>
+                                      </p:to>
+                                    </p:set>
+                                  </p:childTnLst>
+                                </p:cTn>
+                              </p:par>
+                            </p:childTnLst>
+                          </p:cTn>
+                        </p:par>
+                      </p:childTnLst>
+                    </p:cTn>
+                  </p:par>
+                  <p:par>
+                    <p:cTn id="19" fill="hold">
+                      <p:stCondLst>
+                        <p:cond delay="indefinite"/>
+                      </p:stCondLst>
+                      <p:childTnLst>
+                        <p:par>
+                          <p:cTn id="20" fill="hold">
+                            <p:stCondLst>
+                              <p:cond delay="0"/>
+                            </p:stCondLst>
+                            <p:childTnLst>
+                              <p:par>
+                                <p:cTn id="21" presetID="1" presetClass="entr" presetSubtype="0" fill="hold" nodeType="clickEffect">
+                                  <p:stCondLst>
+                                    <p:cond delay="0"/>
+                                  </p:stCondLst>
+                                  <p:childTnLst>
+                                    <p:set>
+                                      <p:cBhvr>
+                                        <p:cTn id="22" dur="1" fill="hold">
+                                          <p:stCondLst>
+                                            <p:cond delay="0"/>
+                                          </p:stCondLst>
+                                        </p:cTn>
+                                        <p:tgtEl>
+                                          <p:spTgt spid="3">
+                                            <p:txEl>
+                                              <p:pRg st="4" end="4"/>
+                                            </p:txEl>
+                                          </p:spTgt>
+                                        </p:tgtEl>
+                                        <p:attrNameLst>
+                                          <p:attrName>style.visibility</p:attrName>
+                                        </p:attrNameLst>
+                                      </p:cBhvr>
+                                      <p:to>
+                                        <p:strVal val="visible"/>
+                                      </p:to>
+                                    </p:set>
+                                  </p:childTnLst>
+                                </p:cTn>
+                              </p:par>
+                            </p:childTnLst>
+                          </p:cTn>
+                        </p:par>
+                      </p:childTnLst>
+                    </p:cTn>
+                  </p:par>
+                  <p:par>
+                    <p:cTn id="23" fill="hold">
+                      <p:stCondLst>
+                        <p:cond delay="indefinite"/>
+                      </p:stCondLst>
+                      <p:childTnLst>
+                        <p:par>
+                          <p:cTn id="24" fill="hold">
+                            <p:stCondLst>
+                              <p:cond delay="0"/>
+                            </p:stCondLst>
+                            <p:childTnLst>
+                              <p:par>
+                                <p:cTn id="25" presetID="1" presetClass="entr" presetSubtype="0" fill="hold" nodeType="clickEffect">
+                                  <p:stCondLst>
+                                    <p:cond delay="0"/>
+                                  </p:stCondLst>
+                                  <p:childTnLst>
+                                    <p:set>
+                                      <p:cBhvr>
+                                        <p:cTn id="26" dur="1" fill="hold">
+                                          <p:stCondLst>
+                                            <p:cond delay="0"/>
+                                          </p:stCondLst>
+                                        </p:cTn>
+                                        <p:tgtEl>
+                                          <p:spTgt spid="3">
+                                            <p:txEl>
+                                              <p:pRg st="5" end="5"/>
+                                            </p:txEl>
+                                          </p:spTgt>
+                                        </p:tgtEl>
+                                        <p:attrNameLst>
+                                          <p:attrName>style.visibility</p:attrName>
+                                        </p:attrNameLst>
+                                      </p:cBhvr>
+                                      <p:to>
+                                        <p:strVal val="visible"/>
+                                      </p:to>
+                                    </p:set>
+                                  </p:childTnLst>
+                                </p:cTn>
+                              </p:par>
+                            </p:childTnLst>
+                          </p:cTn>
+                        </p:par>
+                      </p:childTnLst>
+                    </p:cTn>
+                  </p:par>
+                </p:childTnLst>
+              </p:cTn>
+              <p:prevCondLst>
+                <p:cond evt="onPrev" delay="0">
+                  <p:tgtEl>
+                    <p:sldTgt/>
+                  </p:tgtEl>
+                </p:cond>
+              </p:prevCondLst>
+              <p:nextCondLst>
+                <p:cond evt="onNext" delay="0">
+                  <p:tgtEl>
+                    <p:sldTgt/>
+                  </p:tgtEl>
+                </p:cond>
+              </p:nextCondLst>
+            </p:seq>
+          </p:childTnLst>
+        </p:cTn>
+      </p:par>
+    </p:tnLst>
+  </p:timing>
 </p:sld>
 </file>
 
-<file path=ppt/slides/slide48.xml><?xml version="1.0" encoding="utf-8"?>
+<file path=ppt/slides/slide5.xml><?xml version="1.0" encoding="utf-8"?>
+<p:sld xmlns:a="http://schemas.openxmlformats.org/drawingml/2006/main" xmlns:r="http://schemas.openxmlformats.org/officeDocument/2006/relationships" xmlns:p="http://schemas.openxmlformats.org/presentationml/2006/main">
+  <p:cSld>
+    <p:spTree>
+      <p:nvGrpSpPr>
+        <p:cNvPr id="1" name=""/>
+        <p:cNvGrpSpPr/>
+        <p:nvPr/>
+      </p:nvGrpSpPr>
+      <p:grpSpPr>
+        <a:xfrm>
+          <a:off x="0" y="0"/>
+          <a:ext cx="0" cy="0"/>
+          <a:chOff x="0" y="0"/>
+          <a:chExt cx="0" cy="0"/>
+        </a:xfrm>
+      </p:grpSpPr>
+      <p:sp>
+        <p:nvSpPr>
+          <p:cNvPr id="2" name="Title 1">
+            <a:extLst>
+              <a:ext uri="{FF2B5EF4-FFF2-40B4-BE49-F238E27FC236}">
+                <a16:creationId xmlns:a16="http://schemas.microsoft.com/office/drawing/2014/main" id="{F00F2026-5359-5507-8C27-A8B58E4B2FB6}"/>
+              </a:ext>
+            </a:extLst>
+          </p:cNvPr>
+          <p:cNvSpPr>
+            <a:spLocks noGrp="1"/>
+          </p:cNvSpPr>
+          <p:nvPr>
+            <p:ph type="title"/>
+          </p:nvPr>
+        </p:nvSpPr>
+        <p:spPr/>
+        <p:txBody>
+          <a:bodyPr>
+            <a:normAutofit/>
+          </a:bodyPr>
+          <a:lstStyle/>
+          <a:p>
+            <a:r>
+              <a:rPr lang="en-US" sz="4000" b="1" dirty="0"/>
+              <a:t>Now what?</a:t>
+            </a:r>
+          </a:p>
+        </p:txBody>
+      </p:sp>
+      <p:sp>
+        <p:nvSpPr>
+          <p:cNvPr id="3" name="Content Placeholder 2">
+            <a:extLst>
+              <a:ext uri="{FF2B5EF4-FFF2-40B4-BE49-F238E27FC236}">
+                <a16:creationId xmlns:a16="http://schemas.microsoft.com/office/drawing/2014/main" id="{0D1613C0-1027-B706-DF69-13655DE7F281}"/>
+              </a:ext>
+            </a:extLst>
+          </p:cNvPr>
+          <p:cNvSpPr>
+            <a:spLocks noGrp="1"/>
+          </p:cNvSpPr>
+          <p:nvPr>
+            <p:ph idx="1"/>
+          </p:nvPr>
+        </p:nvSpPr>
+        <p:spPr/>
+        <p:txBody>
+          <a:bodyPr>
+            <a:normAutofit/>
+          </a:bodyPr>
+          <a:lstStyle/>
+          <a:p>
+            <a:pPr>
+              <a:lnSpc>
+                <a:spcPct val="200000"/>
+              </a:lnSpc>
+            </a:pPr>
+            <a:r>
+              <a:rPr lang="en-US" dirty="0"/>
+              <a:t>But in recent years, nonlinear classifiers have swept through NLP, and are now the default approach for many tasks (Manning, 2015)</a:t>
+            </a:r>
+          </a:p>
+          <a:p>
+            <a:pPr>
+              <a:lnSpc>
+                <a:spcPct val="200000"/>
+              </a:lnSpc>
+            </a:pPr>
+            <a:r>
+              <a:rPr lang="en-US" dirty="0"/>
+              <a:t>You can see many NLP textbooks dedicated to “Deep learning”</a:t>
+            </a:r>
+          </a:p>
+          <a:p>
+            <a:pPr>
+              <a:lnSpc>
+                <a:spcPct val="200000"/>
+              </a:lnSpc>
+            </a:pPr>
+            <a:r>
+              <a:rPr lang="en-US" dirty="0"/>
+              <a:t>There are at least three reasons for this change</a:t>
+            </a:r>
+          </a:p>
+          <a:p>
+            <a:pPr>
+              <a:lnSpc>
+                <a:spcPct val="200000"/>
+              </a:lnSpc>
+            </a:pPr>
+            <a:endParaRPr lang="en-US" dirty="0"/>
+          </a:p>
+        </p:txBody>
+      </p:sp>
+    </p:spTree>
+    <p:extLst>
+      <p:ext uri="{BB962C8B-B14F-4D97-AF65-F5344CB8AC3E}">
+        <p14:creationId xmlns:p14="http://schemas.microsoft.com/office/powerpoint/2010/main" val="1965692552"/>
+      </p:ext>
+    </p:extLst>
+  </p:cSld>
+  <p:clrMapOvr>
+    <a:masterClrMapping/>
+  </p:clrMapOvr>
+</p:sld>
+</file>
+
+<file path=ppt/slides/slide50.xml><?xml version="1.0" encoding="utf-8"?>
 <p:sld xmlns:a="http://schemas.openxmlformats.org/drawingml/2006/main" xmlns:r="http://schemas.openxmlformats.org/officeDocument/2006/relationships" xmlns:p="http://schemas.openxmlformats.org/presentationml/2006/main">
   <p:cSld>
     <p:spTree>
@@ -11821,8 +17446,8 @@
           </a:p>
         </p:txBody>
       </p:sp>
-      <mc:AlternateContent xmlns:mc="http://schemas.openxmlformats.org/markup-compatibility/2006">
-        <mc:Choice xmlns:a14="http://schemas.microsoft.com/office/drawing/2010/main" Requires="a14">
+      <mc:AlternateContent xmlns:mc="http://schemas.openxmlformats.org/markup-compatibility/2006" xmlns:a14="http://schemas.microsoft.com/office/drawing/2010/main">
+        <mc:Choice Requires="a14">
           <p:sp>
             <p:nvSpPr>
               <p:cNvPr id="3" name="Content Placeholder 2">
@@ -12135,18 +17760,13 @@
               <a:p>
                 <a:r>
                   <a:rPr lang="en-US" dirty="0"/>
-                  <a:t>Most popular </a:t>
+                  <a:t>Most popular in language models</a:t>
                 </a:r>
-                <a:r>
-                  <a:rPr lang="en-US"/>
-                  <a:t>in language models</a:t>
-                </a:r>
-                <a:endParaRPr lang="en-US" dirty="0"/>
               </a:p>
             </p:txBody>
           </p:sp>
         </mc:Choice>
-        <mc:Fallback>
+        <mc:Fallback xmlns="">
           <p:sp>
             <p:nvSpPr>
               <p:cNvPr id="3" name="Content Placeholder 2">
@@ -12196,10 +17816,334 @@
   <p:clrMapOvr>
     <a:masterClrMapping/>
   </p:clrMapOvr>
+  <p:timing>
+    <p:tnLst>
+      <p:par>
+        <p:cTn id="1" dur="indefinite" restart="never" nodeType="tmRoot">
+          <p:childTnLst>
+            <p:seq concurrent="1" nextAc="seek">
+              <p:cTn id="2" dur="indefinite" nodeType="mainSeq">
+                <p:childTnLst>
+                  <p:par>
+                    <p:cTn id="3" fill="hold">
+                      <p:stCondLst>
+                        <p:cond delay="indefinite"/>
+                      </p:stCondLst>
+                      <p:childTnLst>
+                        <p:par>
+                          <p:cTn id="4" fill="hold">
+                            <p:stCondLst>
+                              <p:cond delay="0"/>
+                            </p:stCondLst>
+                            <p:childTnLst>
+                              <p:par>
+                                <p:cTn id="5" presetID="1" presetClass="entr" presetSubtype="0" fill="hold" nodeType="clickEffect">
+                                  <p:stCondLst>
+                                    <p:cond delay="0"/>
+                                  </p:stCondLst>
+                                  <p:childTnLst>
+                                    <p:set>
+                                      <p:cBhvr>
+                                        <p:cTn id="6" dur="1" fill="hold">
+                                          <p:stCondLst>
+                                            <p:cond delay="0"/>
+                                          </p:stCondLst>
+                                        </p:cTn>
+                                        <p:tgtEl>
+                                          <p:spTgt spid="3">
+                                            <p:txEl>
+                                              <p:pRg st="0" end="0"/>
+                                            </p:txEl>
+                                          </p:spTgt>
+                                        </p:tgtEl>
+                                        <p:attrNameLst>
+                                          <p:attrName>style.visibility</p:attrName>
+                                        </p:attrNameLst>
+                                      </p:cBhvr>
+                                      <p:to>
+                                        <p:strVal val="visible"/>
+                                      </p:to>
+                                    </p:set>
+                                  </p:childTnLst>
+                                </p:cTn>
+                              </p:par>
+                            </p:childTnLst>
+                          </p:cTn>
+                        </p:par>
+                      </p:childTnLst>
+                    </p:cTn>
+                  </p:par>
+                  <p:par>
+                    <p:cTn id="7" fill="hold">
+                      <p:stCondLst>
+                        <p:cond delay="indefinite"/>
+                      </p:stCondLst>
+                      <p:childTnLst>
+                        <p:par>
+                          <p:cTn id="8" fill="hold">
+                            <p:stCondLst>
+                              <p:cond delay="0"/>
+                            </p:stCondLst>
+                            <p:childTnLst>
+                              <p:par>
+                                <p:cTn id="9" presetID="1" presetClass="entr" presetSubtype="0" fill="hold" nodeType="clickEffect">
+                                  <p:stCondLst>
+                                    <p:cond delay="0"/>
+                                  </p:stCondLst>
+                                  <p:childTnLst>
+                                    <p:set>
+                                      <p:cBhvr>
+                                        <p:cTn id="10" dur="1" fill="hold">
+                                          <p:stCondLst>
+                                            <p:cond delay="0"/>
+                                          </p:stCondLst>
+                                        </p:cTn>
+                                        <p:tgtEl>
+                                          <p:spTgt spid="3">
+                                            <p:txEl>
+                                              <p:pRg st="1" end="1"/>
+                                            </p:txEl>
+                                          </p:spTgt>
+                                        </p:tgtEl>
+                                        <p:attrNameLst>
+                                          <p:attrName>style.visibility</p:attrName>
+                                        </p:attrNameLst>
+                                      </p:cBhvr>
+                                      <p:to>
+                                        <p:strVal val="visible"/>
+                                      </p:to>
+                                    </p:set>
+                                  </p:childTnLst>
+                                </p:cTn>
+                              </p:par>
+                            </p:childTnLst>
+                          </p:cTn>
+                        </p:par>
+                      </p:childTnLst>
+                    </p:cTn>
+                  </p:par>
+                  <p:par>
+                    <p:cTn id="11" fill="hold">
+                      <p:stCondLst>
+                        <p:cond delay="indefinite"/>
+                      </p:stCondLst>
+                      <p:childTnLst>
+                        <p:par>
+                          <p:cTn id="12" fill="hold">
+                            <p:stCondLst>
+                              <p:cond delay="0"/>
+                            </p:stCondLst>
+                            <p:childTnLst>
+                              <p:par>
+                                <p:cTn id="13" presetID="1" presetClass="entr" presetSubtype="0" fill="hold" nodeType="clickEffect">
+                                  <p:stCondLst>
+                                    <p:cond delay="0"/>
+                                  </p:stCondLst>
+                                  <p:childTnLst>
+                                    <p:set>
+                                      <p:cBhvr>
+                                        <p:cTn id="14" dur="1" fill="hold">
+                                          <p:stCondLst>
+                                            <p:cond delay="0"/>
+                                          </p:stCondLst>
+                                        </p:cTn>
+                                        <p:tgtEl>
+                                          <p:spTgt spid="3">
+                                            <p:txEl>
+                                              <p:pRg st="2" end="2"/>
+                                            </p:txEl>
+                                          </p:spTgt>
+                                        </p:tgtEl>
+                                        <p:attrNameLst>
+                                          <p:attrName>style.visibility</p:attrName>
+                                        </p:attrNameLst>
+                                      </p:cBhvr>
+                                      <p:to>
+                                        <p:strVal val="visible"/>
+                                      </p:to>
+                                    </p:set>
+                                  </p:childTnLst>
+                                </p:cTn>
+                              </p:par>
+                            </p:childTnLst>
+                          </p:cTn>
+                        </p:par>
+                      </p:childTnLst>
+                    </p:cTn>
+                  </p:par>
+                  <p:par>
+                    <p:cTn id="15" fill="hold">
+                      <p:stCondLst>
+                        <p:cond delay="indefinite"/>
+                      </p:stCondLst>
+                      <p:childTnLst>
+                        <p:par>
+                          <p:cTn id="16" fill="hold">
+                            <p:stCondLst>
+                              <p:cond delay="0"/>
+                            </p:stCondLst>
+                            <p:childTnLst>
+                              <p:par>
+                                <p:cTn id="17" presetID="1" presetClass="entr" presetSubtype="0" fill="hold" nodeType="clickEffect">
+                                  <p:stCondLst>
+                                    <p:cond delay="0"/>
+                                  </p:stCondLst>
+                                  <p:childTnLst>
+                                    <p:set>
+                                      <p:cBhvr>
+                                        <p:cTn id="18" dur="1" fill="hold">
+                                          <p:stCondLst>
+                                            <p:cond delay="0"/>
+                                          </p:stCondLst>
+                                        </p:cTn>
+                                        <p:tgtEl>
+                                          <p:spTgt spid="3">
+                                            <p:txEl>
+                                              <p:pRg st="3" end="3"/>
+                                            </p:txEl>
+                                          </p:spTgt>
+                                        </p:tgtEl>
+                                        <p:attrNameLst>
+                                          <p:attrName>style.visibility</p:attrName>
+                                        </p:attrNameLst>
+                                      </p:cBhvr>
+                                      <p:to>
+                                        <p:strVal val="visible"/>
+                                      </p:to>
+                                    </p:set>
+                                  </p:childTnLst>
+                                </p:cTn>
+                              </p:par>
+                            </p:childTnLst>
+                          </p:cTn>
+                        </p:par>
+                      </p:childTnLst>
+                    </p:cTn>
+                  </p:par>
+                  <p:par>
+                    <p:cTn id="19" fill="hold">
+                      <p:stCondLst>
+                        <p:cond delay="indefinite"/>
+                      </p:stCondLst>
+                      <p:childTnLst>
+                        <p:par>
+                          <p:cTn id="20" fill="hold">
+                            <p:stCondLst>
+                              <p:cond delay="0"/>
+                            </p:stCondLst>
+                            <p:childTnLst>
+                              <p:par>
+                                <p:cTn id="21" presetID="1" presetClass="entr" presetSubtype="0" fill="hold" nodeType="clickEffect">
+                                  <p:stCondLst>
+                                    <p:cond delay="0"/>
+                                  </p:stCondLst>
+                                  <p:childTnLst>
+                                    <p:set>
+                                      <p:cBhvr>
+                                        <p:cTn id="22" dur="1" fill="hold">
+                                          <p:stCondLst>
+                                            <p:cond delay="0"/>
+                                          </p:stCondLst>
+                                        </p:cTn>
+                                        <p:tgtEl>
+                                          <p:spTgt spid="3">
+                                            <p:txEl>
+                                              <p:pRg st="4" end="4"/>
+                                            </p:txEl>
+                                          </p:spTgt>
+                                        </p:tgtEl>
+                                        <p:attrNameLst>
+                                          <p:attrName>style.visibility</p:attrName>
+                                        </p:attrNameLst>
+                                      </p:cBhvr>
+                                      <p:to>
+                                        <p:strVal val="visible"/>
+                                      </p:to>
+                                    </p:set>
+                                  </p:childTnLst>
+                                </p:cTn>
+                              </p:par>
+                            </p:childTnLst>
+                          </p:cTn>
+                        </p:par>
+                      </p:childTnLst>
+                    </p:cTn>
+                  </p:par>
+                  <p:par>
+                    <p:cTn id="23" fill="hold">
+                      <p:stCondLst>
+                        <p:cond delay="indefinite"/>
+                      </p:stCondLst>
+                      <p:childTnLst>
+                        <p:par>
+                          <p:cTn id="24" fill="hold">
+                            <p:stCondLst>
+                              <p:cond delay="0"/>
+                            </p:stCondLst>
+                            <p:childTnLst>
+                              <p:par>
+                                <p:cTn id="25" presetID="1" presetClass="entr" presetSubtype="0" fill="hold" nodeType="clickEffect">
+                                  <p:stCondLst>
+                                    <p:cond delay="0"/>
+                                  </p:stCondLst>
+                                  <p:childTnLst>
+                                    <p:set>
+                                      <p:cBhvr>
+                                        <p:cTn id="26" dur="1" fill="hold">
+                                          <p:stCondLst>
+                                            <p:cond delay="0"/>
+                                          </p:stCondLst>
+                                        </p:cTn>
+                                        <p:tgtEl>
+                                          <p:spTgt spid="3">
+                                            <p:txEl>
+                                              <p:pRg st="5" end="5"/>
+                                            </p:txEl>
+                                          </p:spTgt>
+                                        </p:tgtEl>
+                                        <p:attrNameLst>
+                                          <p:attrName>style.visibility</p:attrName>
+                                        </p:attrNameLst>
+                                      </p:cBhvr>
+                                      <p:to>
+                                        <p:strVal val="visible"/>
+                                      </p:to>
+                                    </p:set>
+                                  </p:childTnLst>
+                                </p:cTn>
+                              </p:par>
+                            </p:childTnLst>
+                          </p:cTn>
+                        </p:par>
+                      </p:childTnLst>
+                    </p:cTn>
+                  </p:par>
+                </p:childTnLst>
+              </p:cTn>
+              <p:prevCondLst>
+                <p:cond evt="onPrev" delay="0">
+                  <p:tgtEl>
+                    <p:sldTgt/>
+                  </p:tgtEl>
+                </p:cond>
+              </p:prevCondLst>
+              <p:nextCondLst>
+                <p:cond evt="onNext" delay="0">
+                  <p:tgtEl>
+                    <p:sldTgt/>
+                  </p:tgtEl>
+                </p:cond>
+              </p:nextCondLst>
+            </p:seq>
+          </p:childTnLst>
+        </p:cTn>
+      </p:par>
+    </p:tnLst>
+  </p:timing>
 </p:sld>
 </file>
 
-<file path=ppt/slides/slide5.xml><?xml version="1.0" encoding="utf-8"?>
+<file path=ppt/slides/slide51.xml><?xml version="1.0" encoding="utf-8"?>
 <p:sld xmlns:a="http://schemas.openxmlformats.org/drawingml/2006/main" xmlns:r="http://schemas.openxmlformats.org/officeDocument/2006/relationships" xmlns:p="http://schemas.openxmlformats.org/presentationml/2006/main">
   <p:cSld>
     <p:spTree>
@@ -12221,7 +18165,7 @@
           <p:cNvPr id="2" name="Title 1">
             <a:extLst>
               <a:ext uri="{FF2B5EF4-FFF2-40B4-BE49-F238E27FC236}">
-                <a16:creationId xmlns:a16="http://schemas.microsoft.com/office/drawing/2014/main" id="{B1D5F5A0-8CED-EABF-CE1A-F8EDAB5474FA}"/>
+                <a16:creationId xmlns:a16="http://schemas.microsoft.com/office/drawing/2014/main" id="{2C25DD7F-F89A-D978-B94B-BE804DB2F19F}"/>
               </a:ext>
             </a:extLst>
           </p:cNvPr>
@@ -12234,15 +18178,14 @@
         </p:nvSpPr>
         <p:spPr/>
         <p:txBody>
-          <a:bodyPr>
-            <a:normAutofit/>
-          </a:bodyPr>
+          <a:bodyPr/>
           <a:lstStyle/>
           <a:p>
             <a:r>
-              <a:rPr lang="en-US" sz="4000" b="1" dirty="0"/>
-              <a:t>Technological progress: method</a:t>
-            </a:r>
+              <a:rPr lang="en-US" b="1" dirty="0" err="1"/>
+              <a:t>Keras</a:t>
+            </a:r>
+            <a:endParaRPr lang="en-US" b="1" dirty="0"/>
           </a:p>
         </p:txBody>
       </p:sp>
@@ -12251,7 +18194,7 @@
           <p:cNvPr id="3" name="Content Placeholder 2">
             <a:extLst>
               <a:ext uri="{FF2B5EF4-FFF2-40B4-BE49-F238E27FC236}">
-                <a16:creationId xmlns:a16="http://schemas.microsoft.com/office/drawing/2014/main" id="{0F21C95B-FC29-FEB4-F454-D24B2191C3C0}"/>
+                <a16:creationId xmlns:a16="http://schemas.microsoft.com/office/drawing/2014/main" id="{8966DBB6-3D65-165A-3F0D-74D4BD3F58CA}"/>
               </a:ext>
             </a:extLst>
           </p:cNvPr>
@@ -12264,75 +18207,31 @@
         </p:nvSpPr>
         <p:spPr/>
         <p:txBody>
-          <a:bodyPr>
-            <a:normAutofit/>
-          </a:bodyPr>
+          <a:bodyPr/>
           <a:lstStyle/>
           <a:p>
-            <a:pPr>
-              <a:lnSpc>
-                <a:spcPct val="150000"/>
-              </a:lnSpc>
-              <a:buFont typeface="Arial" panose="020B0604020202020204" pitchFamily="34" charset="0"/>
-              <a:buChar char="•"/>
-            </a:pPr>
-            <a:r>
-              <a:rPr lang="en-US" sz="3600" dirty="0">
-                <a:effectLst/>
-                <a:latin typeface="URWPalladioL"/>
+            <a:r>
+              <a:rPr lang="en-US" dirty="0" err="1"/>
+              <a:t>Keras</a:t>
+            </a:r>
+            <a:r>
+              <a:rPr lang="en-US" dirty="0"/>
+              <a:t> </a:t>
+            </a:r>
+            <a:r>
+              <a:rPr lang="en-US" dirty="0">
+                <a:hlinkClick r:id="rId2"/>
               </a:rPr>
-              <a:t>There have been rapid advances in </a:t>
-            </a:r>
-            <a:r>
-              <a:rPr lang="en-US" sz="3600" b="1" dirty="0">
-                <a:effectLst/>
-                <a:latin typeface="URWPalladioL"/>
-              </a:rPr>
-              <a:t>deep learning</a:t>
-            </a:r>
-            <a:endParaRPr lang="en-US" sz="3600" dirty="0">
-              <a:effectLst/>
-              <a:latin typeface="URWPalladioL"/>
-            </a:endParaRPr>
-          </a:p>
-          <a:p>
-            <a:pPr lvl="1">
-              <a:lnSpc>
-                <a:spcPct val="150000"/>
-              </a:lnSpc>
-            </a:pPr>
-            <a:r>
-              <a:rPr lang="en-US" sz="3200" dirty="0">
-                <a:effectLst/>
-                <a:latin typeface="URWPalladioL"/>
-              </a:rPr>
-              <a:t>a family of nonlinear methods that learn complex functions of the input through multiple layers of computation </a:t>
-            </a:r>
-          </a:p>
-          <a:p>
-            <a:pPr lvl="1">
-              <a:lnSpc>
-                <a:spcPct val="150000"/>
-              </a:lnSpc>
-            </a:pPr>
-            <a:r>
-              <a:rPr lang="en-US" sz="3200" dirty="0">
-                <a:effectLst/>
-                <a:latin typeface="URWPalladioL"/>
-              </a:rPr>
-              <a:t>Goodfellow et al., 2016 </a:t>
-            </a:r>
-            <a:endParaRPr lang="en-US" sz="3200" dirty="0">
-              <a:effectLst/>
-              <a:latin typeface="CMSY10"/>
-            </a:endParaRPr>
+              <a:t>example</a:t>
+            </a:r>
+            <a:endParaRPr lang="en-US" dirty="0"/>
           </a:p>
         </p:txBody>
       </p:sp>
     </p:spTree>
     <p:extLst>
       <p:ext uri="{BB962C8B-B14F-4D97-AF65-F5344CB8AC3E}">
-        <p14:creationId xmlns:p14="http://schemas.microsoft.com/office/powerpoint/2010/main" val="2509262763"/>
+        <p14:creationId xmlns:p14="http://schemas.microsoft.com/office/powerpoint/2010/main" val="3231093541"/>
       </p:ext>
     </p:extLst>
   </p:cSld>
@@ -12384,6 +18283,149 @@
           <a:p>
             <a:r>
               <a:rPr lang="en-US" sz="4000" b="1" dirty="0"/>
+              <a:t>Technological progress: method</a:t>
+            </a:r>
+          </a:p>
+        </p:txBody>
+      </p:sp>
+      <p:sp>
+        <p:nvSpPr>
+          <p:cNvPr id="3" name="Content Placeholder 2">
+            <a:extLst>
+              <a:ext uri="{FF2B5EF4-FFF2-40B4-BE49-F238E27FC236}">
+                <a16:creationId xmlns:a16="http://schemas.microsoft.com/office/drawing/2014/main" id="{0F21C95B-FC29-FEB4-F454-D24B2191C3C0}"/>
+              </a:ext>
+            </a:extLst>
+          </p:cNvPr>
+          <p:cNvSpPr>
+            <a:spLocks noGrp="1"/>
+          </p:cNvSpPr>
+          <p:nvPr>
+            <p:ph idx="1"/>
+          </p:nvPr>
+        </p:nvSpPr>
+        <p:spPr/>
+        <p:txBody>
+          <a:bodyPr>
+            <a:normAutofit/>
+          </a:bodyPr>
+          <a:lstStyle/>
+          <a:p>
+            <a:pPr>
+              <a:lnSpc>
+                <a:spcPct val="150000"/>
+              </a:lnSpc>
+              <a:buFont typeface="Arial" panose="020B0604020202020204" pitchFamily="34" charset="0"/>
+              <a:buChar char="•"/>
+            </a:pPr>
+            <a:r>
+              <a:rPr lang="en-US" sz="3600" dirty="0">
+                <a:effectLst/>
+                <a:latin typeface="URWPalladioL"/>
+              </a:rPr>
+              <a:t>There have been rapid advances in </a:t>
+            </a:r>
+            <a:r>
+              <a:rPr lang="en-US" sz="3600" b="1" dirty="0">
+                <a:effectLst/>
+                <a:latin typeface="URWPalladioL"/>
+              </a:rPr>
+              <a:t>deep learning</a:t>
+            </a:r>
+            <a:endParaRPr lang="en-US" sz="3600" dirty="0">
+              <a:effectLst/>
+              <a:latin typeface="URWPalladioL"/>
+            </a:endParaRPr>
+          </a:p>
+          <a:p>
+            <a:pPr lvl="1">
+              <a:lnSpc>
+                <a:spcPct val="150000"/>
+              </a:lnSpc>
+            </a:pPr>
+            <a:r>
+              <a:rPr lang="en-US" sz="3200" dirty="0">
+                <a:effectLst/>
+                <a:latin typeface="URWPalladioL"/>
+              </a:rPr>
+              <a:t>a family of nonlinear methods that learn complex functions of the input through multiple layers of computation </a:t>
+            </a:r>
+          </a:p>
+          <a:p>
+            <a:pPr lvl="1">
+              <a:lnSpc>
+                <a:spcPct val="150000"/>
+              </a:lnSpc>
+            </a:pPr>
+            <a:r>
+              <a:rPr lang="en-US" sz="3200" dirty="0">
+                <a:effectLst/>
+                <a:latin typeface="URWPalladioL"/>
+              </a:rPr>
+              <a:t>Goodfellow et al., 2016 </a:t>
+            </a:r>
+            <a:endParaRPr lang="en-US" sz="3200" dirty="0">
+              <a:effectLst/>
+              <a:latin typeface="CMSY10"/>
+            </a:endParaRPr>
+          </a:p>
+        </p:txBody>
+      </p:sp>
+    </p:spTree>
+    <p:extLst>
+      <p:ext uri="{BB962C8B-B14F-4D97-AF65-F5344CB8AC3E}">
+        <p14:creationId xmlns:p14="http://schemas.microsoft.com/office/powerpoint/2010/main" val="2509262763"/>
+      </p:ext>
+    </p:extLst>
+  </p:cSld>
+  <p:clrMapOvr>
+    <a:masterClrMapping/>
+  </p:clrMapOvr>
+</p:sld>
+</file>
+
+<file path=ppt/slides/slide7.xml><?xml version="1.0" encoding="utf-8"?>
+<p:sld xmlns:a="http://schemas.openxmlformats.org/drawingml/2006/main" xmlns:r="http://schemas.openxmlformats.org/officeDocument/2006/relationships" xmlns:p="http://schemas.openxmlformats.org/presentationml/2006/main">
+  <p:cSld>
+    <p:spTree>
+      <p:nvGrpSpPr>
+        <p:cNvPr id="1" name=""/>
+        <p:cNvGrpSpPr/>
+        <p:nvPr/>
+      </p:nvGrpSpPr>
+      <p:grpSpPr>
+        <a:xfrm>
+          <a:off x="0" y="0"/>
+          <a:ext cx="0" cy="0"/>
+          <a:chOff x="0" y="0"/>
+          <a:chExt cx="0" cy="0"/>
+        </a:xfrm>
+      </p:grpSpPr>
+      <p:sp>
+        <p:nvSpPr>
+          <p:cNvPr id="2" name="Title 1">
+            <a:extLst>
+              <a:ext uri="{FF2B5EF4-FFF2-40B4-BE49-F238E27FC236}">
+                <a16:creationId xmlns:a16="http://schemas.microsoft.com/office/drawing/2014/main" id="{B1D5F5A0-8CED-EABF-CE1A-F8EDAB5474FA}"/>
+              </a:ext>
+            </a:extLst>
+          </p:cNvPr>
+          <p:cNvSpPr>
+            <a:spLocks noGrp="1"/>
+          </p:cNvSpPr>
+          <p:nvPr>
+            <p:ph type="title"/>
+          </p:nvPr>
+        </p:nvSpPr>
+        <p:spPr/>
+        <p:txBody>
+          <a:bodyPr>
+            <a:normAutofit/>
+          </a:bodyPr>
+          <a:lstStyle/>
+          <a:p>
+            <a:r>
+              <a:rPr lang="en-US" sz="4000" b="1" dirty="0"/>
               <a:t>Technological progress: resource</a:t>
             </a:r>
           </a:p>
@@ -12481,7 +18523,7 @@
 </p:sld>
 </file>
 
-<file path=ppt/slides/slide7.xml><?xml version="1.0" encoding="utf-8"?>
+<file path=ppt/slides/slide8.xml><?xml version="1.0" encoding="utf-8"?>
 <p:sld xmlns:a="http://schemas.openxmlformats.org/drawingml/2006/main" xmlns:r="http://schemas.openxmlformats.org/officeDocument/2006/relationships" xmlns:p="http://schemas.openxmlformats.org/presentationml/2006/main">
   <p:cSld>
     <p:spTree>
@@ -12521,7 +18563,7 @@
           <a:p>
             <a:r>
               <a:rPr lang="en-US" b="1" dirty="0"/>
-              <a:t>Word embeddings</a:t>
+              <a:t>Text representation breakthrough</a:t>
             </a:r>
           </a:p>
         </p:txBody>
@@ -12545,7 +18587,7 @@
         <p:spPr/>
         <p:txBody>
           <a:bodyPr>
-            <a:normAutofit fontScale="85000" lnSpcReduction="10000"/>
+            <a:normAutofit fontScale="77500" lnSpcReduction="20000"/>
           </a:bodyPr>
           <a:lstStyle/>
           <a:p>
@@ -12629,7 +18671,21 @@
               </a:rPr>
               <a:t>Kind of unsupervised learning</a:t>
             </a:r>
-            <a:endParaRPr lang="en-US" sz="2000" dirty="0">
+          </a:p>
+          <a:p>
+            <a:pPr>
+              <a:lnSpc>
+                <a:spcPct val="200000"/>
+              </a:lnSpc>
+            </a:pPr>
+            <a:r>
+              <a:rPr lang="en-US" sz="2400" dirty="0">
+                <a:effectLst/>
+                <a:latin typeface="URWPalladioL"/>
+              </a:rPr>
+              <a:t>Let’s learn Distributed representations</a:t>
+            </a:r>
+            <a:endParaRPr lang="en-US" sz="2400" dirty="0">
               <a:effectLst/>
               <a:latin typeface="CMSY10"/>
             </a:endParaRPr>
@@ -12649,7 +18705,7 @@
 </p:sld>
 </file>
 
-<file path=ppt/slides/slide8.xml><?xml version="1.0" encoding="utf-8"?>
+<file path=ppt/slides/slide9.xml><?xml version="1.0" encoding="utf-8"?>
 <p:sld xmlns:a="http://schemas.openxmlformats.org/drawingml/2006/main" xmlns:r="http://schemas.openxmlformats.org/officeDocument/2006/relationships" xmlns:p="http://schemas.openxmlformats.org/presentationml/2006/main">
   <p:cSld>
     <p:spTree>
@@ -12682,7 +18738,12 @@
             <p:ph type="title"/>
           </p:nvPr>
         </p:nvSpPr>
-        <p:spPr/>
+        <p:spPr>
+          <a:xfrm>
+            <a:off x="838200" y="374552"/>
+            <a:ext cx="10515600" cy="1325563"/>
+          </a:xfrm>
+        </p:spPr>
         <p:txBody>
           <a:bodyPr>
             <a:normAutofit/>
@@ -12715,7 +18776,7 @@
         <p:spPr/>
         <p:txBody>
           <a:bodyPr>
-            <a:normAutofit/>
+            <a:normAutofit fontScale="92500" lnSpcReduction="10000"/>
           </a:bodyPr>
           <a:lstStyle/>
           <a:p>
@@ -12771,6 +18832,17 @@
             <a:r>
               <a:rPr lang="en-US" sz="2400" dirty="0"/>
               <a:t>Denotational semantics</a:t>
+            </a:r>
+          </a:p>
+          <a:p>
+            <a:pPr lvl="1">
+              <a:lnSpc>
+                <a:spcPct val="160000"/>
+              </a:lnSpc>
+            </a:pPr>
+            <a:r>
+              <a:rPr lang="en-US" sz="2800" dirty="0"/>
+              <a:t>What’s the problem?</a:t>
             </a:r>
           </a:p>
         </p:txBody>
@@ -12779,147 +18851,6 @@
     <p:extLst>
       <p:ext uri="{BB962C8B-B14F-4D97-AF65-F5344CB8AC3E}">
         <p14:creationId xmlns:p14="http://schemas.microsoft.com/office/powerpoint/2010/main" val="1836886753"/>
-      </p:ext>
-    </p:extLst>
-  </p:cSld>
-  <p:clrMapOvr>
-    <a:masterClrMapping/>
-  </p:clrMapOvr>
-</p:sld>
-</file>
-
-<file path=ppt/slides/slide9.xml><?xml version="1.0" encoding="utf-8"?>
-<p:sld xmlns:a="http://schemas.openxmlformats.org/drawingml/2006/main" xmlns:r="http://schemas.openxmlformats.org/officeDocument/2006/relationships" xmlns:p="http://schemas.openxmlformats.org/presentationml/2006/main">
-  <p:cSld>
-    <p:spTree>
-      <p:nvGrpSpPr>
-        <p:cNvPr id="1" name=""/>
-        <p:cNvGrpSpPr/>
-        <p:nvPr/>
-      </p:nvGrpSpPr>
-      <p:grpSpPr>
-        <a:xfrm>
-          <a:off x="0" y="0"/>
-          <a:ext cx="0" cy="0"/>
-          <a:chOff x="0" y="0"/>
-          <a:chExt cx="0" cy="0"/>
-        </a:xfrm>
-      </p:grpSpPr>
-      <p:sp>
-        <p:nvSpPr>
-          <p:cNvPr id="2" name="Title 1">
-            <a:extLst>
-              <a:ext uri="{FF2B5EF4-FFF2-40B4-BE49-F238E27FC236}">
-                <a16:creationId xmlns:a16="http://schemas.microsoft.com/office/drawing/2014/main" id="{02A32DD6-9568-5F9E-8015-E8B5EF569A30}"/>
-              </a:ext>
-            </a:extLst>
-          </p:cNvPr>
-          <p:cNvSpPr>
-            <a:spLocks noGrp="1"/>
-          </p:cNvSpPr>
-          <p:nvPr>
-            <p:ph type="title"/>
-          </p:nvPr>
-        </p:nvSpPr>
-        <p:spPr/>
-        <p:txBody>
-          <a:bodyPr>
-            <a:normAutofit/>
-          </a:bodyPr>
-          <a:lstStyle/>
-          <a:p>
-            <a:r>
-              <a:rPr lang="en-US" sz="4000" b="1" dirty="0"/>
-              <a:t>How do we have usable meaning in a machine?</a:t>
-            </a:r>
-          </a:p>
-        </p:txBody>
-      </p:sp>
-      <p:sp>
-        <p:nvSpPr>
-          <p:cNvPr id="3" name="Content Placeholder 2">
-            <a:extLst>
-              <a:ext uri="{FF2B5EF4-FFF2-40B4-BE49-F238E27FC236}">
-                <a16:creationId xmlns:a16="http://schemas.microsoft.com/office/drawing/2014/main" id="{2FD9CAFE-0389-B83D-22F7-2848FFB64BC2}"/>
-              </a:ext>
-            </a:extLst>
-          </p:cNvPr>
-          <p:cNvSpPr>
-            <a:spLocks noGrp="1"/>
-          </p:cNvSpPr>
-          <p:nvPr>
-            <p:ph idx="1"/>
-          </p:nvPr>
-        </p:nvSpPr>
-        <p:spPr/>
-        <p:txBody>
-          <a:bodyPr>
-            <a:normAutofit/>
-          </a:bodyPr>
-          <a:lstStyle/>
-          <a:p>
-            <a:pPr>
-              <a:lnSpc>
-                <a:spcPct val="150000"/>
-              </a:lnSpc>
-            </a:pPr>
-            <a:r>
-              <a:rPr lang="en-US" dirty="0"/>
-              <a:t>Previously commonest NLP solution: Use, e.g. WordNet, a thesaurus containing lists of </a:t>
-            </a:r>
-            <a:r>
-              <a:rPr lang="en-US" b="1" dirty="0"/>
-              <a:t>synonym sets</a:t>
-            </a:r>
-            <a:r>
-              <a:rPr lang="en-US" dirty="0"/>
-              <a:t> and </a:t>
-            </a:r>
-            <a:r>
-              <a:rPr lang="en-US" b="1" dirty="0"/>
-              <a:t>hypernyms</a:t>
-            </a:r>
-            <a:r>
-              <a:rPr lang="en-US" dirty="0"/>
-              <a:t> </a:t>
-            </a:r>
-          </a:p>
-        </p:txBody>
-      </p:sp>
-      <p:pic>
-        <p:nvPicPr>
-          <p:cNvPr id="5" name="Picture 4" descr="Graphical user interface, text, application&#10;&#10;Description automatically generated">
-            <a:extLst>
-              <a:ext uri="{FF2B5EF4-FFF2-40B4-BE49-F238E27FC236}">
-                <a16:creationId xmlns:a16="http://schemas.microsoft.com/office/drawing/2014/main" id="{736EA4EC-2A4C-3FE2-B577-6293C6575A93}"/>
-              </a:ext>
-            </a:extLst>
-          </p:cNvPr>
-          <p:cNvPicPr>
-            <a:picLocks noChangeAspect="1"/>
-          </p:cNvPicPr>
-          <p:nvPr/>
-        </p:nvPicPr>
-        <p:blipFill>
-          <a:blip r:embed="rId2"/>
-          <a:stretch>
-            <a:fillRect/>
-          </a:stretch>
-        </p:blipFill>
-        <p:spPr>
-          <a:xfrm>
-            <a:off x="2483707" y="3248927"/>
-            <a:ext cx="6543761" cy="3609073"/>
-          </a:xfrm>
-          <a:prstGeom prst="rect">
-            <a:avLst/>
-          </a:prstGeom>
-        </p:spPr>
-      </p:pic>
-    </p:spTree>
-    <p:extLst>
-      <p:ext uri="{BB962C8B-B14F-4D97-AF65-F5344CB8AC3E}">
-        <p14:creationId xmlns:p14="http://schemas.microsoft.com/office/powerpoint/2010/main" val="115939724"/>
       </p:ext>
     </p:extLst>
   </p:cSld>
